--- a/Assignments/Presentations/2015.06.14_Presentation.pptx
+++ b/Assignments/Presentations/2015.06.14_Presentation.pptx
@@ -5,7 +5,7 @@
     <p:sldMasterId id="2147483696" r:id="rId1"/>
   </p:sldMasterIdLst>
   <p:notesMasterIdLst>
-    <p:notesMasterId r:id="rId15"/>
+    <p:notesMasterId r:id="rId9"/>
   </p:notesMasterIdLst>
   <p:sldIdLst>
     <p:sldId id="285" r:id="rId2"/>
@@ -13,14 +13,8 @@
     <p:sldId id="301" r:id="rId4"/>
     <p:sldId id="286" r:id="rId5"/>
     <p:sldId id="303" r:id="rId6"/>
-    <p:sldId id="302" r:id="rId7"/>
-    <p:sldId id="287" r:id="rId8"/>
-    <p:sldId id="297" r:id="rId9"/>
-    <p:sldId id="291" r:id="rId10"/>
-    <p:sldId id="292" r:id="rId11"/>
-    <p:sldId id="296" r:id="rId12"/>
-    <p:sldId id="293" r:id="rId13"/>
-    <p:sldId id="295" r:id="rId14"/>
+    <p:sldId id="305" r:id="rId7"/>
+    <p:sldId id="306" r:id="rId8"/>
   </p:sldIdLst>
   <p:sldSz cx="12192000" cy="6858000"/>
   <p:notesSz cx="6858000" cy="9144000"/>
@@ -382,7 +376,9 @@
   <c:spPr>
     <a:noFill/>
     <a:ln>
-      <a:noFill/>
+      <a:solidFill>
+        <a:schemeClr val="accent4"/>
+      </a:solidFill>
     </a:ln>
     <a:effectLst/>
   </c:spPr>
@@ -3095,13 +3091,6 @@
             </a:rPr>
             <a:t> Interaction with other contributors</a:t>
           </a:r>
-          <a:endParaRPr lang="fr-FR" sz="1050" dirty="0" smtClean="0">
-            <a:solidFill>
-              <a:schemeClr val="accent3">
-                <a:lumMod val="75000"/>
-              </a:schemeClr>
-            </a:solidFill>
-          </a:endParaRPr>
         </a:p>
       </dgm:t>
     </dgm:pt>
@@ -3949,79 +3938,79 @@
     </dgm:pt>
   </dgm:ptLst>
   <dgm:cxnLst>
+    <dgm:cxn modelId="{FC395D7D-EDD8-402B-B114-D200F9A9E7E2}" srcId="{72C3D7C4-1FD3-4E91-B977-28931B3F5ABA}" destId="{A3AC2FB3-0EB1-4B08-81CB-415AD7D924BD}" srcOrd="1" destOrd="0" parTransId="{2B8D19A5-F9C2-4727-A570-45A82536B46A}" sibTransId="{0FB1D22F-A717-416D-996E-E2C5DBCE4FF3}"/>
+    <dgm:cxn modelId="{DDBBA678-AD8E-41FE-BD65-2D3C769198F2}" type="presOf" srcId="{F5EF96F3-82A8-497D-917C-BC7445CD45BC}" destId="{06BACB2E-25D6-491F-9902-6DE6A89C06CD}" srcOrd="0" destOrd="4" presId="urn:microsoft.com/office/officeart/2005/8/layout/hList6"/>
+    <dgm:cxn modelId="{64BC6DBF-E184-45F6-A5D3-6B7F1802F38D}" srcId="{498996AE-4AE4-493E-85FE-F243E011573C}" destId="{0F97B7B9-C085-4D5B-971D-A65CB4C29F66}" srcOrd="1" destOrd="0" parTransId="{CFD2C302-92B2-4A8C-83D7-F6422F15A5EF}" sibTransId="{D202FFD1-8D7C-4D98-A07D-8FBC3A34B848}"/>
+    <dgm:cxn modelId="{ED06762B-FC36-4EB7-BB42-21BF2D41A4BC}" srcId="{9DB0AEFC-F7C0-4A47-A9D2-B66B67BDF166}" destId="{0EB01263-FD3B-4AC7-BF83-D803022CDB57}" srcOrd="0" destOrd="0" parTransId="{B7ADEEA4-5653-4A7C-A171-75A7C360D0C6}" sibTransId="{EF439DA5-2B90-41D6-942D-A9D10364DF29}"/>
+    <dgm:cxn modelId="{1AEBB793-C715-4571-8F8B-F0663D661153}" srcId="{0EB01263-FD3B-4AC7-BF83-D803022CDB57}" destId="{B196A722-E82D-49E7-A43B-B2DE9174D042}" srcOrd="1" destOrd="0" parTransId="{4A52D62C-336E-4896-9BFA-2AC0BB8CCA72}" sibTransId="{6465AB99-B41B-4687-AEDE-0EC7C4DA1254}"/>
+    <dgm:cxn modelId="{0BEAD79E-FCBE-4D8F-843D-43FDFAFE730C}" type="presOf" srcId="{1EFEFBA2-B851-4A8A-BB22-00008FF41747}" destId="{06BACB2E-25D6-491F-9902-6DE6A89C06CD}" srcOrd="0" destOrd="0" presId="urn:microsoft.com/office/officeart/2005/8/layout/hList6"/>
+    <dgm:cxn modelId="{8A3BC528-2D42-4A0A-B95B-60FEB4DC7FB5}" type="presOf" srcId="{5252D8DF-F7ED-47A9-8F1F-1C3DE6A4722F}" destId="{71E9AA40-D3B4-4753-B77F-6CFE495E434F}" srcOrd="0" destOrd="0" presId="urn:microsoft.com/office/officeart/2005/8/layout/hList6"/>
+    <dgm:cxn modelId="{0DFF0C0F-D9EC-4E62-887A-D052689154E7}" type="presOf" srcId="{A7E412B7-27EE-4512-911E-68B463084553}" destId="{3DD4DCC5-CD2A-4C80-9516-43D7C916D6B5}" srcOrd="0" destOrd="5" presId="urn:microsoft.com/office/officeart/2005/8/layout/hList6"/>
+    <dgm:cxn modelId="{79C2B499-FC9E-4EF2-9AD9-3D7C89C0FC3D}" type="presOf" srcId="{CCF0FB11-FBA1-45FE-9378-D89F5B3CD54F}" destId="{06BACB2E-25D6-491F-9902-6DE6A89C06CD}" srcOrd="0" destOrd="2" presId="urn:microsoft.com/office/officeart/2005/8/layout/hList6"/>
+    <dgm:cxn modelId="{B68DA213-A0EC-4E2D-BFAD-FB4A32754442}" srcId="{27B8F497-EEFE-4724-A7DB-6F628DE3891D}" destId="{CCF0FB11-FBA1-45FE-9378-D89F5B3CD54F}" srcOrd="0" destOrd="0" parTransId="{34E0EB66-5006-4A57-B5EC-D5DAD4DCAAD8}" sibTransId="{EB9952C1-7CED-419D-AA04-CBC94BDBCAA5}"/>
+    <dgm:cxn modelId="{4B146B3D-1D4F-4979-974C-F51B971B0DB4}" srcId="{9DB0AEFC-F7C0-4A47-A9D2-B66B67BDF166}" destId="{D760DDB8-0289-40E9-9715-B6E03035CD20}" srcOrd="1" destOrd="0" parTransId="{418BFCA9-ADF9-4154-8C0E-C8BBB94EE0F5}" sibTransId="{5E203340-B9D1-4A51-8377-0DB15908F943}"/>
+    <dgm:cxn modelId="{FDDCEA24-EC7C-4D5D-8506-BA871DE2B185}" type="presOf" srcId="{498996AE-4AE4-493E-85FE-F243E011573C}" destId="{21D06AF9-7B68-4C50-825D-0A7D198CBF3A}" srcOrd="0" destOrd="1" presId="urn:microsoft.com/office/officeart/2005/8/layout/hList6"/>
+    <dgm:cxn modelId="{7084742B-C65A-457E-8399-BC407230678B}" type="presOf" srcId="{7107FF6F-355C-479F-868D-84C11CD2F69F}" destId="{21D06AF9-7B68-4C50-825D-0A7D198CBF3A}" srcOrd="0" destOrd="8" presId="urn:microsoft.com/office/officeart/2005/8/layout/hList6"/>
+    <dgm:cxn modelId="{3243A3DB-FAE9-4FA7-BE95-130B0022A262}" srcId="{27B8F497-EEFE-4724-A7DB-6F628DE3891D}" destId="{153C2728-0D46-4336-BCD5-B73E74FC5CFF}" srcOrd="4" destOrd="0" parTransId="{06BE9495-93B9-4B7D-A13A-D78EBD6A8851}" sibTransId="{D4E387F7-0C5F-4639-8537-57320B415B5C}"/>
+    <dgm:cxn modelId="{E642C729-0B74-4E15-93A9-C07E7A274090}" type="presOf" srcId="{72C3D7C4-1FD3-4E91-B977-28931B3F5ABA}" destId="{3DD4DCC5-CD2A-4C80-9516-43D7C916D6B5}" srcOrd="0" destOrd="0" presId="urn:microsoft.com/office/officeart/2005/8/layout/hList6"/>
+    <dgm:cxn modelId="{05D05F4D-A4C7-4304-B0A9-389F05CC2E11}" srcId="{72C3D7C4-1FD3-4E91-B977-28931B3F5ABA}" destId="{8060FE38-94C9-45D0-A618-12DAAC482145}" srcOrd="7" destOrd="0" parTransId="{61FAE307-BC03-4CB9-B9C3-8AF901F5CA93}" sibTransId="{7AB311FF-CFF5-416A-ADC5-23F42AE7362B}"/>
+    <dgm:cxn modelId="{628E5962-57DF-4D87-97D9-0192FBFDD090}" srcId="{2BE55610-4D28-42E0-8267-558A7085E18F}" destId="{498996AE-4AE4-493E-85FE-F243E011573C}" srcOrd="0" destOrd="0" parTransId="{083F37AC-F742-4756-9721-03926A31C2E0}" sibTransId="{48AF3B71-218F-4F8C-B4DE-6B2DE20F7BC5}"/>
+    <dgm:cxn modelId="{A409618B-F9B4-434E-8080-C1E81A8E848C}" srcId="{498996AE-4AE4-493E-85FE-F243E011573C}" destId="{00C52DB7-3417-4F6B-B717-76196F512E98}" srcOrd="2" destOrd="0" parTransId="{B019318C-8DCB-4417-8172-D25D40A6AB63}" sibTransId="{8D8F9D44-A46A-48DA-A7A5-5460AA7C4ADB}"/>
+    <dgm:cxn modelId="{4800A4EE-6F16-46D8-84D1-83B908998DA3}" srcId="{72C3D7C4-1FD3-4E91-B977-28931B3F5ABA}" destId="{6C89E8F9-F492-45E6-8918-60E8E347286B}" srcOrd="5" destOrd="0" parTransId="{D3A19BD5-5EF9-4F4A-A53B-A482174EDFCA}" sibTransId="{46BCADFF-F8C3-4EBF-8866-723D1B07C2AA}"/>
+    <dgm:cxn modelId="{6017BAA6-EA3D-47F1-A724-6EBF2C0CEED8}" type="presOf" srcId="{C4398932-60E9-428B-BB59-BB2FDF42C249}" destId="{F1E2BDB2-0BA9-4FD2-86F9-2CAEA5A63A20}" srcOrd="0" destOrd="6" presId="urn:microsoft.com/office/officeart/2005/8/layout/hList6"/>
+    <dgm:cxn modelId="{8163B6AE-2C6D-448B-950A-BFE70C74FC7C}" type="presOf" srcId="{5E6EC759-EDF1-444D-A55D-A9E18EFE3F70}" destId="{21D06AF9-7B68-4C50-825D-0A7D198CBF3A}" srcOrd="0" destOrd="2" presId="urn:microsoft.com/office/officeart/2005/8/layout/hList6"/>
+    <dgm:cxn modelId="{637D461F-FCB7-49FF-88C2-641C42C908C4}" srcId="{27B8F497-EEFE-4724-A7DB-6F628DE3891D}" destId="{F5EF96F3-82A8-497D-917C-BC7445CD45BC}" srcOrd="2" destOrd="0" parTransId="{D33605C6-6F05-4E2A-B706-3342807760A1}" sibTransId="{36FB1E9D-C9C2-40C1-A606-44D4C7A462E5}"/>
+    <dgm:cxn modelId="{AE803186-1124-46E1-8F1A-37AB7FE2A10B}" srcId="{1EFEFBA2-B851-4A8A-BB22-00008FF41747}" destId="{27B8F497-EEFE-4724-A7DB-6F628DE3891D}" srcOrd="0" destOrd="0" parTransId="{326F6861-A2B9-4697-8835-2FE6175350B9}" sibTransId="{CBB21267-DEF5-4514-82CE-4C0594486F84}"/>
+    <dgm:cxn modelId="{383F837F-9DCE-4D5D-B5F0-67D53EEA6EDB}" srcId="{5252D8DF-F7ED-47A9-8F1F-1C3DE6A4722F}" destId="{72C3D7C4-1FD3-4E91-B977-28931B3F5ABA}" srcOrd="0" destOrd="0" parTransId="{C7E336E9-2747-4995-A749-2C4A0C296DB1}" sibTransId="{C47984D0-4B72-491D-8DA1-F5AEAAF743E6}"/>
+    <dgm:cxn modelId="{009C5720-69F2-4568-A764-B25366A409CF}" type="presOf" srcId="{00C52DB7-3417-4F6B-B717-76196F512E98}" destId="{21D06AF9-7B68-4C50-825D-0A7D198CBF3A}" srcOrd="0" destOrd="4" presId="urn:microsoft.com/office/officeart/2005/8/layout/hList6"/>
+    <dgm:cxn modelId="{37BFBA5A-B457-486E-BF6A-F3C1A42C9351}" srcId="{498996AE-4AE4-493E-85FE-F243E011573C}" destId="{66B0C640-CB58-484B-A666-981FE46A3EAA}" srcOrd="3" destOrd="0" parTransId="{FA016A62-5D47-475B-AD26-75E551EC4E2A}" sibTransId="{A0B68A0B-723F-45B4-AB16-3FE329370EF8}"/>
+    <dgm:cxn modelId="{889E55EE-FE36-468A-8DBC-BD802B8B4A24}" type="presOf" srcId="{D760DDB8-0289-40E9-9715-B6E03035CD20}" destId="{F1E2BDB2-0BA9-4FD2-86F9-2CAEA5A63A20}" srcOrd="0" destOrd="4" presId="urn:microsoft.com/office/officeart/2005/8/layout/hList6"/>
+    <dgm:cxn modelId="{F3A2B4D6-BB4E-42BA-B583-A65FB9B18334}" srcId="{2BE55610-4D28-42E0-8267-558A7085E18F}" destId="{7107FF6F-355C-479F-868D-84C11CD2F69F}" srcOrd="1" destOrd="0" parTransId="{7A65574C-3B6E-4B7B-B4F2-48654D15DA37}" sibTransId="{B5AFDB0E-9BE2-4139-B603-4FE23277675B}"/>
+    <dgm:cxn modelId="{5681C565-D35A-4FEA-A0B2-C51EC399EE0C}" srcId="{5252D8DF-F7ED-47A9-8F1F-1C3DE6A4722F}" destId="{9DB0AEFC-F7C0-4A47-A9D2-B66B67BDF166}" srcOrd="3" destOrd="0" parTransId="{A4CF8F00-895D-40E4-8450-D92BA3CAA82B}" sibTransId="{89C62A47-94B4-428D-B017-3F9FAE42CBB2}"/>
+    <dgm:cxn modelId="{DC737BB5-46A0-4833-9E70-387B8B74F8DE}" type="presOf" srcId="{153C2728-0D46-4336-BCD5-B73E74FC5CFF}" destId="{06BACB2E-25D6-491F-9902-6DE6A89C06CD}" srcOrd="0" destOrd="6" presId="urn:microsoft.com/office/officeart/2005/8/layout/hList6"/>
+    <dgm:cxn modelId="{6F7C1151-AB38-40FB-821A-629BFB12E557}" type="presOf" srcId="{646CE12A-CECA-48AC-A6F0-D8C0AF1C344D}" destId="{06BACB2E-25D6-491F-9902-6DE6A89C06CD}" srcOrd="0" destOrd="3" presId="urn:microsoft.com/office/officeart/2005/8/layout/hList6"/>
+    <dgm:cxn modelId="{2B85F91F-55BD-4B02-AA08-C0B65713F31F}" srcId="{1EFEFBA2-B851-4A8A-BB22-00008FF41747}" destId="{BCC200FD-3EDA-402F-9FA0-E859602A5A1D}" srcOrd="1" destOrd="0" parTransId="{875838BA-E0E0-438A-85B2-AC0EA2C1DB02}" sibTransId="{B448DEC5-1698-4538-8792-F53B01B2F969}"/>
+    <dgm:cxn modelId="{1D920CBD-5AC4-49BE-9836-7DE50700D2E7}" type="presOf" srcId="{0EB01263-FD3B-4AC7-BF83-D803022CDB57}" destId="{F1E2BDB2-0BA9-4FD2-86F9-2CAEA5A63A20}" srcOrd="0" destOrd="1" presId="urn:microsoft.com/office/officeart/2005/8/layout/hList6"/>
+    <dgm:cxn modelId="{CA22A8C7-43EA-4A0A-8376-1678CD2C8F5F}" srcId="{27B8F497-EEFE-4724-A7DB-6F628DE3891D}" destId="{884C298F-B263-464A-B100-EA57B8F7D880}" srcOrd="3" destOrd="0" parTransId="{ABA02B3A-F5EF-425E-8A8E-D2E5E59C10D6}" sibTransId="{4EA44750-611F-47B6-A612-4262179F900F}"/>
+    <dgm:cxn modelId="{1D5FBDE2-344C-40F2-AD28-A0A693BD1E6C}" srcId="{27B8F497-EEFE-4724-A7DB-6F628DE3891D}" destId="{646CE12A-CECA-48AC-A6F0-D8C0AF1C344D}" srcOrd="1" destOrd="0" parTransId="{4B24C949-5D2C-4001-9511-74A535573CF9}" sibTransId="{34E80F1F-E87B-4A1F-AD19-F99AC153B487}"/>
+    <dgm:cxn modelId="{7F46FBAF-3A70-4E9E-AEF2-7D7DCE3ABAA5}" type="presOf" srcId="{B196A722-E82D-49E7-A43B-B2DE9174D042}" destId="{F1E2BDB2-0BA9-4FD2-86F9-2CAEA5A63A20}" srcOrd="0" destOrd="3" presId="urn:microsoft.com/office/officeart/2005/8/layout/hList6"/>
+    <dgm:cxn modelId="{2D90F8A9-3573-4108-A716-0C9B3D5AFBF1}" type="presOf" srcId="{A500FA09-F245-42CB-B0DE-04ADA5451810}" destId="{21D06AF9-7B68-4C50-825D-0A7D198CBF3A}" srcOrd="0" destOrd="9" presId="urn:microsoft.com/office/officeart/2005/8/layout/hList6"/>
+    <dgm:cxn modelId="{59B9FC00-6C5A-43E4-86F4-8523DE87FB65}" type="presOf" srcId="{46960BC8-27AA-45F8-AEEF-22352CF1450C}" destId="{06BACB2E-25D6-491F-9902-6DE6A89C06CD}" srcOrd="0" destOrd="8" presId="urn:microsoft.com/office/officeart/2005/8/layout/hList6"/>
+    <dgm:cxn modelId="{E389C86B-CE2C-40D6-8881-6563E6CB36FC}" type="presOf" srcId="{F5D42B0E-A74A-4B70-A5D1-5044D8743CE2}" destId="{F1E2BDB2-0BA9-4FD2-86F9-2CAEA5A63A20}" srcOrd="0" destOrd="2" presId="urn:microsoft.com/office/officeart/2005/8/layout/hList6"/>
+    <dgm:cxn modelId="{760045C8-BE67-45A2-B186-1DA090D0BC85}" type="presOf" srcId="{BCC200FD-3EDA-402F-9FA0-E859602A5A1D}" destId="{06BACB2E-25D6-491F-9902-6DE6A89C06CD}" srcOrd="0" destOrd="7" presId="urn:microsoft.com/office/officeart/2005/8/layout/hList6"/>
+    <dgm:cxn modelId="{4B9EEC82-B3C0-456B-B515-86C02DE74C6D}" type="presOf" srcId="{A3AC2FB3-0EB1-4B08-81CB-415AD7D924BD}" destId="{3DD4DCC5-CD2A-4C80-9516-43D7C916D6B5}" srcOrd="0" destOrd="2" presId="urn:microsoft.com/office/officeart/2005/8/layout/hList6"/>
+    <dgm:cxn modelId="{B7A0A54C-838F-4B77-95CA-A112C7778DD1}" type="presOf" srcId="{6C89E8F9-F492-45E6-8918-60E8E347286B}" destId="{3DD4DCC5-CD2A-4C80-9516-43D7C916D6B5}" srcOrd="0" destOrd="6" presId="urn:microsoft.com/office/officeart/2005/8/layout/hList6"/>
+    <dgm:cxn modelId="{35AE9547-F862-45D3-BE5A-E6241C543C34}" srcId="{5252D8DF-F7ED-47A9-8F1F-1C3DE6A4722F}" destId="{1EFEFBA2-B851-4A8A-BB22-00008FF41747}" srcOrd="1" destOrd="0" parTransId="{5237344E-3C45-4CD5-8679-16503A91AA7C}" sibTransId="{E95B4B51-66E9-4F52-9C30-23146904BC20}"/>
+    <dgm:cxn modelId="{D86379E3-BFCB-450D-A779-5A8F6DF98537}" type="presOf" srcId="{F2F81127-8604-4ECD-9F9E-207835E79493}" destId="{3DD4DCC5-CD2A-4C80-9516-43D7C916D6B5}" srcOrd="0" destOrd="4" presId="urn:microsoft.com/office/officeart/2005/8/layout/hList6"/>
+    <dgm:cxn modelId="{0DE55D2D-33B4-4963-9CA5-925682AFA090}" srcId="{72C3D7C4-1FD3-4E91-B977-28931B3F5ABA}" destId="{501AD31A-A917-4AA9-BB27-AC42F939E6C7}" srcOrd="2" destOrd="0" parTransId="{6FA99C3A-F407-417F-83DE-0391C15E10E9}" sibTransId="{7CF3A3B9-782C-4075-B06F-2F935C3C2DE2}"/>
+    <dgm:cxn modelId="{55566EB4-584D-46AE-9E54-F668131D18F5}" type="presOf" srcId="{3134A35E-5F85-4AA0-82AC-DC8AF808B10B}" destId="{3DD4DCC5-CD2A-4C80-9516-43D7C916D6B5}" srcOrd="0" destOrd="9" presId="urn:microsoft.com/office/officeart/2005/8/layout/hList6"/>
+    <dgm:cxn modelId="{F6FA470A-E621-47ED-9878-4D70D29B0033}" type="presOf" srcId="{27B8F497-EEFE-4724-A7DB-6F628DE3891D}" destId="{06BACB2E-25D6-491F-9902-6DE6A89C06CD}" srcOrd="0" destOrd="1" presId="urn:microsoft.com/office/officeart/2005/8/layout/hList6"/>
+    <dgm:cxn modelId="{C856C6C7-A09A-4BA5-8A8D-BD383C92DD2A}" srcId="{498996AE-4AE4-493E-85FE-F243E011573C}" destId="{65820A23-5088-47CA-BA30-3E010FED1EA7}" srcOrd="5" destOrd="0" parTransId="{0DA9102F-0E40-4EC0-87BC-0EF6CF238FC0}" sibTransId="{00602E1F-F497-452C-86E2-CED535679DDC}"/>
+    <dgm:cxn modelId="{FC8B8949-7253-4FB4-9BAB-AB2204650A4A}" type="presOf" srcId="{8060FE38-94C9-45D0-A618-12DAAC482145}" destId="{3DD4DCC5-CD2A-4C80-9516-43D7C916D6B5}" srcOrd="0" destOrd="8" presId="urn:microsoft.com/office/officeart/2005/8/layout/hList6"/>
     <dgm:cxn modelId="{6648831F-7A32-468B-8243-3135752783F3}" type="presOf" srcId="{7A1C1FF7-6355-49B1-87E0-60DAEACD27AD}" destId="{F1E2BDB2-0BA9-4FD2-86F9-2CAEA5A63A20}" srcOrd="0" destOrd="5" presId="urn:microsoft.com/office/officeart/2005/8/layout/hList6"/>
-    <dgm:cxn modelId="{6017BAA6-EA3D-47F1-A724-6EBF2C0CEED8}" type="presOf" srcId="{C4398932-60E9-428B-BB59-BB2FDF42C249}" destId="{F1E2BDB2-0BA9-4FD2-86F9-2CAEA5A63A20}" srcOrd="0" destOrd="6" presId="urn:microsoft.com/office/officeart/2005/8/layout/hList6"/>
-    <dgm:cxn modelId="{CA22A8C7-43EA-4A0A-8376-1678CD2C8F5F}" srcId="{27B8F497-EEFE-4724-A7DB-6F628DE3891D}" destId="{884C298F-B263-464A-B100-EA57B8F7D880}" srcOrd="3" destOrd="0" parTransId="{ABA02B3A-F5EF-425E-8A8E-D2E5E59C10D6}" sibTransId="{4EA44750-611F-47B6-A612-4262179F900F}"/>
+    <dgm:cxn modelId="{D4D17999-A1DE-45DF-88D3-6DC17F9EFCE5}" srcId="{498996AE-4AE4-493E-85FE-F243E011573C}" destId="{DCAA0985-226B-4387-B730-F449DFD3C2E3}" srcOrd="4" destOrd="0" parTransId="{823A40A3-55FB-4600-ADD5-DBD0C2AEC55C}" sibTransId="{88A1FB42-90BC-454F-97CA-1ACC5136176B}"/>
+    <dgm:cxn modelId="{5AB5BC65-6AFB-4EEA-A208-DF1AE0DADD1C}" type="presOf" srcId="{66B0C640-CB58-484B-A666-981FE46A3EAA}" destId="{21D06AF9-7B68-4C50-825D-0A7D198CBF3A}" srcOrd="0" destOrd="5" presId="urn:microsoft.com/office/officeart/2005/8/layout/hList6"/>
+    <dgm:cxn modelId="{09500580-C35A-4C3C-8080-5BEF0AB7E5C4}" type="presOf" srcId="{65820A23-5088-47CA-BA30-3E010FED1EA7}" destId="{21D06AF9-7B68-4C50-825D-0A7D198CBF3A}" srcOrd="0" destOrd="7" presId="urn:microsoft.com/office/officeart/2005/8/layout/hList6"/>
+    <dgm:cxn modelId="{17706F1F-9A48-4FB3-AFC9-7F173426B60D}" srcId="{72C3D7C4-1FD3-4E91-B977-28931B3F5ABA}" destId="{A7E412B7-27EE-4512-911E-68B463084553}" srcOrd="4" destOrd="0" parTransId="{10DE53D3-699E-4FAB-93E6-2D4B0644106C}" sibTransId="{0A18CE13-150F-44E7-9CBF-4C503416DB9C}"/>
+    <dgm:cxn modelId="{03CE11BA-8B87-4DDC-BB40-C3AC1B5AF75B}" type="presOf" srcId="{3C62CD8E-8D76-477F-9DB6-910BDF743BA0}" destId="{3DD4DCC5-CD2A-4C80-9516-43D7C916D6B5}" srcOrd="0" destOrd="1" presId="urn:microsoft.com/office/officeart/2005/8/layout/hList6"/>
+    <dgm:cxn modelId="{547B59A2-9048-495E-9898-70ECA9498859}" type="presOf" srcId="{2BE55610-4D28-42E0-8267-558A7085E18F}" destId="{21D06AF9-7B68-4C50-825D-0A7D198CBF3A}" srcOrd="0" destOrd="0" presId="urn:microsoft.com/office/officeart/2005/8/layout/hList6"/>
+    <dgm:cxn modelId="{42F76715-AFEB-4F17-93DB-8ADEB8228C3E}" srcId="{9DB0AEFC-F7C0-4A47-A9D2-B66B67BDF166}" destId="{C4398932-60E9-428B-BB59-BB2FDF42C249}" srcOrd="3" destOrd="0" parTransId="{3D0B83B2-1075-4391-96AD-404B4EC50D02}" sibTransId="{413CF9B1-273D-4A5D-A540-DEA45D415D55}"/>
+    <dgm:cxn modelId="{DE556CC3-DF24-4E13-A34B-765D89621F82}" srcId="{5252D8DF-F7ED-47A9-8F1F-1C3DE6A4722F}" destId="{2BE55610-4D28-42E0-8267-558A7085E18F}" srcOrd="2" destOrd="0" parTransId="{0412D34D-808E-40C7-8F02-8DB8FF4954D5}" sibTransId="{6F471C58-641B-49B6-9FAA-ED99D26EF7F1}"/>
+    <dgm:cxn modelId="{2D15631C-8040-45D9-ADE8-6CC3B32092BC}" srcId="{72C3D7C4-1FD3-4E91-B977-28931B3F5ABA}" destId="{BFA6EAEA-D702-4114-802D-1D05CB97BDA4}" srcOrd="6" destOrd="0" parTransId="{A6625999-54BE-479A-9837-A4952987CE4D}" sibTransId="{96E32F97-D294-4F13-A842-48D9E400D2DE}"/>
+    <dgm:cxn modelId="{6955C85A-D5BB-44F7-9537-5C04E372D714}" srcId="{9DB0AEFC-F7C0-4A47-A9D2-B66B67BDF166}" destId="{7A1C1FF7-6355-49B1-87E0-60DAEACD27AD}" srcOrd="2" destOrd="0" parTransId="{9B50F22F-7C27-4615-A141-2BE7584B5239}" sibTransId="{E42DFC01-96EA-412A-A668-EAA80CFE8962}"/>
+    <dgm:cxn modelId="{C9D6D3FC-57F6-411A-B743-6C974C49B44D}" type="presOf" srcId="{0F97B7B9-C085-4D5B-971D-A65CB4C29F66}" destId="{21D06AF9-7B68-4C50-825D-0A7D198CBF3A}" srcOrd="0" destOrd="3" presId="urn:microsoft.com/office/officeart/2005/8/layout/hList6"/>
+    <dgm:cxn modelId="{62F1CC26-A54F-4355-8CF1-9538ADE97A0A}" type="presOf" srcId="{501AD31A-A917-4AA9-BB27-AC42F939E6C7}" destId="{3DD4DCC5-CD2A-4C80-9516-43D7C916D6B5}" srcOrd="0" destOrd="3" presId="urn:microsoft.com/office/officeart/2005/8/layout/hList6"/>
+    <dgm:cxn modelId="{E9865A40-51BA-42A8-8ED1-FC7226692B6E}" type="presOf" srcId="{884C298F-B263-464A-B100-EA57B8F7D880}" destId="{06BACB2E-25D6-491F-9902-6DE6A89C06CD}" srcOrd="0" destOrd="5" presId="urn:microsoft.com/office/officeart/2005/8/layout/hList6"/>
     <dgm:cxn modelId="{340637D5-1948-4365-8839-9CE07222EBA5}" srcId="{498996AE-4AE4-493E-85FE-F243E011573C}" destId="{5E6EC759-EDF1-444D-A55D-A9E18EFE3F70}" srcOrd="0" destOrd="0" parTransId="{F19CC7AA-3C5B-4D8E-8479-B3D326318C7E}" sibTransId="{5E72C6B2-3576-469F-95BF-CB19BB54CC5B}"/>
-    <dgm:cxn modelId="{E642C729-0B74-4E15-93A9-C07E7A274090}" type="presOf" srcId="{72C3D7C4-1FD3-4E91-B977-28931B3F5ABA}" destId="{3DD4DCC5-CD2A-4C80-9516-43D7C916D6B5}" srcOrd="0" destOrd="0" presId="urn:microsoft.com/office/officeart/2005/8/layout/hList6"/>
-    <dgm:cxn modelId="{D4D17999-A1DE-45DF-88D3-6DC17F9EFCE5}" srcId="{498996AE-4AE4-493E-85FE-F243E011573C}" destId="{DCAA0985-226B-4387-B730-F449DFD3C2E3}" srcOrd="4" destOrd="0" parTransId="{823A40A3-55FB-4600-ADD5-DBD0C2AEC55C}" sibTransId="{88A1FB42-90BC-454F-97CA-1ACC5136176B}"/>
-    <dgm:cxn modelId="{2B85F91F-55BD-4B02-AA08-C0B65713F31F}" srcId="{1EFEFBA2-B851-4A8A-BB22-00008FF41747}" destId="{BCC200FD-3EDA-402F-9FA0-E859602A5A1D}" srcOrd="1" destOrd="0" parTransId="{875838BA-E0E0-438A-85B2-AC0EA2C1DB02}" sibTransId="{B448DEC5-1698-4538-8792-F53B01B2F969}"/>
-    <dgm:cxn modelId="{1AEBB793-C715-4571-8F8B-F0663D661153}" srcId="{0EB01263-FD3B-4AC7-BF83-D803022CDB57}" destId="{B196A722-E82D-49E7-A43B-B2DE9174D042}" srcOrd="1" destOrd="0" parTransId="{4A52D62C-336E-4896-9BFA-2AC0BB8CCA72}" sibTransId="{6465AB99-B41B-4687-AEDE-0EC7C4DA1254}"/>
-    <dgm:cxn modelId="{760045C8-BE67-45A2-B186-1DA090D0BC85}" type="presOf" srcId="{BCC200FD-3EDA-402F-9FA0-E859602A5A1D}" destId="{06BACB2E-25D6-491F-9902-6DE6A89C06CD}" srcOrd="0" destOrd="7" presId="urn:microsoft.com/office/officeart/2005/8/layout/hList6"/>
-    <dgm:cxn modelId="{1D920CBD-5AC4-49BE-9836-7DE50700D2E7}" type="presOf" srcId="{0EB01263-FD3B-4AC7-BF83-D803022CDB57}" destId="{F1E2BDB2-0BA9-4FD2-86F9-2CAEA5A63A20}" srcOrd="0" destOrd="1" presId="urn:microsoft.com/office/officeart/2005/8/layout/hList6"/>
-    <dgm:cxn modelId="{FC395D7D-EDD8-402B-B114-D200F9A9E7E2}" srcId="{72C3D7C4-1FD3-4E91-B977-28931B3F5ABA}" destId="{A3AC2FB3-0EB1-4B08-81CB-415AD7D924BD}" srcOrd="1" destOrd="0" parTransId="{2B8D19A5-F9C2-4727-A570-45A82536B46A}" sibTransId="{0FB1D22F-A717-416D-996E-E2C5DBCE4FF3}"/>
-    <dgm:cxn modelId="{37BFBA5A-B457-486E-BF6A-F3C1A42C9351}" srcId="{498996AE-4AE4-493E-85FE-F243E011573C}" destId="{66B0C640-CB58-484B-A666-981FE46A3EAA}" srcOrd="3" destOrd="0" parTransId="{FA016A62-5D47-475B-AD26-75E551EC4E2A}" sibTransId="{A0B68A0B-723F-45B4-AB16-3FE329370EF8}"/>
-    <dgm:cxn modelId="{5AB5BC65-6AFB-4EEA-A208-DF1AE0DADD1C}" type="presOf" srcId="{66B0C640-CB58-484B-A666-981FE46A3EAA}" destId="{21D06AF9-7B68-4C50-825D-0A7D198CBF3A}" srcOrd="0" destOrd="5" presId="urn:microsoft.com/office/officeart/2005/8/layout/hList6"/>
-    <dgm:cxn modelId="{6955C85A-D5BB-44F7-9537-5C04E372D714}" srcId="{9DB0AEFC-F7C0-4A47-A9D2-B66B67BDF166}" destId="{7A1C1FF7-6355-49B1-87E0-60DAEACD27AD}" srcOrd="2" destOrd="0" parTransId="{9B50F22F-7C27-4615-A141-2BE7584B5239}" sibTransId="{E42DFC01-96EA-412A-A668-EAA80CFE8962}"/>
-    <dgm:cxn modelId="{0DFF0C0F-D9EC-4E62-887A-D052689154E7}" type="presOf" srcId="{A7E412B7-27EE-4512-911E-68B463084553}" destId="{3DD4DCC5-CD2A-4C80-9516-43D7C916D6B5}" srcOrd="0" destOrd="5" presId="urn:microsoft.com/office/officeart/2005/8/layout/hList6"/>
-    <dgm:cxn modelId="{09500580-C35A-4C3C-8080-5BEF0AB7E5C4}" type="presOf" srcId="{65820A23-5088-47CA-BA30-3E010FED1EA7}" destId="{21D06AF9-7B68-4C50-825D-0A7D198CBF3A}" srcOrd="0" destOrd="7" presId="urn:microsoft.com/office/officeart/2005/8/layout/hList6"/>
-    <dgm:cxn modelId="{55566EB4-584D-46AE-9E54-F668131D18F5}" type="presOf" srcId="{3134A35E-5F85-4AA0-82AC-DC8AF808B10B}" destId="{3DD4DCC5-CD2A-4C80-9516-43D7C916D6B5}" srcOrd="0" destOrd="9" presId="urn:microsoft.com/office/officeart/2005/8/layout/hList6"/>
-    <dgm:cxn modelId="{A409618B-F9B4-434E-8080-C1E81A8E848C}" srcId="{498996AE-4AE4-493E-85FE-F243E011573C}" destId="{00C52DB7-3417-4F6B-B717-76196F512E98}" srcOrd="2" destOrd="0" parTransId="{B019318C-8DCB-4417-8172-D25D40A6AB63}" sibTransId="{8D8F9D44-A46A-48DA-A7A5-5460AA7C4ADB}"/>
-    <dgm:cxn modelId="{2D15631C-8040-45D9-ADE8-6CC3B32092BC}" srcId="{72C3D7C4-1FD3-4E91-B977-28931B3F5ABA}" destId="{BFA6EAEA-D702-4114-802D-1D05CB97BDA4}" srcOrd="6" destOrd="0" parTransId="{A6625999-54BE-479A-9837-A4952987CE4D}" sibTransId="{96E32F97-D294-4F13-A842-48D9E400D2DE}"/>
-    <dgm:cxn modelId="{62F1CC26-A54F-4355-8CF1-9538ADE97A0A}" type="presOf" srcId="{501AD31A-A917-4AA9-BB27-AC42F939E6C7}" destId="{3DD4DCC5-CD2A-4C80-9516-43D7C916D6B5}" srcOrd="0" destOrd="3" presId="urn:microsoft.com/office/officeart/2005/8/layout/hList6"/>
-    <dgm:cxn modelId="{ED06762B-FC36-4EB7-BB42-21BF2D41A4BC}" srcId="{9DB0AEFC-F7C0-4A47-A9D2-B66B67BDF166}" destId="{0EB01263-FD3B-4AC7-BF83-D803022CDB57}" srcOrd="0" destOrd="0" parTransId="{B7ADEEA4-5653-4A7C-A171-75A7C360D0C6}" sibTransId="{EF439DA5-2B90-41D6-942D-A9D10364DF29}"/>
+    <dgm:cxn modelId="{8019387C-88C3-4DCF-810D-DE8619DEB540}" srcId="{72C3D7C4-1FD3-4E91-B977-28931B3F5ABA}" destId="{3C62CD8E-8D76-477F-9DB6-910BDF743BA0}" srcOrd="0" destOrd="0" parTransId="{ACB6940E-F7AB-4B27-A4AF-138986DD3A81}" sibTransId="{15123142-6E4E-45E4-807A-07C399AF1AF7}"/>
+    <dgm:cxn modelId="{487D58D9-3B31-4424-9840-F9C066D7CF4E}" srcId="{1EFEFBA2-B851-4A8A-BB22-00008FF41747}" destId="{46960BC8-27AA-45F8-AEEF-22352CF1450C}" srcOrd="2" destOrd="0" parTransId="{CDFC704C-CE99-4629-BDE1-B0283A7800AE}" sibTransId="{EBBA58DB-C3E1-4881-9269-F2C8513B005E}"/>
+    <dgm:cxn modelId="{C69C6571-5DCB-489E-BA78-B97A4F67D892}" type="presOf" srcId="{DCAA0985-226B-4387-B730-F449DFD3C2E3}" destId="{21D06AF9-7B68-4C50-825D-0A7D198CBF3A}" srcOrd="0" destOrd="6" presId="urn:microsoft.com/office/officeart/2005/8/layout/hList6"/>
+    <dgm:cxn modelId="{4D8E0CA6-ADA0-4773-A89A-E9F7C1E688F9}" srcId="{0EB01263-FD3B-4AC7-BF83-D803022CDB57}" destId="{F5D42B0E-A74A-4B70-A5D1-5044D8743CE2}" srcOrd="0" destOrd="0" parTransId="{7A6CE080-2E23-488F-B819-CE4A3AF04735}" sibTransId="{D55899BE-9D08-4A57-AE57-4825F1B359F3}"/>
+    <dgm:cxn modelId="{0F0AF83D-F9E7-40C1-B4B7-F7B2DDCA42D9}" srcId="{2BE55610-4D28-42E0-8267-558A7085E18F}" destId="{A500FA09-F245-42CB-B0DE-04ADA5451810}" srcOrd="2" destOrd="0" parTransId="{603B18AA-B746-4BE6-8BEA-FD31384938C6}" sibTransId="{AAC1C1C9-4CEC-49A8-AF46-36E16998BC0D}"/>
     <dgm:cxn modelId="{B5F2A0E4-3E0E-4D85-B283-6E56FCA57801}" type="presOf" srcId="{9DB0AEFC-F7C0-4A47-A9D2-B66B67BDF166}" destId="{F1E2BDB2-0BA9-4FD2-86F9-2CAEA5A63A20}" srcOrd="0" destOrd="0" presId="urn:microsoft.com/office/officeart/2005/8/layout/hList6"/>
-    <dgm:cxn modelId="{DDBBA678-AD8E-41FE-BD65-2D3C769198F2}" type="presOf" srcId="{F5EF96F3-82A8-497D-917C-BC7445CD45BC}" destId="{06BACB2E-25D6-491F-9902-6DE6A89C06CD}" srcOrd="0" destOrd="4" presId="urn:microsoft.com/office/officeart/2005/8/layout/hList6"/>
-    <dgm:cxn modelId="{5681C565-D35A-4FEA-A0B2-C51EC399EE0C}" srcId="{5252D8DF-F7ED-47A9-8F1F-1C3DE6A4722F}" destId="{9DB0AEFC-F7C0-4A47-A9D2-B66B67BDF166}" srcOrd="3" destOrd="0" parTransId="{A4CF8F00-895D-40E4-8450-D92BA3CAA82B}" sibTransId="{89C62A47-94B4-428D-B017-3F9FAE42CBB2}"/>
-    <dgm:cxn modelId="{7084742B-C65A-457E-8399-BC407230678B}" type="presOf" srcId="{7107FF6F-355C-479F-868D-84C11CD2F69F}" destId="{21D06AF9-7B68-4C50-825D-0A7D198CBF3A}" srcOrd="0" destOrd="8" presId="urn:microsoft.com/office/officeart/2005/8/layout/hList6"/>
-    <dgm:cxn modelId="{59B9FC00-6C5A-43E4-86F4-8523DE87FB65}" type="presOf" srcId="{46960BC8-27AA-45F8-AEEF-22352CF1450C}" destId="{06BACB2E-25D6-491F-9902-6DE6A89C06CD}" srcOrd="0" destOrd="8" presId="urn:microsoft.com/office/officeart/2005/8/layout/hList6"/>
-    <dgm:cxn modelId="{03CE11BA-8B87-4DDC-BB40-C3AC1B5AF75B}" type="presOf" srcId="{3C62CD8E-8D76-477F-9DB6-910BDF743BA0}" destId="{3DD4DCC5-CD2A-4C80-9516-43D7C916D6B5}" srcOrd="0" destOrd="1" presId="urn:microsoft.com/office/officeart/2005/8/layout/hList6"/>
-    <dgm:cxn modelId="{D86379E3-BFCB-450D-A779-5A8F6DF98537}" type="presOf" srcId="{F2F81127-8604-4ECD-9F9E-207835E79493}" destId="{3DD4DCC5-CD2A-4C80-9516-43D7C916D6B5}" srcOrd="0" destOrd="4" presId="urn:microsoft.com/office/officeart/2005/8/layout/hList6"/>
-    <dgm:cxn modelId="{4B9EEC82-B3C0-456B-B515-86C02DE74C6D}" type="presOf" srcId="{A3AC2FB3-0EB1-4B08-81CB-415AD7D924BD}" destId="{3DD4DCC5-CD2A-4C80-9516-43D7C916D6B5}" srcOrd="0" destOrd="2" presId="urn:microsoft.com/office/officeart/2005/8/layout/hList6"/>
-    <dgm:cxn modelId="{64BC6DBF-E184-45F6-A5D3-6B7F1802F38D}" srcId="{498996AE-4AE4-493E-85FE-F243E011573C}" destId="{0F97B7B9-C085-4D5B-971D-A65CB4C29F66}" srcOrd="1" destOrd="0" parTransId="{CFD2C302-92B2-4A8C-83D7-F6422F15A5EF}" sibTransId="{D202FFD1-8D7C-4D98-A07D-8FBC3A34B848}"/>
-    <dgm:cxn modelId="{8163B6AE-2C6D-448B-950A-BFE70C74FC7C}" type="presOf" srcId="{5E6EC759-EDF1-444D-A55D-A9E18EFE3F70}" destId="{21D06AF9-7B68-4C50-825D-0A7D198CBF3A}" srcOrd="0" destOrd="2" presId="urn:microsoft.com/office/officeart/2005/8/layout/hList6"/>
-    <dgm:cxn modelId="{4B146B3D-1D4F-4979-974C-F51B971B0DB4}" srcId="{9DB0AEFC-F7C0-4A47-A9D2-B66B67BDF166}" destId="{D760DDB8-0289-40E9-9715-B6E03035CD20}" srcOrd="1" destOrd="0" parTransId="{418BFCA9-ADF9-4154-8C0E-C8BBB94EE0F5}" sibTransId="{5E203340-B9D1-4A51-8377-0DB15908F943}"/>
-    <dgm:cxn modelId="{637D461F-FCB7-49FF-88C2-641C42C908C4}" srcId="{27B8F497-EEFE-4724-A7DB-6F628DE3891D}" destId="{F5EF96F3-82A8-497D-917C-BC7445CD45BC}" srcOrd="2" destOrd="0" parTransId="{D33605C6-6F05-4E2A-B706-3342807760A1}" sibTransId="{36FB1E9D-C9C2-40C1-A606-44D4C7A462E5}"/>
-    <dgm:cxn modelId="{7F46FBAF-3A70-4E9E-AEF2-7D7DCE3ABAA5}" type="presOf" srcId="{B196A722-E82D-49E7-A43B-B2DE9174D042}" destId="{F1E2BDB2-0BA9-4FD2-86F9-2CAEA5A63A20}" srcOrd="0" destOrd="3" presId="urn:microsoft.com/office/officeart/2005/8/layout/hList6"/>
-    <dgm:cxn modelId="{009C5720-69F2-4568-A764-B25366A409CF}" type="presOf" srcId="{00C52DB7-3417-4F6B-B717-76196F512E98}" destId="{21D06AF9-7B68-4C50-825D-0A7D198CBF3A}" srcOrd="0" destOrd="4" presId="urn:microsoft.com/office/officeart/2005/8/layout/hList6"/>
-    <dgm:cxn modelId="{3243A3DB-FAE9-4FA7-BE95-130B0022A262}" srcId="{27B8F497-EEFE-4724-A7DB-6F628DE3891D}" destId="{153C2728-0D46-4336-BCD5-B73E74FC5CFF}" srcOrd="4" destOrd="0" parTransId="{06BE9495-93B9-4B7D-A13A-D78EBD6A8851}" sibTransId="{D4E387F7-0C5F-4639-8537-57320B415B5C}"/>
-    <dgm:cxn modelId="{F6FA470A-E621-47ED-9878-4D70D29B0033}" type="presOf" srcId="{27B8F497-EEFE-4724-A7DB-6F628DE3891D}" destId="{06BACB2E-25D6-491F-9902-6DE6A89C06CD}" srcOrd="0" destOrd="1" presId="urn:microsoft.com/office/officeart/2005/8/layout/hList6"/>
-    <dgm:cxn modelId="{487D58D9-3B31-4424-9840-F9C066D7CF4E}" srcId="{1EFEFBA2-B851-4A8A-BB22-00008FF41747}" destId="{46960BC8-27AA-45F8-AEEF-22352CF1450C}" srcOrd="2" destOrd="0" parTransId="{CDFC704C-CE99-4629-BDE1-B0283A7800AE}" sibTransId="{EBBA58DB-C3E1-4881-9269-F2C8513B005E}"/>
-    <dgm:cxn modelId="{383F837F-9DCE-4D5D-B5F0-67D53EEA6EDB}" srcId="{5252D8DF-F7ED-47A9-8F1F-1C3DE6A4722F}" destId="{72C3D7C4-1FD3-4E91-B977-28931B3F5ABA}" srcOrd="0" destOrd="0" parTransId="{C7E336E9-2747-4995-A749-2C4A0C296DB1}" sibTransId="{C47984D0-4B72-491D-8DA1-F5AEAAF743E6}"/>
-    <dgm:cxn modelId="{1D5FBDE2-344C-40F2-AD28-A0A693BD1E6C}" srcId="{27B8F497-EEFE-4724-A7DB-6F628DE3891D}" destId="{646CE12A-CECA-48AC-A6F0-D8C0AF1C344D}" srcOrd="1" destOrd="0" parTransId="{4B24C949-5D2C-4001-9511-74A535573CF9}" sibTransId="{34E80F1F-E87B-4A1F-AD19-F99AC153B487}"/>
-    <dgm:cxn modelId="{2D90F8A9-3573-4108-A716-0C9B3D5AFBF1}" type="presOf" srcId="{A500FA09-F245-42CB-B0DE-04ADA5451810}" destId="{21D06AF9-7B68-4C50-825D-0A7D198CBF3A}" srcOrd="0" destOrd="9" presId="urn:microsoft.com/office/officeart/2005/8/layout/hList6"/>
-    <dgm:cxn modelId="{B68DA213-A0EC-4E2D-BFAD-FB4A32754442}" srcId="{27B8F497-EEFE-4724-A7DB-6F628DE3891D}" destId="{CCF0FB11-FBA1-45FE-9378-D89F5B3CD54F}" srcOrd="0" destOrd="0" parTransId="{34E0EB66-5006-4A57-B5EC-D5DAD4DCAAD8}" sibTransId="{EB9952C1-7CED-419D-AA04-CBC94BDBCAA5}"/>
-    <dgm:cxn modelId="{E389C86B-CE2C-40D6-8881-6563E6CB36FC}" type="presOf" srcId="{F5D42B0E-A74A-4B70-A5D1-5044D8743CE2}" destId="{F1E2BDB2-0BA9-4FD2-86F9-2CAEA5A63A20}" srcOrd="0" destOrd="2" presId="urn:microsoft.com/office/officeart/2005/8/layout/hList6"/>
-    <dgm:cxn modelId="{0F0AF83D-F9E7-40C1-B4B7-F7B2DDCA42D9}" srcId="{2BE55610-4D28-42E0-8267-558A7085E18F}" destId="{A500FA09-F245-42CB-B0DE-04ADA5451810}" srcOrd="2" destOrd="0" parTransId="{603B18AA-B746-4BE6-8BEA-FD31384938C6}" sibTransId="{AAC1C1C9-4CEC-49A8-AF46-36E16998BC0D}"/>
     <dgm:cxn modelId="{9FE6B04F-043F-4842-94C7-BFE97A8E63FB}" srcId="{72C3D7C4-1FD3-4E91-B977-28931B3F5ABA}" destId="{3134A35E-5F85-4AA0-82AC-DC8AF808B10B}" srcOrd="8" destOrd="0" parTransId="{4996416F-3E3B-4A82-B815-CAAA109D65A0}" sibTransId="{9C551CA4-A023-4452-9361-07B91AA4E205}"/>
     <dgm:cxn modelId="{DE27CD1D-0730-48AE-A71D-F3A1B69FEC3E}" type="presOf" srcId="{BFA6EAEA-D702-4114-802D-1D05CB97BDA4}" destId="{3DD4DCC5-CD2A-4C80-9516-43D7C916D6B5}" srcOrd="0" destOrd="7" presId="urn:microsoft.com/office/officeart/2005/8/layout/hList6"/>
-    <dgm:cxn modelId="{0BEAD79E-FCBE-4D8F-843D-43FDFAFE730C}" type="presOf" srcId="{1EFEFBA2-B851-4A8A-BB22-00008FF41747}" destId="{06BACB2E-25D6-491F-9902-6DE6A89C06CD}" srcOrd="0" destOrd="0" presId="urn:microsoft.com/office/officeart/2005/8/layout/hList6"/>
-    <dgm:cxn modelId="{8019387C-88C3-4DCF-810D-DE8619DEB540}" srcId="{72C3D7C4-1FD3-4E91-B977-28931B3F5ABA}" destId="{3C62CD8E-8D76-477F-9DB6-910BDF743BA0}" srcOrd="0" destOrd="0" parTransId="{ACB6940E-F7AB-4B27-A4AF-138986DD3A81}" sibTransId="{15123142-6E4E-45E4-807A-07C399AF1AF7}"/>
-    <dgm:cxn modelId="{C9D6D3FC-57F6-411A-B743-6C974C49B44D}" type="presOf" srcId="{0F97B7B9-C085-4D5B-971D-A65CB4C29F66}" destId="{21D06AF9-7B68-4C50-825D-0A7D198CBF3A}" srcOrd="0" destOrd="3" presId="urn:microsoft.com/office/officeart/2005/8/layout/hList6"/>
-    <dgm:cxn modelId="{35AE9547-F862-45D3-BE5A-E6241C543C34}" srcId="{5252D8DF-F7ED-47A9-8F1F-1C3DE6A4722F}" destId="{1EFEFBA2-B851-4A8A-BB22-00008FF41747}" srcOrd="1" destOrd="0" parTransId="{5237344E-3C45-4CD5-8679-16503A91AA7C}" sibTransId="{E95B4B51-66E9-4F52-9C30-23146904BC20}"/>
-    <dgm:cxn modelId="{42F76715-AFEB-4F17-93DB-8ADEB8228C3E}" srcId="{9DB0AEFC-F7C0-4A47-A9D2-B66B67BDF166}" destId="{C4398932-60E9-428B-BB59-BB2FDF42C249}" srcOrd="3" destOrd="0" parTransId="{3D0B83B2-1075-4391-96AD-404B4EC50D02}" sibTransId="{413CF9B1-273D-4A5D-A540-DEA45D415D55}"/>
-    <dgm:cxn modelId="{889E55EE-FE36-468A-8DBC-BD802B8B4A24}" type="presOf" srcId="{D760DDB8-0289-40E9-9715-B6E03035CD20}" destId="{F1E2BDB2-0BA9-4FD2-86F9-2CAEA5A63A20}" srcOrd="0" destOrd="4" presId="urn:microsoft.com/office/officeart/2005/8/layout/hList6"/>
-    <dgm:cxn modelId="{B7A0A54C-838F-4B77-95CA-A112C7778DD1}" type="presOf" srcId="{6C89E8F9-F492-45E6-8918-60E8E347286B}" destId="{3DD4DCC5-CD2A-4C80-9516-43D7C916D6B5}" srcOrd="0" destOrd="6" presId="urn:microsoft.com/office/officeart/2005/8/layout/hList6"/>
-    <dgm:cxn modelId="{79C2B499-FC9E-4EF2-9AD9-3D7C89C0FC3D}" type="presOf" srcId="{CCF0FB11-FBA1-45FE-9378-D89F5B3CD54F}" destId="{06BACB2E-25D6-491F-9902-6DE6A89C06CD}" srcOrd="0" destOrd="2" presId="urn:microsoft.com/office/officeart/2005/8/layout/hList6"/>
-    <dgm:cxn modelId="{6F7C1151-AB38-40FB-821A-629BFB12E557}" type="presOf" srcId="{646CE12A-CECA-48AC-A6F0-D8C0AF1C344D}" destId="{06BACB2E-25D6-491F-9902-6DE6A89C06CD}" srcOrd="0" destOrd="3" presId="urn:microsoft.com/office/officeart/2005/8/layout/hList6"/>
-    <dgm:cxn modelId="{AE803186-1124-46E1-8F1A-37AB7FE2A10B}" srcId="{1EFEFBA2-B851-4A8A-BB22-00008FF41747}" destId="{27B8F497-EEFE-4724-A7DB-6F628DE3891D}" srcOrd="0" destOrd="0" parTransId="{326F6861-A2B9-4697-8835-2FE6175350B9}" sibTransId="{CBB21267-DEF5-4514-82CE-4C0594486F84}"/>
-    <dgm:cxn modelId="{E9865A40-51BA-42A8-8ED1-FC7226692B6E}" type="presOf" srcId="{884C298F-B263-464A-B100-EA57B8F7D880}" destId="{06BACB2E-25D6-491F-9902-6DE6A89C06CD}" srcOrd="0" destOrd="5" presId="urn:microsoft.com/office/officeart/2005/8/layout/hList6"/>
-    <dgm:cxn modelId="{4D8E0CA6-ADA0-4773-A89A-E9F7C1E688F9}" srcId="{0EB01263-FD3B-4AC7-BF83-D803022CDB57}" destId="{F5D42B0E-A74A-4B70-A5D1-5044D8743CE2}" srcOrd="0" destOrd="0" parTransId="{7A6CE080-2E23-488F-B819-CE4A3AF04735}" sibTransId="{D55899BE-9D08-4A57-AE57-4825F1B359F3}"/>
-    <dgm:cxn modelId="{628E5962-57DF-4D87-97D9-0192FBFDD090}" srcId="{2BE55610-4D28-42E0-8267-558A7085E18F}" destId="{498996AE-4AE4-493E-85FE-F243E011573C}" srcOrd="0" destOrd="0" parTransId="{083F37AC-F742-4756-9721-03926A31C2E0}" sibTransId="{48AF3B71-218F-4F8C-B4DE-6B2DE20F7BC5}"/>
-    <dgm:cxn modelId="{FDDCEA24-EC7C-4D5D-8506-BA871DE2B185}" type="presOf" srcId="{498996AE-4AE4-493E-85FE-F243E011573C}" destId="{21D06AF9-7B68-4C50-825D-0A7D198CBF3A}" srcOrd="0" destOrd="1" presId="urn:microsoft.com/office/officeart/2005/8/layout/hList6"/>
-    <dgm:cxn modelId="{547B59A2-9048-495E-9898-70ECA9498859}" type="presOf" srcId="{2BE55610-4D28-42E0-8267-558A7085E18F}" destId="{21D06AF9-7B68-4C50-825D-0A7D198CBF3A}" srcOrd="0" destOrd="0" presId="urn:microsoft.com/office/officeart/2005/8/layout/hList6"/>
-    <dgm:cxn modelId="{DC737BB5-46A0-4833-9E70-387B8B74F8DE}" type="presOf" srcId="{153C2728-0D46-4336-BCD5-B73E74FC5CFF}" destId="{06BACB2E-25D6-491F-9902-6DE6A89C06CD}" srcOrd="0" destOrd="6" presId="urn:microsoft.com/office/officeart/2005/8/layout/hList6"/>
-    <dgm:cxn modelId="{0DE55D2D-33B4-4963-9CA5-925682AFA090}" srcId="{72C3D7C4-1FD3-4E91-B977-28931B3F5ABA}" destId="{501AD31A-A917-4AA9-BB27-AC42F939E6C7}" srcOrd="2" destOrd="0" parTransId="{6FA99C3A-F407-417F-83DE-0391C15E10E9}" sibTransId="{7CF3A3B9-782C-4075-B06F-2F935C3C2DE2}"/>
     <dgm:cxn modelId="{1AF38BB0-8239-4FB1-AD88-E895B84302D6}" srcId="{72C3D7C4-1FD3-4E91-B977-28931B3F5ABA}" destId="{F2F81127-8604-4ECD-9F9E-207835E79493}" srcOrd="3" destOrd="0" parTransId="{99A45E88-8DDE-48D1-8F65-2DC2BFDC1B91}" sibTransId="{D3A54DFC-B2DF-4EA2-B582-F300D0C6C9D1}"/>
-    <dgm:cxn modelId="{C69C6571-5DCB-489E-BA78-B97A4F67D892}" type="presOf" srcId="{DCAA0985-226B-4387-B730-F449DFD3C2E3}" destId="{21D06AF9-7B68-4C50-825D-0A7D198CBF3A}" srcOrd="0" destOrd="6" presId="urn:microsoft.com/office/officeart/2005/8/layout/hList6"/>
-    <dgm:cxn modelId="{DE556CC3-DF24-4E13-A34B-765D89621F82}" srcId="{5252D8DF-F7ED-47A9-8F1F-1C3DE6A4722F}" destId="{2BE55610-4D28-42E0-8267-558A7085E18F}" srcOrd="2" destOrd="0" parTransId="{0412D34D-808E-40C7-8F02-8DB8FF4954D5}" sibTransId="{6F471C58-641B-49B6-9FAA-ED99D26EF7F1}"/>
-    <dgm:cxn modelId="{F3A2B4D6-BB4E-42BA-B583-A65FB9B18334}" srcId="{2BE55610-4D28-42E0-8267-558A7085E18F}" destId="{7107FF6F-355C-479F-868D-84C11CD2F69F}" srcOrd="1" destOrd="0" parTransId="{7A65574C-3B6E-4B7B-B4F2-48654D15DA37}" sibTransId="{B5AFDB0E-9BE2-4139-B603-4FE23277675B}"/>
-    <dgm:cxn modelId="{17706F1F-9A48-4FB3-AFC9-7F173426B60D}" srcId="{72C3D7C4-1FD3-4E91-B977-28931B3F5ABA}" destId="{A7E412B7-27EE-4512-911E-68B463084553}" srcOrd="4" destOrd="0" parTransId="{10DE53D3-699E-4FAB-93E6-2D4B0644106C}" sibTransId="{0A18CE13-150F-44E7-9CBF-4C503416DB9C}"/>
-    <dgm:cxn modelId="{05D05F4D-A4C7-4304-B0A9-389F05CC2E11}" srcId="{72C3D7C4-1FD3-4E91-B977-28931B3F5ABA}" destId="{8060FE38-94C9-45D0-A618-12DAAC482145}" srcOrd="7" destOrd="0" parTransId="{61FAE307-BC03-4CB9-B9C3-8AF901F5CA93}" sibTransId="{7AB311FF-CFF5-416A-ADC5-23F42AE7362B}"/>
-    <dgm:cxn modelId="{8A3BC528-2D42-4A0A-B95B-60FEB4DC7FB5}" type="presOf" srcId="{5252D8DF-F7ED-47A9-8F1F-1C3DE6A4722F}" destId="{71E9AA40-D3B4-4753-B77F-6CFE495E434F}" srcOrd="0" destOrd="0" presId="urn:microsoft.com/office/officeart/2005/8/layout/hList6"/>
-    <dgm:cxn modelId="{FC8B8949-7253-4FB4-9BAB-AB2204650A4A}" type="presOf" srcId="{8060FE38-94C9-45D0-A618-12DAAC482145}" destId="{3DD4DCC5-CD2A-4C80-9516-43D7C916D6B5}" srcOrd="0" destOrd="8" presId="urn:microsoft.com/office/officeart/2005/8/layout/hList6"/>
-    <dgm:cxn modelId="{4800A4EE-6F16-46D8-84D1-83B908998DA3}" srcId="{72C3D7C4-1FD3-4E91-B977-28931B3F5ABA}" destId="{6C89E8F9-F492-45E6-8918-60E8E347286B}" srcOrd="5" destOrd="0" parTransId="{D3A19BD5-5EF9-4F4A-A53B-A482174EDFCA}" sibTransId="{46BCADFF-F8C3-4EBF-8866-723D1B07C2AA}"/>
-    <dgm:cxn modelId="{C856C6C7-A09A-4BA5-8A8D-BD383C92DD2A}" srcId="{498996AE-4AE4-493E-85FE-F243E011573C}" destId="{65820A23-5088-47CA-BA30-3E010FED1EA7}" srcOrd="5" destOrd="0" parTransId="{0DA9102F-0E40-4EC0-87BC-0EF6CF238FC0}" sibTransId="{00602E1F-F497-452C-86E2-CED535679DDC}"/>
     <dgm:cxn modelId="{3456E43E-2BF4-4189-BAA6-9FF04BCBCAE8}" type="presParOf" srcId="{71E9AA40-D3B4-4753-B77F-6CFE495E434F}" destId="{3DD4DCC5-CD2A-4C80-9516-43D7C916D6B5}" srcOrd="0" destOrd="0" presId="urn:microsoft.com/office/officeart/2005/8/layout/hList6"/>
     <dgm:cxn modelId="{27C76C3C-ED65-4DF4-9734-04FAEAE44E9B}" type="presParOf" srcId="{71E9AA40-D3B4-4753-B77F-6CFE495E434F}" destId="{8FD0C632-C2B7-419D-B173-A6F16D83E195}" srcOrd="1" destOrd="0" presId="urn:microsoft.com/office/officeart/2005/8/layout/hList6"/>
     <dgm:cxn modelId="{D7E53C49-447D-4BF7-99C4-AB115A02D1F5}" type="presParOf" srcId="{71E9AA40-D3B4-4753-B77F-6CFE495E434F}" destId="{06BACB2E-25D6-491F-9902-6DE6A89C06CD}" srcOrd="2" destOrd="0" presId="urn:microsoft.com/office/officeart/2005/8/layout/hList6"/>
@@ -5547,13 +5536,6 @@
             </a:rPr>
             <a:t> Interaction with other contributors</a:t>
           </a:r>
-          <a:endParaRPr lang="fr-FR" sz="1050" kern="1200" dirty="0" smtClean="0">
-            <a:solidFill>
-              <a:schemeClr val="accent3">
-                <a:lumMod val="75000"/>
-              </a:schemeClr>
-            </a:solidFill>
-          </a:endParaRPr>
         </a:p>
         <a:p>
           <a:pPr marL="57150" lvl="1" indent="-57150" algn="l" defTabSz="466725">
@@ -6895,7 +6877,7 @@
           <a:p>
             <a:fld id="{DDCCA47B-3C97-470F-9E92-6634E455912F}" type="datetimeFigureOut">
               <a:rPr lang="en-US" smtClean="0"/>
-              <a:t>6/14/2015</a:t>
+              <a:t>6/15/2015</a:t>
             </a:fld>
             <a:endParaRPr lang="en-US"/>
           </a:p>
@@ -7473,7 +7455,7 @@
           <a:p>
             <a:fld id="{02594452-2088-46C7-8121-271356E8511E}" type="datetime1">
               <a:rPr lang="fr-FR" smtClean="0"/>
-              <a:t>14/06/2015</a:t>
+              <a:t>15/06/2015</a:t>
             </a:fld>
             <a:endParaRPr lang="fr-FR"/>
           </a:p>
@@ -7685,7 +7667,7 @@
           <a:p>
             <a:fld id="{FF739EE9-E6DE-4CFF-9ECE-0F54FDE20F4B}" type="datetime1">
               <a:rPr lang="fr-FR" smtClean="0"/>
-              <a:t>14/06/2015</a:t>
+              <a:t>15/06/2015</a:t>
             </a:fld>
             <a:endParaRPr lang="fr-FR"/>
           </a:p>
@@ -7945,7 +7927,7 @@
           <a:p>
             <a:fld id="{058B513E-FE9D-418D-A202-255A4E4C6AC5}" type="datetime1">
               <a:rPr lang="fr-FR" smtClean="0"/>
-              <a:t>14/06/2015</a:t>
+              <a:t>15/06/2015</a:t>
             </a:fld>
             <a:endParaRPr lang="fr-FR"/>
           </a:p>
@@ -8119,7 +8101,7 @@
           <a:p>
             <a:fld id="{B3951D82-E167-4565-95B5-D8341A5A6D5B}" type="datetime1">
               <a:rPr lang="fr-FR" smtClean="0"/>
-              <a:t>14/06/2015</a:t>
+              <a:t>15/06/2015</a:t>
             </a:fld>
             <a:endParaRPr lang="fr-FR"/>
           </a:p>
@@ -8466,7 +8448,7 @@
           <a:p>
             <a:fld id="{6F395423-CF2A-41A1-B998-779941211E29}" type="datetime1">
               <a:rPr lang="fr-FR" smtClean="0"/>
-              <a:t>14/06/2015</a:t>
+              <a:t>15/06/2015</a:t>
             </a:fld>
             <a:endParaRPr lang="fr-FR"/>
           </a:p>
@@ -8745,7 +8727,7 @@
           <a:p>
             <a:fld id="{7B31CB30-7913-4FD5-8453-6D9FF22AA427}" type="datetime1">
               <a:rPr lang="fr-FR" smtClean="0"/>
-              <a:t>14/06/2015</a:t>
+              <a:t>15/06/2015</a:t>
             </a:fld>
             <a:endParaRPr lang="fr-FR"/>
           </a:p>
@@ -9128,7 +9110,7 @@
           <a:p>
             <a:fld id="{8F14C0EE-E481-43F3-94DA-D1A25CEC40DE}" type="datetime1">
               <a:rPr lang="fr-FR" smtClean="0"/>
-              <a:t>14/06/2015</a:t>
+              <a:t>15/06/2015</a:t>
             </a:fld>
             <a:endParaRPr lang="fr-FR"/>
           </a:p>
@@ -9250,7 +9232,7 @@
           <a:p>
             <a:fld id="{531EB399-98EB-4874-922C-FD316CDCF690}" type="datetime1">
               <a:rPr lang="fr-FR" smtClean="0"/>
-              <a:t>14/06/2015</a:t>
+              <a:t>15/06/2015</a:t>
             </a:fld>
             <a:endParaRPr lang="fr-FR"/>
           </a:p>
@@ -9425,7 +9407,7 @@
           <a:p>
             <a:fld id="{3ECF0B9D-8152-464B-A496-6DA29EB38900}" type="datetime1">
               <a:rPr lang="fr-FR" smtClean="0"/>
-              <a:t>14/06/2015</a:t>
+              <a:t>15/06/2015</a:t>
             </a:fld>
             <a:endParaRPr lang="fr-FR"/>
           </a:p>
@@ -9783,7 +9765,7 @@
           <a:p>
             <a:fld id="{EB72BB81-321C-47C9-8EF1-F64E7E3280BC}" type="datetime1">
               <a:rPr lang="fr-FR" smtClean="0"/>
-              <a:t>14/06/2015</a:t>
+              <a:t>15/06/2015</a:t>
             </a:fld>
             <a:endParaRPr lang="fr-FR"/>
           </a:p>
@@ -10164,7 +10146,7 @@
           <a:p>
             <a:fld id="{310F2307-685A-4E72-8E0A-45F85857C52E}" type="datetime1">
               <a:rPr lang="fr-FR" smtClean="0"/>
-              <a:t>14/06/2015</a:t>
+              <a:t>15/06/2015</a:t>
             </a:fld>
             <a:endParaRPr lang="fr-FR"/>
           </a:p>
@@ -10455,7 +10437,7 @@
           <a:p>
             <a:fld id="{B82A1CD3-8443-43C6-8EE4-FA26CE5A5F83}" type="datetime1">
               <a:rPr lang="fr-FR" smtClean="0"/>
-              <a:t>14/06/2015</a:t>
+              <a:t>15/06/2015</a:t>
             </a:fld>
             <a:endParaRPr lang="fr-FR"/>
           </a:p>
@@ -11049,11 +11031,7 @@
           <a:p>
             <a:r>
               <a:rPr lang="en-US" sz="6000" dirty="0" smtClean="0"/>
-              <a:t>FUEL </a:t>
-            </a:r>
-            <a:r>
-              <a:rPr lang="en-US" sz="6000" dirty="0" smtClean="0"/>
-              <a:t>CELL INDUSTRY ANALYSIS REPORT</a:t>
+              <a:t>FUEL CELL INDUSTRY ANALYSIS REPORT</a:t>
             </a:r>
             <a:endParaRPr lang="en-US" sz="6000" dirty="0"/>
           </a:p>
@@ -11157,19 +11135,7 @@
             </a:r>
             <a:r>
               <a:rPr lang="fr-FR" dirty="0" smtClean="0"/>
-              <a:t> </a:t>
-            </a:r>
-            <a:r>
-              <a:rPr lang="fr-FR" dirty="0" smtClean="0"/>
-              <a:t>- </a:t>
-            </a:r>
-            <a:r>
-              <a:rPr lang="fr-FR" dirty="0" smtClean="0"/>
-              <a:t>17</a:t>
-            </a:r>
-            <a:r>
-              <a:rPr lang="fr-FR" dirty="0" smtClean="0"/>
-              <a:t>/06/2015</a:t>
+              <a:t> - 17/06/2015</a:t>
             </a:r>
             <a:endParaRPr lang="fr-FR" dirty="0"/>
           </a:p>
@@ -11216,2035 +11182,6 @@
       </p:par>
     </p:tnLst>
   </p:timing>
-</p:sld>
-</file>
-
-<file path=ppt/slides/slide10.xml><?xml version="1.0" encoding="utf-8"?>
-<p:sld xmlns:a="http://schemas.openxmlformats.org/drawingml/2006/main" xmlns:r="http://schemas.openxmlformats.org/officeDocument/2006/relationships" xmlns:p="http://schemas.openxmlformats.org/presentationml/2006/main">
-  <p:cSld>
-    <p:spTree>
-      <p:nvGrpSpPr>
-        <p:cNvPr id="1" name=""/>
-        <p:cNvGrpSpPr/>
-        <p:nvPr/>
-      </p:nvGrpSpPr>
-      <p:grpSpPr>
-        <a:xfrm>
-          <a:off x="0" y="0"/>
-          <a:ext cx="0" cy="0"/>
-          <a:chOff x="0" y="0"/>
-          <a:chExt cx="0" cy="0"/>
-        </a:xfrm>
-      </p:grpSpPr>
-      <p:sp>
-        <p:nvSpPr>
-          <p:cNvPr id="2" name="Title 1"/>
-          <p:cNvSpPr>
-            <a:spLocks noGrp="1"/>
-          </p:cNvSpPr>
-          <p:nvPr>
-            <p:ph type="title"/>
-          </p:nvPr>
-        </p:nvSpPr>
-        <p:spPr/>
-        <p:txBody>
-          <a:bodyPr/>
-          <a:lstStyle/>
-          <a:p>
-            <a:r>
-              <a:rPr lang="en-US" dirty="0" smtClean="0"/>
-              <a:t>Process Data</a:t>
-            </a:r>
-            <a:endParaRPr lang="en-US" dirty="0"/>
-          </a:p>
-        </p:txBody>
-      </p:sp>
-      <p:pic>
-        <p:nvPicPr>
-          <p:cNvPr id="4" name="Espace réservé du contenu 3"/>
-          <p:cNvPicPr>
-            <a:picLocks noGrp="1" noChangeAspect="1"/>
-          </p:cNvPicPr>
-          <p:nvPr>
-            <p:ph idx="1"/>
-          </p:nvPr>
-        </p:nvPicPr>
-        <p:blipFill>
-          <a:blip r:embed="rId2"/>
-          <a:stretch>
-            <a:fillRect/>
-          </a:stretch>
-        </p:blipFill>
-        <p:spPr>
-          <a:xfrm>
-            <a:off x="1683067" y="2140178"/>
-            <a:ext cx="8886825" cy="2447925"/>
-          </a:xfrm>
-          <a:prstGeom prst="rect">
-            <a:avLst/>
-          </a:prstGeom>
-          <a:ln>
-            <a:solidFill>
-              <a:schemeClr val="accent5"/>
-            </a:solidFill>
-          </a:ln>
-        </p:spPr>
-      </p:pic>
-      <p:sp>
-        <p:nvSpPr>
-          <p:cNvPr id="5" name="ZoneTexte 4"/>
-          <p:cNvSpPr txBox="1"/>
-          <p:nvPr/>
-        </p:nvSpPr>
-        <p:spPr>
-          <a:xfrm>
-            <a:off x="4513943" y="4588103"/>
-            <a:ext cx="6055949" cy="369332"/>
-          </a:xfrm>
-          <a:prstGeom prst="rect">
-            <a:avLst/>
-          </a:prstGeom>
-          <a:noFill/>
-        </p:spPr>
-        <p:txBody>
-          <a:bodyPr wrap="square" rtlCol="0">
-            <a:spAutoFit/>
-          </a:bodyPr>
-          <a:lstStyle/>
-          <a:p>
-            <a:pPr algn="r"/>
-            <a:r>
-              <a:rPr lang="fr-FR" i="1" dirty="0" err="1" smtClean="0">
-                <a:solidFill>
-                  <a:schemeClr val="accent3"/>
-                </a:solidFill>
-              </a:rPr>
-              <a:t>BambuGMS</a:t>
-            </a:r>
-            <a:r>
-              <a:rPr lang="fr-FR" i="1" dirty="0" smtClean="0">
-                <a:solidFill>
-                  <a:schemeClr val="accent3"/>
-                </a:solidFill>
-              </a:rPr>
-              <a:t> Group contributions. </a:t>
-            </a:r>
-            <a:r>
-              <a:rPr lang="fr-FR" i="1" dirty="0" err="1" smtClean="0">
-                <a:solidFill>
-                  <a:schemeClr val="accent3"/>
-                </a:solidFill>
-              </a:rPr>
-              <a:t>GitHub</a:t>
-            </a:r>
-            <a:r>
-              <a:rPr lang="fr-FR" i="1" dirty="0" smtClean="0">
-                <a:solidFill>
-                  <a:schemeClr val="accent3"/>
-                </a:solidFill>
-              </a:rPr>
-              <a:t>, Inc.</a:t>
-            </a:r>
-            <a:endParaRPr lang="fr-FR" i="1" dirty="0">
-              <a:solidFill>
-                <a:schemeClr val="accent3"/>
-              </a:solidFill>
-            </a:endParaRPr>
-          </a:p>
-        </p:txBody>
-      </p:sp>
-      <p:sp>
-        <p:nvSpPr>
-          <p:cNvPr id="6" name="Espace réservé du pied de page 5"/>
-          <p:cNvSpPr>
-            <a:spLocks noGrp="1"/>
-          </p:cNvSpPr>
-          <p:nvPr>
-            <p:ph type="ftr" sz="quarter" idx="11"/>
-          </p:nvPr>
-        </p:nvSpPr>
-        <p:spPr/>
-        <p:txBody>
-          <a:bodyPr/>
-          <a:lstStyle/>
-          <a:p>
-            <a:r>
-              <a:rPr lang="fr-FR" smtClean="0"/>
-              <a:t>Banmbu - 20/05/2015</a:t>
-            </a:r>
-            <a:endParaRPr lang="fr-FR"/>
-          </a:p>
-        </p:txBody>
-      </p:sp>
-      <p:sp>
-        <p:nvSpPr>
-          <p:cNvPr id="7" name="Espace réservé du numéro de diapositive 6"/>
-          <p:cNvSpPr>
-            <a:spLocks noGrp="1"/>
-          </p:cNvSpPr>
-          <p:nvPr>
-            <p:ph type="sldNum" sz="quarter" idx="12"/>
-          </p:nvPr>
-        </p:nvSpPr>
-        <p:spPr/>
-        <p:txBody>
-          <a:bodyPr/>
-          <a:lstStyle/>
-          <a:p>
-            <a:fld id="{D376626B-8044-4126-A03C-8C0AE257EC41}" type="slidenum">
-              <a:rPr lang="fr-FR" smtClean="0"/>
-              <a:t>10</a:t>
-            </a:fld>
-            <a:endParaRPr lang="fr-FR"/>
-          </a:p>
-        </p:txBody>
-      </p:sp>
-    </p:spTree>
-    <p:extLst>
-      <p:ext uri="{BB962C8B-B14F-4D97-AF65-F5344CB8AC3E}">
-        <p14:creationId xmlns:p14="http://schemas.microsoft.com/office/powerpoint/2010/main" val="4195051651"/>
-      </p:ext>
-    </p:extLst>
-  </p:cSld>
-  <p:clrMapOvr>
-    <a:masterClrMapping/>
-  </p:clrMapOvr>
-  <p:timing>
-    <p:tnLst>
-      <p:par>
-        <p:cTn id="1" dur="indefinite" restart="never" nodeType="tmRoot"/>
-      </p:par>
-    </p:tnLst>
-  </p:timing>
-</p:sld>
-</file>
-
-<file path=ppt/slides/slide11.xml><?xml version="1.0" encoding="utf-8"?>
-<p:sld xmlns:a="http://schemas.openxmlformats.org/drawingml/2006/main" xmlns:r="http://schemas.openxmlformats.org/officeDocument/2006/relationships" xmlns:p="http://schemas.openxmlformats.org/presentationml/2006/main">
-  <p:cSld>
-    <p:spTree>
-      <p:nvGrpSpPr>
-        <p:cNvPr id="1" name=""/>
-        <p:cNvGrpSpPr/>
-        <p:nvPr/>
-      </p:nvGrpSpPr>
-      <p:grpSpPr>
-        <a:xfrm>
-          <a:off x="0" y="0"/>
-          <a:ext cx="0" cy="0"/>
-          <a:chOff x="0" y="0"/>
-          <a:chExt cx="0" cy="0"/>
-        </a:xfrm>
-      </p:grpSpPr>
-      <p:sp>
-        <p:nvSpPr>
-          <p:cNvPr id="4" name="Title 3"/>
-          <p:cNvSpPr>
-            <a:spLocks noGrp="1"/>
-          </p:cNvSpPr>
-          <p:nvPr>
-            <p:ph type="title"/>
-          </p:nvPr>
-        </p:nvSpPr>
-        <p:spPr/>
-        <p:txBody>
-          <a:bodyPr/>
-          <a:lstStyle/>
-          <a:p>
-            <a:r>
-              <a:rPr lang="en-US" dirty="0" smtClean="0"/>
-              <a:t>IAR Progress</a:t>
-            </a:r>
-            <a:endParaRPr lang="en-US" dirty="0"/>
-          </a:p>
-        </p:txBody>
-      </p:sp>
-      <p:sp>
-        <p:nvSpPr>
-          <p:cNvPr id="5" name="Text Placeholder 4"/>
-          <p:cNvSpPr>
-            <a:spLocks noGrp="1"/>
-          </p:cNvSpPr>
-          <p:nvPr>
-            <p:ph type="body" idx="1"/>
-          </p:nvPr>
-        </p:nvSpPr>
-        <p:spPr/>
-        <p:txBody>
-          <a:bodyPr/>
-          <a:lstStyle/>
-          <a:p>
-            <a:r>
-              <a:rPr lang="en-US" dirty="0" smtClean="0"/>
-              <a:t>‘LM ACTIVITIES’ And ‘Work-in-progress’</a:t>
-            </a:r>
-            <a:endParaRPr lang="en-US" dirty="0"/>
-          </a:p>
-        </p:txBody>
-      </p:sp>
-      <p:sp>
-        <p:nvSpPr>
-          <p:cNvPr id="2" name="Espace réservé du pied de page 1"/>
-          <p:cNvSpPr>
-            <a:spLocks noGrp="1"/>
-          </p:cNvSpPr>
-          <p:nvPr>
-            <p:ph type="ftr" sz="quarter" idx="11"/>
-          </p:nvPr>
-        </p:nvSpPr>
-        <p:spPr/>
-        <p:txBody>
-          <a:bodyPr/>
-          <a:lstStyle/>
-          <a:p>
-            <a:r>
-              <a:rPr lang="fr-FR" smtClean="0"/>
-              <a:t>Banmbu - 20/05/2015</a:t>
-            </a:r>
-            <a:endParaRPr lang="fr-FR"/>
-          </a:p>
-        </p:txBody>
-      </p:sp>
-      <p:sp>
-        <p:nvSpPr>
-          <p:cNvPr id="3" name="Espace réservé du numéro de diapositive 2"/>
-          <p:cNvSpPr>
-            <a:spLocks noGrp="1"/>
-          </p:cNvSpPr>
-          <p:nvPr>
-            <p:ph type="sldNum" sz="quarter" idx="12"/>
-          </p:nvPr>
-        </p:nvSpPr>
-        <p:spPr/>
-        <p:txBody>
-          <a:bodyPr/>
-          <a:lstStyle/>
-          <a:p>
-            <a:fld id="{D376626B-8044-4126-A03C-8C0AE257EC41}" type="slidenum">
-              <a:rPr lang="fr-FR" smtClean="0"/>
-              <a:t>11</a:t>
-            </a:fld>
-            <a:endParaRPr lang="fr-FR"/>
-          </a:p>
-        </p:txBody>
-      </p:sp>
-      <p:pic>
-        <p:nvPicPr>
-          <p:cNvPr id="6" name="Image 5"/>
-          <p:cNvPicPr>
-            <a:picLocks noChangeAspect="1"/>
-          </p:cNvPicPr>
-          <p:nvPr/>
-        </p:nvPicPr>
-        <p:blipFill>
-          <a:blip r:embed="rId2">
-            <a:duotone>
-              <a:schemeClr val="accent4">
-                <a:shade val="45000"/>
-                <a:satMod val="135000"/>
-              </a:schemeClr>
-              <a:prstClr val="white"/>
-            </a:duotone>
-            <a:extLst>
-              <a:ext uri="{28A0092B-C50C-407E-A947-70E740481C1C}">
-                <a14:useLocalDpi xmlns:a14="http://schemas.microsoft.com/office/drawing/2010/main" val="0"/>
-              </a:ext>
-            </a:extLst>
-          </a:blip>
-          <a:stretch>
-            <a:fillRect/>
-          </a:stretch>
-        </p:blipFill>
-        <p:spPr>
-          <a:xfrm>
-            <a:off x="8401493" y="505460"/>
-            <a:ext cx="2754187" cy="3947668"/>
-          </a:xfrm>
-          <a:prstGeom prst="rect">
-            <a:avLst/>
-          </a:prstGeom>
-          <a:noFill/>
-        </p:spPr>
-      </p:pic>
-    </p:spTree>
-    <p:extLst>
-      <p:ext uri="{BB962C8B-B14F-4D97-AF65-F5344CB8AC3E}">
-        <p14:creationId xmlns:p14="http://schemas.microsoft.com/office/powerpoint/2010/main" val="3673816368"/>
-      </p:ext>
-    </p:extLst>
-  </p:cSld>
-  <p:clrMapOvr>
-    <a:masterClrMapping/>
-  </p:clrMapOvr>
-</p:sld>
-</file>
-
-<file path=ppt/slides/slide12.xml><?xml version="1.0" encoding="utf-8"?>
-<p:sld xmlns:a="http://schemas.openxmlformats.org/drawingml/2006/main" xmlns:r="http://schemas.openxmlformats.org/officeDocument/2006/relationships" xmlns:p="http://schemas.openxmlformats.org/presentationml/2006/main">
-  <p:cSld>
-    <p:spTree>
-      <p:nvGrpSpPr>
-        <p:cNvPr id="1" name=""/>
-        <p:cNvGrpSpPr/>
-        <p:nvPr/>
-      </p:nvGrpSpPr>
-      <p:grpSpPr>
-        <a:xfrm>
-          <a:off x="0" y="0"/>
-          <a:ext cx="0" cy="0"/>
-          <a:chOff x="0" y="0"/>
-          <a:chExt cx="0" cy="0"/>
-        </a:xfrm>
-      </p:grpSpPr>
-      <p:sp>
-        <p:nvSpPr>
-          <p:cNvPr id="2" name="Title 1"/>
-          <p:cNvSpPr>
-            <a:spLocks noGrp="1"/>
-          </p:cNvSpPr>
-          <p:nvPr>
-            <p:ph type="title"/>
-          </p:nvPr>
-        </p:nvSpPr>
-        <p:spPr/>
-        <p:txBody>
-          <a:bodyPr/>
-          <a:lstStyle/>
-          <a:p>
-            <a:r>
-              <a:rPr lang="en-US" dirty="0" smtClean="0"/>
-              <a:t>IAR Progress : LM Activities</a:t>
-            </a:r>
-            <a:endParaRPr lang="en-US" dirty="0"/>
-          </a:p>
-        </p:txBody>
-      </p:sp>
-      <p:graphicFrame>
-        <p:nvGraphicFramePr>
-          <p:cNvPr id="5" name="Content Placeholder 4"/>
-          <p:cNvGraphicFramePr>
-            <a:graphicFrameLocks noGrp="1"/>
-          </p:cNvGraphicFramePr>
-          <p:nvPr>
-            <p:ph idx="1"/>
-            <p:extLst>
-              <p:ext uri="{D42A27DB-BD31-4B8C-83A1-F6EECF244321}">
-                <p14:modId xmlns:p14="http://schemas.microsoft.com/office/powerpoint/2010/main" val="2467249358"/>
-              </p:ext>
-            </p:extLst>
-          </p:nvPr>
-        </p:nvGraphicFramePr>
-        <p:xfrm>
-          <a:off x="1097280" y="2305907"/>
-          <a:ext cx="9613900" cy="3703320"/>
-        </p:xfrm>
-        <a:graphic>
-          <a:graphicData uri="http://schemas.openxmlformats.org/drawingml/2006/table">
-            <a:tbl>
-              <a:tblPr firstRow="1" bandRow="1">
-                <a:tableStyleId>{5C22544A-7EE6-4342-B048-85BDC9FD1C3A}</a:tableStyleId>
-              </a:tblPr>
-              <a:tblGrid>
-                <a:gridCol w="4806950"/>
-                <a:gridCol w="4806950"/>
-              </a:tblGrid>
-              <a:tr h="207394">
-                <a:tc>
-                  <a:txBody>
-                    <a:bodyPr/>
-                    <a:lstStyle/>
-                    <a:p>
-                      <a:r>
-                        <a:rPr lang="en-US" dirty="0" smtClean="0"/>
-                        <a:t>Task</a:t>
-                      </a:r>
-                      <a:endParaRPr lang="en-US" dirty="0"/>
-                    </a:p>
-                  </a:txBody>
-                  <a:tcPr/>
-                </a:tc>
-                <a:tc>
-                  <a:txBody>
-                    <a:bodyPr/>
-                    <a:lstStyle/>
-                    <a:p>
-                      <a:r>
-                        <a:rPr lang="en-US" dirty="0" smtClean="0"/>
-                        <a:t>Progress</a:t>
-                      </a:r>
-                      <a:endParaRPr lang="en-US" dirty="0"/>
-                    </a:p>
-                  </a:txBody>
-                  <a:tcPr/>
-                </a:tc>
-              </a:tr>
-              <a:tr h="370840">
-                <a:tc>
-                  <a:txBody>
-                    <a:bodyPr/>
-                    <a:lstStyle/>
-                    <a:p>
-                      <a:r>
-                        <a:rPr lang="en-US" sz="1400" dirty="0" smtClean="0"/>
-                        <a:t>Review</a:t>
-                      </a:r>
-                      <a:r>
-                        <a:rPr lang="en-US" sz="1400" baseline="0" dirty="0" smtClean="0"/>
-                        <a:t> Fuel Cell Information</a:t>
-                      </a:r>
-                      <a:endParaRPr lang="en-US" sz="1400" dirty="0"/>
-                    </a:p>
-                  </a:txBody>
-                  <a:tcPr/>
-                </a:tc>
-                <a:tc>
-                  <a:txBody>
-                    <a:bodyPr/>
-                    <a:lstStyle/>
-                    <a:p>
-                      <a:r>
-                        <a:rPr lang="en-US" sz="1400" dirty="0" smtClean="0"/>
-                        <a:t>COMPLETED</a:t>
-                      </a:r>
-                      <a:endParaRPr lang="en-US" sz="1400" dirty="0"/>
-                    </a:p>
-                  </a:txBody>
-                  <a:tcPr/>
-                </a:tc>
-              </a:tr>
-              <a:tr h="370840">
-                <a:tc>
-                  <a:txBody>
-                    <a:bodyPr/>
-                    <a:lstStyle/>
-                    <a:p>
-                      <a:r>
-                        <a:rPr lang="en-US" sz="1400" dirty="0" smtClean="0"/>
-                        <a:t>Extract IAR Structure from</a:t>
-                      </a:r>
-                      <a:r>
-                        <a:rPr lang="en-US" sz="1400" baseline="0" dirty="0" smtClean="0"/>
-                        <a:t> existing literature</a:t>
-                      </a:r>
-                      <a:endParaRPr lang="en-US" sz="1400" dirty="0"/>
-                    </a:p>
-                  </a:txBody>
-                  <a:tcPr/>
-                </a:tc>
-                <a:tc>
-                  <a:txBody>
-                    <a:bodyPr/>
-                    <a:lstStyle/>
-                    <a:p>
-                      <a:r>
-                        <a:rPr lang="en-US" sz="1400" dirty="0" smtClean="0"/>
-                        <a:t>COMPLETED</a:t>
-                      </a:r>
-                      <a:endParaRPr lang="en-US" sz="1400" dirty="0"/>
-                    </a:p>
-                  </a:txBody>
-                  <a:tcPr/>
-                </a:tc>
-              </a:tr>
-              <a:tr h="370840">
-                <a:tc>
-                  <a:txBody>
-                    <a:bodyPr/>
-                    <a:lstStyle/>
-                    <a:p>
-                      <a:r>
-                        <a:rPr lang="en-US" sz="1400" dirty="0" smtClean="0"/>
-                        <a:t>Build a personalized outline for the IAR</a:t>
-                      </a:r>
-                    </a:p>
-                  </a:txBody>
-                  <a:tcPr/>
-                </a:tc>
-                <a:tc>
-                  <a:txBody>
-                    <a:bodyPr/>
-                    <a:lstStyle/>
-                    <a:p>
-                      <a:r>
-                        <a:rPr lang="en-US" sz="1400" dirty="0" smtClean="0"/>
-                        <a:t>COMPLETED</a:t>
-                      </a:r>
-                      <a:endParaRPr lang="en-US" sz="1400" dirty="0"/>
-                    </a:p>
-                  </a:txBody>
-                  <a:tcPr/>
-                </a:tc>
-              </a:tr>
-              <a:tr h="370840">
-                <a:tc>
-                  <a:txBody>
-                    <a:bodyPr/>
-                    <a:lstStyle/>
-                    <a:p>
-                      <a:pPr marL="0" marR="0" indent="0" algn="l" defTabSz="914400" rtl="0" eaLnBrk="1" fontAlgn="auto" latinLnBrk="0" hangingPunct="1">
-                        <a:lnSpc>
-                          <a:spcPct val="100000"/>
-                        </a:lnSpc>
-                        <a:spcBef>
-                          <a:spcPts val="0"/>
-                        </a:spcBef>
-                        <a:spcAft>
-                          <a:spcPts val="0"/>
-                        </a:spcAft>
-                        <a:buClrTx/>
-                        <a:buSzTx/>
-                        <a:buFontTx/>
-                        <a:buNone/>
-                        <a:tabLst/>
-                        <a:defRPr/>
-                      </a:pPr>
-                      <a:r>
-                        <a:rPr lang="en-US" sz="1400" dirty="0" smtClean="0"/>
-                        <a:t>Develop a personalized</a:t>
-                      </a:r>
-                      <a:r>
-                        <a:rPr lang="en-US" sz="1400" baseline="0" dirty="0" smtClean="0"/>
-                        <a:t> template for the IAR</a:t>
-                      </a:r>
-                      <a:endParaRPr lang="en-US" sz="1400" dirty="0" smtClean="0"/>
-                    </a:p>
-                  </a:txBody>
-                  <a:tcPr/>
-                </a:tc>
-                <a:tc>
-                  <a:txBody>
-                    <a:bodyPr/>
-                    <a:lstStyle/>
-                    <a:p>
-                      <a:r>
-                        <a:rPr lang="en-US" sz="1400" dirty="0" smtClean="0"/>
-                        <a:t>COMPLETED</a:t>
-                      </a:r>
-                      <a:endParaRPr lang="en-US" sz="1400" dirty="0"/>
-                    </a:p>
-                  </a:txBody>
-                  <a:tcPr/>
-                </a:tc>
-              </a:tr>
-              <a:tr h="370840">
-                <a:tc>
-                  <a:txBody>
-                    <a:bodyPr/>
-                    <a:lstStyle/>
-                    <a:p>
-                      <a:pPr marL="0" marR="0" indent="0" algn="l" defTabSz="914400" rtl="0" eaLnBrk="1" fontAlgn="auto" latinLnBrk="0" hangingPunct="1">
-                        <a:lnSpc>
-                          <a:spcPct val="100000"/>
-                        </a:lnSpc>
-                        <a:spcBef>
-                          <a:spcPts val="0"/>
-                        </a:spcBef>
-                        <a:spcAft>
-                          <a:spcPts val="0"/>
-                        </a:spcAft>
-                        <a:buClrTx/>
-                        <a:buSzTx/>
-                        <a:buFontTx/>
-                        <a:buNone/>
-                        <a:tabLst/>
-                        <a:defRPr/>
-                      </a:pPr>
-                      <a:r>
-                        <a:rPr lang="en-US" sz="1400" dirty="0" smtClean="0"/>
-                        <a:t>Collect data</a:t>
-                      </a:r>
-                    </a:p>
-                  </a:txBody>
-                  <a:tcPr/>
-                </a:tc>
-                <a:tc>
-                  <a:txBody>
-                    <a:bodyPr/>
-                    <a:lstStyle/>
-                    <a:p>
-                      <a:r>
-                        <a:rPr lang="en-US" sz="1400" dirty="0" smtClean="0"/>
-                        <a:t>IN PROGRESS</a:t>
-                      </a:r>
-                      <a:endParaRPr lang="en-US" sz="1400" dirty="0"/>
-                    </a:p>
-                  </a:txBody>
-                  <a:tcPr/>
-                </a:tc>
-              </a:tr>
-              <a:tr h="370840">
-                <a:tc>
-                  <a:txBody>
-                    <a:bodyPr/>
-                    <a:lstStyle/>
-                    <a:p>
-                      <a:r>
-                        <a:rPr lang="en-US" sz="1400" baseline="0" dirty="0" smtClean="0"/>
-                        <a:t>Write IAR</a:t>
-                      </a:r>
-                    </a:p>
-                  </a:txBody>
-                  <a:tcPr/>
-                </a:tc>
-                <a:tc>
-                  <a:txBody>
-                    <a:bodyPr/>
-                    <a:lstStyle/>
-                    <a:p>
-                      <a:r>
-                        <a:rPr lang="en-US" sz="1400" dirty="0" smtClean="0"/>
-                        <a:t>IN PROGRESS</a:t>
-                      </a:r>
-                      <a:endParaRPr lang="en-US" sz="1400" dirty="0"/>
-                    </a:p>
-                  </a:txBody>
-                  <a:tcPr/>
-                </a:tc>
-              </a:tr>
-              <a:tr h="370840">
-                <a:tc>
-                  <a:txBody>
-                    <a:bodyPr/>
-                    <a:lstStyle/>
-                    <a:p>
-                      <a:r>
-                        <a:rPr lang="en-US" sz="1400" baseline="0" dirty="0" smtClean="0"/>
-                        <a:t>Design IAR</a:t>
-                      </a:r>
-                    </a:p>
-                  </a:txBody>
-                  <a:tcPr/>
-                </a:tc>
-                <a:tc>
-                  <a:txBody>
-                    <a:bodyPr/>
-                    <a:lstStyle/>
-                    <a:p>
-                      <a:r>
-                        <a:rPr lang="en-US" sz="1400" dirty="0" smtClean="0"/>
-                        <a:t>IN PROGRESS</a:t>
-                      </a:r>
-                      <a:endParaRPr lang="en-US" sz="1400" dirty="0"/>
-                    </a:p>
-                  </a:txBody>
-                  <a:tcPr/>
-                </a:tc>
-              </a:tr>
-              <a:tr h="370840">
-                <a:tc>
-                  <a:txBody>
-                    <a:bodyPr/>
-                    <a:lstStyle/>
-                    <a:p>
-                      <a:r>
-                        <a:rPr lang="en-US" sz="1400" baseline="0" dirty="0" smtClean="0"/>
-                        <a:t>Review and Edit IAR</a:t>
-                      </a:r>
-                    </a:p>
-                  </a:txBody>
-                  <a:tcPr/>
-                </a:tc>
-                <a:tc>
-                  <a:txBody>
-                    <a:bodyPr/>
-                    <a:lstStyle/>
-                    <a:p>
-                      <a:r>
-                        <a:rPr lang="en-US" sz="1400" dirty="0" smtClean="0"/>
-                        <a:t>AWAITING</a:t>
-                      </a:r>
-                      <a:endParaRPr lang="en-US" sz="1400" dirty="0"/>
-                    </a:p>
-                  </a:txBody>
-                  <a:tcPr/>
-                </a:tc>
-              </a:tr>
-              <a:tr h="370840">
-                <a:tc>
-                  <a:txBody>
-                    <a:bodyPr/>
-                    <a:lstStyle/>
-                    <a:p>
-                      <a:r>
-                        <a:rPr lang="en-US" sz="1400" baseline="0" dirty="0" smtClean="0"/>
-                        <a:t>Present IAR</a:t>
-                      </a:r>
-                    </a:p>
-                  </a:txBody>
-                  <a:tcPr/>
-                </a:tc>
-                <a:tc>
-                  <a:txBody>
-                    <a:bodyPr/>
-                    <a:lstStyle/>
-                    <a:p>
-                      <a:r>
-                        <a:rPr lang="en-US" sz="1400" dirty="0" smtClean="0"/>
-                        <a:t>AWAITING</a:t>
-                      </a:r>
-                      <a:endParaRPr lang="en-US" sz="1400" dirty="0"/>
-                    </a:p>
-                  </a:txBody>
-                  <a:tcPr/>
-                </a:tc>
-              </a:tr>
-            </a:tbl>
-          </a:graphicData>
-        </a:graphic>
-      </p:graphicFrame>
-      <p:sp>
-        <p:nvSpPr>
-          <p:cNvPr id="3" name="Espace réservé du pied de page 2"/>
-          <p:cNvSpPr>
-            <a:spLocks noGrp="1"/>
-          </p:cNvSpPr>
-          <p:nvPr>
-            <p:ph type="ftr" sz="quarter" idx="11"/>
-          </p:nvPr>
-        </p:nvSpPr>
-        <p:spPr/>
-        <p:txBody>
-          <a:bodyPr/>
-          <a:lstStyle/>
-          <a:p>
-            <a:r>
-              <a:rPr lang="fr-FR" smtClean="0"/>
-              <a:t>Banmbu - 20/05/2015</a:t>
-            </a:r>
-            <a:endParaRPr lang="fr-FR"/>
-          </a:p>
-        </p:txBody>
-      </p:sp>
-      <p:sp>
-        <p:nvSpPr>
-          <p:cNvPr id="4" name="Espace réservé du numéro de diapositive 3"/>
-          <p:cNvSpPr>
-            <a:spLocks noGrp="1"/>
-          </p:cNvSpPr>
-          <p:nvPr>
-            <p:ph type="sldNum" sz="quarter" idx="12"/>
-          </p:nvPr>
-        </p:nvSpPr>
-        <p:spPr/>
-        <p:txBody>
-          <a:bodyPr/>
-          <a:lstStyle/>
-          <a:p>
-            <a:fld id="{D376626B-8044-4126-A03C-8C0AE257EC41}" type="slidenum">
-              <a:rPr lang="fr-FR" smtClean="0"/>
-              <a:t>12</a:t>
-            </a:fld>
-            <a:endParaRPr lang="fr-FR"/>
-          </a:p>
-        </p:txBody>
-      </p:sp>
-    </p:spTree>
-    <p:extLst>
-      <p:ext uri="{BB962C8B-B14F-4D97-AF65-F5344CB8AC3E}">
-        <p14:creationId xmlns:p14="http://schemas.microsoft.com/office/powerpoint/2010/main" val="2512976400"/>
-      </p:ext>
-    </p:extLst>
-  </p:cSld>
-  <p:clrMapOvr>
-    <a:masterClrMapping/>
-  </p:clrMapOvr>
-  <p:timing>
-    <p:tnLst>
-      <p:par>
-        <p:cTn id="1" dur="indefinite" restart="never" nodeType="tmRoot"/>
-      </p:par>
-    </p:tnLst>
-  </p:timing>
-</p:sld>
-</file>
-
-<file path=ppt/slides/slide13.xml><?xml version="1.0" encoding="utf-8"?>
-<p:sld xmlns:a="http://schemas.openxmlformats.org/drawingml/2006/main" xmlns:r="http://schemas.openxmlformats.org/officeDocument/2006/relationships" xmlns:p="http://schemas.openxmlformats.org/presentationml/2006/main">
-  <p:cSld>
-    <p:spTree>
-      <p:nvGrpSpPr>
-        <p:cNvPr id="1" name=""/>
-        <p:cNvGrpSpPr/>
-        <p:nvPr/>
-      </p:nvGrpSpPr>
-      <p:grpSpPr>
-        <a:xfrm>
-          <a:off x="0" y="0"/>
-          <a:ext cx="0" cy="0"/>
-          <a:chOff x="0" y="0"/>
-          <a:chExt cx="0" cy="0"/>
-        </a:xfrm>
-      </p:grpSpPr>
-      <p:sp>
-        <p:nvSpPr>
-          <p:cNvPr id="45" name="Oval 44"/>
-          <p:cNvSpPr/>
-          <p:nvPr/>
-        </p:nvSpPr>
-        <p:spPr>
-          <a:xfrm rot="19513347">
-            <a:off x="1905994" y="4344949"/>
-            <a:ext cx="1155382" cy="1187029"/>
-          </a:xfrm>
-          <a:prstGeom prst="ellipse">
-            <a:avLst/>
-          </a:prstGeom>
-          <a:noFill/>
-          <a:ln w="38100">
-            <a:prstDash val="sysDash"/>
-          </a:ln>
-        </p:spPr>
-        <p:style>
-          <a:lnRef idx="2">
-            <a:schemeClr val="accent1">
-              <a:shade val="50000"/>
-            </a:schemeClr>
-          </a:lnRef>
-          <a:fillRef idx="1">
-            <a:schemeClr val="accent1"/>
-          </a:fillRef>
-          <a:effectRef idx="0">
-            <a:schemeClr val="accent1"/>
-          </a:effectRef>
-          <a:fontRef idx="minor">
-            <a:schemeClr val="lt1"/>
-          </a:fontRef>
-        </p:style>
-        <p:txBody>
-          <a:bodyPr rtlCol="0" anchor="ctr"/>
-          <a:lstStyle/>
-          <a:p>
-            <a:pPr algn="ctr"/>
-            <a:endParaRPr lang="en-US">
-              <a:ln>
-                <a:solidFill>
-                  <a:schemeClr val="tx1"/>
-                </a:solidFill>
-                <a:prstDash val="dash"/>
-              </a:ln>
-            </a:endParaRPr>
-          </a:p>
-        </p:txBody>
-      </p:sp>
-      <p:sp>
-        <p:nvSpPr>
-          <p:cNvPr id="42" name="Oval 41"/>
-          <p:cNvSpPr/>
-          <p:nvPr/>
-        </p:nvSpPr>
-        <p:spPr>
-          <a:xfrm rot="19513347">
-            <a:off x="5183711" y="4363621"/>
-            <a:ext cx="1155382" cy="1187029"/>
-          </a:xfrm>
-          <a:prstGeom prst="ellipse">
-            <a:avLst/>
-          </a:prstGeom>
-          <a:noFill/>
-          <a:ln w="38100">
-            <a:prstDash val="sysDash"/>
-          </a:ln>
-        </p:spPr>
-        <p:style>
-          <a:lnRef idx="2">
-            <a:schemeClr val="accent1">
-              <a:shade val="50000"/>
-            </a:schemeClr>
-          </a:lnRef>
-          <a:fillRef idx="1">
-            <a:schemeClr val="accent1"/>
-          </a:fillRef>
-          <a:effectRef idx="0">
-            <a:schemeClr val="accent1"/>
-          </a:effectRef>
-          <a:fontRef idx="minor">
-            <a:schemeClr val="lt1"/>
-          </a:fontRef>
-        </p:style>
-        <p:txBody>
-          <a:bodyPr rtlCol="0" anchor="ctr"/>
-          <a:lstStyle/>
-          <a:p>
-            <a:pPr algn="ctr"/>
-            <a:endParaRPr lang="en-US">
-              <a:ln>
-                <a:solidFill>
-                  <a:schemeClr val="tx1"/>
-                </a:solidFill>
-                <a:prstDash val="dash"/>
-              </a:ln>
-            </a:endParaRPr>
-          </a:p>
-        </p:txBody>
-      </p:sp>
-      <p:sp>
-        <p:nvSpPr>
-          <p:cNvPr id="44" name="Oval 43"/>
-          <p:cNvSpPr/>
-          <p:nvPr/>
-        </p:nvSpPr>
-        <p:spPr>
-          <a:xfrm rot="19513347">
-            <a:off x="8577739" y="4285079"/>
-            <a:ext cx="1155382" cy="1187029"/>
-          </a:xfrm>
-          <a:prstGeom prst="ellipse">
-            <a:avLst/>
-          </a:prstGeom>
-          <a:noFill/>
-          <a:ln w="38100">
-            <a:prstDash val="sysDash"/>
-          </a:ln>
-        </p:spPr>
-        <p:style>
-          <a:lnRef idx="2">
-            <a:schemeClr val="accent1">
-              <a:shade val="50000"/>
-            </a:schemeClr>
-          </a:lnRef>
-          <a:fillRef idx="1">
-            <a:schemeClr val="accent1"/>
-          </a:fillRef>
-          <a:effectRef idx="0">
-            <a:schemeClr val="accent1"/>
-          </a:effectRef>
-          <a:fontRef idx="minor">
-            <a:schemeClr val="lt1"/>
-          </a:fontRef>
-        </p:style>
-        <p:txBody>
-          <a:bodyPr rtlCol="0" anchor="ctr"/>
-          <a:lstStyle/>
-          <a:p>
-            <a:pPr algn="ctr"/>
-            <a:endParaRPr lang="en-US">
-              <a:ln>
-                <a:solidFill>
-                  <a:schemeClr val="tx1"/>
-                </a:solidFill>
-                <a:prstDash val="dash"/>
-              </a:ln>
-            </a:endParaRPr>
-          </a:p>
-        </p:txBody>
-      </p:sp>
-      <p:sp>
-        <p:nvSpPr>
-          <p:cNvPr id="46" name="Oval 45"/>
-          <p:cNvSpPr/>
-          <p:nvPr/>
-        </p:nvSpPr>
-        <p:spPr>
-          <a:xfrm rot="19513347">
-            <a:off x="8557491" y="2440040"/>
-            <a:ext cx="1155382" cy="1187029"/>
-          </a:xfrm>
-          <a:prstGeom prst="ellipse">
-            <a:avLst/>
-          </a:prstGeom>
-          <a:noFill/>
-          <a:ln w="38100">
-            <a:prstDash val="sysDash"/>
-          </a:ln>
-        </p:spPr>
-        <p:style>
-          <a:lnRef idx="2">
-            <a:schemeClr val="accent1">
-              <a:shade val="50000"/>
-            </a:schemeClr>
-          </a:lnRef>
-          <a:fillRef idx="1">
-            <a:schemeClr val="accent1"/>
-          </a:fillRef>
-          <a:effectRef idx="0">
-            <a:schemeClr val="accent1"/>
-          </a:effectRef>
-          <a:fontRef idx="minor">
-            <a:schemeClr val="lt1"/>
-          </a:fontRef>
-        </p:style>
-        <p:txBody>
-          <a:bodyPr rtlCol="0" anchor="ctr"/>
-          <a:lstStyle/>
-          <a:p>
-            <a:pPr algn="ctr"/>
-            <a:endParaRPr lang="en-US">
-              <a:ln>
-                <a:solidFill>
-                  <a:schemeClr val="tx1"/>
-                </a:solidFill>
-                <a:prstDash val="dash"/>
-              </a:ln>
-            </a:endParaRPr>
-          </a:p>
-        </p:txBody>
-      </p:sp>
-      <p:sp>
-        <p:nvSpPr>
-          <p:cNvPr id="2" name="Title 1"/>
-          <p:cNvSpPr>
-            <a:spLocks noGrp="1"/>
-          </p:cNvSpPr>
-          <p:nvPr>
-            <p:ph type="title"/>
-          </p:nvPr>
-        </p:nvSpPr>
-        <p:spPr/>
-        <p:txBody>
-          <a:bodyPr/>
-          <a:lstStyle/>
-          <a:p>
-            <a:r>
-              <a:rPr lang="en-US" dirty="0"/>
-              <a:t>IAR Progress : </a:t>
-            </a:r>
-            <a:r>
-              <a:rPr lang="en-US" dirty="0" smtClean="0"/>
-              <a:t>Work-in-Progress</a:t>
-            </a:r>
-            <a:endParaRPr lang="en-US" dirty="0"/>
-          </a:p>
-        </p:txBody>
-      </p:sp>
-      <p:grpSp>
-        <p:nvGrpSpPr>
-          <p:cNvPr id="21" name="Group 20"/>
-          <p:cNvGrpSpPr/>
-          <p:nvPr/>
-        </p:nvGrpSpPr>
-        <p:grpSpPr>
-          <a:xfrm>
-            <a:off x="7124700" y="2433038"/>
-            <a:ext cx="3949700" cy="1729720"/>
-            <a:chOff x="6921500" y="2802370"/>
-            <a:chExt cx="3949700" cy="1729720"/>
-          </a:xfrm>
-        </p:grpSpPr>
-        <p:sp>
-          <p:nvSpPr>
-            <p:cNvPr id="22" name="Pie 21"/>
-            <p:cNvSpPr/>
-            <p:nvPr/>
-          </p:nvSpPr>
-          <p:spPr>
-            <a:xfrm>
-              <a:off x="8255000" y="2802370"/>
-              <a:ext cx="1282700" cy="1206500"/>
-            </a:xfrm>
-            <a:prstGeom prst="pie">
-              <a:avLst>
-                <a:gd name="adj1" fmla="val 19395152"/>
-                <a:gd name="adj2" fmla="val 16200000"/>
-              </a:avLst>
-            </a:prstGeom>
-          </p:spPr>
-          <p:style>
-            <a:lnRef idx="2">
-              <a:schemeClr val="accent1">
-                <a:shade val="50000"/>
-              </a:schemeClr>
-            </a:lnRef>
-            <a:fillRef idx="1">
-              <a:schemeClr val="accent1"/>
-            </a:fillRef>
-            <a:effectRef idx="0">
-              <a:schemeClr val="accent1"/>
-            </a:effectRef>
-            <a:fontRef idx="minor">
-              <a:schemeClr val="lt1"/>
-            </a:fontRef>
-          </p:style>
-          <p:txBody>
-            <a:bodyPr rtlCol="0" anchor="ctr"/>
-            <a:lstStyle/>
-            <a:p>
-              <a:pPr algn="ctr"/>
-              <a:endParaRPr lang="en-US">
-                <a:solidFill>
-                  <a:schemeClr val="tx1"/>
-                </a:solidFill>
-              </a:endParaRPr>
-            </a:p>
-          </p:txBody>
-        </p:sp>
-        <p:sp>
-          <p:nvSpPr>
-            <p:cNvPr id="23" name="TextBox 22"/>
-            <p:cNvSpPr txBox="1"/>
-            <p:nvPr/>
-          </p:nvSpPr>
-          <p:spPr>
-            <a:xfrm>
-              <a:off x="6921500" y="4008870"/>
-              <a:ext cx="3949700" cy="523220"/>
-            </a:xfrm>
-            <a:prstGeom prst="rect">
-              <a:avLst/>
-            </a:prstGeom>
-            <a:noFill/>
-          </p:spPr>
-          <p:txBody>
-            <a:bodyPr wrap="square" rtlCol="0">
-              <a:spAutoFit/>
-            </a:bodyPr>
-            <a:lstStyle/>
-            <a:p>
-              <a:r>
-                <a:rPr lang="en-US" sz="1400" b="1" dirty="0">
-                  <a:solidFill>
-                    <a:schemeClr val="accent1"/>
-                  </a:solidFill>
-                </a:rPr>
-                <a:t>IAR: Law and Governmental Regulations</a:t>
-              </a:r>
-            </a:p>
-            <a:p>
-              <a:endParaRPr lang="en-US" sz="1400" b="1" dirty="0"/>
-            </a:p>
-          </p:txBody>
-        </p:sp>
-      </p:grpSp>
-      <p:grpSp>
-        <p:nvGrpSpPr>
-          <p:cNvPr id="24" name="Group 23"/>
-          <p:cNvGrpSpPr/>
-          <p:nvPr/>
-        </p:nvGrpSpPr>
-        <p:grpSpPr>
-          <a:xfrm>
-            <a:off x="533400" y="4320698"/>
-            <a:ext cx="3949700" cy="1528791"/>
-            <a:chOff x="6921500" y="2787856"/>
-            <a:chExt cx="3949700" cy="1528791"/>
-          </a:xfrm>
-        </p:grpSpPr>
-        <p:sp>
-          <p:nvSpPr>
-            <p:cNvPr id="25" name="Pie 24"/>
-            <p:cNvSpPr/>
-            <p:nvPr/>
-          </p:nvSpPr>
-          <p:spPr>
-            <a:xfrm>
-              <a:off x="8240486" y="2787856"/>
-              <a:ext cx="1296000" cy="1224000"/>
-            </a:xfrm>
-            <a:prstGeom prst="pie">
-              <a:avLst>
-                <a:gd name="adj1" fmla="val 5429133"/>
-                <a:gd name="adj2" fmla="val 16200000"/>
-              </a:avLst>
-            </a:prstGeom>
-          </p:spPr>
-          <p:style>
-            <a:lnRef idx="2">
-              <a:schemeClr val="accent1">
-                <a:shade val="50000"/>
-              </a:schemeClr>
-            </a:lnRef>
-            <a:fillRef idx="1">
-              <a:schemeClr val="accent1"/>
-            </a:fillRef>
-            <a:effectRef idx="0">
-              <a:schemeClr val="accent1"/>
-            </a:effectRef>
-            <a:fontRef idx="minor">
-              <a:schemeClr val="lt1"/>
-            </a:fontRef>
-          </p:style>
-          <p:txBody>
-            <a:bodyPr rtlCol="0" anchor="ctr"/>
-            <a:lstStyle/>
-            <a:p>
-              <a:pPr algn="ctr"/>
-              <a:endParaRPr lang="en-US">
-                <a:solidFill>
-                  <a:schemeClr val="tx1"/>
-                </a:solidFill>
-              </a:endParaRPr>
-            </a:p>
-          </p:txBody>
-        </p:sp>
-        <p:sp>
-          <p:nvSpPr>
-            <p:cNvPr id="26" name="TextBox 25"/>
-            <p:cNvSpPr txBox="1"/>
-            <p:nvPr/>
-          </p:nvSpPr>
-          <p:spPr>
-            <a:xfrm>
-              <a:off x="6921500" y="4008870"/>
-              <a:ext cx="3949700" cy="307777"/>
-            </a:xfrm>
-            <a:prstGeom prst="rect">
-              <a:avLst/>
-            </a:prstGeom>
-            <a:noFill/>
-          </p:spPr>
-          <p:txBody>
-            <a:bodyPr wrap="square" rtlCol="0">
-              <a:spAutoFit/>
-            </a:bodyPr>
-            <a:lstStyle/>
-            <a:p>
-              <a:pPr defTabSz="914354"/>
-              <a:r>
-                <a:rPr lang="en-US" sz="1400" b="1" dirty="0">
-                  <a:solidFill>
-                    <a:schemeClr val="accent1"/>
-                  </a:solidFill>
-                </a:rPr>
-                <a:t>IAR : Comparison to other </a:t>
-              </a:r>
-              <a:r>
-                <a:rPr lang="en-US" sz="1400" b="1" dirty="0" smtClean="0">
-                  <a:solidFill>
-                    <a:schemeClr val="accent1"/>
-                  </a:solidFill>
-                </a:rPr>
-                <a:t>Technologies</a:t>
-              </a:r>
-              <a:endParaRPr lang="en-US" sz="1400" b="1" dirty="0">
-                <a:solidFill>
-                  <a:schemeClr val="accent1"/>
-                </a:solidFill>
-              </a:endParaRPr>
-            </a:p>
-          </p:txBody>
-        </p:sp>
-      </p:grpSp>
-      <p:grpSp>
-        <p:nvGrpSpPr>
-          <p:cNvPr id="27" name="Group 26"/>
-          <p:cNvGrpSpPr/>
-          <p:nvPr/>
-        </p:nvGrpSpPr>
-        <p:grpSpPr>
-          <a:xfrm>
-            <a:off x="3816350" y="4346074"/>
-            <a:ext cx="3949700" cy="1514277"/>
-            <a:chOff x="6921500" y="2802370"/>
-            <a:chExt cx="3949700" cy="1514277"/>
-          </a:xfrm>
-        </p:grpSpPr>
-        <p:sp>
-          <p:nvSpPr>
-            <p:cNvPr id="28" name="Pie 27"/>
-            <p:cNvSpPr/>
-            <p:nvPr/>
-          </p:nvSpPr>
-          <p:spPr>
-            <a:xfrm>
-              <a:off x="8255000" y="2802370"/>
-              <a:ext cx="1282700" cy="1206500"/>
-            </a:xfrm>
-            <a:prstGeom prst="pie">
-              <a:avLst>
-                <a:gd name="adj1" fmla="val 13340748"/>
-                <a:gd name="adj2" fmla="val 16200000"/>
-              </a:avLst>
-            </a:prstGeom>
-          </p:spPr>
-          <p:style>
-            <a:lnRef idx="2">
-              <a:schemeClr val="accent1">
-                <a:shade val="50000"/>
-              </a:schemeClr>
-            </a:lnRef>
-            <a:fillRef idx="1">
-              <a:schemeClr val="accent1"/>
-            </a:fillRef>
-            <a:effectRef idx="0">
-              <a:schemeClr val="accent1"/>
-            </a:effectRef>
-            <a:fontRef idx="minor">
-              <a:schemeClr val="lt1"/>
-            </a:fontRef>
-          </p:style>
-          <p:txBody>
-            <a:bodyPr rtlCol="0" anchor="ctr"/>
-            <a:lstStyle/>
-            <a:p>
-              <a:pPr algn="ctr"/>
-              <a:endParaRPr lang="en-US">
-                <a:solidFill>
-                  <a:schemeClr val="tx1"/>
-                </a:solidFill>
-              </a:endParaRPr>
-            </a:p>
-          </p:txBody>
-        </p:sp>
-        <p:sp>
-          <p:nvSpPr>
-            <p:cNvPr id="29" name="TextBox 28"/>
-            <p:cNvSpPr txBox="1"/>
-            <p:nvPr/>
-          </p:nvSpPr>
-          <p:spPr>
-            <a:xfrm>
-              <a:off x="6921500" y="4008870"/>
-              <a:ext cx="3949700" cy="307777"/>
-            </a:xfrm>
-            <a:prstGeom prst="rect">
-              <a:avLst/>
-            </a:prstGeom>
-            <a:noFill/>
-          </p:spPr>
-          <p:txBody>
-            <a:bodyPr wrap="square" rtlCol="0">
-              <a:spAutoFit/>
-            </a:bodyPr>
-            <a:lstStyle/>
-            <a:p>
-              <a:r>
-                <a:rPr lang="en-US" sz="1400" b="1" dirty="0">
-                  <a:solidFill>
-                    <a:schemeClr val="accent1"/>
-                  </a:solidFill>
-                </a:rPr>
-                <a:t>IAR : Future Perspectives</a:t>
-              </a:r>
-            </a:p>
-          </p:txBody>
-        </p:sp>
-      </p:grpSp>
-      <p:grpSp>
-        <p:nvGrpSpPr>
-          <p:cNvPr id="31" name="Group 30"/>
-          <p:cNvGrpSpPr/>
-          <p:nvPr/>
-        </p:nvGrpSpPr>
-        <p:grpSpPr>
-          <a:xfrm>
-            <a:off x="7205980" y="4256826"/>
-            <a:ext cx="3949700" cy="1514277"/>
-            <a:chOff x="6921500" y="2802370"/>
-            <a:chExt cx="3949700" cy="1514277"/>
-          </a:xfrm>
-        </p:grpSpPr>
-        <p:sp>
-          <p:nvSpPr>
-            <p:cNvPr id="32" name="Pie 31"/>
-            <p:cNvSpPr/>
-            <p:nvPr/>
-          </p:nvSpPr>
-          <p:spPr>
-            <a:xfrm>
-              <a:off x="8255000" y="2802370"/>
-              <a:ext cx="1282700" cy="1206500"/>
-            </a:xfrm>
-            <a:prstGeom prst="pie">
-              <a:avLst>
-                <a:gd name="adj1" fmla="val 7612194"/>
-                <a:gd name="adj2" fmla="val 16200000"/>
-              </a:avLst>
-            </a:prstGeom>
-          </p:spPr>
-          <p:style>
-            <a:lnRef idx="2">
-              <a:schemeClr val="accent1">
-                <a:shade val="50000"/>
-              </a:schemeClr>
-            </a:lnRef>
-            <a:fillRef idx="1">
-              <a:schemeClr val="accent1"/>
-            </a:fillRef>
-            <a:effectRef idx="0">
-              <a:schemeClr val="accent1"/>
-            </a:effectRef>
-            <a:fontRef idx="minor">
-              <a:schemeClr val="lt1"/>
-            </a:fontRef>
-          </p:style>
-          <p:txBody>
-            <a:bodyPr rtlCol="0" anchor="ctr"/>
-            <a:lstStyle/>
-            <a:p>
-              <a:pPr algn="ctr"/>
-              <a:endParaRPr lang="en-US">
-                <a:solidFill>
-                  <a:schemeClr val="tx1"/>
-                </a:solidFill>
-              </a:endParaRPr>
-            </a:p>
-          </p:txBody>
-        </p:sp>
-        <p:sp>
-          <p:nvSpPr>
-            <p:cNvPr id="33" name="TextBox 32"/>
-            <p:cNvSpPr txBox="1"/>
-            <p:nvPr/>
-          </p:nvSpPr>
-          <p:spPr>
-            <a:xfrm>
-              <a:off x="6921500" y="4008870"/>
-              <a:ext cx="3949700" cy="307777"/>
-            </a:xfrm>
-            <a:prstGeom prst="rect">
-              <a:avLst/>
-            </a:prstGeom>
-            <a:noFill/>
-          </p:spPr>
-          <p:txBody>
-            <a:bodyPr wrap="square" rtlCol="0">
-              <a:spAutoFit/>
-            </a:bodyPr>
-            <a:lstStyle/>
-            <a:p>
-              <a:r>
-                <a:rPr lang="en-US" sz="1400" b="1" dirty="0">
-                  <a:solidFill>
-                    <a:schemeClr val="accent1"/>
-                  </a:solidFill>
-                </a:rPr>
-                <a:t>IAR : Final Revision</a:t>
-              </a:r>
-            </a:p>
-          </p:txBody>
-        </p:sp>
-      </p:grpSp>
-      <p:sp>
-        <p:nvSpPr>
-          <p:cNvPr id="34" name="TextBox 33"/>
-          <p:cNvSpPr txBox="1"/>
-          <p:nvPr/>
-        </p:nvSpPr>
-        <p:spPr>
-          <a:xfrm>
-            <a:off x="3041015" y="2417802"/>
-            <a:ext cx="990600" cy="369332"/>
-          </a:xfrm>
-          <a:prstGeom prst="rect">
-            <a:avLst/>
-          </a:prstGeom>
-          <a:noFill/>
-        </p:spPr>
-        <p:txBody>
-          <a:bodyPr wrap="square" rtlCol="0">
-            <a:spAutoFit/>
-          </a:bodyPr>
-          <a:lstStyle/>
-          <a:p>
-            <a:r>
-              <a:rPr lang="en-US" b="1" dirty="0" smtClean="0"/>
-              <a:t>90%</a:t>
-            </a:r>
-            <a:endParaRPr lang="en-US" b="1" dirty="0"/>
-          </a:p>
-        </p:txBody>
-      </p:sp>
-      <p:sp>
-        <p:nvSpPr>
-          <p:cNvPr id="35" name="TextBox 34"/>
-          <p:cNvSpPr txBox="1"/>
-          <p:nvPr/>
-        </p:nvSpPr>
-        <p:spPr>
-          <a:xfrm>
-            <a:off x="6375400" y="2408082"/>
-            <a:ext cx="990600" cy="369332"/>
-          </a:xfrm>
-          <a:prstGeom prst="rect">
-            <a:avLst/>
-          </a:prstGeom>
-          <a:noFill/>
-        </p:spPr>
-        <p:txBody>
-          <a:bodyPr wrap="square" rtlCol="0">
-            <a:spAutoFit/>
-          </a:bodyPr>
-          <a:lstStyle/>
-          <a:p>
-            <a:r>
-              <a:rPr lang="en-US" b="1" dirty="0"/>
-              <a:t>8</a:t>
-            </a:r>
-            <a:r>
-              <a:rPr lang="en-US" b="1" dirty="0" smtClean="0"/>
-              <a:t>0%</a:t>
-            </a:r>
-            <a:endParaRPr lang="en-US" b="1" dirty="0"/>
-          </a:p>
-        </p:txBody>
-      </p:sp>
-      <p:sp>
-        <p:nvSpPr>
-          <p:cNvPr id="36" name="TextBox 35"/>
-          <p:cNvSpPr txBox="1"/>
-          <p:nvPr/>
-        </p:nvSpPr>
-        <p:spPr>
-          <a:xfrm>
-            <a:off x="9842500" y="2414822"/>
-            <a:ext cx="990600" cy="369332"/>
-          </a:xfrm>
-          <a:prstGeom prst="rect">
-            <a:avLst/>
-          </a:prstGeom>
-          <a:noFill/>
-        </p:spPr>
-        <p:txBody>
-          <a:bodyPr wrap="square" rtlCol="0">
-            <a:spAutoFit/>
-          </a:bodyPr>
-          <a:lstStyle/>
-          <a:p>
-            <a:r>
-              <a:rPr lang="en-US" b="1" dirty="0" smtClean="0"/>
-              <a:t>85%</a:t>
-            </a:r>
-            <a:endParaRPr lang="en-US" b="1" dirty="0"/>
-          </a:p>
-        </p:txBody>
-      </p:sp>
-      <p:sp>
-        <p:nvSpPr>
-          <p:cNvPr id="37" name="TextBox 36"/>
-          <p:cNvSpPr txBox="1"/>
-          <p:nvPr/>
-        </p:nvSpPr>
-        <p:spPr>
-          <a:xfrm>
-            <a:off x="3041015" y="4258132"/>
-            <a:ext cx="990600" cy="369332"/>
-          </a:xfrm>
-          <a:prstGeom prst="rect">
-            <a:avLst/>
-          </a:prstGeom>
-          <a:noFill/>
-        </p:spPr>
-        <p:txBody>
-          <a:bodyPr wrap="square" rtlCol="0">
-            <a:spAutoFit/>
-          </a:bodyPr>
-          <a:lstStyle/>
-          <a:p>
-            <a:r>
-              <a:rPr lang="en-US" b="1" dirty="0" smtClean="0"/>
-              <a:t>50%</a:t>
-            </a:r>
-            <a:endParaRPr lang="en-US" b="1" dirty="0"/>
-          </a:p>
-        </p:txBody>
-      </p:sp>
-      <p:sp>
-        <p:nvSpPr>
-          <p:cNvPr id="38" name="TextBox 37"/>
-          <p:cNvSpPr txBox="1"/>
-          <p:nvPr/>
-        </p:nvSpPr>
-        <p:spPr>
-          <a:xfrm>
-            <a:off x="6432550" y="4258132"/>
-            <a:ext cx="990600" cy="369332"/>
-          </a:xfrm>
-          <a:prstGeom prst="rect">
-            <a:avLst/>
-          </a:prstGeom>
-          <a:noFill/>
-        </p:spPr>
-        <p:txBody>
-          <a:bodyPr wrap="square" rtlCol="0">
-            <a:spAutoFit/>
-          </a:bodyPr>
-          <a:lstStyle/>
-          <a:p>
-            <a:r>
-              <a:rPr lang="en-US" b="1" dirty="0"/>
-              <a:t>1</a:t>
-            </a:r>
-            <a:r>
-              <a:rPr lang="en-US" b="1" dirty="0" smtClean="0"/>
-              <a:t>0%</a:t>
-            </a:r>
-            <a:endParaRPr lang="en-US" b="1" dirty="0"/>
-          </a:p>
-        </p:txBody>
-      </p:sp>
-      <p:sp>
-        <p:nvSpPr>
-          <p:cNvPr id="39" name="TextBox 38"/>
-          <p:cNvSpPr txBox="1"/>
-          <p:nvPr/>
-        </p:nvSpPr>
-        <p:spPr>
-          <a:xfrm>
-            <a:off x="9842500" y="4256826"/>
-            <a:ext cx="990600" cy="369332"/>
-          </a:xfrm>
-          <a:prstGeom prst="rect">
-            <a:avLst/>
-          </a:prstGeom>
-          <a:noFill/>
-        </p:spPr>
-        <p:txBody>
-          <a:bodyPr wrap="square" rtlCol="0">
-            <a:spAutoFit/>
-          </a:bodyPr>
-          <a:lstStyle/>
-          <a:p>
-            <a:r>
-              <a:rPr lang="en-US" b="1" dirty="0"/>
-              <a:t>4</a:t>
-            </a:r>
-            <a:r>
-              <a:rPr lang="en-US" b="1" dirty="0" smtClean="0"/>
-              <a:t>0%</a:t>
-            </a:r>
-            <a:endParaRPr lang="en-US" b="1" dirty="0"/>
-          </a:p>
-        </p:txBody>
-      </p:sp>
-      <p:sp>
-        <p:nvSpPr>
-          <p:cNvPr id="41" name="Oval 40"/>
-          <p:cNvSpPr/>
-          <p:nvPr/>
-        </p:nvSpPr>
-        <p:spPr>
-          <a:xfrm rot="19513347">
-            <a:off x="1935957" y="2446006"/>
-            <a:ext cx="1155382" cy="1081968"/>
-          </a:xfrm>
-          <a:prstGeom prst="ellipse">
-            <a:avLst/>
-          </a:prstGeom>
-          <a:noFill/>
-          <a:ln w="38100">
-            <a:prstDash val="sysDash"/>
-          </a:ln>
-        </p:spPr>
-        <p:style>
-          <a:lnRef idx="2">
-            <a:schemeClr val="accent1">
-              <a:shade val="50000"/>
-            </a:schemeClr>
-          </a:lnRef>
-          <a:fillRef idx="1">
-            <a:schemeClr val="accent1"/>
-          </a:fillRef>
-          <a:effectRef idx="0">
-            <a:schemeClr val="accent1"/>
-          </a:effectRef>
-          <a:fontRef idx="minor">
-            <a:schemeClr val="lt1"/>
-          </a:fontRef>
-        </p:style>
-        <p:txBody>
-          <a:bodyPr rtlCol="0" anchor="ctr"/>
-          <a:lstStyle/>
-          <a:p>
-            <a:pPr algn="ctr"/>
-            <a:endParaRPr lang="en-US">
-              <a:ln>
-                <a:solidFill>
-                  <a:schemeClr val="tx1"/>
-                </a:solidFill>
-                <a:prstDash val="dash"/>
-              </a:ln>
-            </a:endParaRPr>
-          </a:p>
-        </p:txBody>
-      </p:sp>
-      <p:grpSp>
-        <p:nvGrpSpPr>
-          <p:cNvPr id="13" name="Group 12"/>
-          <p:cNvGrpSpPr/>
-          <p:nvPr/>
-        </p:nvGrpSpPr>
-        <p:grpSpPr>
-          <a:xfrm>
-            <a:off x="533400" y="2409835"/>
-            <a:ext cx="3949700" cy="1514277"/>
-            <a:chOff x="6921500" y="2802370"/>
-            <a:chExt cx="3949700" cy="1514277"/>
-          </a:xfrm>
-        </p:grpSpPr>
-        <p:sp>
-          <p:nvSpPr>
-            <p:cNvPr id="14" name="Pie 13"/>
-            <p:cNvSpPr/>
-            <p:nvPr/>
-          </p:nvSpPr>
-          <p:spPr>
-            <a:xfrm>
-              <a:off x="8255000" y="2802370"/>
-              <a:ext cx="1282700" cy="1206500"/>
-            </a:xfrm>
-            <a:prstGeom prst="pie">
-              <a:avLst>
-                <a:gd name="adj1" fmla="val 18694568"/>
-                <a:gd name="adj2" fmla="val 16200000"/>
-              </a:avLst>
-            </a:prstGeom>
-          </p:spPr>
-          <p:style>
-            <a:lnRef idx="2">
-              <a:schemeClr val="accent1">
-                <a:shade val="50000"/>
-              </a:schemeClr>
-            </a:lnRef>
-            <a:fillRef idx="1">
-              <a:schemeClr val="accent1"/>
-            </a:fillRef>
-            <a:effectRef idx="0">
-              <a:schemeClr val="accent1"/>
-            </a:effectRef>
-            <a:fontRef idx="minor">
-              <a:schemeClr val="lt1"/>
-            </a:fontRef>
-          </p:style>
-          <p:txBody>
-            <a:bodyPr rtlCol="0" anchor="ctr"/>
-            <a:lstStyle/>
-            <a:p>
-              <a:pPr algn="ctr"/>
-              <a:endParaRPr lang="en-US">
-                <a:solidFill>
-                  <a:schemeClr val="tx1"/>
-                </a:solidFill>
-              </a:endParaRPr>
-            </a:p>
-          </p:txBody>
-        </p:sp>
-        <p:sp>
-          <p:nvSpPr>
-            <p:cNvPr id="15" name="TextBox 14"/>
-            <p:cNvSpPr txBox="1"/>
-            <p:nvPr/>
-          </p:nvSpPr>
-          <p:spPr>
-            <a:xfrm>
-              <a:off x="6921500" y="4008870"/>
-              <a:ext cx="3949700" cy="307777"/>
-            </a:xfrm>
-            <a:prstGeom prst="rect">
-              <a:avLst/>
-            </a:prstGeom>
-            <a:noFill/>
-          </p:spPr>
-          <p:txBody>
-            <a:bodyPr wrap="square" rtlCol="0">
-              <a:spAutoFit/>
-            </a:bodyPr>
-            <a:lstStyle/>
-            <a:p>
-              <a:pPr lvl="0" defTabSz="914354"/>
-              <a:r>
-                <a:rPr lang="en-US" sz="1400" b="1" dirty="0">
-                  <a:solidFill>
-                    <a:schemeClr val="accent1"/>
-                  </a:solidFill>
-                </a:rPr>
-                <a:t>IAR: Product Perspectives</a:t>
-              </a:r>
-            </a:p>
-          </p:txBody>
-        </p:sp>
-      </p:grpSp>
-      <p:sp>
-        <p:nvSpPr>
-          <p:cNvPr id="43" name="Oval 42"/>
-          <p:cNvSpPr/>
-          <p:nvPr/>
-        </p:nvSpPr>
-        <p:spPr>
-          <a:xfrm rot="19513347">
-            <a:off x="5241614" y="2444606"/>
-            <a:ext cx="1155382" cy="1187029"/>
-          </a:xfrm>
-          <a:prstGeom prst="ellipse">
-            <a:avLst/>
-          </a:prstGeom>
-          <a:noFill/>
-          <a:ln w="38100">
-            <a:prstDash val="sysDash"/>
-          </a:ln>
-        </p:spPr>
-        <p:style>
-          <a:lnRef idx="2">
-            <a:schemeClr val="accent1">
-              <a:shade val="50000"/>
-            </a:schemeClr>
-          </a:lnRef>
-          <a:fillRef idx="1">
-            <a:schemeClr val="accent1"/>
-          </a:fillRef>
-          <a:effectRef idx="0">
-            <a:schemeClr val="accent1"/>
-          </a:effectRef>
-          <a:fontRef idx="minor">
-            <a:schemeClr val="lt1"/>
-          </a:fontRef>
-        </p:style>
-        <p:txBody>
-          <a:bodyPr rtlCol="0" anchor="ctr"/>
-          <a:lstStyle/>
-          <a:p>
-            <a:pPr algn="ctr"/>
-            <a:endParaRPr lang="en-US">
-              <a:ln>
-                <a:solidFill>
-                  <a:schemeClr val="tx1"/>
-                </a:solidFill>
-                <a:prstDash val="dash"/>
-              </a:ln>
-            </a:endParaRPr>
-          </a:p>
-        </p:txBody>
-      </p:sp>
-      <p:grpSp>
-        <p:nvGrpSpPr>
-          <p:cNvPr id="18" name="Group 17"/>
-          <p:cNvGrpSpPr/>
-          <p:nvPr/>
-        </p:nvGrpSpPr>
-        <p:grpSpPr>
-          <a:xfrm>
-            <a:off x="3816350" y="2433038"/>
-            <a:ext cx="3949700" cy="1514277"/>
-            <a:chOff x="6921500" y="2802370"/>
-            <a:chExt cx="3949700" cy="1514277"/>
-          </a:xfrm>
-        </p:grpSpPr>
-        <p:sp>
-          <p:nvSpPr>
-            <p:cNvPr id="19" name="Pie 18"/>
-            <p:cNvSpPr/>
-            <p:nvPr/>
-          </p:nvSpPr>
-          <p:spPr>
-            <a:xfrm>
-              <a:off x="8255000" y="2802370"/>
-              <a:ext cx="1282700" cy="1206500"/>
-            </a:xfrm>
-            <a:prstGeom prst="pie">
-              <a:avLst>
-                <a:gd name="adj1" fmla="val 20021582"/>
-                <a:gd name="adj2" fmla="val 16200000"/>
-              </a:avLst>
-            </a:prstGeom>
-          </p:spPr>
-          <p:style>
-            <a:lnRef idx="2">
-              <a:schemeClr val="accent1">
-                <a:shade val="50000"/>
-              </a:schemeClr>
-            </a:lnRef>
-            <a:fillRef idx="1">
-              <a:schemeClr val="accent1"/>
-            </a:fillRef>
-            <a:effectRef idx="0">
-              <a:schemeClr val="accent1"/>
-            </a:effectRef>
-            <a:fontRef idx="minor">
-              <a:schemeClr val="lt1"/>
-            </a:fontRef>
-          </p:style>
-          <p:txBody>
-            <a:bodyPr rtlCol="0" anchor="ctr"/>
-            <a:lstStyle/>
-            <a:p>
-              <a:pPr algn="ctr"/>
-              <a:endParaRPr lang="en-US">
-                <a:solidFill>
-                  <a:schemeClr val="tx1"/>
-                </a:solidFill>
-              </a:endParaRPr>
-            </a:p>
-          </p:txBody>
-        </p:sp>
-        <p:sp>
-          <p:nvSpPr>
-            <p:cNvPr id="20" name="TextBox 19"/>
-            <p:cNvSpPr txBox="1"/>
-            <p:nvPr/>
-          </p:nvSpPr>
-          <p:spPr>
-            <a:xfrm>
-              <a:off x="6921500" y="4008870"/>
-              <a:ext cx="3949700" cy="307777"/>
-            </a:xfrm>
-            <a:prstGeom prst="rect">
-              <a:avLst/>
-            </a:prstGeom>
-            <a:noFill/>
-          </p:spPr>
-          <p:txBody>
-            <a:bodyPr wrap="square" rtlCol="0">
-              <a:spAutoFit/>
-            </a:bodyPr>
-            <a:lstStyle/>
-            <a:p>
-              <a:pPr defTabSz="914354"/>
-              <a:r>
-                <a:rPr lang="en-US" sz="1400" b="1" dirty="0">
-                  <a:solidFill>
-                    <a:schemeClr val="accent1"/>
-                  </a:solidFill>
-                </a:rPr>
-                <a:t>IAR : Market Perspectives</a:t>
-              </a:r>
-            </a:p>
-          </p:txBody>
-        </p:sp>
-      </p:grpSp>
-      <p:sp>
-        <p:nvSpPr>
-          <p:cNvPr id="3" name="Espace réservé du pied de page 2"/>
-          <p:cNvSpPr>
-            <a:spLocks noGrp="1"/>
-          </p:cNvSpPr>
-          <p:nvPr>
-            <p:ph type="ftr" sz="quarter" idx="11"/>
-          </p:nvPr>
-        </p:nvSpPr>
-        <p:spPr/>
-        <p:txBody>
-          <a:bodyPr/>
-          <a:lstStyle/>
-          <a:p>
-            <a:r>
-              <a:rPr lang="fr-FR" smtClean="0"/>
-              <a:t>Banmbu - 20/05/2015</a:t>
-            </a:r>
-            <a:endParaRPr lang="fr-FR"/>
-          </a:p>
-        </p:txBody>
-      </p:sp>
-      <p:sp>
-        <p:nvSpPr>
-          <p:cNvPr id="4" name="Espace réservé du numéro de diapositive 3"/>
-          <p:cNvSpPr>
-            <a:spLocks noGrp="1"/>
-          </p:cNvSpPr>
-          <p:nvPr>
-            <p:ph type="sldNum" sz="quarter" idx="12"/>
-          </p:nvPr>
-        </p:nvSpPr>
-        <p:spPr/>
-        <p:txBody>
-          <a:bodyPr/>
-          <a:lstStyle/>
-          <a:p>
-            <a:fld id="{D376626B-8044-4126-A03C-8C0AE257EC41}" type="slidenum">
-              <a:rPr lang="fr-FR" smtClean="0"/>
-              <a:t>13</a:t>
-            </a:fld>
-            <a:endParaRPr lang="fr-FR"/>
-          </a:p>
-        </p:txBody>
-      </p:sp>
-    </p:spTree>
-    <p:extLst>
-      <p:ext uri="{BB962C8B-B14F-4D97-AF65-F5344CB8AC3E}">
-        <p14:creationId xmlns:p14="http://schemas.microsoft.com/office/powerpoint/2010/main" val="4270440517"/>
-      </p:ext>
-    </p:extLst>
-  </p:cSld>
-  <p:clrMapOvr>
-    <a:masterClrMapping/>
-  </p:clrMapOvr>
 </p:sld>
 </file>
 
@@ -13975,7 +11912,7 @@
           <p:nvPr/>
         </p:nvPicPr>
         <p:blipFill rotWithShape="1">
-          <a:blip r:embed="rId3" cstate="print">
+          <a:blip r:embed="rId2" cstate="print">
             <a:extLst>
               <a:ext uri="{28A0092B-C50C-407E-A947-70E740481C1C}">
                 <a14:useLocalDpi xmlns:a14="http://schemas.microsoft.com/office/drawing/2010/main" val="0"/>
@@ -14013,7 +11950,7 @@
           <p:nvPr/>
         </p:nvPicPr>
         <p:blipFill>
-          <a:blip r:embed="rId4" cstate="print">
+          <a:blip r:embed="rId3" cstate="print">
             <a:extLst>
               <a:ext uri="{28A0092B-C50C-407E-A947-70E740481C1C}">
                 <a14:useLocalDpi xmlns:a14="http://schemas.microsoft.com/office/drawing/2010/main" val="0"/>
@@ -14052,7 +11989,7 @@
           <p:nvPr/>
         </p:nvPicPr>
         <p:blipFill>
-          <a:blip r:embed="rId5" cstate="print">
+          <a:blip r:embed="rId4" cstate="print">
             <a:extLst>
               <a:ext uri="{28A0092B-C50C-407E-A947-70E740481C1C}">
                 <a14:useLocalDpi xmlns:a14="http://schemas.microsoft.com/office/drawing/2010/main" val="0"/>
@@ -14078,6 +12015,129 @@
           <a:extLst>
             <a:ext uri="{53640926-AAD7-44D8-BBD7-CCE9431645EC}">
               <a14:shadowObscured xmlns:a14="http://schemas.microsoft.com/office/drawing/2010/main"/>
+            </a:ext>
+          </a:extLst>
+        </p:spPr>
+      </p:pic>
+      <p:pic>
+        <p:nvPicPr>
+          <p:cNvPr id="1027" name="Picture 3"/>
+          <p:cNvPicPr>
+            <a:picLocks noChangeAspect="1" noChangeArrowheads="1"/>
+          </p:cNvPicPr>
+          <p:nvPr/>
+        </p:nvPicPr>
+        <p:blipFill>
+          <a:blip r:embed="rId2">
+            <a:extLst>
+              <a:ext uri="{28A0092B-C50C-407E-A947-70E740481C1C}">
+                <a14:useLocalDpi xmlns:a14="http://schemas.microsoft.com/office/drawing/2010/main" val="0"/>
+              </a:ext>
+            </a:extLst>
+          </a:blip>
+          <a:srcRect/>
+          <a:stretch>
+            <a:fillRect/>
+          </a:stretch>
+        </p:blipFill>
+        <p:spPr bwMode="auto">
+          <a:xfrm>
+            <a:off x="0" y="0"/>
+            <a:ext cx="1190625" cy="1581150"/>
+          </a:xfrm>
+          <a:prstGeom prst="rect">
+            <a:avLst/>
+          </a:prstGeom>
+          <a:noFill/>
+          <a:extLst>
+            <a:ext uri="{909E8E84-426E-40DD-AFC4-6F175D3DCCD1}">
+              <a14:hiddenFill xmlns:a14="http://schemas.microsoft.com/office/drawing/2010/main">
+                <a:solidFill>
+                  <a:srgbClr val="FFFFFF"/>
+                </a:solidFill>
+              </a14:hiddenFill>
+            </a:ext>
+          </a:extLst>
+        </p:spPr>
+      </p:pic>
+      <p:pic>
+        <p:nvPicPr>
+          <p:cNvPr id="1026" name="Picture 2"/>
+          <p:cNvPicPr>
+            <a:picLocks noChangeAspect="1" noChangeArrowheads="1"/>
+          </p:cNvPicPr>
+          <p:nvPr/>
+        </p:nvPicPr>
+        <p:blipFill>
+          <a:blip r:embed="rId3">
+            <a:extLst>
+              <a:ext uri="{28A0092B-C50C-407E-A947-70E740481C1C}">
+                <a14:useLocalDpi xmlns:a14="http://schemas.microsoft.com/office/drawing/2010/main" val="0"/>
+              </a:ext>
+            </a:extLst>
+          </a:blip>
+          <a:srcRect/>
+          <a:stretch>
+            <a:fillRect/>
+          </a:stretch>
+        </p:blipFill>
+        <p:spPr bwMode="auto">
+          <a:xfrm>
+            <a:off x="0" y="0"/>
+            <a:ext cx="1190625" cy="1581150"/>
+          </a:xfrm>
+          <a:prstGeom prst="rect">
+            <a:avLst/>
+          </a:prstGeom>
+          <a:noFill/>
+          <a:extLst>
+            <a:ext uri="{909E8E84-426E-40DD-AFC4-6F175D3DCCD1}">
+              <a14:hiddenFill xmlns:a14="http://schemas.microsoft.com/office/drawing/2010/main">
+                <a:solidFill>
+                  <a:srgbClr val="FFFFFF"/>
+                </a:solidFill>
+              </a14:hiddenFill>
+            </a:ext>
+          </a:extLst>
+        </p:spPr>
+      </p:pic>
+      <p:pic>
+        <p:nvPicPr>
+          <p:cNvPr id="1025" name="Picture 24"/>
+          <p:cNvPicPr>
+            <a:picLocks noChangeAspect="1" noChangeArrowheads="1"/>
+          </p:cNvPicPr>
+          <p:nvPr/>
+        </p:nvPicPr>
+        <p:blipFill>
+          <a:blip r:embed="rId4">
+            <a:extLst>
+              <a:ext uri="{28A0092B-C50C-407E-A947-70E740481C1C}">
+                <a14:useLocalDpi xmlns:a14="http://schemas.microsoft.com/office/drawing/2010/main" val="0"/>
+              </a:ext>
+            </a:extLst>
+          </a:blip>
+          <a:srcRect/>
+          <a:stretch>
+            <a:fillRect/>
+          </a:stretch>
+        </p:blipFill>
+        <p:spPr bwMode="auto">
+          <a:xfrm>
+            <a:off x="0" y="0"/>
+            <a:ext cx="1190625" cy="1581150"/>
+          </a:xfrm>
+          <a:prstGeom prst="rect">
+            <a:avLst/>
+          </a:prstGeom>
+          <a:noFill/>
+          <a:extLst>
+            <a:ext uri="{909E8E84-426E-40DD-AFC4-6F175D3DCCD1}">
+              <a14:hiddenFill xmlns:a14="http://schemas.microsoft.com/office/drawing/2010/main">
+                <a:solidFill>
+                  <a:srgbClr val="FFFFFF"/>
+                </a:solidFill>
+              </a14:hiddenFill>
             </a:ext>
           </a:extLst>
         </p:spPr>
@@ -14328,14 +12388,14 @@
             <p:ph sz="half" idx="1"/>
             <p:extLst>
               <p:ext uri="{D42A27DB-BD31-4B8C-83A1-F6EECF244321}">
-                <p14:modId xmlns:p14="http://schemas.microsoft.com/office/powerpoint/2010/main" val="1627846606"/>
+                <p14:modId xmlns:p14="http://schemas.microsoft.com/office/powerpoint/2010/main" val="772202291"/>
               </p:ext>
             </p:extLst>
           </p:nvPr>
         </p:nvGraphicFramePr>
         <p:xfrm>
-          <a:off x="1096963" y="1846263"/>
-          <a:ext cx="1697037" cy="3309937"/>
+          <a:off x="1096963" y="1846264"/>
+          <a:ext cx="1697037" cy="3105298"/>
         </p:xfrm>
         <a:graphic>
           <a:graphicData uri="http://schemas.openxmlformats.org/drawingml/2006/chart">
@@ -14395,23 +12455,7 @@
                   <a:schemeClr val="accent5"/>
                 </a:solidFill>
               </a:rPr>
-              <a:t> (First ed.). </a:t>
-            </a:r>
-            <a:r>
-              <a:rPr lang="en-US" sz="1200" dirty="0">
-                <a:solidFill>
-                  <a:schemeClr val="accent5"/>
-                </a:solidFill>
-              </a:rPr>
-              <a:t>Princeton, New Jersey: Princeton University Press</a:t>
-            </a:r>
-            <a:r>
-              <a:rPr lang="en-US" sz="1200" dirty="0">
-                <a:solidFill>
-                  <a:schemeClr val="accent5"/>
-                </a:solidFill>
-              </a:rPr>
-              <a:t>.</a:t>
+              <a:t> (First ed.). Princeton, New Jersey: Princeton University Press.</a:t>
             </a:r>
             <a:endParaRPr lang="fr-FR" sz="1200" dirty="0">
               <a:solidFill>
@@ -14475,9 +12519,10 @@
           <a:lstStyle/>
           <a:p>
             <a:r>
-              <a:rPr lang="en-US" dirty="0"/>
-              <a:t>Logic Model</a:t>
+              <a:rPr lang="en-US" dirty="0" smtClean="0"/>
+              <a:t>LOGIC MODEL</a:t>
             </a:r>
+            <a:endParaRPr lang="en-US" dirty="0"/>
           </a:p>
         </p:txBody>
       </p:sp>
@@ -14497,7 +12542,7 @@
         </p:nvGraphicFramePr>
         <p:xfrm>
           <a:off x="1617028" y="1826933"/>
-          <a:ext cx="8902827" cy="630555"/>
+          <a:ext cx="8902827" cy="639191"/>
         </p:xfrm>
         <a:graphic>
           <a:graphicData uri="http://schemas.openxmlformats.org/drawingml/2006/table">
@@ -15554,7 +13599,7 @@
           <a:p>
             <a:r>
               <a:rPr lang="fr-FR" dirty="0" smtClean="0"/>
-              <a:t>RESOURCES</a:t>
+              <a:t>WORK PROCESS</a:t>
             </a:r>
             <a:endParaRPr lang="fr-FR" dirty="0"/>
           </a:p>
@@ -15562,129 +13607,7 @@
       </p:sp>
       <p:sp>
         <p:nvSpPr>
-          <p:cNvPr id="3" name="Espace réservé du texte 2"/>
-          <p:cNvSpPr>
-            <a:spLocks noGrp="1"/>
-          </p:cNvSpPr>
-          <p:nvPr>
-            <p:ph type="body" idx="1"/>
-          </p:nvPr>
-        </p:nvSpPr>
-        <p:spPr/>
-        <p:txBody>
-          <a:bodyPr/>
-          <a:lstStyle/>
-          <a:p>
-            <a:r>
-              <a:rPr lang="fr-FR" dirty="0" smtClean="0"/>
-              <a:t>ONLINE </a:t>
-            </a:r>
-            <a:r>
-              <a:rPr lang="fr-FR" dirty="0" err="1" smtClean="0"/>
-              <a:t>TOols</a:t>
-            </a:r>
-            <a:endParaRPr lang="fr-FR" dirty="0"/>
-          </a:p>
-        </p:txBody>
-      </p:sp>
-      <p:sp>
-        <p:nvSpPr>
-          <p:cNvPr id="4" name="Espace réservé du contenu 3"/>
-          <p:cNvSpPr>
-            <a:spLocks noGrp="1"/>
-          </p:cNvSpPr>
-          <p:nvPr>
-            <p:ph sz="half" idx="2"/>
-          </p:nvPr>
-        </p:nvSpPr>
-        <p:spPr/>
-        <p:txBody>
-          <a:bodyPr/>
-          <a:lstStyle/>
-          <a:p>
-            <a:pPr lvl="1"/>
-            <a:r>
-              <a:rPr lang="en-US" dirty="0"/>
-              <a:t>GitHub</a:t>
-            </a:r>
-            <a:endParaRPr lang="fr-FR" dirty="0"/>
-          </a:p>
-          <a:p>
-            <a:pPr lvl="1"/>
-            <a:r>
-              <a:rPr lang="en-US" dirty="0" err="1" smtClean="0"/>
-              <a:t>Teambition</a:t>
-            </a:r>
-            <a:endParaRPr lang="fr-FR" dirty="0"/>
-          </a:p>
-        </p:txBody>
-      </p:sp>
-      <p:sp>
-        <p:nvSpPr>
-          <p:cNvPr id="5" name="Espace réservé du texte 4"/>
-          <p:cNvSpPr>
-            <a:spLocks noGrp="1"/>
-          </p:cNvSpPr>
-          <p:nvPr>
-            <p:ph type="body" sz="quarter" idx="3"/>
-          </p:nvPr>
-        </p:nvSpPr>
-        <p:spPr/>
-        <p:txBody>
-          <a:bodyPr/>
-          <a:lstStyle/>
-          <a:p>
-            <a:r>
-              <a:rPr lang="fr-FR" dirty="0" smtClean="0"/>
-              <a:t>SOFTWARES</a:t>
-            </a:r>
-            <a:endParaRPr lang="fr-FR" dirty="0"/>
-          </a:p>
-        </p:txBody>
-      </p:sp>
-      <p:sp>
-        <p:nvSpPr>
-          <p:cNvPr id="6" name="Espace réservé du contenu 5"/>
-          <p:cNvSpPr>
-            <a:spLocks noGrp="1"/>
-          </p:cNvSpPr>
-          <p:nvPr>
-            <p:ph sz="quarter" idx="4"/>
-          </p:nvPr>
-        </p:nvSpPr>
-        <p:spPr/>
-        <p:txBody>
-          <a:bodyPr/>
-          <a:lstStyle/>
-          <a:p>
-            <a:pPr lvl="1"/>
-            <a:r>
-              <a:rPr lang="en-US" dirty="0"/>
-              <a:t>MS Office</a:t>
-            </a:r>
-            <a:endParaRPr lang="fr-FR" dirty="0"/>
-          </a:p>
-          <a:p>
-            <a:pPr lvl="1"/>
-            <a:r>
-              <a:rPr lang="en-US" dirty="0"/>
-              <a:t>Atom</a:t>
-            </a:r>
-            <a:endParaRPr lang="fr-FR" dirty="0"/>
-          </a:p>
-          <a:p>
-            <a:pPr lvl="1"/>
-            <a:r>
-              <a:rPr lang="en-US" dirty="0" err="1" smtClean="0"/>
-              <a:t>Citavi</a:t>
-            </a:r>
-            <a:endParaRPr lang="fr-FR" dirty="0"/>
-          </a:p>
-        </p:txBody>
-      </p:sp>
-      <p:sp>
-        <p:nvSpPr>
-          <p:cNvPr id="7" name="Espace réservé du pied de page 6"/>
+          <p:cNvPr id="4" name="Espace réservé du pied de page 3"/>
           <p:cNvSpPr>
             <a:spLocks noGrp="1"/>
           </p:cNvSpPr>
@@ -15707,7 +13630,7 @@
       </p:sp>
       <p:sp>
         <p:nvSpPr>
-          <p:cNvPr id="8" name="Espace réservé du numéro de diapositive 7"/>
+          <p:cNvPr id="5" name="Espace réservé du numéro de diapositive 4"/>
           <p:cNvSpPr>
             <a:spLocks noGrp="1"/>
           </p:cNvSpPr>
@@ -15728,10 +13651,96 @@
           </a:p>
         </p:txBody>
       </p:sp>
+      <p:pic>
+        <p:nvPicPr>
+          <p:cNvPr id="6" name="Picture 462"/>
+          <p:cNvPicPr>
+            <a:picLocks noGrp="1"/>
+          </p:cNvPicPr>
+          <p:nvPr>
+            <p:ph idx="1"/>
+          </p:nvPr>
+        </p:nvPicPr>
+        <p:blipFill>
+          <a:blip r:embed="rId2"/>
+          <a:stretch>
+            <a:fillRect/>
+          </a:stretch>
+        </p:blipFill>
+        <p:spPr>
+          <a:xfrm>
+            <a:off x="1096963" y="2881122"/>
+            <a:ext cx="10058400" cy="1953006"/>
+          </a:xfrm>
+          <a:prstGeom prst="rect">
+            <a:avLst/>
+          </a:prstGeom>
+          <a:ln>
+            <a:solidFill>
+              <a:schemeClr val="accent4"/>
+            </a:solidFill>
+          </a:ln>
+        </p:spPr>
+      </p:pic>
+      <p:sp>
+        <p:nvSpPr>
+          <p:cNvPr id="3" name="ZoneTexte 2"/>
+          <p:cNvSpPr txBox="1"/>
+          <p:nvPr/>
+        </p:nvSpPr>
+        <p:spPr>
+          <a:xfrm>
+            <a:off x="1096963" y="4834128"/>
+            <a:ext cx="10058400" cy="369332"/>
+          </a:xfrm>
+          <a:prstGeom prst="rect">
+            <a:avLst/>
+          </a:prstGeom>
+          <a:noFill/>
+        </p:spPr>
+        <p:txBody>
+          <a:bodyPr wrap="square" rtlCol="0">
+            <a:spAutoFit/>
+          </a:bodyPr>
+          <a:lstStyle/>
+          <a:p>
+            <a:pPr algn="ctr"/>
+            <a:r>
+              <a:rPr lang="en-GB" i="1" dirty="0">
+                <a:solidFill>
+                  <a:schemeClr val="accent5"/>
+                </a:solidFill>
+              </a:rPr>
+              <a:t>Contributions to GitHub Repository </a:t>
+            </a:r>
+            <a:r>
+              <a:rPr lang="en-GB" i="1" dirty="0" err="1">
+                <a:solidFill>
+                  <a:schemeClr val="accent5"/>
+                </a:solidFill>
+              </a:rPr>
+              <a:t>BambuGMS</a:t>
+            </a:r>
+            <a:r>
+              <a:rPr lang="en-GB" i="1" dirty="0">
+                <a:solidFill>
+                  <a:schemeClr val="accent5"/>
+                </a:solidFill>
+              </a:rPr>
+              <a:t>/Industry-Analysis-Report from 15.03.2015-14.06.2015</a:t>
+            </a:r>
+            <a:endParaRPr lang="fr-FR" i="1" dirty="0">
+              <a:solidFill>
+                <a:schemeClr val="accent5"/>
+              </a:solidFill>
+            </a:endParaRPr>
+          </a:p>
+        </p:txBody>
+      </p:sp>
     </p:spTree>
     <p:extLst>
       <p:ext uri="{BB962C8B-B14F-4D97-AF65-F5344CB8AC3E}">
-        <p14:creationId xmlns:p14="http://schemas.microsoft.com/office/powerpoint/2010/main" val="80300042"/>
+        <p14:creationId xmlns:p14="http://schemas.microsoft.com/office/powerpoint/2010/main" val="2466803531"/>
       </p:ext>
     </p:extLst>
   </p:cSld>
@@ -15760,12 +13769,38 @@
       </p:grpSpPr>
       <p:sp>
         <p:nvSpPr>
-          <p:cNvPr id="4" name="Title 3"/>
+          <p:cNvPr id="2" name="Title 1"/>
           <p:cNvSpPr>
             <a:spLocks noGrp="1"/>
           </p:cNvSpPr>
           <p:nvPr>
-            <p:ph type="title"/>
+            <p:ph type="ctrTitle"/>
+          </p:nvPr>
+        </p:nvSpPr>
+        <p:spPr/>
+        <p:txBody>
+          <a:bodyPr>
+            <a:normAutofit/>
+          </a:bodyPr>
+          <a:lstStyle/>
+          <a:p>
+            <a:pPr algn="ctr"/>
+            <a:r>
+              <a:rPr lang="en-US" sz="6000" i="1" dirty="0" smtClean="0"/>
+              <a:t>THANK YOU FOR YOUR ATTENTION!</a:t>
+            </a:r>
+            <a:endParaRPr lang="en-US" sz="6000" i="1" dirty="0"/>
+          </a:p>
+        </p:txBody>
+      </p:sp>
+      <p:sp>
+        <p:nvSpPr>
+          <p:cNvPr id="3" name="Subtitle 2"/>
+          <p:cNvSpPr>
+            <a:spLocks noGrp="1"/>
+          </p:cNvSpPr>
+          <p:nvPr>
+            <p:ph type="subTitle" idx="1"/>
           </p:nvPr>
         </p:nvSpPr>
         <p:spPr/>
@@ -15773,9 +13808,10 @@
           <a:bodyPr/>
           <a:lstStyle/>
           <a:p>
+            <a:pPr algn="ctr"/>
             <a:r>
               <a:rPr lang="en-US" dirty="0" smtClean="0"/>
-              <a:t>List of Variables </a:t>
+              <a:t>Feel free to ask questions if you have some.</a:t>
             </a:r>
             <a:endParaRPr lang="en-US" dirty="0"/>
           </a:p>
@@ -15783,30 +13819,61 @@
       </p:sp>
       <p:sp>
         <p:nvSpPr>
-          <p:cNvPr id="5" name="Text Placeholder 4"/>
+          <p:cNvPr id="4" name="Rectangle 3"/>
           <p:cNvSpPr>
-            <a:spLocks noGrp="1"/>
+            <a:spLocks noChangeAspect="1"/>
           </p:cNvSpPr>
-          <p:nvPr>
-            <p:ph type="body" idx="1"/>
-          </p:nvPr>
+          <p:nvPr/>
         </p:nvSpPr>
-        <p:spPr/>
+        <p:spPr>
+          <a:xfrm>
+            <a:off x="1407474" y="-288109"/>
+            <a:ext cx="9601301" cy="4778518"/>
+          </a:xfrm>
+          <a:prstGeom prst="rect">
+            <a:avLst/>
+          </a:prstGeom>
+          <a:blipFill dpi="0" rotWithShape="1">
+            <a:blip r:embed="rId2">
+              <a:alphaModFix amt="5000"/>
+            </a:blip>
+            <a:srcRect/>
+            <a:stretch>
+              <a:fillRect/>
+            </a:stretch>
+          </a:blipFill>
+          <a:ln>
+            <a:noFill/>
+          </a:ln>
+        </p:spPr>
+        <p:style>
+          <a:lnRef idx="2">
+            <a:schemeClr val="accent1">
+              <a:shade val="50000"/>
+            </a:schemeClr>
+          </a:lnRef>
+          <a:fillRef idx="1">
+            <a:schemeClr val="accent1"/>
+          </a:fillRef>
+          <a:effectRef idx="0">
+            <a:schemeClr val="accent1"/>
+          </a:effectRef>
+          <a:fontRef idx="minor">
+            <a:schemeClr val="lt1"/>
+          </a:fontRef>
+        </p:style>
         <p:txBody>
-          <a:bodyPr/>
+          <a:bodyPr rtlCol="0" anchor="ctr"/>
           <a:lstStyle/>
           <a:p>
-            <a:r>
-              <a:rPr lang="en-US" dirty="0" smtClean="0"/>
-              <a:t>In accordance with 3T- MODEL</a:t>
-            </a:r>
-            <a:endParaRPr lang="en-US" dirty="0"/>
+            <a:pPr algn="ctr"/>
+            <a:endParaRPr lang="de-DE"/>
           </a:p>
         </p:txBody>
       </p:sp>
       <p:sp>
         <p:nvSpPr>
-          <p:cNvPr id="2" name="Espace réservé du pied de page 1"/>
+          <p:cNvPr id="5" name="Espace réservé du pied de page 4"/>
           <p:cNvSpPr>
             <a:spLocks noGrp="1"/>
           </p:cNvSpPr>
@@ -15820,16 +13887,20 @@
           <a:lstStyle/>
           <a:p>
             <a:r>
-              <a:rPr lang="fr-FR" smtClean="0"/>
-              <a:t>Banmbu - 20/05/2015</a:t>
+              <a:rPr lang="fr-FR" dirty="0" err="1" smtClean="0"/>
+              <a:t>Bambu</a:t>
             </a:r>
-            <a:endParaRPr lang="fr-FR"/>
+            <a:r>
+              <a:rPr lang="fr-FR" dirty="0" smtClean="0"/>
+              <a:t> - 17/06/2015</a:t>
+            </a:r>
+            <a:endParaRPr lang="fr-FR" dirty="0"/>
           </a:p>
         </p:txBody>
       </p:sp>
       <p:sp>
         <p:nvSpPr>
-          <p:cNvPr id="3" name="Espace réservé du numéro de diapositive 2"/>
+          <p:cNvPr id="6" name="Espace réservé du numéro de diapositive 5"/>
           <p:cNvSpPr>
             <a:spLocks noGrp="1"/>
           </p:cNvSpPr>
@@ -15844,1278 +13915,17 @@
           <a:p>
             <a:fld id="{D376626B-8044-4126-A03C-8C0AE257EC41}" type="slidenum">
               <a:rPr lang="fr-FR" smtClean="0"/>
+              <a:pPr/>
               <a:t>7</a:t>
             </a:fld>
-            <a:endParaRPr lang="fr-FR"/>
-          </a:p>
-        </p:txBody>
-      </p:sp>
-      <p:pic>
-        <p:nvPicPr>
-          <p:cNvPr id="6" name="Image 5"/>
-          <p:cNvPicPr>
-            <a:picLocks noChangeAspect="1"/>
-          </p:cNvPicPr>
-          <p:nvPr/>
-        </p:nvPicPr>
-        <p:blipFill>
-          <a:blip r:embed="rId2">
-            <a:duotone>
-              <a:schemeClr val="accent4">
-                <a:shade val="45000"/>
-                <a:satMod val="135000"/>
-              </a:schemeClr>
-              <a:prstClr val="white"/>
-            </a:duotone>
-            <a:extLst>
-              <a:ext uri="{28A0092B-C50C-407E-A947-70E740481C1C}">
-                <a14:useLocalDpi xmlns:a14="http://schemas.microsoft.com/office/drawing/2010/main" val="0"/>
-              </a:ext>
-            </a:extLst>
-          </a:blip>
-          <a:stretch>
-            <a:fillRect/>
-          </a:stretch>
-        </p:blipFill>
-        <p:spPr>
-          <a:xfrm>
-            <a:off x="8401493" y="505460"/>
-            <a:ext cx="2754187" cy="3947668"/>
-          </a:xfrm>
-          <a:prstGeom prst="rect">
-            <a:avLst/>
-          </a:prstGeom>
-          <a:noFill/>
-        </p:spPr>
-      </p:pic>
-    </p:spTree>
-    <p:extLst>
-      <p:ext uri="{BB962C8B-B14F-4D97-AF65-F5344CB8AC3E}">
-        <p14:creationId xmlns:p14="http://schemas.microsoft.com/office/powerpoint/2010/main" val="2079680690"/>
-      </p:ext>
-    </p:extLst>
-  </p:cSld>
-  <p:clrMapOvr>
-    <a:masterClrMapping/>
-  </p:clrMapOvr>
-  <p:timing>
-    <p:tnLst>
-      <p:par>
-        <p:cTn id="1" dur="indefinite" restart="never" nodeType="tmRoot"/>
-      </p:par>
-    </p:tnLst>
-  </p:timing>
-</p:sld>
-</file>
-
-<file path=ppt/slides/slide8.xml><?xml version="1.0" encoding="utf-8"?>
-<p:sld xmlns:a="http://schemas.openxmlformats.org/drawingml/2006/main" xmlns:r="http://schemas.openxmlformats.org/officeDocument/2006/relationships" xmlns:p="http://schemas.openxmlformats.org/presentationml/2006/main">
-  <p:cSld>
-    <p:spTree>
-      <p:nvGrpSpPr>
-        <p:cNvPr id="1" name=""/>
-        <p:cNvGrpSpPr/>
-        <p:nvPr/>
-      </p:nvGrpSpPr>
-      <p:grpSpPr>
-        <a:xfrm>
-          <a:off x="0" y="0"/>
-          <a:ext cx="0" cy="0"/>
-          <a:chOff x="0" y="0"/>
-          <a:chExt cx="0" cy="0"/>
-        </a:xfrm>
-      </p:grpSpPr>
-      <p:sp>
-        <p:nvSpPr>
-          <p:cNvPr id="2" name="Title 1"/>
-          <p:cNvSpPr>
-            <a:spLocks noGrp="1"/>
-          </p:cNvSpPr>
-          <p:nvPr>
-            <p:ph type="title"/>
-          </p:nvPr>
-        </p:nvSpPr>
-        <p:spPr/>
-        <p:txBody>
-          <a:bodyPr/>
-          <a:lstStyle/>
-          <a:p>
-            <a:r>
-              <a:rPr lang="en-US" dirty="0" smtClean="0"/>
-              <a:t>List of Variables</a:t>
-            </a:r>
-            <a:endParaRPr lang="en-US" dirty="0"/>
-          </a:p>
-        </p:txBody>
-      </p:sp>
-      <p:graphicFrame>
-        <p:nvGraphicFramePr>
-          <p:cNvPr id="4" name="Table 3"/>
-          <p:cNvGraphicFramePr>
-            <a:graphicFrameLocks noGrp="1"/>
-          </p:cNvGraphicFramePr>
-          <p:nvPr>
-            <p:extLst>
-              <p:ext uri="{D42A27DB-BD31-4B8C-83A1-F6EECF244321}">
-                <p14:modId xmlns:p14="http://schemas.microsoft.com/office/powerpoint/2010/main" val="1036280830"/>
-              </p:ext>
-            </p:extLst>
-          </p:nvPr>
-        </p:nvGraphicFramePr>
-        <p:xfrm>
-          <a:off x="1346200" y="1964266"/>
-          <a:ext cx="9809480" cy="4129024"/>
-        </p:xfrm>
-        <a:graphic>
-          <a:graphicData uri="http://schemas.openxmlformats.org/drawingml/2006/table">
-            <a:tbl>
-              <a:tblPr firstRow="1" bandRow="1">
-                <a:tableStyleId>{5C22544A-7EE6-4342-B048-85BDC9FD1C3A}</a:tableStyleId>
-              </a:tblPr>
-              <a:tblGrid>
-                <a:gridCol w="3577246"/>
-                <a:gridCol w="3465457"/>
-                <a:gridCol w="2766777"/>
-              </a:tblGrid>
-              <a:tr h="370840">
-                <a:tc>
-                  <a:txBody>
-                    <a:bodyPr/>
-                    <a:lstStyle/>
-                    <a:p>
-                      <a:pPr marL="0" indent="0" algn="ctr" defTabSz="914400" rtl="0" eaLnBrk="1" latinLnBrk="0" hangingPunct="1">
-                        <a:lnSpc>
-                          <a:spcPct val="90000"/>
-                        </a:lnSpc>
-                        <a:spcBef>
-                          <a:spcPts val="1200"/>
-                        </a:spcBef>
-                        <a:spcAft>
-                          <a:spcPts val="200"/>
-                        </a:spcAft>
-                        <a:buClr>
-                          <a:schemeClr val="accent1"/>
-                        </a:buClr>
-                        <a:buSzPct val="100000"/>
-                        <a:buFont typeface="Calibri" panose="020F0502020204030204" pitchFamily="34" charset="0"/>
-                        <a:buNone/>
-                      </a:pPr>
-                      <a:r>
-                        <a:rPr lang="en-US" sz="2400" b="1" kern="1200" cap="all" spc="200" baseline="0" dirty="0" smtClean="0">
-                          <a:solidFill>
-                            <a:schemeClr val="tx2"/>
-                          </a:solidFill>
-                          <a:latin typeface="+mj-lt"/>
-                          <a:ea typeface="+mn-ea"/>
-                          <a:cs typeface="+mn-cs"/>
-                        </a:rPr>
-                        <a:t>Technology</a:t>
-                      </a:r>
-                      <a:endParaRPr lang="en-US" sz="2400" b="1" kern="1200" cap="all" spc="200" baseline="0" dirty="0">
-                        <a:solidFill>
-                          <a:schemeClr val="tx2"/>
-                        </a:solidFill>
-                        <a:latin typeface="+mj-lt"/>
-                        <a:ea typeface="+mn-ea"/>
-                        <a:cs typeface="+mn-cs"/>
-                      </a:endParaRPr>
-                    </a:p>
-                  </a:txBody>
-                  <a:tcPr>
-                    <a:lnT w="12700" cap="flat" cmpd="sng" algn="ctr">
-                      <a:solidFill>
-                        <a:schemeClr val="tx1"/>
-                      </a:solidFill>
-                      <a:prstDash val="solid"/>
-                      <a:round/>
-                      <a:headEnd type="none" w="med" len="med"/>
-                      <a:tailEnd type="none" w="med" len="med"/>
-                    </a:lnT>
-                    <a:lnB w="12700" cap="flat" cmpd="sng" algn="ctr">
-                      <a:solidFill>
-                        <a:schemeClr val="tx1"/>
-                      </a:solidFill>
-                      <a:prstDash val="solid"/>
-                      <a:round/>
-                      <a:headEnd type="none" w="med" len="med"/>
-                      <a:tailEnd type="none" w="med" len="med"/>
-                    </a:lnB>
-                    <a:solidFill>
-                      <a:schemeClr val="bg1"/>
-                    </a:solidFill>
-                  </a:tcPr>
-                </a:tc>
-                <a:tc>
-                  <a:txBody>
-                    <a:bodyPr/>
-                    <a:lstStyle/>
-                    <a:p>
-                      <a:pPr marL="0" indent="0" algn="ctr" defTabSz="914400" rtl="0" eaLnBrk="1" latinLnBrk="0" hangingPunct="1">
-                        <a:lnSpc>
-                          <a:spcPct val="90000"/>
-                        </a:lnSpc>
-                        <a:spcBef>
-                          <a:spcPts val="1200"/>
-                        </a:spcBef>
-                        <a:spcAft>
-                          <a:spcPts val="200"/>
-                        </a:spcAft>
-                        <a:buClr>
-                          <a:schemeClr val="accent1"/>
-                        </a:buClr>
-                        <a:buSzPct val="100000"/>
-                        <a:buFont typeface="Calibri" panose="020F0502020204030204" pitchFamily="34" charset="0"/>
-                        <a:buNone/>
-                      </a:pPr>
-                      <a:r>
-                        <a:rPr lang="en-US" sz="2400" b="1" kern="1200" cap="all" spc="200" baseline="0" dirty="0" smtClean="0">
-                          <a:solidFill>
-                            <a:schemeClr val="tx2"/>
-                          </a:solidFill>
-                          <a:latin typeface="+mj-lt"/>
-                          <a:ea typeface="+mn-ea"/>
-                          <a:cs typeface="+mn-cs"/>
-                        </a:rPr>
-                        <a:t>Tolerance</a:t>
-                      </a:r>
-                      <a:endParaRPr lang="en-US" sz="2400" b="1" kern="1200" cap="all" spc="200" baseline="0" dirty="0">
-                        <a:solidFill>
-                          <a:schemeClr val="tx2"/>
-                        </a:solidFill>
-                        <a:latin typeface="+mj-lt"/>
-                        <a:ea typeface="+mn-ea"/>
-                        <a:cs typeface="+mn-cs"/>
-                      </a:endParaRPr>
-                    </a:p>
-                  </a:txBody>
-                  <a:tcPr>
-                    <a:lnT w="12700" cap="flat" cmpd="sng" algn="ctr">
-                      <a:solidFill>
-                        <a:schemeClr val="tx1"/>
-                      </a:solidFill>
-                      <a:prstDash val="solid"/>
-                      <a:round/>
-                      <a:headEnd type="none" w="med" len="med"/>
-                      <a:tailEnd type="none" w="med" len="med"/>
-                    </a:lnT>
-                    <a:lnB w="12700" cap="flat" cmpd="sng" algn="ctr">
-                      <a:solidFill>
-                        <a:schemeClr val="tx1"/>
-                      </a:solidFill>
-                      <a:prstDash val="solid"/>
-                      <a:round/>
-                      <a:headEnd type="none" w="med" len="med"/>
-                      <a:tailEnd type="none" w="med" len="med"/>
-                    </a:lnB>
-                    <a:solidFill>
-                      <a:schemeClr val="bg1"/>
-                    </a:solidFill>
-                  </a:tcPr>
-                </a:tc>
-                <a:tc>
-                  <a:txBody>
-                    <a:bodyPr/>
-                    <a:lstStyle/>
-                    <a:p>
-                      <a:pPr marL="0" indent="0" algn="ctr" defTabSz="914400" rtl="0" eaLnBrk="1" latinLnBrk="0" hangingPunct="1">
-                        <a:lnSpc>
-                          <a:spcPct val="90000"/>
-                        </a:lnSpc>
-                        <a:spcBef>
-                          <a:spcPts val="1200"/>
-                        </a:spcBef>
-                        <a:spcAft>
-                          <a:spcPts val="200"/>
-                        </a:spcAft>
-                        <a:buClr>
-                          <a:schemeClr val="accent1"/>
-                        </a:buClr>
-                        <a:buSzPct val="100000"/>
-                        <a:buFont typeface="Calibri" panose="020F0502020204030204" pitchFamily="34" charset="0"/>
-                        <a:buNone/>
-                      </a:pPr>
-                      <a:r>
-                        <a:rPr lang="en-US" sz="2400" b="1" kern="1200" cap="all" spc="200" baseline="0" dirty="0" smtClean="0">
-                          <a:solidFill>
-                            <a:schemeClr val="tx2"/>
-                          </a:solidFill>
-                          <a:latin typeface="+mj-lt"/>
-                          <a:ea typeface="+mn-ea"/>
-                          <a:cs typeface="+mn-cs"/>
-                        </a:rPr>
-                        <a:t>Talent</a:t>
-                      </a:r>
-                      <a:endParaRPr lang="en-US" sz="2400" b="1" kern="1200" cap="all" spc="200" baseline="0" dirty="0">
-                        <a:solidFill>
-                          <a:schemeClr val="tx2"/>
-                        </a:solidFill>
-                        <a:latin typeface="+mj-lt"/>
-                        <a:ea typeface="+mn-ea"/>
-                        <a:cs typeface="+mn-cs"/>
-                      </a:endParaRPr>
-                    </a:p>
-                  </a:txBody>
-                  <a:tcPr>
-                    <a:lnT w="12700" cap="flat" cmpd="sng" algn="ctr">
-                      <a:solidFill>
-                        <a:schemeClr val="tx1"/>
-                      </a:solidFill>
-                      <a:prstDash val="solid"/>
-                      <a:round/>
-                      <a:headEnd type="none" w="med" len="med"/>
-                      <a:tailEnd type="none" w="med" len="med"/>
-                    </a:lnT>
-                    <a:lnB w="12700" cap="flat" cmpd="sng" algn="ctr">
-                      <a:solidFill>
-                        <a:schemeClr val="tx1"/>
-                      </a:solidFill>
-                      <a:prstDash val="solid"/>
-                      <a:round/>
-                      <a:headEnd type="none" w="med" len="med"/>
-                      <a:tailEnd type="none" w="med" len="med"/>
-                    </a:lnB>
-                    <a:solidFill>
-                      <a:schemeClr val="bg1"/>
-                    </a:solidFill>
-                  </a:tcPr>
-                </a:tc>
-              </a:tr>
-              <a:tr h="370840">
-                <a:tc>
-                  <a:txBody>
-                    <a:bodyPr/>
-                    <a:lstStyle/>
-                    <a:p>
-                      <a:pPr marL="0" indent="0">
-                        <a:buFont typeface="Arial" panose="020B0604020202020204" pitchFamily="34" charset="0"/>
-                        <a:buNone/>
-                      </a:pPr>
-                      <a:r>
-                        <a:rPr lang="en-US" dirty="0" smtClean="0"/>
-                        <a:t>Fuel</a:t>
-                      </a:r>
-                      <a:r>
-                        <a:rPr lang="en-US" baseline="0" dirty="0" smtClean="0"/>
-                        <a:t> Types</a:t>
-                      </a:r>
-                      <a:endParaRPr lang="en-US" dirty="0"/>
-                    </a:p>
-                  </a:txBody>
-                  <a:tcPr>
-                    <a:lnT w="12700" cap="flat" cmpd="sng" algn="ctr">
-                      <a:solidFill>
-                        <a:schemeClr val="tx1"/>
-                      </a:solidFill>
-                      <a:prstDash val="solid"/>
-                      <a:round/>
-                      <a:headEnd type="none" w="med" len="med"/>
-                      <a:tailEnd type="none" w="med" len="med"/>
-                    </a:lnT>
-                    <a:solidFill>
-                      <a:schemeClr val="bg1"/>
-                    </a:solidFill>
-                  </a:tcPr>
-                </a:tc>
-                <a:tc>
-                  <a:txBody>
-                    <a:bodyPr/>
-                    <a:lstStyle/>
-                    <a:p>
-                      <a:pPr marL="0" indent="0">
-                        <a:buFont typeface="Arial" panose="020B0604020202020204" pitchFamily="34" charset="0"/>
-                        <a:buNone/>
-                      </a:pPr>
-                      <a:r>
-                        <a:rPr lang="en-US" dirty="0" smtClean="0"/>
-                        <a:t>Implementation</a:t>
-                      </a:r>
-                      <a:endParaRPr lang="en-US" dirty="0"/>
-                    </a:p>
-                  </a:txBody>
-                  <a:tcPr>
-                    <a:lnT w="12700" cap="flat" cmpd="sng" algn="ctr">
-                      <a:solidFill>
-                        <a:schemeClr val="tx1"/>
-                      </a:solidFill>
-                      <a:prstDash val="solid"/>
-                      <a:round/>
-                      <a:headEnd type="none" w="med" len="med"/>
-                      <a:tailEnd type="none" w="med" len="med"/>
-                    </a:lnT>
-                    <a:solidFill>
-                      <a:schemeClr val="bg1"/>
-                    </a:solidFill>
-                  </a:tcPr>
-                </a:tc>
-                <a:tc>
-                  <a:txBody>
-                    <a:bodyPr/>
-                    <a:lstStyle/>
-                    <a:p>
-                      <a:pPr marL="0" indent="0">
-                        <a:buFont typeface="Arial" panose="020B0604020202020204" pitchFamily="34" charset="0"/>
-                        <a:buNone/>
-                      </a:pPr>
-                      <a:r>
-                        <a:rPr lang="en-US" b="1" dirty="0" smtClean="0"/>
-                        <a:t>Governmental</a:t>
-                      </a:r>
-                      <a:r>
-                        <a:rPr lang="en-US" b="1" baseline="0" dirty="0" smtClean="0"/>
-                        <a:t> Incentives</a:t>
-                      </a:r>
-                      <a:endParaRPr lang="en-US" b="1" dirty="0"/>
-                    </a:p>
-                  </a:txBody>
-                  <a:tcPr>
-                    <a:lnT w="12700" cap="flat" cmpd="sng" algn="ctr">
-                      <a:solidFill>
-                        <a:schemeClr val="tx1"/>
-                      </a:solidFill>
-                      <a:prstDash val="solid"/>
-                      <a:round/>
-                      <a:headEnd type="none" w="med" len="med"/>
-                      <a:tailEnd type="none" w="med" len="med"/>
-                    </a:lnT>
-                    <a:solidFill>
-                      <a:schemeClr val="bg1"/>
-                    </a:solidFill>
-                  </a:tcPr>
-                </a:tc>
-              </a:tr>
-              <a:tr h="370840">
-                <a:tc>
-                  <a:txBody>
-                    <a:bodyPr/>
-                    <a:lstStyle/>
-                    <a:p>
-                      <a:pPr marL="0" indent="0">
-                        <a:buFont typeface="Arial" panose="020B0604020202020204" pitchFamily="34" charset="0"/>
-                        <a:buNone/>
-                      </a:pPr>
-                      <a:r>
-                        <a:rPr lang="en-US" b="1" dirty="0" smtClean="0"/>
-                        <a:t>Power Output</a:t>
-                      </a:r>
-                      <a:endParaRPr lang="en-US" b="1" dirty="0"/>
-                    </a:p>
-                  </a:txBody>
-                  <a:tcPr>
-                    <a:solidFill>
-                      <a:schemeClr val="bg1"/>
-                    </a:solidFill>
-                  </a:tcPr>
-                </a:tc>
-                <a:tc>
-                  <a:txBody>
-                    <a:bodyPr/>
-                    <a:lstStyle/>
-                    <a:p>
-                      <a:pPr marL="0" indent="0">
-                        <a:buFont typeface="Arial" panose="020B0604020202020204" pitchFamily="34" charset="0"/>
-                        <a:buNone/>
-                      </a:pPr>
-                      <a:r>
-                        <a:rPr lang="en-US" b="1" dirty="0" smtClean="0"/>
-                        <a:t>Region</a:t>
-                      </a:r>
-                      <a:endParaRPr lang="en-US" b="1" dirty="0"/>
-                    </a:p>
-                  </a:txBody>
-                  <a:tcPr>
-                    <a:solidFill>
-                      <a:schemeClr val="bg1"/>
-                    </a:solidFill>
-                  </a:tcPr>
-                </a:tc>
-                <a:tc>
-                  <a:txBody>
-                    <a:bodyPr/>
-                    <a:lstStyle/>
-                    <a:p>
-                      <a:pPr marL="0" indent="0">
-                        <a:buFont typeface="Arial" panose="020B0604020202020204" pitchFamily="34" charset="0"/>
-                        <a:buNone/>
-                      </a:pPr>
-                      <a:r>
-                        <a:rPr lang="en-US" b="1" dirty="0" smtClean="0"/>
-                        <a:t>Access to Institutions</a:t>
-                      </a:r>
-                      <a:endParaRPr lang="en-US" b="1" dirty="0"/>
-                    </a:p>
-                  </a:txBody>
-                  <a:tcPr>
-                    <a:solidFill>
-                      <a:schemeClr val="bg1"/>
-                    </a:solidFill>
-                  </a:tcPr>
-                </a:tc>
-              </a:tr>
-              <a:tr h="370840">
-                <a:tc>
-                  <a:txBody>
-                    <a:bodyPr/>
-                    <a:lstStyle/>
-                    <a:p>
-                      <a:pPr marL="0" indent="0">
-                        <a:buFont typeface="Arial" panose="020B0604020202020204" pitchFamily="34" charset="0"/>
-                        <a:buNone/>
-                      </a:pPr>
-                      <a:r>
-                        <a:rPr lang="en-US" dirty="0" smtClean="0"/>
-                        <a:t>Efficiency</a:t>
-                      </a:r>
-                      <a:endParaRPr lang="en-US" dirty="0"/>
-                    </a:p>
-                  </a:txBody>
-                  <a:tcPr>
-                    <a:solidFill>
-                      <a:schemeClr val="bg1"/>
-                    </a:solidFill>
-                  </a:tcPr>
-                </a:tc>
-                <a:tc>
-                  <a:txBody>
-                    <a:bodyPr/>
-                    <a:lstStyle/>
-                    <a:p>
-                      <a:pPr marL="0" indent="0">
-                        <a:buFont typeface="Arial" panose="020B0604020202020204" pitchFamily="34" charset="0"/>
-                        <a:buNone/>
-                      </a:pPr>
-                      <a:r>
-                        <a:rPr lang="en-US" dirty="0" smtClean="0"/>
-                        <a:t>Safety</a:t>
-                      </a:r>
-                      <a:endParaRPr lang="en-US" dirty="0"/>
-                    </a:p>
-                  </a:txBody>
-                  <a:tcPr>
-                    <a:solidFill>
-                      <a:schemeClr val="bg1"/>
-                    </a:solidFill>
-                  </a:tcPr>
-                </a:tc>
-                <a:tc>
-                  <a:txBody>
-                    <a:bodyPr/>
-                    <a:lstStyle/>
-                    <a:p>
-                      <a:pPr marL="0" indent="0">
-                        <a:buFont typeface="Arial" panose="020B0604020202020204" pitchFamily="34" charset="0"/>
-                        <a:buNone/>
-                      </a:pPr>
-                      <a:r>
-                        <a:rPr lang="en-US" dirty="0" smtClean="0"/>
-                        <a:t>Military Interests</a:t>
-                      </a:r>
-                      <a:endParaRPr lang="en-US" dirty="0"/>
-                    </a:p>
-                  </a:txBody>
-                  <a:tcPr>
-                    <a:solidFill>
-                      <a:schemeClr val="bg1"/>
-                    </a:solidFill>
-                  </a:tcPr>
-                </a:tc>
-              </a:tr>
-              <a:tr h="370840">
-                <a:tc>
-                  <a:txBody>
-                    <a:bodyPr/>
-                    <a:lstStyle/>
-                    <a:p>
-                      <a:pPr marL="0" indent="0">
-                        <a:buFont typeface="Arial" panose="020B0604020202020204" pitchFamily="34" charset="0"/>
-                        <a:buNone/>
-                      </a:pPr>
-                      <a:r>
-                        <a:rPr lang="en-US" b="1" dirty="0" smtClean="0"/>
-                        <a:t>Applications</a:t>
-                      </a:r>
-                      <a:endParaRPr lang="en-US" b="1" dirty="0"/>
-                    </a:p>
-                  </a:txBody>
-                  <a:tcPr>
-                    <a:solidFill>
-                      <a:schemeClr val="bg1"/>
-                    </a:solidFill>
-                  </a:tcPr>
-                </a:tc>
-                <a:tc>
-                  <a:txBody>
-                    <a:bodyPr/>
-                    <a:lstStyle/>
-                    <a:p>
-                      <a:pPr marL="0" indent="0">
-                        <a:buFont typeface="Arial" panose="020B0604020202020204" pitchFamily="34" charset="0"/>
-                        <a:buNone/>
-                      </a:pPr>
-                      <a:r>
-                        <a:rPr lang="en-US" dirty="0" smtClean="0"/>
-                        <a:t>Distance per Fuel Load</a:t>
-                      </a:r>
-                      <a:endParaRPr lang="en-US" dirty="0"/>
-                    </a:p>
-                  </a:txBody>
-                  <a:tcPr>
-                    <a:solidFill>
-                      <a:schemeClr val="bg1"/>
-                    </a:solidFill>
-                  </a:tcPr>
-                </a:tc>
-                <a:tc>
-                  <a:txBody>
-                    <a:bodyPr/>
-                    <a:lstStyle/>
-                    <a:p>
-                      <a:pPr marL="0" indent="0">
-                        <a:buFont typeface="Arial" panose="020B0604020202020204" pitchFamily="34" charset="0"/>
-                        <a:buNone/>
-                      </a:pPr>
-                      <a:r>
-                        <a:rPr lang="en-US" dirty="0" smtClean="0"/>
-                        <a:t>R&amp;D Focus</a:t>
-                      </a:r>
-                      <a:endParaRPr lang="en-US" dirty="0"/>
-                    </a:p>
-                  </a:txBody>
-                  <a:tcPr>
-                    <a:solidFill>
-                      <a:schemeClr val="bg1"/>
-                    </a:solidFill>
-                  </a:tcPr>
-                </a:tc>
-              </a:tr>
-              <a:tr h="370840">
-                <a:tc>
-                  <a:txBody>
-                    <a:bodyPr/>
-                    <a:lstStyle/>
-                    <a:p>
-                      <a:pPr marL="0" indent="0">
-                        <a:buFont typeface="Arial" panose="020B0604020202020204" pitchFamily="34" charset="0"/>
-                        <a:buNone/>
-                      </a:pPr>
-                      <a:r>
-                        <a:rPr lang="en-US" dirty="0" smtClean="0"/>
-                        <a:t>Production Capacity</a:t>
-                      </a:r>
-                      <a:endParaRPr lang="en-US" dirty="0"/>
-                    </a:p>
-                  </a:txBody>
-                  <a:tcPr>
-                    <a:solidFill>
-                      <a:schemeClr val="bg1"/>
-                    </a:solidFill>
-                  </a:tcPr>
-                </a:tc>
-                <a:tc>
-                  <a:txBody>
-                    <a:bodyPr/>
-                    <a:lstStyle/>
-                    <a:p>
-                      <a:pPr marL="0" indent="0">
-                        <a:buFont typeface="Arial" panose="020B0604020202020204" pitchFamily="34" charset="0"/>
-                        <a:buNone/>
-                      </a:pPr>
-                      <a:r>
-                        <a:rPr lang="en-US" dirty="0" smtClean="0"/>
-                        <a:t>Price of Fuel</a:t>
-                      </a:r>
-                      <a:endParaRPr lang="en-US" dirty="0"/>
-                    </a:p>
-                  </a:txBody>
-                  <a:tcPr>
-                    <a:solidFill>
-                      <a:schemeClr val="bg1"/>
-                    </a:solidFill>
-                  </a:tcPr>
-                </a:tc>
-                <a:tc>
-                  <a:txBody>
-                    <a:bodyPr/>
-                    <a:lstStyle/>
-                    <a:p>
-                      <a:pPr marL="0" indent="0">
-                        <a:buFont typeface="Arial" panose="020B0604020202020204" pitchFamily="34" charset="0"/>
-                        <a:buNone/>
-                      </a:pPr>
-                      <a:r>
-                        <a:rPr lang="en-US" dirty="0" smtClean="0"/>
-                        <a:t>Salary</a:t>
-                      </a:r>
-                      <a:endParaRPr lang="en-US" dirty="0"/>
-                    </a:p>
-                  </a:txBody>
-                  <a:tcPr>
-                    <a:solidFill>
-                      <a:schemeClr val="bg1"/>
-                    </a:solidFill>
-                  </a:tcPr>
-                </a:tc>
-              </a:tr>
-              <a:tr h="370840">
-                <a:tc>
-                  <a:txBody>
-                    <a:bodyPr/>
-                    <a:lstStyle/>
-                    <a:p>
-                      <a:pPr marL="0" indent="0">
-                        <a:buFont typeface="Arial" panose="020B0604020202020204" pitchFamily="34" charset="0"/>
-                        <a:buNone/>
-                      </a:pPr>
-                      <a:r>
-                        <a:rPr lang="en-US" dirty="0" smtClean="0"/>
-                        <a:t>System Stability</a:t>
-                      </a:r>
-                      <a:endParaRPr lang="en-US" dirty="0"/>
-                    </a:p>
-                  </a:txBody>
-                  <a:tcPr>
-                    <a:solidFill>
-                      <a:schemeClr val="bg1"/>
-                    </a:solidFill>
-                  </a:tcPr>
-                </a:tc>
-                <a:tc>
-                  <a:txBody>
-                    <a:bodyPr/>
-                    <a:lstStyle/>
-                    <a:p>
-                      <a:pPr marL="0" indent="0">
-                        <a:buFont typeface="Arial" panose="020B0604020202020204" pitchFamily="34" charset="0"/>
-                        <a:buNone/>
-                      </a:pPr>
-                      <a:r>
-                        <a:rPr lang="en-US" dirty="0" smtClean="0"/>
-                        <a:t>Device Portability</a:t>
-                      </a:r>
-                      <a:endParaRPr lang="en-US" dirty="0"/>
-                    </a:p>
-                  </a:txBody>
-                  <a:tcPr>
-                    <a:solidFill>
-                      <a:schemeClr val="bg1"/>
-                    </a:solidFill>
-                  </a:tcPr>
-                </a:tc>
-                <a:tc>
-                  <a:txBody>
-                    <a:bodyPr/>
-                    <a:lstStyle/>
-                    <a:p>
-                      <a:pPr marL="0" indent="0">
-                        <a:buFont typeface="Arial" panose="020B0604020202020204" pitchFamily="34" charset="0"/>
-                        <a:buNone/>
-                      </a:pPr>
-                      <a:r>
-                        <a:rPr lang="en-US" b="1" dirty="0" smtClean="0"/>
-                        <a:t>Global Awareness</a:t>
-                      </a:r>
-                      <a:endParaRPr lang="en-US" b="1" dirty="0"/>
-                    </a:p>
-                  </a:txBody>
-                  <a:tcPr>
-                    <a:solidFill>
-                      <a:schemeClr val="bg1"/>
-                    </a:solidFill>
-                  </a:tcPr>
-                </a:tc>
-              </a:tr>
-              <a:tr h="370840">
-                <a:tc>
-                  <a:txBody>
-                    <a:bodyPr/>
-                    <a:lstStyle/>
-                    <a:p>
-                      <a:pPr marL="0" indent="0">
-                        <a:buFont typeface="Arial" panose="020B0604020202020204" pitchFamily="34" charset="0"/>
-                        <a:buNone/>
-                      </a:pPr>
-                      <a:r>
-                        <a:rPr lang="en-US" dirty="0" smtClean="0"/>
-                        <a:t>Operation and Maintenance</a:t>
-                      </a:r>
-                      <a:endParaRPr lang="en-US" dirty="0"/>
-                    </a:p>
-                  </a:txBody>
-                  <a:tcPr>
-                    <a:solidFill>
-                      <a:schemeClr val="bg1"/>
-                    </a:solidFill>
-                  </a:tcPr>
-                </a:tc>
-                <a:tc>
-                  <a:txBody>
-                    <a:bodyPr/>
-                    <a:lstStyle/>
-                    <a:p>
-                      <a:pPr marL="0" indent="0">
-                        <a:buFont typeface="Arial" panose="020B0604020202020204" pitchFamily="34" charset="0"/>
-                        <a:buNone/>
-                      </a:pPr>
-                      <a:r>
-                        <a:rPr lang="en-US" dirty="0" smtClean="0"/>
-                        <a:t>Supply</a:t>
-                      </a:r>
-                      <a:r>
-                        <a:rPr lang="en-US" baseline="0" dirty="0" smtClean="0"/>
-                        <a:t> Limit</a:t>
-                      </a:r>
-                      <a:endParaRPr lang="en-US" dirty="0"/>
-                    </a:p>
-                  </a:txBody>
-                  <a:tcPr>
-                    <a:solidFill>
-                      <a:schemeClr val="bg1"/>
-                    </a:solidFill>
-                  </a:tcPr>
-                </a:tc>
-                <a:tc>
-                  <a:txBody>
-                    <a:bodyPr/>
-                    <a:lstStyle/>
-                    <a:p>
-                      <a:pPr marL="0" indent="0">
-                        <a:buFont typeface="Arial" panose="020B0604020202020204" pitchFamily="34" charset="0"/>
-                        <a:buNone/>
-                      </a:pPr>
-                      <a:r>
-                        <a:rPr lang="en-US" dirty="0" smtClean="0"/>
-                        <a:t>Expertise</a:t>
-                      </a:r>
-                      <a:endParaRPr lang="en-US" dirty="0"/>
-                    </a:p>
-                  </a:txBody>
-                  <a:tcPr>
-                    <a:solidFill>
-                      <a:schemeClr val="bg1"/>
-                    </a:solidFill>
-                  </a:tcPr>
-                </a:tc>
-              </a:tr>
-              <a:tr h="370840">
-                <a:tc>
-                  <a:txBody>
-                    <a:bodyPr/>
-                    <a:lstStyle/>
-                    <a:p>
-                      <a:pPr marL="0" indent="0">
-                        <a:buFont typeface="Arial" panose="020B0604020202020204" pitchFamily="34" charset="0"/>
-                        <a:buNone/>
-                      </a:pPr>
-                      <a:r>
-                        <a:rPr lang="en-US" dirty="0" smtClean="0"/>
-                        <a:t>Distribution</a:t>
-                      </a:r>
-                      <a:r>
-                        <a:rPr lang="en-US" baseline="0" dirty="0" smtClean="0"/>
-                        <a:t> Energy Resources</a:t>
-                      </a:r>
-                      <a:endParaRPr lang="en-US" dirty="0"/>
-                    </a:p>
-                  </a:txBody>
-                  <a:tcPr>
-                    <a:solidFill>
-                      <a:schemeClr val="bg1"/>
-                    </a:solidFill>
-                  </a:tcPr>
-                </a:tc>
-                <a:tc>
-                  <a:txBody>
-                    <a:bodyPr/>
-                    <a:lstStyle/>
-                    <a:p>
-                      <a:pPr marL="0" indent="0">
-                        <a:buFont typeface="Arial" panose="020B0604020202020204" pitchFamily="34" charset="0"/>
-                        <a:buNone/>
-                      </a:pPr>
-                      <a:r>
-                        <a:rPr lang="en-US" b="1" dirty="0" smtClean="0"/>
-                        <a:t>Market</a:t>
-                      </a:r>
-                      <a:r>
-                        <a:rPr lang="en-US" b="1" baseline="0" dirty="0" smtClean="0"/>
-                        <a:t> Size</a:t>
-                      </a:r>
-                      <a:endParaRPr lang="en-US" b="1" dirty="0"/>
-                    </a:p>
-                  </a:txBody>
-                  <a:tcPr>
-                    <a:solidFill>
-                      <a:schemeClr val="bg1"/>
-                    </a:solidFill>
-                  </a:tcPr>
-                </a:tc>
-                <a:tc>
-                  <a:txBody>
-                    <a:bodyPr/>
-                    <a:lstStyle/>
-                    <a:p>
-                      <a:pPr marL="0" indent="0">
-                        <a:buFont typeface="Arial" panose="020B0604020202020204" pitchFamily="34" charset="0"/>
-                        <a:buNone/>
-                      </a:pPr>
-                      <a:r>
-                        <a:rPr lang="en-US" dirty="0" smtClean="0"/>
-                        <a:t>Environmental Exposure</a:t>
-                      </a:r>
-                      <a:endParaRPr lang="en-US" dirty="0"/>
-                    </a:p>
-                  </a:txBody>
-                  <a:tcPr>
-                    <a:solidFill>
-                      <a:schemeClr val="bg1"/>
-                    </a:solidFill>
-                  </a:tcPr>
-                </a:tc>
-              </a:tr>
-              <a:tr h="370840">
-                <a:tc>
-                  <a:txBody>
-                    <a:bodyPr/>
-                    <a:lstStyle/>
-                    <a:p>
-                      <a:pPr marL="0" indent="0">
-                        <a:buFont typeface="Arial" panose="020B0604020202020204" pitchFamily="34" charset="0"/>
-                        <a:buNone/>
-                      </a:pPr>
-                      <a:r>
-                        <a:rPr lang="en-US" dirty="0" smtClean="0"/>
-                        <a:t>Fuel Delivery Module</a:t>
-                      </a:r>
-                      <a:endParaRPr lang="en-US" dirty="0"/>
-                    </a:p>
-                  </a:txBody>
-                  <a:tcPr>
-                    <a:solidFill>
-                      <a:schemeClr val="bg1"/>
-                    </a:solidFill>
-                  </a:tcPr>
-                </a:tc>
-                <a:tc>
-                  <a:txBody>
-                    <a:bodyPr/>
-                    <a:lstStyle/>
-                    <a:p>
-                      <a:pPr marL="0" indent="0">
-                        <a:buFont typeface="Arial" panose="020B0604020202020204" pitchFamily="34" charset="0"/>
-                        <a:buNone/>
-                      </a:pPr>
-                      <a:r>
-                        <a:rPr lang="en-US" dirty="0" smtClean="0"/>
-                        <a:t>Social Policy</a:t>
-                      </a:r>
-                      <a:endParaRPr lang="en-US" dirty="0"/>
-                    </a:p>
-                  </a:txBody>
-                  <a:tcPr>
-                    <a:solidFill>
-                      <a:schemeClr val="bg1"/>
-                    </a:solidFill>
-                  </a:tcPr>
-                </a:tc>
-                <a:tc>
-                  <a:txBody>
-                    <a:bodyPr/>
-                    <a:lstStyle/>
-                    <a:p>
-                      <a:pPr marL="0" indent="0">
-                        <a:buFont typeface="Arial" panose="020B0604020202020204" pitchFamily="34" charset="0"/>
-                        <a:buNone/>
-                      </a:pPr>
-                      <a:endParaRPr lang="en-US" dirty="0"/>
-                    </a:p>
-                  </a:txBody>
-                  <a:tcPr>
-                    <a:solidFill>
-                      <a:schemeClr val="bg1"/>
-                    </a:solidFill>
-                  </a:tcPr>
-                </a:tc>
-              </a:tr>
-              <a:tr h="370840">
-                <a:tc>
-                  <a:txBody>
-                    <a:bodyPr/>
-                    <a:lstStyle/>
-                    <a:p>
-                      <a:pPr marL="0" indent="0">
-                        <a:buFont typeface="Arial" panose="020B0604020202020204" pitchFamily="34" charset="0"/>
-                        <a:buNone/>
-                      </a:pPr>
-                      <a:endParaRPr lang="en-US"/>
-                    </a:p>
-                  </a:txBody>
-                  <a:tcPr>
-                    <a:solidFill>
-                      <a:schemeClr val="bg1"/>
-                    </a:solidFill>
-                  </a:tcPr>
-                </a:tc>
-                <a:tc>
-                  <a:txBody>
-                    <a:bodyPr/>
-                    <a:lstStyle/>
-                    <a:p>
-                      <a:pPr marL="0" indent="0">
-                        <a:buFont typeface="Arial" panose="020B0604020202020204" pitchFamily="34" charset="0"/>
-                        <a:buNone/>
-                      </a:pPr>
-                      <a:r>
-                        <a:rPr lang="en-US" b="1" dirty="0" smtClean="0"/>
-                        <a:t>Law and Regulations</a:t>
-                      </a:r>
-                      <a:endParaRPr lang="en-US" b="1" dirty="0"/>
-                    </a:p>
-                  </a:txBody>
-                  <a:tcPr>
-                    <a:solidFill>
-                      <a:schemeClr val="bg1"/>
-                    </a:solidFill>
-                  </a:tcPr>
-                </a:tc>
-                <a:tc>
-                  <a:txBody>
-                    <a:bodyPr/>
-                    <a:lstStyle/>
-                    <a:p>
-                      <a:pPr marL="0" indent="0">
-                        <a:buFont typeface="Arial" panose="020B0604020202020204" pitchFamily="34" charset="0"/>
-                        <a:buNone/>
-                      </a:pPr>
-                      <a:endParaRPr lang="en-US" dirty="0"/>
-                    </a:p>
-                  </a:txBody>
-                  <a:tcPr>
-                    <a:solidFill>
-                      <a:schemeClr val="bg1"/>
-                    </a:solidFill>
-                  </a:tcPr>
-                </a:tc>
-              </a:tr>
-            </a:tbl>
-          </a:graphicData>
-        </a:graphic>
-      </p:graphicFrame>
-      <p:sp>
-        <p:nvSpPr>
-          <p:cNvPr id="3" name="Espace réservé du pied de page 2"/>
-          <p:cNvSpPr>
-            <a:spLocks noGrp="1"/>
-          </p:cNvSpPr>
-          <p:nvPr>
-            <p:ph type="ftr" sz="quarter" idx="11"/>
-          </p:nvPr>
-        </p:nvSpPr>
-        <p:spPr/>
-        <p:txBody>
-          <a:bodyPr/>
-          <a:lstStyle/>
-          <a:p>
-            <a:r>
-              <a:rPr lang="fr-FR" smtClean="0"/>
-              <a:t>Banmbu - 20/05/2015</a:t>
-            </a:r>
-            <a:endParaRPr lang="fr-FR"/>
-          </a:p>
-        </p:txBody>
-      </p:sp>
-      <p:sp>
-        <p:nvSpPr>
-          <p:cNvPr id="5" name="Espace réservé du numéro de diapositive 4"/>
-          <p:cNvSpPr>
-            <a:spLocks noGrp="1"/>
-          </p:cNvSpPr>
-          <p:nvPr>
-            <p:ph type="sldNum" sz="quarter" idx="12"/>
-          </p:nvPr>
-        </p:nvSpPr>
-        <p:spPr/>
-        <p:txBody>
-          <a:bodyPr/>
-          <a:lstStyle/>
-          <a:p>
-            <a:fld id="{D376626B-8044-4126-A03C-8C0AE257EC41}" type="slidenum">
-              <a:rPr lang="fr-FR" smtClean="0"/>
-              <a:t>8</a:t>
-            </a:fld>
-            <a:endParaRPr lang="fr-FR"/>
+            <a:endParaRPr lang="fr-FR" dirty="0"/>
           </a:p>
         </p:txBody>
       </p:sp>
     </p:spTree>
     <p:extLst>
       <p:ext uri="{BB962C8B-B14F-4D97-AF65-F5344CB8AC3E}">
-        <p14:creationId xmlns:p14="http://schemas.microsoft.com/office/powerpoint/2010/main" val="3304161007"/>
-      </p:ext>
-    </p:extLst>
-  </p:cSld>
-  <p:clrMapOvr>
-    <a:masterClrMapping/>
-  </p:clrMapOvr>
-  <p:timing>
-    <p:tnLst>
-      <p:par>
-        <p:cTn id="1" dur="indefinite" restart="never" nodeType="tmRoot"/>
-      </p:par>
-    </p:tnLst>
-  </p:timing>
-</p:sld>
-</file>
-
-<file path=ppt/slides/slide9.xml><?xml version="1.0" encoding="utf-8"?>
-<p:sld xmlns:a="http://schemas.openxmlformats.org/drawingml/2006/main" xmlns:r="http://schemas.openxmlformats.org/officeDocument/2006/relationships" xmlns:p="http://schemas.openxmlformats.org/presentationml/2006/main">
-  <p:cSld>
-    <p:spTree>
-      <p:nvGrpSpPr>
-        <p:cNvPr id="1" name=""/>
-        <p:cNvGrpSpPr/>
-        <p:nvPr/>
-      </p:nvGrpSpPr>
-      <p:grpSpPr>
-        <a:xfrm>
-          <a:off x="0" y="0"/>
-          <a:ext cx="0" cy="0"/>
-          <a:chOff x="0" y="0"/>
-          <a:chExt cx="0" cy="0"/>
-        </a:xfrm>
-      </p:grpSpPr>
-      <p:sp>
-        <p:nvSpPr>
-          <p:cNvPr id="4" name="Title 3"/>
-          <p:cNvSpPr>
-            <a:spLocks noGrp="1"/>
-          </p:cNvSpPr>
-          <p:nvPr>
-            <p:ph type="title"/>
-          </p:nvPr>
-        </p:nvSpPr>
-        <p:spPr/>
-        <p:txBody>
-          <a:bodyPr/>
-          <a:lstStyle/>
-          <a:p>
-            <a:r>
-              <a:rPr lang="en-US" dirty="0" smtClean="0"/>
-              <a:t>Process Data</a:t>
-            </a:r>
-            <a:endParaRPr lang="en-US" dirty="0"/>
-          </a:p>
-        </p:txBody>
-      </p:sp>
-      <p:sp>
-        <p:nvSpPr>
-          <p:cNvPr id="5" name="Text Placeholder 4"/>
-          <p:cNvSpPr>
-            <a:spLocks noGrp="1"/>
-          </p:cNvSpPr>
-          <p:nvPr>
-            <p:ph type="body" idx="1"/>
-          </p:nvPr>
-        </p:nvSpPr>
-        <p:spPr/>
-        <p:txBody>
-          <a:bodyPr/>
-          <a:lstStyle/>
-          <a:p>
-            <a:r>
-              <a:rPr lang="en-US" dirty="0" smtClean="0"/>
-              <a:t>Activity traces on github.com</a:t>
-            </a:r>
-            <a:endParaRPr lang="en-US" dirty="0"/>
-          </a:p>
-        </p:txBody>
-      </p:sp>
-      <p:sp>
-        <p:nvSpPr>
-          <p:cNvPr id="2" name="Espace réservé du pied de page 1"/>
-          <p:cNvSpPr>
-            <a:spLocks noGrp="1"/>
-          </p:cNvSpPr>
-          <p:nvPr>
-            <p:ph type="ftr" sz="quarter" idx="11"/>
-          </p:nvPr>
-        </p:nvSpPr>
-        <p:spPr/>
-        <p:txBody>
-          <a:bodyPr/>
-          <a:lstStyle/>
-          <a:p>
-            <a:r>
-              <a:rPr lang="fr-FR" smtClean="0"/>
-              <a:t>Banmbu - 20/05/2015</a:t>
-            </a:r>
-            <a:endParaRPr lang="fr-FR"/>
-          </a:p>
-        </p:txBody>
-      </p:sp>
-      <p:sp>
-        <p:nvSpPr>
-          <p:cNvPr id="3" name="Espace réservé du numéro de diapositive 2"/>
-          <p:cNvSpPr>
-            <a:spLocks noGrp="1"/>
-          </p:cNvSpPr>
-          <p:nvPr>
-            <p:ph type="sldNum" sz="quarter" idx="12"/>
-          </p:nvPr>
-        </p:nvSpPr>
-        <p:spPr/>
-        <p:txBody>
-          <a:bodyPr/>
-          <a:lstStyle/>
-          <a:p>
-            <a:fld id="{D376626B-8044-4126-A03C-8C0AE257EC41}" type="slidenum">
-              <a:rPr lang="fr-FR" smtClean="0"/>
-              <a:t>9</a:t>
-            </a:fld>
-            <a:endParaRPr lang="fr-FR"/>
-          </a:p>
-        </p:txBody>
-      </p:sp>
-      <p:pic>
-        <p:nvPicPr>
-          <p:cNvPr id="6" name="Image 5"/>
-          <p:cNvPicPr>
-            <a:picLocks noChangeAspect="1"/>
-          </p:cNvPicPr>
-          <p:nvPr/>
-        </p:nvPicPr>
-        <p:blipFill>
-          <a:blip r:embed="rId2">
-            <a:duotone>
-              <a:schemeClr val="accent4">
-                <a:shade val="45000"/>
-                <a:satMod val="135000"/>
-              </a:schemeClr>
-              <a:prstClr val="white"/>
-            </a:duotone>
-            <a:extLst>
-              <a:ext uri="{28A0092B-C50C-407E-A947-70E740481C1C}">
-                <a14:useLocalDpi xmlns:a14="http://schemas.microsoft.com/office/drawing/2010/main" val="0"/>
-              </a:ext>
-            </a:extLst>
-          </a:blip>
-          <a:stretch>
-            <a:fillRect/>
-          </a:stretch>
-        </p:blipFill>
-        <p:spPr>
-          <a:xfrm>
-            <a:off x="8401493" y="505460"/>
-            <a:ext cx="2754187" cy="3947668"/>
-          </a:xfrm>
-          <a:prstGeom prst="rect">
-            <a:avLst/>
-          </a:prstGeom>
-          <a:noFill/>
-        </p:spPr>
-      </p:pic>
-    </p:spTree>
-    <p:extLst>
-      <p:ext uri="{BB962C8B-B14F-4D97-AF65-F5344CB8AC3E}">
-        <p14:creationId xmlns:p14="http://schemas.microsoft.com/office/powerpoint/2010/main" val="1599634506"/>
+        <p14:creationId xmlns:p14="http://schemas.microsoft.com/office/powerpoint/2010/main" val="642926419"/>
       </p:ext>
     </p:extLst>
   </p:cSld>

--- a/Assignments/Presentations/2015.06.14_Presentation.pptx
+++ b/Assignments/Presentations/2015.06.14_Presentation.pptx
@@ -5,16 +5,18 @@
     <p:sldMasterId id="2147483696" r:id="rId1"/>
   </p:sldMasterIdLst>
   <p:notesMasterIdLst>
-    <p:notesMasterId r:id="rId9"/>
+    <p:notesMasterId r:id="rId11"/>
   </p:notesMasterIdLst>
   <p:sldIdLst>
-    <p:sldId id="285" r:id="rId2"/>
-    <p:sldId id="298" r:id="rId3"/>
-    <p:sldId id="301" r:id="rId4"/>
-    <p:sldId id="286" r:id="rId5"/>
-    <p:sldId id="303" r:id="rId6"/>
-    <p:sldId id="305" r:id="rId7"/>
-    <p:sldId id="306" r:id="rId8"/>
+    <p:sldId id="307" r:id="rId2"/>
+    <p:sldId id="285" r:id="rId3"/>
+    <p:sldId id="298" r:id="rId4"/>
+    <p:sldId id="301" r:id="rId5"/>
+    <p:sldId id="286" r:id="rId6"/>
+    <p:sldId id="303" r:id="rId7"/>
+    <p:sldId id="308" r:id="rId8"/>
+    <p:sldId id="305" r:id="rId9"/>
+    <p:sldId id="306" r:id="rId10"/>
   </p:sldIdLst>
   <p:sldSz cx="12192000" cy="6858000"/>
   <p:notesSz cx="6858000" cy="9144000"/>
@@ -135,7 +137,7 @@
 <file path=ppt/charts/chart1.xml><?xml version="1.0" encoding="utf-8"?>
 <c:chartSpace xmlns:c="http://schemas.openxmlformats.org/drawingml/2006/chart" xmlns:a="http://schemas.openxmlformats.org/drawingml/2006/main" xmlns:r="http://schemas.openxmlformats.org/officeDocument/2006/relationships">
   <c:date1904 val="0"/>
-  <c:lang val="fr-FR"/>
+  <c:lang val="en-US"/>
   <c:roundedCorners val="0"/>
   <mc:AlternateContent xmlns:mc="http://schemas.openxmlformats.org/markup-compatibility/2006">
     <mc:Choice xmlns:c14="http://schemas.microsoft.com/office/drawing/2007/8/2/chart" Requires="c14">
@@ -203,7 +205,7 @@
               <a:cs typeface="+mn-cs"/>
             </a:defRPr>
           </a:pPr>
-          <a:endParaRPr lang="fr-FR"/>
+          <a:endParaRPr lang="en-US"/>
         </a:p>
       </c:txPr>
     </c:title>
@@ -365,7 +367,7 @@
               <a:cs typeface="+mn-cs"/>
             </a:defRPr>
           </a:pPr>
-          <a:endParaRPr lang="fr-FR"/>
+          <a:endParaRPr lang="en-US"/>
         </a:p>
       </c:txPr>
     </c:legend>
@@ -389,7 +391,7 @@
       <a:pPr>
         <a:defRPr/>
       </a:pPr>
-      <a:endParaRPr lang="fr-FR"/>
+      <a:endParaRPr lang="en-US"/>
     </a:p>
   </c:txPr>
   <c:externalData r:id="rId3">
@@ -1786,7 +1788,7 @@
         <a:lstStyle/>
         <a:p>
           <a:r>
-            <a:rPr lang="fr-FR" sz="1400" smtClean="0">
+            <a:rPr lang="en-US" sz="1400" noProof="0" dirty="0" smtClean="0">
               <a:solidFill>
                 <a:schemeClr val="accent3">
                   <a:lumMod val="75000"/>
@@ -1795,7 +1797,7 @@
             </a:rPr>
             <a:t>RESOURCES</a:t>
           </a:r>
-          <a:endParaRPr lang="fr-FR" sz="1400" dirty="0">
+          <a:endParaRPr lang="en-US" sz="1400" noProof="0" dirty="0">
             <a:solidFill>
               <a:schemeClr val="accent3">
                 <a:lumMod val="75000"/>
@@ -1908,7 +1910,7 @@
         <a:lstStyle/>
         <a:p>
           <a:r>
-            <a:rPr lang="fr-FR" sz="1400" dirty="0" smtClean="0">
+            <a:rPr lang="en-US" sz="1400" noProof="0" dirty="0" smtClean="0">
               <a:solidFill>
                 <a:schemeClr val="accent3">
                   <a:lumMod val="75000"/>
@@ -1917,7 +1919,7 @@
             </a:rPr>
             <a:t>OUTPUTS</a:t>
           </a:r>
-          <a:endParaRPr lang="fr-FR" sz="1400" dirty="0">
+          <a:endParaRPr lang="en-US" sz="1400" noProof="0" dirty="0">
             <a:solidFill>
               <a:schemeClr val="accent3">
                 <a:lumMod val="75000"/>
@@ -1969,7 +1971,7 @@
         <a:lstStyle/>
         <a:p>
           <a:r>
-            <a:rPr lang="fr-FR" sz="1050" dirty="0" smtClean="0">
+            <a:rPr lang="en-US" sz="1050" noProof="0" dirty="0" smtClean="0">
               <a:solidFill>
                 <a:schemeClr val="accent3">
                   <a:lumMod val="75000"/>
@@ -1978,7 +1980,7 @@
             </a:rPr>
             <a:t> IAR </a:t>
           </a:r>
-          <a:endParaRPr lang="fr-FR" sz="1050" dirty="0">
+          <a:endParaRPr lang="en-US" sz="1050" noProof="0" dirty="0">
             <a:solidFill>
               <a:schemeClr val="accent3">
                 <a:lumMod val="75000"/>
@@ -2030,46 +2032,16 @@
         <a:lstStyle/>
         <a:p>
           <a:r>
-            <a:rPr lang="fr-FR" sz="1050" dirty="0" smtClean="0">
+            <a:rPr lang="en-US" sz="1050" noProof="0" dirty="0" smtClean="0">
               <a:solidFill>
                 <a:schemeClr val="accent3">
                   <a:lumMod val="75000"/>
                 </a:schemeClr>
               </a:solidFill>
             </a:rPr>
-            <a:t> Fuel </a:t>
+            <a:t> Fuel cell authorities</a:t>
           </a:r>
-          <a:r>
-            <a:rPr lang="fr-FR" sz="1050" dirty="0" err="1" smtClean="0">
-              <a:solidFill>
-                <a:schemeClr val="accent3">
-                  <a:lumMod val="75000"/>
-                </a:schemeClr>
-              </a:solidFill>
-            </a:rPr>
-            <a:t>cell</a:t>
-          </a:r>
-          <a:r>
-            <a:rPr lang="fr-FR" sz="1050" dirty="0" smtClean="0">
-              <a:solidFill>
-                <a:schemeClr val="accent3">
-                  <a:lumMod val="75000"/>
-                </a:schemeClr>
-              </a:solidFill>
-            </a:rPr>
-            <a:t> </a:t>
-          </a:r>
-          <a:r>
-            <a:rPr lang="fr-FR" sz="1050" dirty="0" err="1" smtClean="0">
-              <a:solidFill>
-                <a:schemeClr val="accent3">
-                  <a:lumMod val="75000"/>
-                </a:schemeClr>
-              </a:solidFill>
-            </a:rPr>
-            <a:t>authoritiES</a:t>
-          </a:r>
-          <a:endParaRPr lang="fr-FR" sz="1050" dirty="0">
+          <a:endParaRPr lang="en-US" sz="1050" noProof="0" dirty="0">
             <a:solidFill>
               <a:schemeClr val="accent3">
                 <a:lumMod val="75000"/>
@@ -2374,7 +2346,7 @@
         <a:bodyPr/>
         <a:lstStyle/>
         <a:p>
-          <a:endParaRPr lang="fr-FR" sz="1050">
+          <a:endParaRPr lang="en-US" sz="1050" noProof="0" dirty="0">
             <a:solidFill>
               <a:schemeClr val="accent3">
                 <a:lumMod val="75000"/>
@@ -2426,7 +2398,7 @@
         <a:lstStyle/>
         <a:p>
           <a:r>
-            <a:rPr lang="fr-FR" sz="1050" dirty="0" smtClean="0">
+            <a:rPr lang="en-US" sz="1050" noProof="0" dirty="0" smtClean="0">
               <a:solidFill>
                 <a:schemeClr val="accent3">
                   <a:lumMod val="75000"/>
@@ -2435,6 +2407,13 @@
             </a:rPr>
             <a:t> Scientific publications</a:t>
           </a:r>
+          <a:endParaRPr lang="en-US" sz="1050" noProof="0" dirty="0" smtClean="0">
+            <a:solidFill>
+              <a:schemeClr val="accent3">
+                <a:lumMod val="75000"/>
+              </a:schemeClr>
+            </a:solidFill>
+          </a:endParaRPr>
         </a:p>
       </dgm:t>
     </dgm:pt>
@@ -2468,46 +2447,16 @@
         <a:lstStyle/>
         <a:p>
           <a:r>
-            <a:rPr lang="fr-FR" sz="1050" dirty="0" smtClean="0">
+            <a:rPr lang="en-US" sz="1050" noProof="0" dirty="0" smtClean="0">
               <a:solidFill>
                 <a:schemeClr val="accent3">
                   <a:lumMod val="75000"/>
                 </a:schemeClr>
               </a:solidFill>
             </a:rPr>
-            <a:t> </a:t>
+            <a:t> Company websites</a:t>
           </a:r>
-          <a:r>
-            <a:rPr lang="fr-FR" sz="1050" dirty="0" err="1" smtClean="0">
-              <a:solidFill>
-                <a:schemeClr val="accent3">
-                  <a:lumMod val="75000"/>
-                </a:schemeClr>
-              </a:solidFill>
-            </a:rPr>
-            <a:t>Company</a:t>
-          </a:r>
-          <a:r>
-            <a:rPr lang="fr-FR" sz="1050" dirty="0" smtClean="0">
-              <a:solidFill>
-                <a:schemeClr val="accent3">
-                  <a:lumMod val="75000"/>
-                </a:schemeClr>
-              </a:solidFill>
-            </a:rPr>
-            <a:t> </a:t>
-          </a:r>
-          <a:r>
-            <a:rPr lang="fr-FR" sz="1050" dirty="0" err="1" smtClean="0">
-              <a:solidFill>
-                <a:schemeClr val="accent3">
-                  <a:lumMod val="75000"/>
-                </a:schemeClr>
-              </a:solidFill>
-            </a:rPr>
-            <a:t>websites</a:t>
-          </a:r>
-          <a:endParaRPr lang="fr-FR" sz="1050" dirty="0" smtClean="0">
+          <a:endParaRPr lang="en-US" sz="1050" noProof="0" dirty="0" smtClean="0">
             <a:solidFill>
               <a:schemeClr val="accent3">
                 <a:lumMod val="75000"/>
@@ -2547,35 +2496,22 @@
         <a:lstStyle/>
         <a:p>
           <a:r>
-            <a:rPr lang="fr-FR" sz="1050" dirty="0" smtClean="0">
+            <a:rPr lang="en-US" sz="1050" noProof="0" dirty="0" smtClean="0">
               <a:solidFill>
                 <a:schemeClr val="accent3">
                   <a:lumMod val="75000"/>
                 </a:schemeClr>
               </a:solidFill>
             </a:rPr>
-            <a:t> </a:t>
+            <a:t> Newspapers and magazines</a:t>
           </a:r>
-          <a:r>
-            <a:rPr lang="fr-FR" sz="1050" dirty="0" err="1" smtClean="0">
-              <a:solidFill>
-                <a:schemeClr val="accent3">
-                  <a:lumMod val="75000"/>
-                </a:schemeClr>
-              </a:solidFill>
-            </a:rPr>
-            <a:t>Newspapers</a:t>
-          </a:r>
-          <a:r>
-            <a:rPr lang="fr-FR" sz="1050" dirty="0" smtClean="0">
-              <a:solidFill>
-                <a:schemeClr val="accent3">
-                  <a:lumMod val="75000"/>
-                </a:schemeClr>
-              </a:solidFill>
-            </a:rPr>
-            <a:t> and magazines</a:t>
-          </a:r>
+          <a:endParaRPr lang="en-US" sz="1050" noProof="0" dirty="0" smtClean="0">
+            <a:solidFill>
+              <a:schemeClr val="accent3">
+                <a:lumMod val="75000"/>
+              </a:schemeClr>
+            </a:solidFill>
+          </a:endParaRPr>
         </a:p>
       </dgm:t>
     </dgm:pt>
@@ -2609,46 +2545,16 @@
         <a:lstStyle/>
         <a:p>
           <a:r>
-            <a:rPr lang="fr-FR" sz="1050" dirty="0" smtClean="0">
+            <a:rPr lang="en-US" sz="1050" noProof="0" dirty="0" smtClean="0">
               <a:solidFill>
                 <a:schemeClr val="accent3">
                   <a:lumMod val="75000"/>
                 </a:schemeClr>
               </a:solidFill>
             </a:rPr>
-            <a:t> </a:t>
+            <a:t> Governmental authorities</a:t>
           </a:r>
-          <a:r>
-            <a:rPr lang="fr-FR" sz="1050" dirty="0" err="1" smtClean="0">
-              <a:solidFill>
-                <a:schemeClr val="accent3">
-                  <a:lumMod val="75000"/>
-                </a:schemeClr>
-              </a:solidFill>
-            </a:rPr>
-            <a:t>Governmental</a:t>
-          </a:r>
-          <a:r>
-            <a:rPr lang="fr-FR" sz="1050" dirty="0" smtClean="0">
-              <a:solidFill>
-                <a:schemeClr val="accent3">
-                  <a:lumMod val="75000"/>
-                </a:schemeClr>
-              </a:solidFill>
-            </a:rPr>
-            <a:t> </a:t>
-          </a:r>
-          <a:r>
-            <a:rPr lang="fr-FR" sz="1050" dirty="0" err="1" smtClean="0">
-              <a:solidFill>
-                <a:schemeClr val="accent3">
-                  <a:lumMod val="75000"/>
-                </a:schemeClr>
-              </a:solidFill>
-            </a:rPr>
-            <a:t>authorities</a:t>
-          </a:r>
-          <a:endParaRPr lang="fr-FR" sz="1050" dirty="0" smtClean="0">
+          <a:endParaRPr lang="en-US" sz="1050" noProof="0" dirty="0" smtClean="0">
             <a:solidFill>
               <a:schemeClr val="accent3">
                 <a:lumMod val="75000"/>
@@ -2688,46 +2594,16 @@
         <a:lstStyle/>
         <a:p>
           <a:r>
-            <a:rPr lang="fr-FR" sz="1050" dirty="0" smtClean="0">
+            <a:rPr lang="en-US" sz="1050" noProof="0" dirty="0" smtClean="0">
               <a:solidFill>
                 <a:schemeClr val="accent3">
                   <a:lumMod val="75000"/>
                 </a:schemeClr>
               </a:solidFill>
             </a:rPr>
-            <a:t> </a:t>
+            <a:t> Statistic databases</a:t>
           </a:r>
-          <a:r>
-            <a:rPr lang="fr-FR" sz="1050" dirty="0" err="1" smtClean="0">
-              <a:solidFill>
-                <a:schemeClr val="accent3">
-                  <a:lumMod val="75000"/>
-                </a:schemeClr>
-              </a:solidFill>
-            </a:rPr>
-            <a:t>Statistic</a:t>
-          </a:r>
-          <a:r>
-            <a:rPr lang="fr-FR" sz="1050" dirty="0" smtClean="0">
-              <a:solidFill>
-                <a:schemeClr val="accent3">
-                  <a:lumMod val="75000"/>
-                </a:schemeClr>
-              </a:solidFill>
-            </a:rPr>
-            <a:t> </a:t>
-          </a:r>
-          <a:r>
-            <a:rPr lang="fr-FR" sz="1050" dirty="0" err="1" smtClean="0">
-              <a:solidFill>
-                <a:schemeClr val="accent3">
-                  <a:lumMod val="75000"/>
-                </a:schemeClr>
-              </a:solidFill>
-            </a:rPr>
-            <a:t>databases</a:t>
-          </a:r>
-          <a:endParaRPr lang="fr-FR" sz="1050" dirty="0" smtClean="0">
+          <a:endParaRPr lang="en-US" sz="1050" noProof="0" dirty="0" smtClean="0">
             <a:solidFill>
               <a:schemeClr val="accent3">
                 <a:lumMod val="75000"/>
@@ -2767,7 +2643,7 @@
         <a:lstStyle/>
         <a:p>
           <a:r>
-            <a:rPr lang="fr-FR" sz="1050" dirty="0" smtClean="0">
+            <a:rPr lang="en-US" sz="1050" noProof="0" dirty="0" smtClean="0">
               <a:solidFill>
                 <a:schemeClr val="accent3">
                   <a:lumMod val="75000"/>
@@ -2776,6 +2652,13 @@
             </a:rPr>
             <a:t> Online Tools</a:t>
           </a:r>
+          <a:endParaRPr lang="en-US" sz="1050" noProof="0" dirty="0" smtClean="0">
+            <a:solidFill>
+              <a:schemeClr val="accent3">
+                <a:lumMod val="75000"/>
+              </a:schemeClr>
+            </a:solidFill>
+          </a:endParaRPr>
         </a:p>
       </dgm:t>
     </dgm:pt>
@@ -2809,7 +2692,7 @@
         <a:lstStyle/>
         <a:p>
           <a:r>
-            <a:rPr lang="fr-FR" sz="1050" dirty="0" smtClean="0">
+            <a:rPr lang="en-US" sz="1050" noProof="0" dirty="0" smtClean="0">
               <a:solidFill>
                 <a:schemeClr val="accent3">
                   <a:lumMod val="75000"/>
@@ -2818,6 +2701,13 @@
             </a:rPr>
             <a:t> Software</a:t>
           </a:r>
+          <a:endParaRPr lang="en-US" sz="1050" noProof="0" dirty="0" smtClean="0">
+            <a:solidFill>
+              <a:schemeClr val="accent3">
+                <a:lumMod val="75000"/>
+              </a:schemeClr>
+            </a:solidFill>
+          </a:endParaRPr>
         </a:p>
       </dgm:t>
     </dgm:pt>
@@ -2890,7 +2780,7 @@
         <a:lstStyle/>
         <a:p>
           <a:r>
-            <a:rPr lang="fr-FR" sz="1050" dirty="0" smtClean="0">
+            <a:rPr lang="en-US" sz="1050" noProof="0" dirty="0" smtClean="0">
               <a:solidFill>
                 <a:schemeClr val="accent3">
                   <a:lumMod val="75000"/>
@@ -2899,6 +2789,13 @@
             </a:rPr>
             <a:t> Introduction</a:t>
           </a:r>
+          <a:endParaRPr lang="en-US" sz="1050" noProof="0" dirty="0" smtClean="0">
+            <a:solidFill>
+              <a:schemeClr val="accent3">
+                <a:lumMod val="75000"/>
+              </a:schemeClr>
+            </a:solidFill>
+          </a:endParaRPr>
         </a:p>
       </dgm:t>
     </dgm:pt>
@@ -2932,35 +2829,22 @@
         <a:lstStyle/>
         <a:p>
           <a:r>
-            <a:rPr lang="fr-FR" sz="1050" dirty="0" smtClean="0">
+            <a:rPr lang="en-US" sz="1050" noProof="0" dirty="0" smtClean="0">
               <a:solidFill>
                 <a:schemeClr val="accent3">
                   <a:lumMod val="75000"/>
                 </a:schemeClr>
               </a:solidFill>
             </a:rPr>
-            <a:t> </a:t>
+            <a:t> GitHub page</a:t>
           </a:r>
-          <a:r>
-            <a:rPr lang="fr-FR" sz="1050" dirty="0" err="1" smtClean="0">
-              <a:solidFill>
-                <a:schemeClr val="accent3">
-                  <a:lumMod val="75000"/>
-                </a:schemeClr>
-              </a:solidFill>
-            </a:rPr>
-            <a:t>Github</a:t>
-          </a:r>
-          <a:r>
-            <a:rPr lang="fr-FR" sz="1050" dirty="0" smtClean="0">
-              <a:solidFill>
-                <a:schemeClr val="accent3">
-                  <a:lumMod val="75000"/>
-                </a:schemeClr>
-              </a:solidFill>
-            </a:rPr>
-            <a:t> page</a:t>
-          </a:r>
+          <a:endParaRPr lang="en-US" sz="1050" noProof="0" dirty="0" smtClean="0">
+            <a:solidFill>
+              <a:schemeClr val="accent3">
+                <a:lumMod val="75000"/>
+              </a:schemeClr>
+            </a:solidFill>
+          </a:endParaRPr>
         </a:p>
       </dgm:t>
     </dgm:pt>
@@ -2993,7 +2877,7 @@
         <a:bodyPr/>
         <a:lstStyle/>
         <a:p>
-          <a:endParaRPr lang="fr-FR" sz="1050" dirty="0" smtClean="0">
+          <a:endParaRPr lang="en-US" sz="1050" noProof="0" dirty="0" smtClean="0">
             <a:solidFill>
               <a:schemeClr val="accent3">
                 <a:lumMod val="75000"/>
@@ -3163,7 +3047,7 @@
         <a:lstStyle/>
         <a:p>
           <a:r>
-            <a:rPr lang="fr-FR" sz="1050" dirty="0" smtClean="0">
+            <a:rPr lang="en-US" sz="1050" noProof="0" dirty="0" smtClean="0">
               <a:solidFill>
                 <a:schemeClr val="accent3">
                   <a:lumMod val="75000"/>
@@ -3172,6 +3056,13 @@
             </a:rPr>
             <a:t> Product description</a:t>
           </a:r>
+          <a:endParaRPr lang="en-US" sz="1050" noProof="0" dirty="0" smtClean="0">
+            <a:solidFill>
+              <a:schemeClr val="accent3">
+                <a:lumMod val="75000"/>
+              </a:schemeClr>
+            </a:solidFill>
+          </a:endParaRPr>
         </a:p>
       </dgm:t>
     </dgm:pt>
@@ -3205,35 +3096,22 @@
         <a:lstStyle/>
         <a:p>
           <a:r>
-            <a:rPr lang="fr-FR" sz="1050" dirty="0" smtClean="0">
+            <a:rPr lang="en-US" sz="1050" noProof="0" dirty="0" smtClean="0">
               <a:solidFill>
                 <a:schemeClr val="accent3">
                   <a:lumMod val="75000"/>
                 </a:schemeClr>
               </a:solidFill>
             </a:rPr>
-            <a:t> </a:t>
+            <a:t> Market description</a:t>
           </a:r>
-          <a:r>
-            <a:rPr lang="fr-FR" sz="1050" dirty="0" err="1" smtClean="0">
-              <a:solidFill>
-                <a:schemeClr val="accent3">
-                  <a:lumMod val="75000"/>
-                </a:schemeClr>
-              </a:solidFill>
-            </a:rPr>
-            <a:t>Market</a:t>
-          </a:r>
-          <a:r>
-            <a:rPr lang="fr-FR" sz="1050" dirty="0" smtClean="0">
-              <a:solidFill>
-                <a:schemeClr val="accent3">
-                  <a:lumMod val="75000"/>
-                </a:schemeClr>
-              </a:solidFill>
-            </a:rPr>
-            <a:t> description</a:t>
-          </a:r>
+          <a:endParaRPr lang="en-US" sz="1050" noProof="0" dirty="0" smtClean="0">
+            <a:solidFill>
+              <a:schemeClr val="accent3">
+                <a:lumMod val="75000"/>
+              </a:schemeClr>
+            </a:solidFill>
+          </a:endParaRPr>
         </a:p>
       </dgm:t>
     </dgm:pt>
@@ -3267,26 +3145,16 @@
         <a:lstStyle/>
         <a:p>
           <a:r>
-            <a:rPr lang="fr-FR" sz="1050" dirty="0" smtClean="0">
+            <a:rPr lang="en-US" sz="1050" noProof="0" dirty="0" smtClean="0">
               <a:solidFill>
                 <a:schemeClr val="accent3">
                   <a:lumMod val="75000"/>
                 </a:schemeClr>
               </a:solidFill>
             </a:rPr>
-            <a:t> Policy </a:t>
+            <a:t> Policy framework</a:t>
           </a:r>
-          <a:r>
-            <a:rPr lang="fr-FR" sz="1050" dirty="0" err="1" smtClean="0">
-              <a:solidFill>
-                <a:schemeClr val="accent3">
-                  <a:lumMod val="75000"/>
-                </a:schemeClr>
-              </a:solidFill>
-            </a:rPr>
-            <a:t>framework</a:t>
-          </a:r>
-          <a:endParaRPr lang="fr-FR" sz="1050" dirty="0" smtClean="0">
+          <a:endParaRPr lang="en-US" sz="1050" noProof="0" dirty="0" smtClean="0">
             <a:solidFill>
               <a:schemeClr val="accent3">
                 <a:lumMod val="75000"/>
@@ -3326,7 +3194,7 @@
         <a:lstStyle/>
         <a:p>
           <a:r>
-            <a:rPr lang="fr-FR" sz="1050" dirty="0" smtClean="0">
+            <a:rPr lang="en-US" sz="1050" noProof="0" dirty="0" smtClean="0">
               <a:solidFill>
                 <a:schemeClr val="accent3">
                   <a:lumMod val="75000"/>
@@ -3335,6 +3203,13 @@
             </a:rPr>
             <a:t> Future perspective</a:t>
           </a:r>
+          <a:endParaRPr lang="en-US" sz="1050" noProof="0" dirty="0" smtClean="0">
+            <a:solidFill>
+              <a:schemeClr val="accent3">
+                <a:lumMod val="75000"/>
+              </a:schemeClr>
+            </a:solidFill>
+          </a:endParaRPr>
         </a:p>
       </dgm:t>
     </dgm:pt>
@@ -3368,7 +3243,7 @@
         <a:lstStyle/>
         <a:p>
           <a:r>
-            <a:rPr lang="fr-FR" sz="1050" dirty="0" smtClean="0">
+            <a:rPr lang="en-US" sz="1050" noProof="0" dirty="0" smtClean="0">
               <a:solidFill>
                 <a:schemeClr val="accent3">
                   <a:lumMod val="75000"/>
@@ -3377,6 +3252,13 @@
             </a:rPr>
             <a:t> Conclusion</a:t>
           </a:r>
+          <a:endParaRPr lang="en-US" sz="1050" noProof="0" dirty="0" smtClean="0">
+            <a:solidFill>
+              <a:schemeClr val="accent3">
+                <a:lumMod val="75000"/>
+              </a:schemeClr>
+            </a:solidFill>
+          </a:endParaRPr>
         </a:p>
       </dgm:t>
     </dgm:pt>
@@ -3787,10 +3669,24 @@
     <dgm:pt modelId="{34E0EB66-5006-4A57-B5EC-D5DAD4DCAAD8}" type="parTrans" cxnId="{B68DA213-A0EC-4E2D-BFAD-FB4A32754442}">
       <dgm:prSet/>
       <dgm:spPr/>
+      <dgm:t>
+        <a:bodyPr/>
+        <a:lstStyle/>
+        <a:p>
+          <a:endParaRPr lang="en-US"/>
+        </a:p>
+      </dgm:t>
     </dgm:pt>
     <dgm:pt modelId="{EB9952C1-7CED-419D-AA04-CBC94BDBCAA5}" type="sibTrans" cxnId="{B68DA213-A0EC-4E2D-BFAD-FB4A32754442}">
       <dgm:prSet/>
       <dgm:spPr/>
+      <dgm:t>
+        <a:bodyPr/>
+        <a:lstStyle/>
+        <a:p>
+          <a:endParaRPr lang="en-US"/>
+        </a:p>
+      </dgm:t>
     </dgm:pt>
     <dgm:pt modelId="{BCC200FD-3EDA-402F-9FA0-E859602A5A1D}">
       <dgm:prSet custT="1"/>
@@ -3822,10 +3718,24 @@
     <dgm:pt modelId="{875838BA-E0E0-438A-85B2-AC0EA2C1DB02}" type="parTrans" cxnId="{2B85F91F-55BD-4B02-AA08-C0B65713F31F}">
       <dgm:prSet/>
       <dgm:spPr/>
+      <dgm:t>
+        <a:bodyPr/>
+        <a:lstStyle/>
+        <a:p>
+          <a:endParaRPr lang="en-US"/>
+        </a:p>
+      </dgm:t>
     </dgm:pt>
     <dgm:pt modelId="{B448DEC5-1698-4538-8792-F53B01B2F969}" type="sibTrans" cxnId="{2B85F91F-55BD-4B02-AA08-C0B65713F31F}">
       <dgm:prSet/>
       <dgm:spPr/>
+      <dgm:t>
+        <a:bodyPr/>
+        <a:lstStyle/>
+        <a:p>
+          <a:endParaRPr lang="en-US"/>
+        </a:p>
+      </dgm:t>
     </dgm:pt>
     <dgm:pt modelId="{71E9AA40-D3B4-4753-B77F-6CFE495E434F}" type="pres">
       <dgm:prSet presAssocID="{5252D8DF-F7ED-47A9-8F1F-1C3DE6A4722F}" presName="Name0" presStyleCnt="0">
@@ -3896,7 +3806,7 @@
       </dgm:t>
     </dgm:pt>
     <dgm:pt modelId="{21D06AF9-7B68-4C50-825D-0A7D198CBF3A}" type="pres">
-      <dgm:prSet presAssocID="{2BE55610-4D28-42E0-8267-558A7085E18F}" presName="node" presStyleLbl="node1" presStyleIdx="2" presStyleCnt="4">
+      <dgm:prSet presAssocID="{2BE55610-4D28-42E0-8267-558A7085E18F}" presName="node" presStyleLbl="node1" presStyleIdx="2" presStyleCnt="4" custLinFactNeighborX="1">
         <dgm:presLayoutVars>
           <dgm:bulletEnabled val="1"/>
         </dgm:presLayoutVars>
@@ -4107,7 +4017,7 @@
             </a:spcAft>
           </a:pPr>
           <a:r>
-            <a:rPr lang="fr-FR" sz="1400" kern="1200" smtClean="0">
+            <a:rPr lang="en-US" sz="1400" kern="1200" noProof="0" dirty="0" smtClean="0">
               <a:solidFill>
                 <a:schemeClr val="accent3">
                   <a:lumMod val="75000"/>
@@ -4116,7 +4026,7 @@
             </a:rPr>
             <a:t>RESOURCES</a:t>
           </a:r>
-          <a:endParaRPr lang="fr-FR" sz="1400" kern="1200" dirty="0">
+          <a:endParaRPr lang="en-US" sz="1400" kern="1200" noProof="0" dirty="0">
             <a:solidFill>
               <a:schemeClr val="accent3">
                 <a:lumMod val="75000"/>
@@ -4138,46 +4048,16 @@
             <a:buChar char="••"/>
           </a:pPr>
           <a:r>
-            <a:rPr lang="fr-FR" sz="1050" kern="1200" dirty="0" smtClean="0">
+            <a:rPr lang="en-US" sz="1050" kern="1200" noProof="0" dirty="0" smtClean="0">
               <a:solidFill>
                 <a:schemeClr val="accent3">
                   <a:lumMod val="75000"/>
                 </a:schemeClr>
               </a:solidFill>
             </a:rPr>
-            <a:t> Fuel </a:t>
+            <a:t> Fuel cell authorities</a:t>
           </a:r>
-          <a:r>
-            <a:rPr lang="fr-FR" sz="1050" kern="1200" dirty="0" err="1" smtClean="0">
-              <a:solidFill>
-                <a:schemeClr val="accent3">
-                  <a:lumMod val="75000"/>
-                </a:schemeClr>
-              </a:solidFill>
-            </a:rPr>
-            <a:t>cell</a:t>
-          </a:r>
-          <a:r>
-            <a:rPr lang="fr-FR" sz="1050" kern="1200" dirty="0" smtClean="0">
-              <a:solidFill>
-                <a:schemeClr val="accent3">
-                  <a:lumMod val="75000"/>
-                </a:schemeClr>
-              </a:solidFill>
-            </a:rPr>
-            <a:t> </a:t>
-          </a:r>
-          <a:r>
-            <a:rPr lang="fr-FR" sz="1050" kern="1200" dirty="0" err="1" smtClean="0">
-              <a:solidFill>
-                <a:schemeClr val="accent3">
-                  <a:lumMod val="75000"/>
-                </a:schemeClr>
-              </a:solidFill>
-            </a:rPr>
-            <a:t>authoritiES</a:t>
-          </a:r>
-          <a:endParaRPr lang="fr-FR" sz="1050" kern="1200" dirty="0">
+          <a:endParaRPr lang="en-US" sz="1050" kern="1200" noProof="0" dirty="0">
             <a:solidFill>
               <a:schemeClr val="accent3">
                 <a:lumMod val="75000"/>
@@ -4199,7 +4079,7 @@
             <a:buChar char="••"/>
           </a:pPr>
           <a:r>
-            <a:rPr lang="fr-FR" sz="1050" kern="1200" dirty="0" smtClean="0">
+            <a:rPr lang="en-US" sz="1050" kern="1200" noProof="0" dirty="0" smtClean="0">
               <a:solidFill>
                 <a:schemeClr val="accent3">
                   <a:lumMod val="75000"/>
@@ -4208,61 +4088,7 @@
             </a:rPr>
             <a:t> Scientific publications</a:t>
           </a:r>
-        </a:p>
-        <a:p>
-          <a:pPr marL="57150" lvl="1" indent="-57150" algn="l" defTabSz="466725">
-            <a:lnSpc>
-              <a:spcPct val="90000"/>
-            </a:lnSpc>
-            <a:spcBef>
-              <a:spcPct val="0"/>
-            </a:spcBef>
-            <a:spcAft>
-              <a:spcPct val="15000"/>
-            </a:spcAft>
-            <a:buChar char="••"/>
-          </a:pPr>
-          <a:r>
-            <a:rPr lang="fr-FR" sz="1050" kern="1200" dirty="0" smtClean="0">
-              <a:solidFill>
-                <a:schemeClr val="accent3">
-                  <a:lumMod val="75000"/>
-                </a:schemeClr>
-              </a:solidFill>
-            </a:rPr>
-            <a:t> </a:t>
-          </a:r>
-          <a:r>
-            <a:rPr lang="fr-FR" sz="1050" kern="1200" dirty="0" err="1" smtClean="0">
-              <a:solidFill>
-                <a:schemeClr val="accent3">
-                  <a:lumMod val="75000"/>
-                </a:schemeClr>
-              </a:solidFill>
-            </a:rPr>
-            <a:t>Company</a:t>
-          </a:r>
-          <a:r>
-            <a:rPr lang="fr-FR" sz="1050" kern="1200" dirty="0" smtClean="0">
-              <a:solidFill>
-                <a:schemeClr val="accent3">
-                  <a:lumMod val="75000"/>
-                </a:schemeClr>
-              </a:solidFill>
-            </a:rPr>
-            <a:t> </a:t>
-          </a:r>
-          <a:r>
-            <a:rPr lang="fr-FR" sz="1050" kern="1200" dirty="0" err="1" smtClean="0">
-              <a:solidFill>
-                <a:schemeClr val="accent3">
-                  <a:lumMod val="75000"/>
-                </a:schemeClr>
-              </a:solidFill>
-            </a:rPr>
-            <a:t>websites</a:t>
-          </a:r>
-          <a:endParaRPr lang="fr-FR" sz="1050" kern="1200" dirty="0" smtClean="0">
+          <a:endParaRPr lang="en-US" sz="1050" kern="1200" noProof="0" dirty="0" smtClean="0">
             <a:solidFill>
               <a:schemeClr val="accent3">
                 <a:lumMod val="75000"/>
@@ -4284,90 +4110,16 @@
             <a:buChar char="••"/>
           </a:pPr>
           <a:r>
-            <a:rPr lang="fr-FR" sz="1050" kern="1200" dirty="0" smtClean="0">
+            <a:rPr lang="en-US" sz="1050" kern="1200" noProof="0" dirty="0" smtClean="0">
               <a:solidFill>
                 <a:schemeClr val="accent3">
                   <a:lumMod val="75000"/>
                 </a:schemeClr>
               </a:solidFill>
             </a:rPr>
-            <a:t> </a:t>
+            <a:t> Company websites</a:t>
           </a:r>
-          <a:r>
-            <a:rPr lang="fr-FR" sz="1050" kern="1200" dirty="0" err="1" smtClean="0">
-              <a:solidFill>
-                <a:schemeClr val="accent3">
-                  <a:lumMod val="75000"/>
-                </a:schemeClr>
-              </a:solidFill>
-            </a:rPr>
-            <a:t>Newspapers</a:t>
-          </a:r>
-          <a:r>
-            <a:rPr lang="fr-FR" sz="1050" kern="1200" dirty="0" smtClean="0">
-              <a:solidFill>
-                <a:schemeClr val="accent3">
-                  <a:lumMod val="75000"/>
-                </a:schemeClr>
-              </a:solidFill>
-            </a:rPr>
-            <a:t> and magazines</a:t>
-          </a:r>
-        </a:p>
-        <a:p>
-          <a:pPr marL="57150" lvl="1" indent="-57150" algn="l" defTabSz="466725">
-            <a:lnSpc>
-              <a:spcPct val="90000"/>
-            </a:lnSpc>
-            <a:spcBef>
-              <a:spcPct val="0"/>
-            </a:spcBef>
-            <a:spcAft>
-              <a:spcPct val="15000"/>
-            </a:spcAft>
-            <a:buChar char="••"/>
-          </a:pPr>
-          <a:r>
-            <a:rPr lang="fr-FR" sz="1050" kern="1200" dirty="0" smtClean="0">
-              <a:solidFill>
-                <a:schemeClr val="accent3">
-                  <a:lumMod val="75000"/>
-                </a:schemeClr>
-              </a:solidFill>
-            </a:rPr>
-            <a:t> </a:t>
-          </a:r>
-          <a:r>
-            <a:rPr lang="fr-FR" sz="1050" kern="1200" dirty="0" err="1" smtClean="0">
-              <a:solidFill>
-                <a:schemeClr val="accent3">
-                  <a:lumMod val="75000"/>
-                </a:schemeClr>
-              </a:solidFill>
-            </a:rPr>
-            <a:t>Governmental</a:t>
-          </a:r>
-          <a:r>
-            <a:rPr lang="fr-FR" sz="1050" kern="1200" dirty="0" smtClean="0">
-              <a:solidFill>
-                <a:schemeClr val="accent3">
-                  <a:lumMod val="75000"/>
-                </a:schemeClr>
-              </a:solidFill>
-            </a:rPr>
-            <a:t> </a:t>
-          </a:r>
-          <a:r>
-            <a:rPr lang="fr-FR" sz="1050" kern="1200" dirty="0" err="1" smtClean="0">
-              <a:solidFill>
-                <a:schemeClr val="accent3">
-                  <a:lumMod val="75000"/>
-                </a:schemeClr>
-              </a:solidFill>
-            </a:rPr>
-            <a:t>authorities</a:t>
-          </a:r>
-          <a:endParaRPr lang="fr-FR" sz="1050" kern="1200" dirty="0" smtClean="0">
+          <a:endParaRPr lang="en-US" sz="1050" kern="1200" noProof="0" dirty="0" smtClean="0">
             <a:solidFill>
               <a:schemeClr val="accent3">
                 <a:lumMod val="75000"/>
@@ -4389,46 +4141,16 @@
             <a:buChar char="••"/>
           </a:pPr>
           <a:r>
-            <a:rPr lang="fr-FR" sz="1050" kern="1200" dirty="0" smtClean="0">
+            <a:rPr lang="en-US" sz="1050" kern="1200" noProof="0" dirty="0" smtClean="0">
               <a:solidFill>
                 <a:schemeClr val="accent3">
                   <a:lumMod val="75000"/>
                 </a:schemeClr>
               </a:solidFill>
             </a:rPr>
-            <a:t> </a:t>
+            <a:t> Newspapers and magazines</a:t>
           </a:r>
-          <a:r>
-            <a:rPr lang="fr-FR" sz="1050" kern="1200" dirty="0" err="1" smtClean="0">
-              <a:solidFill>
-                <a:schemeClr val="accent3">
-                  <a:lumMod val="75000"/>
-                </a:schemeClr>
-              </a:solidFill>
-            </a:rPr>
-            <a:t>Statistic</a:t>
-          </a:r>
-          <a:r>
-            <a:rPr lang="fr-FR" sz="1050" kern="1200" dirty="0" smtClean="0">
-              <a:solidFill>
-                <a:schemeClr val="accent3">
-                  <a:lumMod val="75000"/>
-                </a:schemeClr>
-              </a:solidFill>
-            </a:rPr>
-            <a:t> </a:t>
-          </a:r>
-          <a:r>
-            <a:rPr lang="fr-FR" sz="1050" kern="1200" dirty="0" err="1" smtClean="0">
-              <a:solidFill>
-                <a:schemeClr val="accent3">
-                  <a:lumMod val="75000"/>
-                </a:schemeClr>
-              </a:solidFill>
-            </a:rPr>
-            <a:t>databases</a:t>
-          </a:r>
-          <a:endParaRPr lang="fr-FR" sz="1050" kern="1200" dirty="0" smtClean="0">
+          <a:endParaRPr lang="en-US" sz="1050" kern="1200" noProof="0" dirty="0" smtClean="0">
             <a:solidFill>
               <a:schemeClr val="accent3">
                 <a:lumMod val="75000"/>
@@ -4450,15 +4172,22 @@
             <a:buChar char="••"/>
           </a:pPr>
           <a:r>
-            <a:rPr lang="fr-FR" sz="1050" kern="1200" dirty="0" smtClean="0">
+            <a:rPr lang="en-US" sz="1050" kern="1200" noProof="0" dirty="0" smtClean="0">
               <a:solidFill>
                 <a:schemeClr val="accent3">
                   <a:lumMod val="75000"/>
                 </a:schemeClr>
               </a:solidFill>
             </a:rPr>
-            <a:t> Online Tools</a:t>
+            <a:t> Governmental authorities</a:t>
           </a:r>
+          <a:endParaRPr lang="en-US" sz="1050" kern="1200" noProof="0" dirty="0" smtClean="0">
+            <a:solidFill>
+              <a:schemeClr val="accent3">
+                <a:lumMod val="75000"/>
+              </a:schemeClr>
+            </a:solidFill>
+          </a:endParaRPr>
         </a:p>
         <a:p>
           <a:pPr marL="57150" lvl="1" indent="-57150" algn="l" defTabSz="466725">
@@ -4474,15 +4203,22 @@
             <a:buChar char="••"/>
           </a:pPr>
           <a:r>
-            <a:rPr lang="fr-FR" sz="1050" kern="1200" dirty="0" smtClean="0">
+            <a:rPr lang="en-US" sz="1050" kern="1200" noProof="0" dirty="0" smtClean="0">
               <a:solidFill>
                 <a:schemeClr val="accent3">
                   <a:lumMod val="75000"/>
                 </a:schemeClr>
               </a:solidFill>
             </a:rPr>
-            <a:t> Software</a:t>
+            <a:t> Statistic databases</a:t>
           </a:r>
+          <a:endParaRPr lang="en-US" sz="1050" kern="1200" noProof="0" dirty="0" smtClean="0">
+            <a:solidFill>
+              <a:schemeClr val="accent3">
+                <a:lumMod val="75000"/>
+              </a:schemeClr>
+            </a:solidFill>
+          </a:endParaRPr>
         </a:p>
         <a:p>
           <a:pPr marL="57150" lvl="1" indent="-57150" algn="l" defTabSz="466725">
@@ -4497,7 +4233,69 @@
             </a:spcAft>
             <a:buChar char="••"/>
           </a:pPr>
-          <a:endParaRPr lang="fr-FR" sz="1050" kern="1200">
+          <a:r>
+            <a:rPr lang="en-US" sz="1050" kern="1200" noProof="0" dirty="0" smtClean="0">
+              <a:solidFill>
+                <a:schemeClr val="accent3">
+                  <a:lumMod val="75000"/>
+                </a:schemeClr>
+              </a:solidFill>
+            </a:rPr>
+            <a:t> Online Tools</a:t>
+          </a:r>
+          <a:endParaRPr lang="en-US" sz="1050" kern="1200" noProof="0" dirty="0" smtClean="0">
+            <a:solidFill>
+              <a:schemeClr val="accent3">
+                <a:lumMod val="75000"/>
+              </a:schemeClr>
+            </a:solidFill>
+          </a:endParaRPr>
+        </a:p>
+        <a:p>
+          <a:pPr marL="57150" lvl="1" indent="-57150" algn="l" defTabSz="466725">
+            <a:lnSpc>
+              <a:spcPct val="90000"/>
+            </a:lnSpc>
+            <a:spcBef>
+              <a:spcPct val="0"/>
+            </a:spcBef>
+            <a:spcAft>
+              <a:spcPct val="15000"/>
+            </a:spcAft>
+            <a:buChar char="••"/>
+          </a:pPr>
+          <a:r>
+            <a:rPr lang="en-US" sz="1050" kern="1200" noProof="0" dirty="0" smtClean="0">
+              <a:solidFill>
+                <a:schemeClr val="accent3">
+                  <a:lumMod val="75000"/>
+                </a:schemeClr>
+              </a:solidFill>
+            </a:rPr>
+            <a:t> Software</a:t>
+          </a:r>
+          <a:endParaRPr lang="en-US" sz="1050" kern="1200" noProof="0" dirty="0" smtClean="0">
+            <a:solidFill>
+              <a:schemeClr val="accent3">
+                <a:lumMod val="75000"/>
+              </a:schemeClr>
+            </a:solidFill>
+          </a:endParaRPr>
+        </a:p>
+        <a:p>
+          <a:pPr marL="57150" lvl="1" indent="-57150" algn="l" defTabSz="466725">
+            <a:lnSpc>
+              <a:spcPct val="90000"/>
+            </a:lnSpc>
+            <a:spcBef>
+              <a:spcPct val="0"/>
+            </a:spcBef>
+            <a:spcAft>
+              <a:spcPct val="15000"/>
+            </a:spcAft>
+            <a:buChar char="••"/>
+          </a:pPr>
+          <a:endParaRPr lang="en-US" sz="1050" kern="1200" noProof="0" dirty="0">
             <a:solidFill>
               <a:schemeClr val="accent3">
                 <a:lumMod val="75000"/>
@@ -4976,7 +4774,7 @@
       </dsp:nvSpPr>
       <dsp:spPr>
         <a:xfrm rot="16200000">
-          <a:off x="3841019" y="666691"/>
+          <a:off x="3841020" y="666691"/>
           <a:ext cx="3428999" cy="2095616"/>
         </a:xfrm>
         <a:prstGeom prst="flowChartManualOperation">
@@ -5036,7 +4834,7 @@
             </a:spcAft>
           </a:pPr>
           <a:r>
-            <a:rPr lang="fr-FR" sz="1400" kern="1200" dirty="0" smtClean="0">
+            <a:rPr lang="en-US" sz="1400" kern="1200" noProof="0" dirty="0" smtClean="0">
               <a:solidFill>
                 <a:schemeClr val="accent3">
                   <a:lumMod val="75000"/>
@@ -5045,7 +4843,7 @@
             </a:rPr>
             <a:t>OUTPUTS</a:t>
           </a:r>
-          <a:endParaRPr lang="fr-FR" sz="1400" kern="1200" dirty="0">
+          <a:endParaRPr lang="en-US" sz="1400" kern="1200" noProof="0" dirty="0">
             <a:solidFill>
               <a:schemeClr val="accent3">
                 <a:lumMod val="75000"/>
@@ -5067,7 +4865,7 @@
             <a:buChar char="••"/>
           </a:pPr>
           <a:r>
-            <a:rPr lang="fr-FR" sz="1050" kern="1200" dirty="0" smtClean="0">
+            <a:rPr lang="en-US" sz="1050" kern="1200" noProof="0" dirty="0" smtClean="0">
               <a:solidFill>
                 <a:schemeClr val="accent3">
                   <a:lumMod val="75000"/>
@@ -5076,7 +4874,7 @@
             </a:rPr>
             <a:t> IAR </a:t>
           </a:r>
-          <a:endParaRPr lang="fr-FR" sz="1050" kern="1200" dirty="0">
+          <a:endParaRPr lang="en-US" sz="1050" kern="1200" noProof="0" dirty="0">
             <a:solidFill>
               <a:schemeClr val="accent3">
                 <a:lumMod val="75000"/>
@@ -5098,7 +4896,7 @@
             <a:buChar char="••"/>
           </a:pPr>
           <a:r>
-            <a:rPr lang="fr-FR" sz="1050" kern="1200" dirty="0" smtClean="0">
+            <a:rPr lang="en-US" sz="1050" kern="1200" noProof="0" dirty="0" smtClean="0">
               <a:solidFill>
                 <a:schemeClr val="accent3">
                   <a:lumMod val="75000"/>
@@ -5107,109 +4905,7 @@
             </a:rPr>
             <a:t> Introduction</a:t>
           </a:r>
-        </a:p>
-        <a:p>
-          <a:pPr marL="114300" lvl="2" indent="-57150" algn="l" defTabSz="466725">
-            <a:lnSpc>
-              <a:spcPct val="90000"/>
-            </a:lnSpc>
-            <a:spcBef>
-              <a:spcPct val="0"/>
-            </a:spcBef>
-            <a:spcAft>
-              <a:spcPct val="15000"/>
-            </a:spcAft>
-            <a:buChar char="••"/>
-          </a:pPr>
-          <a:r>
-            <a:rPr lang="fr-FR" sz="1050" kern="1200" dirty="0" smtClean="0">
-              <a:solidFill>
-                <a:schemeClr val="accent3">
-                  <a:lumMod val="75000"/>
-                </a:schemeClr>
-              </a:solidFill>
-            </a:rPr>
-            <a:t> Product description</a:t>
-          </a:r>
-        </a:p>
-        <a:p>
-          <a:pPr marL="114300" lvl="2" indent="-57150" algn="l" defTabSz="466725">
-            <a:lnSpc>
-              <a:spcPct val="90000"/>
-            </a:lnSpc>
-            <a:spcBef>
-              <a:spcPct val="0"/>
-            </a:spcBef>
-            <a:spcAft>
-              <a:spcPct val="15000"/>
-            </a:spcAft>
-            <a:buChar char="••"/>
-          </a:pPr>
-          <a:r>
-            <a:rPr lang="fr-FR" sz="1050" kern="1200" dirty="0" smtClean="0">
-              <a:solidFill>
-                <a:schemeClr val="accent3">
-                  <a:lumMod val="75000"/>
-                </a:schemeClr>
-              </a:solidFill>
-            </a:rPr>
-            <a:t> </a:t>
-          </a:r>
-          <a:r>
-            <a:rPr lang="fr-FR" sz="1050" kern="1200" dirty="0" err="1" smtClean="0">
-              <a:solidFill>
-                <a:schemeClr val="accent3">
-                  <a:lumMod val="75000"/>
-                </a:schemeClr>
-              </a:solidFill>
-            </a:rPr>
-            <a:t>Market</a:t>
-          </a:r>
-          <a:r>
-            <a:rPr lang="fr-FR" sz="1050" kern="1200" dirty="0" smtClean="0">
-              <a:solidFill>
-                <a:schemeClr val="accent3">
-                  <a:lumMod val="75000"/>
-                </a:schemeClr>
-              </a:solidFill>
-            </a:rPr>
-            <a:t> description</a:t>
-          </a:r>
-        </a:p>
-        <a:p>
-          <a:pPr marL="114300" lvl="2" indent="-57150" algn="l" defTabSz="466725">
-            <a:lnSpc>
-              <a:spcPct val="90000"/>
-            </a:lnSpc>
-            <a:spcBef>
-              <a:spcPct val="0"/>
-            </a:spcBef>
-            <a:spcAft>
-              <a:spcPct val="15000"/>
-            </a:spcAft>
-            <a:buChar char="••"/>
-          </a:pPr>
-          <a:r>
-            <a:rPr lang="fr-FR" sz="1050" kern="1200" dirty="0" smtClean="0">
-              <a:solidFill>
-                <a:schemeClr val="accent3">
-                  <a:lumMod val="75000"/>
-                </a:schemeClr>
-              </a:solidFill>
-            </a:rPr>
-            <a:t> Policy </a:t>
-          </a:r>
-          <a:r>
-            <a:rPr lang="fr-FR" sz="1050" kern="1200" dirty="0" err="1" smtClean="0">
-              <a:solidFill>
-                <a:schemeClr val="accent3">
-                  <a:lumMod val="75000"/>
-                </a:schemeClr>
-              </a:solidFill>
-            </a:rPr>
-            <a:t>framework</a:t>
-          </a:r>
-          <a:endParaRPr lang="fr-FR" sz="1050" kern="1200" dirty="0" smtClean="0">
+          <a:endParaRPr lang="en-US" sz="1050" kern="1200" noProof="0" dirty="0" smtClean="0">
             <a:solidFill>
               <a:schemeClr val="accent3">
                 <a:lumMod val="75000"/>
@@ -5231,15 +4927,22 @@
             <a:buChar char="••"/>
           </a:pPr>
           <a:r>
-            <a:rPr lang="fr-FR" sz="1050" kern="1200" dirty="0" smtClean="0">
+            <a:rPr lang="en-US" sz="1050" kern="1200" noProof="0" dirty="0" smtClean="0">
               <a:solidFill>
                 <a:schemeClr val="accent3">
                   <a:lumMod val="75000"/>
                 </a:schemeClr>
               </a:solidFill>
             </a:rPr>
-            <a:t> Future perspective</a:t>
+            <a:t> Product description</a:t>
           </a:r>
+          <a:endParaRPr lang="en-US" sz="1050" kern="1200" noProof="0" dirty="0" smtClean="0">
+            <a:solidFill>
+              <a:schemeClr val="accent3">
+                <a:lumMod val="75000"/>
+              </a:schemeClr>
+            </a:solidFill>
+          </a:endParaRPr>
         </a:p>
         <a:p>
           <a:pPr marL="114300" lvl="2" indent="-57150" algn="l" defTabSz="466725">
@@ -5255,7 +4958,100 @@
             <a:buChar char="••"/>
           </a:pPr>
           <a:r>
-            <a:rPr lang="fr-FR" sz="1050" kern="1200" dirty="0" smtClean="0">
+            <a:rPr lang="en-US" sz="1050" kern="1200" noProof="0" dirty="0" smtClean="0">
+              <a:solidFill>
+                <a:schemeClr val="accent3">
+                  <a:lumMod val="75000"/>
+                </a:schemeClr>
+              </a:solidFill>
+            </a:rPr>
+            <a:t> Market description</a:t>
+          </a:r>
+          <a:endParaRPr lang="en-US" sz="1050" kern="1200" noProof="0" dirty="0" smtClean="0">
+            <a:solidFill>
+              <a:schemeClr val="accent3">
+                <a:lumMod val="75000"/>
+              </a:schemeClr>
+            </a:solidFill>
+          </a:endParaRPr>
+        </a:p>
+        <a:p>
+          <a:pPr marL="114300" lvl="2" indent="-57150" algn="l" defTabSz="466725">
+            <a:lnSpc>
+              <a:spcPct val="90000"/>
+            </a:lnSpc>
+            <a:spcBef>
+              <a:spcPct val="0"/>
+            </a:spcBef>
+            <a:spcAft>
+              <a:spcPct val="15000"/>
+            </a:spcAft>
+            <a:buChar char="••"/>
+          </a:pPr>
+          <a:r>
+            <a:rPr lang="en-US" sz="1050" kern="1200" noProof="0" dirty="0" smtClean="0">
+              <a:solidFill>
+                <a:schemeClr val="accent3">
+                  <a:lumMod val="75000"/>
+                </a:schemeClr>
+              </a:solidFill>
+            </a:rPr>
+            <a:t> Policy framework</a:t>
+          </a:r>
+          <a:endParaRPr lang="en-US" sz="1050" kern="1200" noProof="0" dirty="0" smtClean="0">
+            <a:solidFill>
+              <a:schemeClr val="accent3">
+                <a:lumMod val="75000"/>
+              </a:schemeClr>
+            </a:solidFill>
+          </a:endParaRPr>
+        </a:p>
+        <a:p>
+          <a:pPr marL="114300" lvl="2" indent="-57150" algn="l" defTabSz="466725">
+            <a:lnSpc>
+              <a:spcPct val="90000"/>
+            </a:lnSpc>
+            <a:spcBef>
+              <a:spcPct val="0"/>
+            </a:spcBef>
+            <a:spcAft>
+              <a:spcPct val="15000"/>
+            </a:spcAft>
+            <a:buChar char="••"/>
+          </a:pPr>
+          <a:r>
+            <a:rPr lang="en-US" sz="1050" kern="1200" noProof="0" dirty="0" smtClean="0">
+              <a:solidFill>
+                <a:schemeClr val="accent3">
+                  <a:lumMod val="75000"/>
+                </a:schemeClr>
+              </a:solidFill>
+            </a:rPr>
+            <a:t> Future perspective</a:t>
+          </a:r>
+          <a:endParaRPr lang="en-US" sz="1050" kern="1200" noProof="0" dirty="0" smtClean="0">
+            <a:solidFill>
+              <a:schemeClr val="accent3">
+                <a:lumMod val="75000"/>
+              </a:schemeClr>
+            </a:solidFill>
+          </a:endParaRPr>
+        </a:p>
+        <a:p>
+          <a:pPr marL="114300" lvl="2" indent="-57150" algn="l" defTabSz="466725">
+            <a:lnSpc>
+              <a:spcPct val="90000"/>
+            </a:lnSpc>
+            <a:spcBef>
+              <a:spcPct val="0"/>
+            </a:spcBef>
+            <a:spcAft>
+              <a:spcPct val="15000"/>
+            </a:spcAft>
+            <a:buChar char="••"/>
+          </a:pPr>
+          <a:r>
+            <a:rPr lang="en-US" sz="1050" kern="1200" noProof="0" dirty="0" smtClean="0">
               <a:solidFill>
                 <a:schemeClr val="accent3">
                   <a:lumMod val="75000"/>
@@ -5264,6 +5060,13 @@
             </a:rPr>
             <a:t> Conclusion</a:t>
           </a:r>
+          <a:endParaRPr lang="en-US" sz="1050" kern="1200" noProof="0" dirty="0" smtClean="0">
+            <a:solidFill>
+              <a:schemeClr val="accent3">
+                <a:lumMod val="75000"/>
+              </a:schemeClr>
+            </a:solidFill>
+          </a:endParaRPr>
         </a:p>
         <a:p>
           <a:pPr marL="57150" lvl="1" indent="-57150" algn="l" defTabSz="466725">
@@ -5279,35 +5082,22 @@
             <a:buChar char="••"/>
           </a:pPr>
           <a:r>
-            <a:rPr lang="fr-FR" sz="1050" kern="1200" dirty="0" smtClean="0">
+            <a:rPr lang="en-US" sz="1050" kern="1200" noProof="0" dirty="0" smtClean="0">
               <a:solidFill>
                 <a:schemeClr val="accent3">
                   <a:lumMod val="75000"/>
                 </a:schemeClr>
               </a:solidFill>
             </a:rPr>
-            <a:t> </a:t>
+            <a:t> GitHub page</a:t>
           </a:r>
-          <a:r>
-            <a:rPr lang="fr-FR" sz="1050" kern="1200" dirty="0" err="1" smtClean="0">
-              <a:solidFill>
-                <a:schemeClr val="accent3">
-                  <a:lumMod val="75000"/>
-                </a:schemeClr>
-              </a:solidFill>
-            </a:rPr>
-            <a:t>Github</a:t>
-          </a:r>
-          <a:r>
-            <a:rPr lang="fr-FR" sz="1050" kern="1200" dirty="0" smtClean="0">
-              <a:solidFill>
-                <a:schemeClr val="accent3">
-                  <a:lumMod val="75000"/>
-                </a:schemeClr>
-              </a:solidFill>
-            </a:rPr>
-            <a:t> page</a:t>
-          </a:r>
+          <a:endParaRPr lang="en-US" sz="1050" kern="1200" noProof="0" dirty="0" smtClean="0">
+            <a:solidFill>
+              <a:schemeClr val="accent3">
+                <a:lumMod val="75000"/>
+              </a:schemeClr>
+            </a:solidFill>
+          </a:endParaRPr>
         </a:p>
         <a:p>
           <a:pPr marL="57150" lvl="1" indent="-57150" algn="l" defTabSz="466725">
@@ -5322,7 +5112,7 @@
             </a:spcAft>
             <a:buChar char="••"/>
           </a:pPr>
-          <a:endParaRPr lang="fr-FR" sz="1050" kern="1200" dirty="0" smtClean="0">
+          <a:endParaRPr lang="en-US" sz="1050" kern="1200" noProof="0" dirty="0" smtClean="0">
             <a:solidFill>
               <a:schemeClr val="accent3">
                 <a:lumMod val="75000"/>
@@ -5332,7 +5122,7 @@
         </a:p>
       </dsp:txBody>
       <dsp:txXfrm rot="5400000">
-        <a:off x="4507711" y="685799"/>
+        <a:off x="4507712" y="685799"/>
         <a:ext cx="2095616" cy="2057399"/>
       </dsp:txXfrm>
     </dsp:sp>
@@ -6877,7 +6667,7 @@
           <a:p>
             <a:fld id="{DDCCA47B-3C97-470F-9E92-6634E455912F}" type="datetimeFigureOut">
               <a:rPr lang="en-US" smtClean="0"/>
-              <a:t>6/15/2015</a:t>
+              <a:t>6/16/2015</a:t>
             </a:fld>
             <a:endParaRPr lang="en-US"/>
           </a:p>
@@ -7036,7 +6826,7 @@
           <a:p>
             <a:fld id="{3C34E867-41F4-48E7-8B36-52D0CC1AAFEA}" type="slidenum">
               <a:rPr lang="en-US" smtClean="0"/>
-              <a:t>‹N°›</a:t>
+              <a:t>‹#›</a:t>
             </a:fld>
             <a:endParaRPr lang="en-US"/>
           </a:p>
@@ -7164,6 +6954,90 @@
       </p:grpSpPr>
       <p:sp>
         <p:nvSpPr>
+          <p:cNvPr id="2" name="Slide Image Placeholder 1"/>
+          <p:cNvSpPr>
+            <a:spLocks noGrp="1" noRot="1" noChangeAspect="1"/>
+          </p:cNvSpPr>
+          <p:nvPr>
+            <p:ph type="sldImg"/>
+          </p:nvPr>
+        </p:nvSpPr>
+        <p:spPr/>
+      </p:sp>
+      <p:sp>
+        <p:nvSpPr>
+          <p:cNvPr id="3" name="Notes Placeholder 2"/>
+          <p:cNvSpPr>
+            <a:spLocks noGrp="1"/>
+          </p:cNvSpPr>
+          <p:nvPr>
+            <p:ph type="body" idx="1"/>
+          </p:nvPr>
+        </p:nvSpPr>
+        <p:spPr/>
+        <p:txBody>
+          <a:bodyPr/>
+          <a:lstStyle/>
+          <a:p>
+            <a:endParaRPr lang="en-US"/>
+          </a:p>
+        </p:txBody>
+      </p:sp>
+      <p:sp>
+        <p:nvSpPr>
+          <p:cNvPr id="4" name="Slide Number Placeholder 3"/>
+          <p:cNvSpPr>
+            <a:spLocks noGrp="1"/>
+          </p:cNvSpPr>
+          <p:nvPr>
+            <p:ph type="sldNum" sz="quarter" idx="10"/>
+          </p:nvPr>
+        </p:nvSpPr>
+        <p:spPr/>
+        <p:txBody>
+          <a:bodyPr/>
+          <a:lstStyle/>
+          <a:p>
+            <a:fld id="{3C34E867-41F4-48E7-8B36-52D0CC1AAFEA}" type="slidenum">
+              <a:rPr lang="en-US" smtClean="0"/>
+              <a:t>1</a:t>
+            </a:fld>
+            <a:endParaRPr lang="en-US"/>
+          </a:p>
+        </p:txBody>
+      </p:sp>
+    </p:spTree>
+    <p:extLst>
+      <p:ext uri="{BB962C8B-B14F-4D97-AF65-F5344CB8AC3E}">
+        <p14:creationId xmlns:p14="http://schemas.microsoft.com/office/powerpoint/2010/main" val="1586194550"/>
+      </p:ext>
+    </p:extLst>
+  </p:cSld>
+  <p:clrMapOvr>
+    <a:masterClrMapping/>
+  </p:clrMapOvr>
+</p:notes>
+</file>
+
+<file path=ppt/notesSlides/notesSlide2.xml><?xml version="1.0" encoding="utf-8"?>
+<p:notes xmlns:a="http://schemas.openxmlformats.org/drawingml/2006/main" xmlns:r="http://schemas.openxmlformats.org/officeDocument/2006/relationships" xmlns:p="http://schemas.openxmlformats.org/presentationml/2006/main">
+  <p:cSld>
+    <p:spTree>
+      <p:nvGrpSpPr>
+        <p:cNvPr id="1" name=""/>
+        <p:cNvGrpSpPr/>
+        <p:nvPr/>
+      </p:nvGrpSpPr>
+      <p:grpSpPr>
+        <a:xfrm>
+          <a:off x="0" y="0"/>
+          <a:ext cx="0" cy="0"/>
+          <a:chOff x="0" y="0"/>
+          <a:chExt cx="0" cy="0"/>
+        </a:xfrm>
+      </p:grpSpPr>
+      <p:sp>
+        <p:nvSpPr>
           <p:cNvPr id="2" name="Espace réservé de l'image des diapositives 1"/>
           <p:cNvSpPr>
             <a:spLocks noGrp="1" noRot="1" noChangeAspect="1"/>
@@ -7210,7 +7084,7 @@
           <a:p>
             <a:fld id="{3C34E867-41F4-48E7-8B36-52D0CC1AAFEA}" type="slidenum">
               <a:rPr lang="en-US" smtClean="0"/>
-              <a:t>4</a:t>
+              <a:t>5</a:t>
             </a:fld>
             <a:endParaRPr lang="en-US"/>
           </a:p>
@@ -7220,6 +7094,90 @@
     <p:extLst>
       <p:ext uri="{BB962C8B-B14F-4D97-AF65-F5344CB8AC3E}">
         <p14:creationId xmlns:p14="http://schemas.microsoft.com/office/powerpoint/2010/main" val="1339342605"/>
+      </p:ext>
+    </p:extLst>
+  </p:cSld>
+  <p:clrMapOvr>
+    <a:masterClrMapping/>
+  </p:clrMapOvr>
+</p:notes>
+</file>
+
+<file path=ppt/notesSlides/notesSlide3.xml><?xml version="1.0" encoding="utf-8"?>
+<p:notes xmlns:a="http://schemas.openxmlformats.org/drawingml/2006/main" xmlns:r="http://schemas.openxmlformats.org/officeDocument/2006/relationships" xmlns:p="http://schemas.openxmlformats.org/presentationml/2006/main">
+  <p:cSld>
+    <p:spTree>
+      <p:nvGrpSpPr>
+        <p:cNvPr id="1" name=""/>
+        <p:cNvGrpSpPr/>
+        <p:nvPr/>
+      </p:nvGrpSpPr>
+      <p:grpSpPr>
+        <a:xfrm>
+          <a:off x="0" y="0"/>
+          <a:ext cx="0" cy="0"/>
+          <a:chOff x="0" y="0"/>
+          <a:chExt cx="0" cy="0"/>
+        </a:xfrm>
+      </p:grpSpPr>
+      <p:sp>
+        <p:nvSpPr>
+          <p:cNvPr id="2" name="Slide Image Placeholder 1"/>
+          <p:cNvSpPr>
+            <a:spLocks noGrp="1" noRot="1" noChangeAspect="1"/>
+          </p:cNvSpPr>
+          <p:nvPr>
+            <p:ph type="sldImg"/>
+          </p:nvPr>
+        </p:nvSpPr>
+        <p:spPr/>
+      </p:sp>
+      <p:sp>
+        <p:nvSpPr>
+          <p:cNvPr id="3" name="Notes Placeholder 2"/>
+          <p:cNvSpPr>
+            <a:spLocks noGrp="1"/>
+          </p:cNvSpPr>
+          <p:nvPr>
+            <p:ph type="body" idx="1"/>
+          </p:nvPr>
+        </p:nvSpPr>
+        <p:spPr/>
+        <p:txBody>
+          <a:bodyPr/>
+          <a:lstStyle/>
+          <a:p>
+            <a:endParaRPr lang="en-US" dirty="0"/>
+          </a:p>
+        </p:txBody>
+      </p:sp>
+      <p:sp>
+        <p:nvSpPr>
+          <p:cNvPr id="4" name="Slide Number Placeholder 3"/>
+          <p:cNvSpPr>
+            <a:spLocks noGrp="1"/>
+          </p:cNvSpPr>
+          <p:nvPr>
+            <p:ph type="sldNum" sz="quarter" idx="10"/>
+          </p:nvPr>
+        </p:nvSpPr>
+        <p:spPr/>
+        <p:txBody>
+          <a:bodyPr/>
+          <a:lstStyle/>
+          <a:p>
+            <a:fld id="{3C34E867-41F4-48E7-8B36-52D0CC1AAFEA}" type="slidenum">
+              <a:rPr lang="en-US" smtClean="0"/>
+              <a:t>9</a:t>
+            </a:fld>
+            <a:endParaRPr lang="en-US"/>
+          </a:p>
+        </p:txBody>
+      </p:sp>
+    </p:spTree>
+    <p:extLst>
+      <p:ext uri="{BB962C8B-B14F-4D97-AF65-F5344CB8AC3E}">
+        <p14:creationId xmlns:p14="http://schemas.microsoft.com/office/powerpoint/2010/main" val="3438248141"/>
       </p:ext>
     </p:extLst>
   </p:cSld>
@@ -7453,9 +7411,9 @@
           <a:bodyPr/>
           <a:lstStyle/>
           <a:p>
-            <a:fld id="{02594452-2088-46C7-8121-271356E8511E}" type="datetime1">
+            <a:fld id="{2C5C61E9-1969-4DE7-B3D9-D872FA8B372C}" type="datetime1">
               <a:rPr lang="fr-FR" smtClean="0"/>
-              <a:t>15/06/2015</a:t>
+              <a:t>16/06/2015</a:t>
             </a:fld>
             <a:endParaRPr lang="fr-FR"/>
           </a:p>
@@ -7478,7 +7436,7 @@
           <a:p>
             <a:r>
               <a:rPr lang="fr-FR" smtClean="0"/>
-              <a:t>Banmbu - 20/05/2015</a:t>
+              <a:t>Bambu - 17.06.2015</a:t>
             </a:r>
             <a:endParaRPr lang="fr-FR"/>
           </a:p>
@@ -7501,7 +7459,7 @@
           <a:p>
             <a:fld id="{D376626B-8044-4126-A03C-8C0AE257EC41}" type="slidenum">
               <a:rPr lang="fr-FR" smtClean="0"/>
-              <a:t>‹N°›</a:t>
+              <a:t>‹#›</a:t>
             </a:fld>
             <a:endParaRPr lang="fr-FR"/>
           </a:p>
@@ -7665,9 +7623,9 @@
           <a:bodyPr/>
           <a:lstStyle/>
           <a:p>
-            <a:fld id="{FF739EE9-E6DE-4CFF-9ECE-0F54FDE20F4B}" type="datetime1">
+            <a:fld id="{058393AD-105C-431A-A838-9B58B6F2F924}" type="datetime1">
               <a:rPr lang="fr-FR" smtClean="0"/>
-              <a:t>15/06/2015</a:t>
+              <a:t>16/06/2015</a:t>
             </a:fld>
             <a:endParaRPr lang="fr-FR"/>
           </a:p>
@@ -7690,7 +7648,7 @@
           <a:p>
             <a:r>
               <a:rPr lang="fr-FR" smtClean="0"/>
-              <a:t>Banmbu - 20/05/2015</a:t>
+              <a:t>Bambu - 17.06.2015</a:t>
             </a:r>
             <a:endParaRPr lang="fr-FR"/>
           </a:p>
@@ -7713,7 +7671,7 @@
           <a:p>
             <a:fld id="{D376626B-8044-4126-A03C-8C0AE257EC41}" type="slidenum">
               <a:rPr lang="fr-FR" smtClean="0"/>
-              <a:t>‹N°›</a:t>
+              <a:t>‹#›</a:t>
             </a:fld>
             <a:endParaRPr lang="fr-FR"/>
           </a:p>
@@ -7925,9 +7883,9 @@
           <a:bodyPr/>
           <a:lstStyle/>
           <a:p>
-            <a:fld id="{058B513E-FE9D-418D-A202-255A4E4C6AC5}" type="datetime1">
+            <a:fld id="{B4A90EAD-181F-478D-BFB5-37F5DAD19610}" type="datetime1">
               <a:rPr lang="fr-FR" smtClean="0"/>
-              <a:t>15/06/2015</a:t>
+              <a:t>16/06/2015</a:t>
             </a:fld>
             <a:endParaRPr lang="fr-FR"/>
           </a:p>
@@ -7950,7 +7908,7 @@
           <a:p>
             <a:r>
               <a:rPr lang="fr-FR" smtClean="0"/>
-              <a:t>Banmbu - 20/05/2015</a:t>
+              <a:t>Bambu - 17.06.2015</a:t>
             </a:r>
             <a:endParaRPr lang="fr-FR"/>
           </a:p>
@@ -7973,7 +7931,7 @@
           <a:p>
             <a:fld id="{D376626B-8044-4126-A03C-8C0AE257EC41}" type="slidenum">
               <a:rPr lang="fr-FR" smtClean="0"/>
-              <a:t>‹N°›</a:t>
+              <a:t>‹#›</a:t>
             </a:fld>
             <a:endParaRPr lang="fr-FR"/>
           </a:p>
@@ -8099,9 +8057,9 @@
           <a:bodyPr/>
           <a:lstStyle/>
           <a:p>
-            <a:fld id="{B3951D82-E167-4565-95B5-D8341A5A6D5B}" type="datetime1">
+            <a:fld id="{3099D2FA-A7EE-4C7E-B927-FD90FB82F630}" type="datetime1">
               <a:rPr lang="fr-FR" smtClean="0"/>
-              <a:t>15/06/2015</a:t>
+              <a:t>16/06/2015</a:t>
             </a:fld>
             <a:endParaRPr lang="fr-FR"/>
           </a:p>
@@ -8124,7 +8082,7 @@
           <a:p>
             <a:r>
               <a:rPr lang="fr-FR" smtClean="0"/>
-              <a:t>Banmbu - 20/05/2015</a:t>
+              <a:t>Bambu - 17.06.2015</a:t>
             </a:r>
             <a:endParaRPr lang="fr-FR"/>
           </a:p>
@@ -8147,7 +8105,7 @@
           <a:p>
             <a:fld id="{D376626B-8044-4126-A03C-8C0AE257EC41}" type="slidenum">
               <a:rPr lang="fr-FR" smtClean="0"/>
-              <a:t>‹N°›</a:t>
+              <a:t>‹#›</a:t>
             </a:fld>
             <a:endParaRPr lang="fr-FR"/>
           </a:p>
@@ -8446,9 +8404,9 @@
           <a:bodyPr/>
           <a:lstStyle/>
           <a:p>
-            <a:fld id="{6F395423-CF2A-41A1-B998-779941211E29}" type="datetime1">
+            <a:fld id="{311C7551-15CD-4926-937B-70B1D507B698}" type="datetime1">
               <a:rPr lang="fr-FR" smtClean="0"/>
-              <a:t>15/06/2015</a:t>
+              <a:t>16/06/2015</a:t>
             </a:fld>
             <a:endParaRPr lang="fr-FR"/>
           </a:p>
@@ -8471,7 +8429,7 @@
           <a:p>
             <a:r>
               <a:rPr lang="fr-FR" smtClean="0"/>
-              <a:t>Banmbu - 20/05/2015</a:t>
+              <a:t>Bambu - 17.06.2015</a:t>
             </a:r>
             <a:endParaRPr lang="fr-FR"/>
           </a:p>
@@ -8494,7 +8452,7 @@
           <a:p>
             <a:fld id="{D376626B-8044-4126-A03C-8C0AE257EC41}" type="slidenum">
               <a:rPr lang="fr-FR" smtClean="0"/>
-              <a:t>‹N°›</a:t>
+              <a:t>‹#›</a:t>
             </a:fld>
             <a:endParaRPr lang="fr-FR"/>
           </a:p>
@@ -8725,9 +8683,9 @@
           <a:bodyPr/>
           <a:lstStyle/>
           <a:p>
-            <a:fld id="{7B31CB30-7913-4FD5-8453-6D9FF22AA427}" type="datetime1">
+            <a:fld id="{FED2ED52-2116-43A1-A3DA-BEF214973798}" type="datetime1">
               <a:rPr lang="fr-FR" smtClean="0"/>
-              <a:t>15/06/2015</a:t>
+              <a:t>16/06/2015</a:t>
             </a:fld>
             <a:endParaRPr lang="fr-FR"/>
           </a:p>
@@ -8750,7 +8708,7 @@
           <a:p>
             <a:r>
               <a:rPr lang="fr-FR" smtClean="0"/>
-              <a:t>Banmbu - 20/05/2015</a:t>
+              <a:t>Bambu - 17.06.2015</a:t>
             </a:r>
             <a:endParaRPr lang="fr-FR"/>
           </a:p>
@@ -8773,7 +8731,7 @@
           <a:p>
             <a:fld id="{D376626B-8044-4126-A03C-8C0AE257EC41}" type="slidenum">
               <a:rPr lang="fr-FR" smtClean="0"/>
-              <a:t>‹N°›</a:t>
+              <a:t>‹#›</a:t>
             </a:fld>
             <a:endParaRPr lang="fr-FR"/>
           </a:p>
@@ -9108,9 +9066,9 @@
           <a:bodyPr/>
           <a:lstStyle/>
           <a:p>
-            <a:fld id="{8F14C0EE-E481-43F3-94DA-D1A25CEC40DE}" type="datetime1">
+            <a:fld id="{4B971E29-9863-4D58-9B4C-278F70DD2FC4}" type="datetime1">
               <a:rPr lang="fr-FR" smtClean="0"/>
-              <a:t>15/06/2015</a:t>
+              <a:t>16/06/2015</a:t>
             </a:fld>
             <a:endParaRPr lang="fr-FR"/>
           </a:p>
@@ -9133,7 +9091,7 @@
           <a:p>
             <a:r>
               <a:rPr lang="fr-FR" smtClean="0"/>
-              <a:t>Banmbu - 20/05/2015</a:t>
+              <a:t>Bambu - 17.06.2015</a:t>
             </a:r>
             <a:endParaRPr lang="fr-FR"/>
           </a:p>
@@ -9156,7 +9114,7 @@
           <a:p>
             <a:fld id="{D376626B-8044-4126-A03C-8C0AE257EC41}" type="slidenum">
               <a:rPr lang="fr-FR" smtClean="0"/>
-              <a:t>‹N°›</a:t>
+              <a:t>‹#›</a:t>
             </a:fld>
             <a:endParaRPr lang="fr-FR"/>
           </a:p>
@@ -9230,9 +9188,9 @@
           <a:bodyPr/>
           <a:lstStyle/>
           <a:p>
-            <a:fld id="{531EB399-98EB-4874-922C-FD316CDCF690}" type="datetime1">
+            <a:fld id="{9253C44B-7212-4A52-B992-5A7FEEE78D27}" type="datetime1">
               <a:rPr lang="fr-FR" smtClean="0"/>
-              <a:t>15/06/2015</a:t>
+              <a:t>16/06/2015</a:t>
             </a:fld>
             <a:endParaRPr lang="fr-FR"/>
           </a:p>
@@ -9255,7 +9213,7 @@
           <a:p>
             <a:r>
               <a:rPr lang="fr-FR" smtClean="0"/>
-              <a:t>Banmbu - 20/05/2015</a:t>
+              <a:t>Bambu - 17.06.2015</a:t>
             </a:r>
             <a:endParaRPr lang="fr-FR"/>
           </a:p>
@@ -9278,7 +9236,7 @@
           <a:p>
             <a:fld id="{D376626B-8044-4126-A03C-8C0AE257EC41}" type="slidenum">
               <a:rPr lang="fr-FR" smtClean="0"/>
-              <a:t>‹N°›</a:t>
+              <a:t>‹#›</a:t>
             </a:fld>
             <a:endParaRPr lang="fr-FR"/>
           </a:p>
@@ -9405,9 +9363,9 @@
           <a:bodyPr/>
           <a:lstStyle/>
           <a:p>
-            <a:fld id="{3ECF0B9D-8152-464B-A496-6DA29EB38900}" type="datetime1">
+            <a:fld id="{0943EA57-E6C3-4C48-A8CC-B6619773AA7F}" type="datetime1">
               <a:rPr lang="fr-FR" smtClean="0"/>
-              <a:t>15/06/2015</a:t>
+              <a:t>16/06/2015</a:t>
             </a:fld>
             <a:endParaRPr lang="fr-FR"/>
           </a:p>
@@ -9438,7 +9396,7 @@
           <a:p>
             <a:r>
               <a:rPr lang="fr-FR" smtClean="0"/>
-              <a:t>Banmbu - 20/05/2015</a:t>
+              <a:t>Bambu - 17.06.2015</a:t>
             </a:r>
             <a:endParaRPr lang="fr-FR"/>
           </a:p>
@@ -9461,7 +9419,7 @@
           <a:p>
             <a:fld id="{D376626B-8044-4126-A03C-8C0AE257EC41}" type="slidenum">
               <a:rPr lang="fr-FR" smtClean="0"/>
-              <a:t>‹N°›</a:t>
+              <a:t>‹#›</a:t>
             </a:fld>
             <a:endParaRPr lang="fr-FR"/>
           </a:p>
@@ -9763,9 +9721,9 @@
             </a:lvl1pPr>
           </a:lstStyle>
           <a:p>
-            <a:fld id="{EB72BB81-321C-47C9-8EF1-F64E7E3280BC}" type="datetime1">
+            <a:fld id="{ED5FB9D2-93C7-43A2-909C-57D7B44C3E30}" type="datetime1">
               <a:rPr lang="fr-FR" smtClean="0"/>
-              <a:t>15/06/2015</a:t>
+              <a:t>16/06/2015</a:t>
             </a:fld>
             <a:endParaRPr lang="fr-FR"/>
           </a:p>
@@ -9801,7 +9759,7 @@
           <a:p>
             <a:r>
               <a:rPr lang="fr-FR" smtClean="0"/>
-              <a:t>Banmbu - 20/05/2015</a:t>
+              <a:t>Bambu - 17.06.2015</a:t>
             </a:r>
             <a:endParaRPr lang="fr-FR"/>
           </a:p>
@@ -9832,7 +9790,7 @@
           <a:p>
             <a:fld id="{D376626B-8044-4126-A03C-8C0AE257EC41}" type="slidenum">
               <a:rPr lang="fr-FR" smtClean="0"/>
-              <a:t>‹N°›</a:t>
+              <a:t>‹#›</a:t>
             </a:fld>
             <a:endParaRPr lang="fr-FR"/>
           </a:p>
@@ -10144,9 +10102,9 @@
           <a:bodyPr/>
           <a:lstStyle/>
           <a:p>
-            <a:fld id="{310F2307-685A-4E72-8E0A-45F85857C52E}" type="datetime1">
+            <a:fld id="{F1976278-7E84-470F-B715-7B2B030F838D}" type="datetime1">
               <a:rPr lang="fr-FR" smtClean="0"/>
-              <a:t>15/06/2015</a:t>
+              <a:t>16/06/2015</a:t>
             </a:fld>
             <a:endParaRPr lang="fr-FR"/>
           </a:p>
@@ -10169,7 +10127,7 @@
           <a:p>
             <a:r>
               <a:rPr lang="fr-FR" smtClean="0"/>
-              <a:t>Banmbu - 20/05/2015</a:t>
+              <a:t>Bambu - 17.06.2015</a:t>
             </a:r>
             <a:endParaRPr lang="fr-FR"/>
           </a:p>
@@ -10192,7 +10150,7 @@
           <a:p>
             <a:fld id="{D376626B-8044-4126-A03C-8C0AE257EC41}" type="slidenum">
               <a:rPr lang="fr-FR" smtClean="0"/>
-              <a:t>‹N°›</a:t>
+              <a:t>‹#›</a:t>
             </a:fld>
             <a:endParaRPr lang="fr-FR"/>
           </a:p>
@@ -10435,9 +10393,9 @@
             </a:lvl1pPr>
           </a:lstStyle>
           <a:p>
-            <a:fld id="{B82A1CD3-8443-43C6-8EE4-FA26CE5A5F83}" type="datetime1">
+            <a:fld id="{74A8B278-FC62-4207-A2FC-36512D99DBFC}" type="datetime1">
               <a:rPr lang="fr-FR" smtClean="0"/>
-              <a:t>15/06/2015</a:t>
+              <a:t>16/06/2015</a:t>
             </a:fld>
             <a:endParaRPr lang="fr-FR"/>
           </a:p>
@@ -10476,7 +10434,7 @@
           <a:p>
             <a:r>
               <a:rPr lang="fr-FR" smtClean="0"/>
-              <a:t>Banmbu - 20/05/2015</a:t>
+              <a:t>Bambu - 17.06.2015</a:t>
             </a:r>
             <a:endParaRPr lang="fr-FR"/>
           </a:p>
@@ -10515,7 +10473,7 @@
           <a:p>
             <a:fld id="{D376626B-8044-4126-A03C-8C0AE257EC41}" type="slidenum">
               <a:rPr lang="fr-FR" smtClean="0"/>
-              <a:t>‹N°›</a:t>
+              <a:t>‹#›</a:t>
             </a:fld>
             <a:endParaRPr lang="fr-FR"/>
           </a:p>
@@ -11014,109 +10972,7 @@
       </p:grpSpPr>
       <p:sp>
         <p:nvSpPr>
-          <p:cNvPr id="2" name="Title 1"/>
-          <p:cNvSpPr>
-            <a:spLocks noGrp="1"/>
-          </p:cNvSpPr>
-          <p:nvPr>
-            <p:ph type="ctrTitle"/>
-          </p:nvPr>
-        </p:nvSpPr>
-        <p:spPr/>
-        <p:txBody>
-          <a:bodyPr>
-            <a:normAutofit/>
-          </a:bodyPr>
-          <a:lstStyle/>
-          <a:p>
-            <a:r>
-              <a:rPr lang="en-US" sz="6000" dirty="0" smtClean="0"/>
-              <a:t>FUEL CELL INDUSTRY ANALYSIS REPORT</a:t>
-            </a:r>
-            <a:endParaRPr lang="en-US" sz="6000" dirty="0"/>
-          </a:p>
-        </p:txBody>
-      </p:sp>
-      <p:sp>
-        <p:nvSpPr>
-          <p:cNvPr id="3" name="Subtitle 2"/>
-          <p:cNvSpPr>
-            <a:spLocks noGrp="1"/>
-          </p:cNvSpPr>
-          <p:nvPr>
-            <p:ph type="subTitle" idx="1"/>
-          </p:nvPr>
-        </p:nvSpPr>
-        <p:spPr/>
-        <p:txBody>
-          <a:bodyPr/>
-          <a:lstStyle/>
-          <a:p>
-            <a:r>
-              <a:rPr lang="en-US" dirty="0" smtClean="0"/>
-              <a:t>Global Manufacturing Strategy</a:t>
-            </a:r>
-            <a:endParaRPr lang="en-US" dirty="0"/>
-          </a:p>
-        </p:txBody>
-      </p:sp>
-      <p:sp>
-        <p:nvSpPr>
-          <p:cNvPr id="4" name="Rectangle 3"/>
-          <p:cNvSpPr>
-            <a:spLocks noChangeAspect="1"/>
-          </p:cNvSpPr>
-          <p:nvPr/>
-        </p:nvSpPr>
-        <p:spPr>
-          <a:xfrm>
-            <a:off x="1407474" y="-288109"/>
-            <a:ext cx="9601301" cy="4778518"/>
-          </a:xfrm>
-          <a:prstGeom prst="rect">
-            <a:avLst/>
-          </a:prstGeom>
-          <a:blipFill dpi="0" rotWithShape="1">
-            <a:blip r:embed="rId2">
-              <a:alphaModFix amt="5000"/>
-            </a:blip>
-            <a:srcRect/>
-            <a:stretch>
-              <a:fillRect/>
-            </a:stretch>
-          </a:blipFill>
-          <a:ln>
-            <a:noFill/>
-          </a:ln>
-        </p:spPr>
-        <p:style>
-          <a:lnRef idx="2">
-            <a:schemeClr val="accent1">
-              <a:shade val="50000"/>
-            </a:schemeClr>
-          </a:lnRef>
-          <a:fillRef idx="1">
-            <a:schemeClr val="accent1"/>
-          </a:fillRef>
-          <a:effectRef idx="0">
-            <a:schemeClr val="accent1"/>
-          </a:effectRef>
-          <a:fontRef idx="minor">
-            <a:schemeClr val="lt1"/>
-          </a:fontRef>
-        </p:style>
-        <p:txBody>
-          <a:bodyPr rtlCol="0" anchor="ctr"/>
-          <a:lstStyle/>
-          <a:p>
-            <a:pPr algn="ctr"/>
-            <a:endParaRPr lang="de-DE"/>
-          </a:p>
-        </p:txBody>
-      </p:sp>
-      <p:sp>
-        <p:nvSpPr>
-          <p:cNvPr id="5" name="Espace réservé du pied de page 4"/>
+          <p:cNvPr id="2" name="Footer Placeholder 1"/>
           <p:cNvSpPr>
             <a:spLocks noGrp="1"/>
           </p:cNvSpPr>
@@ -11130,12 +10986,8 @@
           <a:lstStyle/>
           <a:p>
             <a:r>
-              <a:rPr lang="fr-FR" dirty="0" err="1" smtClean="0"/>
-              <a:t>Bambu</a:t>
-            </a:r>
-            <a:r>
-              <a:rPr lang="fr-FR" dirty="0" smtClean="0"/>
-              <a:t> - 17/06/2015</a:t>
+              <a:rPr lang="fr-FR" smtClean="0"/>
+              <a:t>Bambu - 17.06.2015</a:t>
             </a:r>
             <a:endParaRPr lang="fr-FR" dirty="0"/>
           </a:p>
@@ -11143,7 +10995,7 @@
       </p:sp>
       <p:sp>
         <p:nvSpPr>
-          <p:cNvPr id="6" name="Espace réservé du numéro de diapositive 5"/>
+          <p:cNvPr id="3" name="Slide Number Placeholder 2"/>
           <p:cNvSpPr>
             <a:spLocks noGrp="1"/>
           </p:cNvSpPr>
@@ -11158,17 +11010,328 @@
           <a:p>
             <a:fld id="{D376626B-8044-4126-A03C-8C0AE257EC41}" type="slidenum">
               <a:rPr lang="fr-FR" smtClean="0"/>
-              <a:pPr/>
               <a:t>1</a:t>
             </a:fld>
-            <a:endParaRPr lang="fr-FR" dirty="0"/>
+            <a:endParaRPr lang="fr-FR"/>
           </a:p>
         </p:txBody>
       </p:sp>
+      <p:pic>
+        <p:nvPicPr>
+          <p:cNvPr id="1026" name="Picture 2" descr="http://ichef.bbci.co.uk/news/660/media/images/81731000/jpg/_81731613_458847426.jpg"/>
+          <p:cNvPicPr>
+            <a:picLocks noChangeAspect="1" noChangeArrowheads="1"/>
+          </p:cNvPicPr>
+          <p:nvPr/>
+        </p:nvPicPr>
+        <p:blipFill>
+          <a:blip r:embed="rId3">
+            <a:extLst>
+              <a:ext uri="{28A0092B-C50C-407E-A947-70E740481C1C}">
+                <a14:useLocalDpi xmlns:a14="http://schemas.microsoft.com/office/drawing/2010/main" val="0"/>
+              </a:ext>
+            </a:extLst>
+          </a:blip>
+          <a:srcRect/>
+          <a:stretch>
+            <a:fillRect/>
+          </a:stretch>
+        </p:blipFill>
+        <p:spPr bwMode="auto">
+          <a:xfrm>
+            <a:off x="1579031" y="254113"/>
+            <a:ext cx="2814038" cy="1581831"/>
+          </a:xfrm>
+          <a:prstGeom prst="rect">
+            <a:avLst/>
+          </a:prstGeom>
+          <a:noFill/>
+          <a:extLst>
+            <a:ext uri="{909E8E84-426E-40DD-AFC4-6F175D3DCCD1}">
+              <a14:hiddenFill xmlns:a14="http://schemas.microsoft.com/office/drawing/2010/main">
+                <a:solidFill>
+                  <a:srgbClr val="FFFFFF"/>
+                </a:solidFill>
+              </a14:hiddenFill>
+            </a:ext>
+          </a:extLst>
+        </p:spPr>
+      </p:pic>
+      <p:sp>
+        <p:nvSpPr>
+          <p:cNvPr id="4" name="TextBox 3"/>
+          <p:cNvSpPr txBox="1"/>
+          <p:nvPr/>
+        </p:nvSpPr>
+        <p:spPr>
+          <a:xfrm>
+            <a:off x="5617029" y="1045029"/>
+            <a:ext cx="4557485" cy="3970318"/>
+          </a:xfrm>
+          <a:prstGeom prst="rect">
+            <a:avLst/>
+          </a:prstGeom>
+          <a:noFill/>
+        </p:spPr>
+        <p:txBody>
+          <a:bodyPr wrap="square" rtlCol="0">
+            <a:spAutoFit/>
+          </a:bodyPr>
+          <a:lstStyle/>
+          <a:p>
+            <a:r>
+              <a:rPr lang="de-DE" dirty="0" err="1" smtClean="0"/>
+              <a:t>Photo</a:t>
+            </a:r>
+            <a:r>
+              <a:rPr lang="de-DE" dirty="0" smtClean="0"/>
+              <a:t> </a:t>
+            </a:r>
+            <a:r>
+              <a:rPr lang="de-DE" dirty="0" err="1" smtClean="0"/>
+              <a:t>from</a:t>
+            </a:r>
+            <a:r>
+              <a:rPr lang="de-DE" dirty="0" smtClean="0"/>
+              <a:t> </a:t>
+            </a:r>
+            <a:r>
+              <a:rPr lang="de-DE" dirty="0" err="1" smtClean="0"/>
+              <a:t>space</a:t>
+            </a:r>
+            <a:r>
+              <a:rPr lang="en-US" dirty="0" smtClean="0"/>
+              <a:t> to earth with question “what do you so” </a:t>
+            </a:r>
+            <a:r>
+              <a:rPr lang="en-US" dirty="0" smtClean="0">
+                <a:sym typeface="Wingdings" panose="05000000000000000000" pitchFamily="2" charset="2"/>
+              </a:rPr>
+              <a:t>hydrogen as XX% is hydrogen</a:t>
+            </a:r>
+            <a:endParaRPr lang="en-US" dirty="0" smtClean="0"/>
+          </a:p>
+          <a:p>
+            <a:endParaRPr lang="de-DE" dirty="0" smtClean="0"/>
+          </a:p>
+          <a:p>
+            <a:endParaRPr lang="de-DE" dirty="0"/>
+          </a:p>
+          <a:p>
+            <a:endParaRPr lang="de-DE" dirty="0" smtClean="0"/>
+          </a:p>
+          <a:p>
+            <a:endParaRPr lang="de-DE" dirty="0"/>
+          </a:p>
+          <a:p>
+            <a:r>
+              <a:rPr lang="de-DE" dirty="0" err="1" smtClean="0"/>
+              <a:t>Several</a:t>
+            </a:r>
+            <a:r>
+              <a:rPr lang="de-DE" dirty="0" smtClean="0"/>
+              <a:t> non </a:t>
+            </a:r>
+            <a:r>
+              <a:rPr lang="de-DE" dirty="0" err="1" smtClean="0"/>
+              <a:t>related</a:t>
+            </a:r>
+            <a:r>
+              <a:rPr lang="de-DE" dirty="0" smtClean="0"/>
+              <a:t> </a:t>
+            </a:r>
+            <a:r>
+              <a:rPr lang="de-DE" dirty="0" err="1" smtClean="0"/>
+              <a:t>pictures</a:t>
+            </a:r>
+            <a:r>
+              <a:rPr lang="de-DE" dirty="0" smtClean="0"/>
+              <a:t> </a:t>
+            </a:r>
+            <a:r>
+              <a:rPr lang="de-DE" dirty="0" err="1" smtClean="0"/>
+              <a:t>of</a:t>
+            </a:r>
+            <a:r>
+              <a:rPr lang="de-DE" dirty="0" smtClean="0"/>
+              <a:t> hydrogen, </a:t>
+            </a:r>
+            <a:r>
+              <a:rPr lang="de-DE" dirty="0" err="1" smtClean="0"/>
+              <a:t>question</a:t>
+            </a:r>
+            <a:r>
+              <a:rPr lang="de-DE" dirty="0" smtClean="0"/>
+              <a:t> </a:t>
+            </a:r>
+            <a:r>
+              <a:rPr lang="de-DE" dirty="0" err="1" smtClean="0"/>
+              <a:t>before</a:t>
+            </a:r>
+            <a:r>
+              <a:rPr lang="de-DE" dirty="0" smtClean="0"/>
+              <a:t> </a:t>
+            </a:r>
+            <a:r>
+              <a:rPr lang="de-DE" dirty="0" err="1" smtClean="0"/>
+              <a:t>the</a:t>
+            </a:r>
+            <a:r>
+              <a:rPr lang="de-DE" dirty="0" smtClean="0"/>
+              <a:t> </a:t>
+            </a:r>
+            <a:r>
+              <a:rPr lang="de-DE" dirty="0" err="1" smtClean="0"/>
+              <a:t>statement</a:t>
+            </a:r>
+            <a:r>
+              <a:rPr lang="de-DE" dirty="0" smtClean="0"/>
+              <a:t> „</a:t>
+            </a:r>
+            <a:r>
+              <a:rPr lang="de-DE" dirty="0" err="1" smtClean="0"/>
+              <a:t>what</a:t>
+            </a:r>
+            <a:r>
+              <a:rPr lang="de-DE" dirty="0" smtClean="0"/>
+              <a:t> do </a:t>
+            </a:r>
+            <a:r>
+              <a:rPr lang="de-DE" dirty="0" err="1" smtClean="0"/>
+              <a:t>they</a:t>
+            </a:r>
+            <a:r>
+              <a:rPr lang="de-DE" dirty="0" smtClean="0"/>
+              <a:t> </a:t>
+            </a:r>
+            <a:r>
+              <a:rPr lang="de-DE" dirty="0" err="1" smtClean="0"/>
+              <a:t>have</a:t>
+            </a:r>
+            <a:r>
+              <a:rPr lang="de-DE" dirty="0" smtClean="0"/>
+              <a:t> in </a:t>
+            </a:r>
+            <a:r>
+              <a:rPr lang="de-DE" dirty="0" err="1" smtClean="0"/>
+              <a:t>common</a:t>
+            </a:r>
+            <a:r>
+              <a:rPr lang="de-DE" dirty="0" smtClean="0"/>
+              <a:t>“ </a:t>
+            </a:r>
+            <a:r>
+              <a:rPr lang="de-DE" dirty="0" smtClean="0">
+                <a:sym typeface="Wingdings" panose="05000000000000000000" pitchFamily="2" charset="2"/>
+              </a:rPr>
+              <a:t></a:t>
+            </a:r>
+            <a:r>
+              <a:rPr lang="de-DE" dirty="0" smtClean="0"/>
+              <a:t>hydrogen</a:t>
+            </a:r>
+            <a:endParaRPr lang="de-DE" dirty="0"/>
+          </a:p>
+          <a:p>
+            <a:endParaRPr lang="de-DE" dirty="0" smtClean="0"/>
+          </a:p>
+          <a:p>
+            <a:endParaRPr lang="de-DE" dirty="0"/>
+          </a:p>
+          <a:p>
+            <a:endParaRPr lang="de-DE" dirty="0" smtClean="0"/>
+          </a:p>
+          <a:p>
+            <a:endParaRPr lang="de-DE" dirty="0" smtClean="0"/>
+          </a:p>
+        </p:txBody>
+      </p:sp>
+      <p:pic>
+        <p:nvPicPr>
+          <p:cNvPr id="1030" name="Picture 6" descr="http://www.innercirclecorona.com/wp-content/uploads//2012/03/article-1280836382991-006ED8C000000258-625706_636x573.jpg"/>
+          <p:cNvPicPr>
+            <a:picLocks noChangeAspect="1" noChangeArrowheads="1"/>
+          </p:cNvPicPr>
+          <p:nvPr/>
+        </p:nvPicPr>
+        <p:blipFill>
+          <a:blip r:embed="rId4">
+            <a:extLst>
+              <a:ext uri="{28A0092B-C50C-407E-A947-70E740481C1C}">
+                <a14:useLocalDpi xmlns:a14="http://schemas.microsoft.com/office/drawing/2010/main" val="0"/>
+              </a:ext>
+            </a:extLst>
+          </a:blip>
+          <a:srcRect/>
+          <a:stretch>
+            <a:fillRect/>
+          </a:stretch>
+        </p:blipFill>
+        <p:spPr bwMode="auto">
+          <a:xfrm>
+            <a:off x="2707432" y="1957855"/>
+            <a:ext cx="2843806" cy="2293825"/>
+          </a:xfrm>
+          <a:prstGeom prst="rect">
+            <a:avLst/>
+          </a:prstGeom>
+          <a:noFill/>
+          <a:extLst>
+            <a:ext uri="{909E8E84-426E-40DD-AFC4-6F175D3DCCD1}">
+              <a14:hiddenFill xmlns:a14="http://schemas.microsoft.com/office/drawing/2010/main">
+                <a:solidFill>
+                  <a:srgbClr val="FFFFFF"/>
+                </a:solidFill>
+              </a14:hiddenFill>
+            </a:ext>
+          </a:extLst>
+        </p:spPr>
+      </p:pic>
+      <p:pic>
+        <p:nvPicPr>
+          <p:cNvPr id="1032" name="Picture 8" descr="http://images-of-elements.com/hydrogen.jpg"/>
+          <p:cNvPicPr>
+            <a:picLocks noChangeAspect="1" noChangeArrowheads="1"/>
+          </p:cNvPicPr>
+          <p:nvPr/>
+        </p:nvPicPr>
+        <p:blipFill>
+          <a:blip r:embed="rId5" cstate="print">
+            <a:extLst>
+              <a:ext uri="{28A0092B-C50C-407E-A947-70E740481C1C}">
+                <a14:useLocalDpi xmlns:a14="http://schemas.microsoft.com/office/drawing/2010/main" val="0"/>
+              </a:ext>
+            </a:extLst>
+          </a:blip>
+          <a:srcRect/>
+          <a:stretch>
+            <a:fillRect/>
+          </a:stretch>
+        </p:blipFill>
+        <p:spPr bwMode="auto">
+          <a:xfrm>
+            <a:off x="290285" y="2290232"/>
+            <a:ext cx="2171116" cy="2171117"/>
+          </a:xfrm>
+          <a:prstGeom prst="rect">
+            <a:avLst/>
+          </a:prstGeom>
+          <a:noFill/>
+          <a:extLst>
+            <a:ext uri="{909E8E84-426E-40DD-AFC4-6F175D3DCCD1}">
+              <a14:hiddenFill xmlns:a14="http://schemas.microsoft.com/office/drawing/2010/main">
+                <a:solidFill>
+                  <a:srgbClr val="FFFFFF"/>
+                </a:solidFill>
+              </a14:hiddenFill>
+            </a:ext>
+          </a:extLst>
+        </p:spPr>
+      </p:pic>
     </p:spTree>
     <p:extLst>
       <p:ext uri="{BB962C8B-B14F-4D97-AF65-F5344CB8AC3E}">
-        <p14:creationId xmlns:p14="http://schemas.microsoft.com/office/powerpoint/2010/main" val="2491292434"/>
+        <p14:creationId xmlns:p14="http://schemas.microsoft.com/office/powerpoint/2010/main" val="3994317280"/>
       </p:ext>
     </p:extLst>
   </p:cSld>
@@ -11202,6 +11365,168 @@
           <a:chExt cx="0" cy="0"/>
         </a:xfrm>
       </p:grpSpPr>
+      <p:pic>
+        <p:nvPicPr>
+          <p:cNvPr id="7" name="Picture 6"/>
+          <p:cNvPicPr>
+            <a:picLocks noChangeAspect="1"/>
+          </p:cNvPicPr>
+          <p:nvPr/>
+        </p:nvPicPr>
+        <p:blipFill>
+          <a:blip r:embed="rId2">
+            <a:extLst>
+              <a:ext uri="{28A0092B-C50C-407E-A947-70E740481C1C}">
+                <a14:useLocalDpi xmlns:a14="http://schemas.microsoft.com/office/drawing/2010/main" val="0"/>
+              </a:ext>
+            </a:extLst>
+          </a:blip>
+          <a:stretch>
+            <a:fillRect/>
+          </a:stretch>
+        </p:blipFill>
+        <p:spPr>
+          <a:xfrm>
+            <a:off x="1406434" y="47753"/>
+            <a:ext cx="9440091" cy="4537766"/>
+          </a:xfrm>
+          <a:prstGeom prst="rect">
+            <a:avLst/>
+          </a:prstGeom>
+        </p:spPr>
+      </p:pic>
+      <p:sp>
+        <p:nvSpPr>
+          <p:cNvPr id="2" name="Title 1"/>
+          <p:cNvSpPr>
+            <a:spLocks noGrp="1"/>
+          </p:cNvSpPr>
+          <p:nvPr>
+            <p:ph type="ctrTitle"/>
+          </p:nvPr>
+        </p:nvSpPr>
+        <p:spPr/>
+        <p:txBody>
+          <a:bodyPr>
+            <a:normAutofit/>
+          </a:bodyPr>
+          <a:lstStyle/>
+          <a:p>
+            <a:r>
+              <a:rPr lang="en-US" sz="6000" dirty="0" smtClean="0"/>
+              <a:t>FUEL CELL INDUSTRY ANALYSIS REPORT</a:t>
+            </a:r>
+            <a:endParaRPr lang="en-US" sz="6000" dirty="0"/>
+          </a:p>
+        </p:txBody>
+      </p:sp>
+      <p:sp>
+        <p:nvSpPr>
+          <p:cNvPr id="3" name="Subtitle 2"/>
+          <p:cNvSpPr>
+            <a:spLocks noGrp="1"/>
+          </p:cNvSpPr>
+          <p:nvPr>
+            <p:ph type="subTitle" idx="1"/>
+          </p:nvPr>
+        </p:nvSpPr>
+        <p:spPr/>
+        <p:txBody>
+          <a:bodyPr/>
+          <a:lstStyle/>
+          <a:p>
+            <a:r>
+              <a:rPr lang="en-US" dirty="0" smtClean="0"/>
+              <a:t>Global Manufacturing Strategy</a:t>
+            </a:r>
+            <a:endParaRPr lang="en-US" dirty="0"/>
+          </a:p>
+        </p:txBody>
+      </p:sp>
+      <p:sp>
+        <p:nvSpPr>
+          <p:cNvPr id="5" name="Espace réservé du pied de page 4"/>
+          <p:cNvSpPr>
+            <a:spLocks noGrp="1"/>
+          </p:cNvSpPr>
+          <p:nvPr>
+            <p:ph type="ftr" sz="quarter" idx="11"/>
+          </p:nvPr>
+        </p:nvSpPr>
+        <p:spPr/>
+        <p:txBody>
+          <a:bodyPr/>
+          <a:lstStyle/>
+          <a:p>
+            <a:r>
+              <a:rPr lang="fr-FR" smtClean="0"/>
+              <a:t>Bambu - 17.06.2015</a:t>
+            </a:r>
+            <a:endParaRPr lang="fr-FR" dirty="0"/>
+          </a:p>
+        </p:txBody>
+      </p:sp>
+      <p:sp>
+        <p:nvSpPr>
+          <p:cNvPr id="6" name="Espace réservé du numéro de diapositive 5"/>
+          <p:cNvSpPr>
+            <a:spLocks noGrp="1"/>
+          </p:cNvSpPr>
+          <p:nvPr>
+            <p:ph type="sldNum" sz="quarter" idx="12"/>
+          </p:nvPr>
+        </p:nvSpPr>
+        <p:spPr/>
+        <p:txBody>
+          <a:bodyPr/>
+          <a:lstStyle/>
+          <a:p>
+            <a:fld id="{D376626B-8044-4126-A03C-8C0AE257EC41}" type="slidenum">
+              <a:rPr lang="fr-FR" smtClean="0"/>
+              <a:pPr/>
+              <a:t>2</a:t>
+            </a:fld>
+            <a:endParaRPr lang="fr-FR" dirty="0"/>
+          </a:p>
+        </p:txBody>
+      </p:sp>
+    </p:spTree>
+    <p:extLst>
+      <p:ext uri="{BB962C8B-B14F-4D97-AF65-F5344CB8AC3E}">
+        <p14:creationId xmlns:p14="http://schemas.microsoft.com/office/powerpoint/2010/main" val="2491292434"/>
+      </p:ext>
+    </p:extLst>
+  </p:cSld>
+  <p:clrMapOvr>
+    <a:masterClrMapping/>
+  </p:clrMapOvr>
+  <p:timing>
+    <p:tnLst>
+      <p:par>
+        <p:cTn id="1" dur="indefinite" restart="never" nodeType="tmRoot"/>
+      </p:par>
+    </p:tnLst>
+  </p:timing>
+</p:sld>
+</file>
+
+<file path=ppt/slides/slide3.xml><?xml version="1.0" encoding="utf-8"?>
+<p:sld xmlns:a="http://schemas.openxmlformats.org/drawingml/2006/main" xmlns:r="http://schemas.openxmlformats.org/officeDocument/2006/relationships" xmlns:p="http://schemas.openxmlformats.org/presentationml/2006/main">
+  <p:cSld>
+    <p:spTree>
+      <p:nvGrpSpPr>
+        <p:cNvPr id="1" name=""/>
+        <p:cNvGrpSpPr/>
+        <p:nvPr/>
+      </p:nvGrpSpPr>
+      <p:grpSpPr>
+        <a:xfrm>
+          <a:off x="0" y="0"/>
+          <a:ext cx="0" cy="0"/>
+          <a:chOff x="0" y="0"/>
+          <a:chExt cx="0" cy="0"/>
+        </a:xfrm>
+      </p:grpSpPr>
       <p:sp>
         <p:nvSpPr>
           <p:cNvPr id="2" name="Titre 1"/>
@@ -11218,10 +11543,10 @@
           <a:lstStyle/>
           <a:p>
             <a:r>
-              <a:rPr lang="fr-FR" dirty="0" smtClean="0"/>
+              <a:rPr lang="en-US" dirty="0" smtClean="0"/>
               <a:t>BAMBU, THE TEAM</a:t>
             </a:r>
-            <a:endParaRPr lang="fr-FR" dirty="0"/>
+            <a:endParaRPr lang="en-US" dirty="0"/>
           </a:p>
         </p:txBody>
       </p:sp>
@@ -11235,7 +11560,7 @@
             <p:ph idx="1"/>
             <p:extLst>
               <p:ext uri="{D42A27DB-BD31-4B8C-83A1-F6EECF244321}">
-                <p14:modId xmlns:p14="http://schemas.microsoft.com/office/powerpoint/2010/main" val="1770901194"/>
+                <p14:modId xmlns:p14="http://schemas.microsoft.com/office/powerpoint/2010/main" val="2142305079"/>
               </p:ext>
             </p:extLst>
           </p:nvPr>
@@ -11315,7 +11640,7 @@
                     <a:bodyPr/>
                     <a:lstStyle/>
                     <a:p>
-                      <a:endParaRPr lang="fr-FR"/>
+                      <a:endParaRPr lang="fr-FR" dirty="0"/>
                     </a:p>
                   </a:txBody>
                   <a:tcPr>
@@ -11873,10 +12198,14 @@
           <a:lstStyle/>
           <a:p>
             <a:r>
-              <a:rPr lang="fr-FR" smtClean="0"/>
-              <a:t>Banmbu - 20/05/2015</a:t>
-            </a:r>
-            <a:endParaRPr lang="fr-FR"/>
+              <a:rPr lang="en-US" dirty="0" err="1" smtClean="0"/>
+              <a:t>Bambu</a:t>
+            </a:r>
+            <a:r>
+              <a:rPr lang="en-US" dirty="0" smtClean="0"/>
+              <a:t> - 17.06.2015</a:t>
+            </a:r>
+            <a:endParaRPr lang="en-US" dirty="0"/>
           </a:p>
         </p:txBody>
       </p:sp>
@@ -11896,10 +12225,10 @@
           <a:lstStyle/>
           <a:p>
             <a:fld id="{D376626B-8044-4126-A03C-8C0AE257EC41}" type="slidenum">
-              <a:rPr lang="fr-FR" smtClean="0"/>
-              <a:t>2</a:t>
+              <a:rPr lang="en-US" smtClean="0"/>
+              <a:t>3</a:t>
             </a:fld>
-            <a:endParaRPr lang="fr-FR"/>
+            <a:endParaRPr lang="en-US" dirty="0"/>
           </a:p>
         </p:txBody>
       </p:sp>
@@ -12155,7 +12484,7 @@
 </p:sld>
 </file>
 
-<file path=ppt/slides/slide3.xml><?xml version="1.0" encoding="utf-8"?>
+<file path=ppt/slides/slide4.xml><?xml version="1.0" encoding="utf-8"?>
 <p:sld xmlns:a="http://schemas.openxmlformats.org/drawingml/2006/main" xmlns:r="http://schemas.openxmlformats.org/officeDocument/2006/relationships" xmlns:p="http://schemas.openxmlformats.org/presentationml/2006/main">
   <p:cSld>
     <p:spTree>
@@ -12216,119 +12545,19 @@
           <a:lstStyle/>
           <a:p>
             <a:r>
-              <a:rPr lang="fr-FR" dirty="0" smtClean="0"/>
-              <a:t>In </a:t>
-            </a:r>
-            <a:r>
-              <a:rPr lang="fr-FR" dirty="0" err="1" smtClean="0"/>
-              <a:t>terms</a:t>
-            </a:r>
-            <a:r>
-              <a:rPr lang="fr-FR" dirty="0" smtClean="0"/>
-              <a:t> of </a:t>
-            </a:r>
-            <a:r>
-              <a:rPr lang="fr-FR" dirty="0" err="1" smtClean="0"/>
-              <a:t>number</a:t>
-            </a:r>
-            <a:r>
-              <a:rPr lang="fr-FR" dirty="0" smtClean="0"/>
-              <a:t> of </a:t>
-            </a:r>
-            <a:r>
-              <a:rPr lang="fr-FR" dirty="0" err="1" smtClean="0"/>
-              <a:t>molecules</a:t>
-            </a:r>
-            <a:r>
-              <a:rPr lang="fr-FR" dirty="0" smtClean="0"/>
-              <a:t>, </a:t>
-            </a:r>
-            <a:r>
-              <a:rPr lang="fr-FR" dirty="0" err="1" smtClean="0"/>
-              <a:t>Hydrogen</a:t>
-            </a:r>
-            <a:r>
-              <a:rPr lang="fr-FR" dirty="0" smtClean="0"/>
-              <a:t> </a:t>
-            </a:r>
-            <a:r>
-              <a:rPr lang="fr-FR" dirty="0" err="1" smtClean="0"/>
-              <a:t>is</a:t>
-            </a:r>
-            <a:r>
-              <a:rPr lang="fr-FR" dirty="0" smtClean="0"/>
-              <a:t> the </a:t>
-            </a:r>
-            <a:r>
-              <a:rPr lang="fr-FR" dirty="0" err="1" smtClean="0"/>
-              <a:t>most</a:t>
-            </a:r>
-            <a:r>
-              <a:rPr lang="fr-FR" dirty="0" smtClean="0"/>
-              <a:t> </a:t>
-            </a:r>
-            <a:r>
-              <a:rPr lang="fr-FR" dirty="0" err="1" smtClean="0"/>
-              <a:t>abundant</a:t>
-            </a:r>
-            <a:r>
-              <a:rPr lang="fr-FR" dirty="0" smtClean="0"/>
-              <a:t> </a:t>
-            </a:r>
-            <a:r>
-              <a:rPr lang="fr-FR" dirty="0" err="1" smtClean="0"/>
-              <a:t>gas</a:t>
-            </a:r>
-            <a:r>
-              <a:rPr lang="fr-FR" dirty="0" smtClean="0"/>
-              <a:t> on the Solar system.</a:t>
-            </a:r>
-          </a:p>
-          <a:p>
-            <a:endParaRPr lang="fr-FR" dirty="0"/>
-          </a:p>
-          <a:p>
-            <a:r>
-              <a:rPr lang="fr-FR" dirty="0" err="1" smtClean="0"/>
-              <a:t>Its</a:t>
-            </a:r>
-            <a:r>
-              <a:rPr lang="fr-FR" dirty="0" smtClean="0"/>
-              <a:t> </a:t>
-            </a:r>
-            <a:r>
-              <a:rPr lang="fr-FR" dirty="0" err="1" smtClean="0"/>
-              <a:t>combination</a:t>
-            </a:r>
-            <a:r>
-              <a:rPr lang="fr-FR" dirty="0" smtClean="0"/>
-              <a:t> </a:t>
-            </a:r>
-            <a:r>
-              <a:rPr lang="fr-FR" dirty="0" err="1" smtClean="0"/>
-              <a:t>with</a:t>
-            </a:r>
-            <a:r>
-              <a:rPr lang="fr-FR" dirty="0" smtClean="0"/>
-              <a:t> </a:t>
-            </a:r>
-            <a:r>
-              <a:rPr lang="fr-FR" dirty="0" err="1" smtClean="0"/>
-              <a:t>Oxygen</a:t>
-            </a:r>
-            <a:r>
-              <a:rPr lang="fr-FR" dirty="0" smtClean="0"/>
-              <a:t> </a:t>
-            </a:r>
-            <a:r>
-              <a:rPr lang="fr-FR" dirty="0" err="1" smtClean="0"/>
-              <a:t>can</a:t>
-            </a:r>
-            <a:r>
-              <a:rPr lang="fr-FR" dirty="0" smtClean="0"/>
-              <a:t> lead to</a:t>
-            </a:r>
-            <a:endParaRPr lang="fr-FR" dirty="0"/>
+              <a:rPr lang="en-US" dirty="0" smtClean="0"/>
+              <a:t>In terms of number of molecules, Hydrogen is the most abundant gas on the Solar system.</a:t>
+            </a:r>
+          </a:p>
+          <a:p>
+            <a:endParaRPr lang="en-US" dirty="0" smtClean="0"/>
+          </a:p>
+          <a:p>
+            <a:r>
+              <a:rPr lang="en-US" dirty="0" smtClean="0"/>
+              <a:t>Its combination with Oxygen can lead to</a:t>
+            </a:r>
+            <a:endParaRPr lang="en-US" dirty="0"/>
           </a:p>
         </p:txBody>
       </p:sp>
@@ -12349,9 +12578,9 @@
           <a:p>
             <a:r>
               <a:rPr lang="fr-FR" smtClean="0"/>
-              <a:t>Banmbu - 20/05/2015</a:t>
-            </a:r>
-            <a:endParaRPr lang="fr-FR"/>
+              <a:t>Bambu - 17.06.2015</a:t>
+            </a:r>
+            <a:endParaRPr lang="fr-FR" dirty="0"/>
           </a:p>
         </p:txBody>
       </p:sp>
@@ -12372,7 +12601,7 @@
           <a:p>
             <a:fld id="{D376626B-8044-4126-A03C-8C0AE257EC41}" type="slidenum">
               <a:rPr lang="fr-FR" smtClean="0"/>
-              <a:t>3</a:t>
+              <a:t>4</a:t>
             </a:fld>
             <a:endParaRPr lang="fr-FR"/>
           </a:p>
@@ -12478,7 +12707,7 @@
 </p:sld>
 </file>
 
-<file path=ppt/slides/slide4.xml><?xml version="1.0" encoding="utf-8"?>
+<file path=ppt/slides/slide5.xml><?xml version="1.0" encoding="utf-8"?>
 <p:sld xmlns:a="http://schemas.openxmlformats.org/drawingml/2006/main" xmlns:r="http://schemas.openxmlformats.org/officeDocument/2006/relationships" xmlns:p="http://schemas.openxmlformats.org/presentationml/2006/main">
   <p:cSld>
     <p:bg>
@@ -13280,7 +13509,7 @@
           <p:nvPr>
             <p:extLst>
               <p:ext uri="{D42A27DB-BD31-4B8C-83A1-F6EECF244321}">
-                <p14:modId xmlns:p14="http://schemas.microsoft.com/office/powerpoint/2010/main" val="932583963"/>
+                <p14:modId xmlns:p14="http://schemas.microsoft.com/office/powerpoint/2010/main" val="2098424711"/>
               </p:ext>
             </p:extLst>
           </p:nvPr>
@@ -13312,9 +13541,9 @@
           <a:p>
             <a:r>
               <a:rPr lang="fr-FR" smtClean="0"/>
-              <a:t>Banmbu - 20/05/2015</a:t>
-            </a:r>
-            <a:endParaRPr lang="fr-FR"/>
+              <a:t>Bambu - 17.06.2015</a:t>
+            </a:r>
+            <a:endParaRPr lang="fr-FR" dirty="0"/>
           </a:p>
         </p:txBody>
       </p:sp>
@@ -13335,7 +13564,7 @@
           <a:p>
             <a:fld id="{D376626B-8044-4126-A03C-8C0AE257EC41}" type="slidenum">
               <a:rPr lang="fr-FR" smtClean="0"/>
-              <a:t>4</a:t>
+              <a:t>5</a:t>
             </a:fld>
             <a:endParaRPr lang="fr-FR"/>
           </a:p>
@@ -13358,210 +13587,6 @@
       </p:par>
     </p:tnLst>
   </p:timing>
-</p:sld>
-</file>
-
-<file path=ppt/slides/slide5.xml><?xml version="1.0" encoding="utf-8"?>
-<p:sld xmlns:a="http://schemas.openxmlformats.org/drawingml/2006/main" xmlns:r="http://schemas.openxmlformats.org/officeDocument/2006/relationships" xmlns:p="http://schemas.openxmlformats.org/presentationml/2006/main">
-  <p:cSld>
-    <p:spTree>
-      <p:nvGrpSpPr>
-        <p:cNvPr id="1" name=""/>
-        <p:cNvGrpSpPr/>
-        <p:nvPr/>
-      </p:nvGrpSpPr>
-      <p:grpSpPr>
-        <a:xfrm>
-          <a:off x="0" y="0"/>
-          <a:ext cx="0" cy="0"/>
-          <a:chOff x="0" y="0"/>
-          <a:chExt cx="0" cy="0"/>
-        </a:xfrm>
-      </p:grpSpPr>
-      <p:sp>
-        <p:nvSpPr>
-          <p:cNvPr id="2" name="Titre 1"/>
-          <p:cNvSpPr>
-            <a:spLocks noGrp="1"/>
-          </p:cNvSpPr>
-          <p:nvPr>
-            <p:ph type="title"/>
-          </p:nvPr>
-        </p:nvSpPr>
-        <p:spPr/>
-        <p:txBody>
-          <a:bodyPr/>
-          <a:lstStyle/>
-          <a:p>
-            <a:r>
-              <a:rPr lang="fr-FR" dirty="0"/>
-              <a:t>RESOURCES</a:t>
-            </a:r>
-          </a:p>
-        </p:txBody>
-      </p:sp>
-      <p:sp>
-        <p:nvSpPr>
-          <p:cNvPr id="3" name="Espace réservé du contenu 2"/>
-          <p:cNvSpPr>
-            <a:spLocks noGrp="1"/>
-          </p:cNvSpPr>
-          <p:nvPr>
-            <p:ph sz="half" idx="1"/>
-          </p:nvPr>
-        </p:nvSpPr>
-        <p:spPr/>
-        <p:txBody>
-          <a:bodyPr/>
-          <a:lstStyle/>
-          <a:p>
-            <a:pPr marL="201159" lvl="1" indent="0">
-              <a:buNone/>
-            </a:pPr>
-            <a:r>
-              <a:rPr lang="fr-FR" dirty="0"/>
-              <a:t>ONLINE </a:t>
-            </a:r>
-            <a:r>
-              <a:rPr lang="fr-FR" dirty="0" err="1"/>
-              <a:t>TOols</a:t>
-            </a:r>
-            <a:endParaRPr lang="fr-FR" dirty="0"/>
-          </a:p>
-          <a:p>
-            <a:pPr lvl="1"/>
-            <a:r>
-              <a:rPr lang="en-US" dirty="0" smtClean="0"/>
-              <a:t>GitHub</a:t>
-            </a:r>
-            <a:endParaRPr lang="fr-FR" dirty="0"/>
-          </a:p>
-          <a:p>
-            <a:pPr lvl="1"/>
-            <a:r>
-              <a:rPr lang="en-US" dirty="0" err="1"/>
-              <a:t>Teambition</a:t>
-            </a:r>
-            <a:endParaRPr lang="fr-FR" dirty="0"/>
-          </a:p>
-          <a:p>
-            <a:endParaRPr lang="fr-FR" dirty="0"/>
-          </a:p>
-        </p:txBody>
-      </p:sp>
-      <p:sp>
-        <p:nvSpPr>
-          <p:cNvPr id="4" name="Espace réservé du contenu 3"/>
-          <p:cNvSpPr>
-            <a:spLocks noGrp="1"/>
-          </p:cNvSpPr>
-          <p:nvPr>
-            <p:ph sz="half" idx="2"/>
-          </p:nvPr>
-        </p:nvSpPr>
-        <p:spPr/>
-        <p:txBody>
-          <a:bodyPr/>
-          <a:lstStyle/>
-          <a:p>
-            <a:pPr marL="201159" lvl="1" indent="0">
-              <a:buNone/>
-            </a:pPr>
-            <a:r>
-              <a:rPr lang="fr-FR" dirty="0" smtClean="0"/>
-              <a:t>SOFTWARES</a:t>
-            </a:r>
-            <a:endParaRPr lang="en-US" dirty="0" smtClean="0"/>
-          </a:p>
-          <a:p>
-            <a:pPr lvl="1"/>
-            <a:r>
-              <a:rPr lang="en-US" dirty="0" smtClean="0"/>
-              <a:t>MS </a:t>
-            </a:r>
-            <a:r>
-              <a:rPr lang="en-US" dirty="0"/>
-              <a:t>Office</a:t>
-            </a:r>
-            <a:endParaRPr lang="fr-FR" dirty="0"/>
-          </a:p>
-          <a:p>
-            <a:pPr lvl="1"/>
-            <a:r>
-              <a:rPr lang="en-US" dirty="0"/>
-              <a:t>Atom</a:t>
-            </a:r>
-            <a:endParaRPr lang="fr-FR" dirty="0"/>
-          </a:p>
-          <a:p>
-            <a:pPr lvl="1"/>
-            <a:r>
-              <a:rPr lang="en-US" dirty="0" err="1"/>
-              <a:t>Citavi</a:t>
-            </a:r>
-            <a:endParaRPr lang="fr-FR" dirty="0"/>
-          </a:p>
-          <a:p>
-            <a:endParaRPr lang="fr-FR" dirty="0"/>
-          </a:p>
-        </p:txBody>
-      </p:sp>
-      <p:sp>
-        <p:nvSpPr>
-          <p:cNvPr id="5" name="Espace réservé du pied de page 4"/>
-          <p:cNvSpPr>
-            <a:spLocks noGrp="1"/>
-          </p:cNvSpPr>
-          <p:nvPr>
-            <p:ph type="ftr" sz="quarter" idx="11"/>
-          </p:nvPr>
-        </p:nvSpPr>
-        <p:spPr/>
-        <p:txBody>
-          <a:bodyPr/>
-          <a:lstStyle/>
-          <a:p>
-            <a:r>
-              <a:rPr lang="fr-FR" smtClean="0"/>
-              <a:t>Banmbu - 20/05/2015</a:t>
-            </a:r>
-            <a:endParaRPr lang="fr-FR"/>
-          </a:p>
-        </p:txBody>
-      </p:sp>
-      <p:sp>
-        <p:nvSpPr>
-          <p:cNvPr id="6" name="Espace réservé du numéro de diapositive 5"/>
-          <p:cNvSpPr>
-            <a:spLocks noGrp="1"/>
-          </p:cNvSpPr>
-          <p:nvPr>
-            <p:ph type="sldNum" sz="quarter" idx="12"/>
-          </p:nvPr>
-        </p:nvSpPr>
-        <p:spPr/>
-        <p:txBody>
-          <a:bodyPr/>
-          <a:lstStyle/>
-          <a:p>
-            <a:fld id="{D376626B-8044-4126-A03C-8C0AE257EC41}" type="slidenum">
-              <a:rPr lang="fr-FR" smtClean="0"/>
-              <a:t>5</a:t>
-            </a:fld>
-            <a:endParaRPr lang="fr-FR"/>
-          </a:p>
-        </p:txBody>
-      </p:sp>
-    </p:spTree>
-    <p:extLst>
-      <p:ext uri="{BB962C8B-B14F-4D97-AF65-F5344CB8AC3E}">
-        <p14:creationId xmlns:p14="http://schemas.microsoft.com/office/powerpoint/2010/main" val="3119211585"/>
-      </p:ext>
-    </p:extLst>
-  </p:cSld>
-  <p:clrMapOvr>
-    <a:masterClrMapping/>
-  </p:clrMapOvr>
 </p:sld>
 </file>
 
@@ -13598,6 +13623,451 @@
           <a:lstStyle/>
           <a:p>
             <a:r>
+              <a:rPr lang="fr-FR" dirty="0"/>
+              <a:t>RESOURCES</a:t>
+            </a:r>
+          </a:p>
+        </p:txBody>
+      </p:sp>
+      <p:sp>
+        <p:nvSpPr>
+          <p:cNvPr id="3" name="Espace réservé du contenu 2"/>
+          <p:cNvSpPr>
+            <a:spLocks noGrp="1"/>
+          </p:cNvSpPr>
+          <p:nvPr>
+            <p:ph sz="half" idx="1"/>
+          </p:nvPr>
+        </p:nvSpPr>
+        <p:spPr/>
+        <p:txBody>
+          <a:bodyPr/>
+          <a:lstStyle/>
+          <a:p>
+            <a:pPr marL="201159" lvl="1" indent="0">
+              <a:buNone/>
+            </a:pPr>
+            <a:r>
+              <a:rPr lang="fr-FR" dirty="0"/>
+              <a:t>ONLINE </a:t>
+            </a:r>
+            <a:r>
+              <a:rPr lang="fr-FR" dirty="0" err="1"/>
+              <a:t>TOols</a:t>
+            </a:r>
+            <a:endParaRPr lang="fr-FR" dirty="0"/>
+          </a:p>
+          <a:p>
+            <a:pPr lvl="1"/>
+            <a:r>
+              <a:rPr lang="en-US" dirty="0" smtClean="0"/>
+              <a:t>GitHub</a:t>
+            </a:r>
+            <a:endParaRPr lang="fr-FR" dirty="0"/>
+          </a:p>
+          <a:p>
+            <a:pPr lvl="1"/>
+            <a:r>
+              <a:rPr lang="en-US" dirty="0" err="1"/>
+              <a:t>Teambition</a:t>
+            </a:r>
+            <a:endParaRPr lang="fr-FR" dirty="0"/>
+          </a:p>
+          <a:p>
+            <a:endParaRPr lang="fr-FR" dirty="0"/>
+          </a:p>
+        </p:txBody>
+      </p:sp>
+      <p:sp>
+        <p:nvSpPr>
+          <p:cNvPr id="4" name="Espace réservé du contenu 3"/>
+          <p:cNvSpPr>
+            <a:spLocks noGrp="1"/>
+          </p:cNvSpPr>
+          <p:nvPr>
+            <p:ph sz="half" idx="2"/>
+          </p:nvPr>
+        </p:nvSpPr>
+        <p:spPr/>
+        <p:txBody>
+          <a:bodyPr/>
+          <a:lstStyle/>
+          <a:p>
+            <a:pPr marL="201159" lvl="1" indent="0">
+              <a:buNone/>
+            </a:pPr>
+            <a:r>
+              <a:rPr lang="fr-FR" dirty="0" smtClean="0"/>
+              <a:t>SOFTWARES</a:t>
+            </a:r>
+            <a:endParaRPr lang="en-US" dirty="0" smtClean="0"/>
+          </a:p>
+          <a:p>
+            <a:pPr lvl="1"/>
+            <a:r>
+              <a:rPr lang="en-US" dirty="0" smtClean="0"/>
+              <a:t>MS </a:t>
+            </a:r>
+            <a:r>
+              <a:rPr lang="en-US" dirty="0"/>
+              <a:t>Office</a:t>
+            </a:r>
+            <a:endParaRPr lang="fr-FR" dirty="0"/>
+          </a:p>
+          <a:p>
+            <a:pPr lvl="1"/>
+            <a:r>
+              <a:rPr lang="en-US" dirty="0"/>
+              <a:t>Atom</a:t>
+            </a:r>
+            <a:endParaRPr lang="fr-FR" dirty="0"/>
+          </a:p>
+          <a:p>
+            <a:pPr lvl="1"/>
+            <a:r>
+              <a:rPr lang="en-US" dirty="0" err="1"/>
+              <a:t>Citavi</a:t>
+            </a:r>
+            <a:endParaRPr lang="fr-FR" dirty="0"/>
+          </a:p>
+          <a:p>
+            <a:endParaRPr lang="fr-FR" dirty="0"/>
+          </a:p>
+        </p:txBody>
+      </p:sp>
+      <p:sp>
+        <p:nvSpPr>
+          <p:cNvPr id="5" name="Espace réservé du pied de page 4"/>
+          <p:cNvSpPr>
+            <a:spLocks noGrp="1"/>
+          </p:cNvSpPr>
+          <p:nvPr>
+            <p:ph type="ftr" sz="quarter" idx="11"/>
+          </p:nvPr>
+        </p:nvSpPr>
+        <p:spPr/>
+        <p:txBody>
+          <a:bodyPr/>
+          <a:lstStyle/>
+          <a:p>
+            <a:r>
+              <a:rPr lang="fr-FR" smtClean="0"/>
+              <a:t>Bambu - 17.06.2015</a:t>
+            </a:r>
+            <a:endParaRPr lang="fr-FR" dirty="0"/>
+          </a:p>
+        </p:txBody>
+      </p:sp>
+      <p:sp>
+        <p:nvSpPr>
+          <p:cNvPr id="6" name="Espace réservé du numéro de diapositive 5"/>
+          <p:cNvSpPr>
+            <a:spLocks noGrp="1"/>
+          </p:cNvSpPr>
+          <p:nvPr>
+            <p:ph type="sldNum" sz="quarter" idx="12"/>
+          </p:nvPr>
+        </p:nvSpPr>
+        <p:spPr/>
+        <p:txBody>
+          <a:bodyPr/>
+          <a:lstStyle/>
+          <a:p>
+            <a:fld id="{D376626B-8044-4126-A03C-8C0AE257EC41}" type="slidenum">
+              <a:rPr lang="fr-FR" smtClean="0"/>
+              <a:t>6</a:t>
+            </a:fld>
+            <a:endParaRPr lang="fr-FR"/>
+          </a:p>
+        </p:txBody>
+      </p:sp>
+      <p:pic>
+        <p:nvPicPr>
+          <p:cNvPr id="7" name="Picture 6"/>
+          <p:cNvPicPr>
+            <a:picLocks noChangeAspect="1"/>
+          </p:cNvPicPr>
+          <p:nvPr/>
+        </p:nvPicPr>
+        <p:blipFill>
+          <a:blip r:embed="rId2"/>
+          <a:stretch>
+            <a:fillRect/>
+          </a:stretch>
+        </p:blipFill>
+        <p:spPr>
+          <a:xfrm>
+            <a:off x="380172" y="2954486"/>
+            <a:ext cx="4212472" cy="2190222"/>
+          </a:xfrm>
+          <a:prstGeom prst="rect">
+            <a:avLst/>
+          </a:prstGeom>
+        </p:spPr>
+      </p:pic>
+      <p:pic>
+        <p:nvPicPr>
+          <p:cNvPr id="8" name="Picture 7"/>
+          <p:cNvPicPr>
+            <a:picLocks noChangeAspect="1"/>
+          </p:cNvPicPr>
+          <p:nvPr/>
+        </p:nvPicPr>
+        <p:blipFill>
+          <a:blip r:embed="rId3"/>
+          <a:stretch>
+            <a:fillRect/>
+          </a:stretch>
+        </p:blipFill>
+        <p:spPr>
+          <a:xfrm>
+            <a:off x="4720317" y="3604904"/>
+            <a:ext cx="4107539" cy="2440758"/>
+          </a:xfrm>
+          <a:prstGeom prst="rect">
+            <a:avLst/>
+          </a:prstGeom>
+        </p:spPr>
+      </p:pic>
+      <p:pic>
+        <p:nvPicPr>
+          <p:cNvPr id="9" name="Picture 8"/>
+          <p:cNvPicPr>
+            <a:picLocks noChangeAspect="1"/>
+          </p:cNvPicPr>
+          <p:nvPr/>
+        </p:nvPicPr>
+        <p:blipFill>
+          <a:blip r:embed="rId4"/>
+          <a:stretch>
+            <a:fillRect/>
+          </a:stretch>
+        </p:blipFill>
+        <p:spPr>
+          <a:xfrm>
+            <a:off x="7532642" y="2295681"/>
+            <a:ext cx="3814513" cy="2266638"/>
+          </a:xfrm>
+          <a:prstGeom prst="rect">
+            <a:avLst/>
+          </a:prstGeom>
+        </p:spPr>
+      </p:pic>
+      <p:pic>
+        <p:nvPicPr>
+          <p:cNvPr id="10" name="Picture 9"/>
+          <p:cNvPicPr>
+            <a:picLocks noChangeAspect="1"/>
+          </p:cNvPicPr>
+          <p:nvPr/>
+        </p:nvPicPr>
+        <p:blipFill>
+          <a:blip r:embed="rId5"/>
+          <a:stretch>
+            <a:fillRect/>
+          </a:stretch>
+        </p:blipFill>
+        <p:spPr>
+          <a:xfrm>
+            <a:off x="359468" y="4176065"/>
+            <a:ext cx="3495365" cy="1811905"/>
+          </a:xfrm>
+          <a:prstGeom prst="rect">
+            <a:avLst/>
+          </a:prstGeom>
+        </p:spPr>
+      </p:pic>
+    </p:spTree>
+    <p:extLst>
+      <p:ext uri="{BB962C8B-B14F-4D97-AF65-F5344CB8AC3E}">
+        <p14:creationId xmlns:p14="http://schemas.microsoft.com/office/powerpoint/2010/main" val="3119211585"/>
+      </p:ext>
+    </p:extLst>
+  </p:cSld>
+  <p:clrMapOvr>
+    <a:masterClrMapping/>
+  </p:clrMapOvr>
+</p:sld>
+</file>
+
+<file path=ppt/slides/slide7.xml><?xml version="1.0" encoding="utf-8"?>
+<p:sld xmlns:a="http://schemas.openxmlformats.org/drawingml/2006/main" xmlns:r="http://schemas.openxmlformats.org/officeDocument/2006/relationships" xmlns:p="http://schemas.openxmlformats.org/presentationml/2006/main">
+  <p:cSld>
+    <p:spTree>
+      <p:nvGrpSpPr>
+        <p:cNvPr id="1" name=""/>
+        <p:cNvGrpSpPr/>
+        <p:nvPr/>
+      </p:nvGrpSpPr>
+      <p:grpSpPr>
+        <a:xfrm>
+          <a:off x="0" y="0"/>
+          <a:ext cx="0" cy="0"/>
+          <a:chOff x="0" y="0"/>
+          <a:chExt cx="0" cy="0"/>
+        </a:xfrm>
+      </p:grpSpPr>
+      <p:sp>
+        <p:nvSpPr>
+          <p:cNvPr id="2" name="Title 1"/>
+          <p:cNvSpPr>
+            <a:spLocks noGrp="1"/>
+          </p:cNvSpPr>
+          <p:nvPr>
+            <p:ph type="title"/>
+          </p:nvPr>
+        </p:nvSpPr>
+        <p:spPr/>
+        <p:txBody>
+          <a:bodyPr/>
+          <a:lstStyle/>
+          <a:p>
+            <a:r>
+              <a:rPr lang="de-DE" dirty="0" smtClean="0"/>
+              <a:t>Website</a:t>
+            </a:r>
+            <a:endParaRPr lang="en-US" dirty="0"/>
+          </a:p>
+        </p:txBody>
+      </p:sp>
+      <p:sp>
+        <p:nvSpPr>
+          <p:cNvPr id="3" name="Content Placeholder 2"/>
+          <p:cNvSpPr>
+            <a:spLocks noGrp="1"/>
+          </p:cNvSpPr>
+          <p:nvPr>
+            <p:ph idx="1"/>
+          </p:nvPr>
+        </p:nvSpPr>
+        <p:spPr/>
+        <p:txBody>
+          <a:bodyPr/>
+          <a:lstStyle/>
+          <a:p>
+            <a:r>
+              <a:rPr lang="en-US" dirty="0"/>
+              <a:t>http://bambugms.github.io/Industry-Analysis-Report/</a:t>
+            </a:r>
+          </a:p>
+        </p:txBody>
+      </p:sp>
+      <p:sp>
+        <p:nvSpPr>
+          <p:cNvPr id="4" name="Footer Placeholder 3"/>
+          <p:cNvSpPr>
+            <a:spLocks noGrp="1"/>
+          </p:cNvSpPr>
+          <p:nvPr>
+            <p:ph type="ftr" sz="quarter" idx="11"/>
+          </p:nvPr>
+        </p:nvSpPr>
+        <p:spPr/>
+        <p:txBody>
+          <a:bodyPr/>
+          <a:lstStyle/>
+          <a:p>
+            <a:r>
+              <a:rPr lang="fr-FR" smtClean="0"/>
+              <a:t>Bambu - 17.06.2015</a:t>
+            </a:r>
+            <a:endParaRPr lang="fr-FR"/>
+          </a:p>
+        </p:txBody>
+      </p:sp>
+      <p:sp>
+        <p:nvSpPr>
+          <p:cNvPr id="5" name="Slide Number Placeholder 4"/>
+          <p:cNvSpPr>
+            <a:spLocks noGrp="1"/>
+          </p:cNvSpPr>
+          <p:nvPr>
+            <p:ph type="sldNum" sz="quarter" idx="12"/>
+          </p:nvPr>
+        </p:nvSpPr>
+        <p:spPr/>
+        <p:txBody>
+          <a:bodyPr/>
+          <a:lstStyle/>
+          <a:p>
+            <a:fld id="{D376626B-8044-4126-A03C-8C0AE257EC41}" type="slidenum">
+              <a:rPr lang="fr-FR" smtClean="0"/>
+              <a:t>7</a:t>
+            </a:fld>
+            <a:endParaRPr lang="fr-FR"/>
+          </a:p>
+        </p:txBody>
+      </p:sp>
+      <p:pic>
+        <p:nvPicPr>
+          <p:cNvPr id="6" name="Picture 5"/>
+          <p:cNvPicPr>
+            <a:picLocks noChangeAspect="1"/>
+          </p:cNvPicPr>
+          <p:nvPr/>
+        </p:nvPicPr>
+        <p:blipFill>
+          <a:blip r:embed="rId2"/>
+          <a:stretch>
+            <a:fillRect/>
+          </a:stretch>
+        </p:blipFill>
+        <p:spPr>
+          <a:xfrm>
+            <a:off x="2830286" y="2359859"/>
+            <a:ext cx="7339466" cy="3804586"/>
+          </a:xfrm>
+          <a:prstGeom prst="rect">
+            <a:avLst/>
+          </a:prstGeom>
+        </p:spPr>
+      </p:pic>
+    </p:spTree>
+    <p:extLst>
+      <p:ext uri="{BB962C8B-B14F-4D97-AF65-F5344CB8AC3E}">
+        <p14:creationId xmlns:p14="http://schemas.microsoft.com/office/powerpoint/2010/main" val="2326599382"/>
+      </p:ext>
+    </p:extLst>
+  </p:cSld>
+  <p:clrMapOvr>
+    <a:masterClrMapping/>
+  </p:clrMapOvr>
+</p:sld>
+</file>
+
+<file path=ppt/slides/slide8.xml><?xml version="1.0" encoding="utf-8"?>
+<p:sld xmlns:a="http://schemas.openxmlformats.org/drawingml/2006/main" xmlns:r="http://schemas.openxmlformats.org/officeDocument/2006/relationships" xmlns:p="http://schemas.openxmlformats.org/presentationml/2006/main">
+  <p:cSld>
+    <p:spTree>
+      <p:nvGrpSpPr>
+        <p:cNvPr id="1" name=""/>
+        <p:cNvGrpSpPr/>
+        <p:nvPr/>
+      </p:nvGrpSpPr>
+      <p:grpSpPr>
+        <a:xfrm>
+          <a:off x="0" y="0"/>
+          <a:ext cx="0" cy="0"/>
+          <a:chOff x="0" y="0"/>
+          <a:chExt cx="0" cy="0"/>
+        </a:xfrm>
+      </p:grpSpPr>
+      <p:sp>
+        <p:nvSpPr>
+          <p:cNvPr id="2" name="Titre 1"/>
+          <p:cNvSpPr>
+            <a:spLocks noGrp="1"/>
+          </p:cNvSpPr>
+          <p:nvPr>
+            <p:ph type="title"/>
+          </p:nvPr>
+        </p:nvSpPr>
+        <p:spPr/>
+        <p:txBody>
+          <a:bodyPr/>
+          <a:lstStyle/>
+          <a:p>
+            <a:r>
               <a:rPr lang="fr-FR" dirty="0" smtClean="0"/>
               <a:t>WORK PROCESS</a:t>
             </a:r>
@@ -13622,9 +14092,9 @@
           <a:p>
             <a:r>
               <a:rPr lang="fr-FR" smtClean="0"/>
-              <a:t>Banmbu - 20/05/2015</a:t>
-            </a:r>
-            <a:endParaRPr lang="fr-FR"/>
+              <a:t>Bambu - 17.06.2015</a:t>
+            </a:r>
+            <a:endParaRPr lang="fr-FR" dirty="0"/>
           </a:p>
         </p:txBody>
       </p:sp>
@@ -13645,7 +14115,7 @@
           <a:p>
             <a:fld id="{D376626B-8044-4126-A03C-8C0AE257EC41}" type="slidenum">
               <a:rPr lang="fr-FR" smtClean="0"/>
-              <a:t>6</a:t>
+              <a:t>8</a:t>
             </a:fld>
             <a:endParaRPr lang="fr-FR"/>
           </a:p>
@@ -13737,113 +14207,34 @@
           </a:p>
         </p:txBody>
       </p:sp>
-    </p:spTree>
-    <p:extLst>
-      <p:ext uri="{BB962C8B-B14F-4D97-AF65-F5344CB8AC3E}">
-        <p14:creationId xmlns:p14="http://schemas.microsoft.com/office/powerpoint/2010/main" val="2466803531"/>
-      </p:ext>
-    </p:extLst>
-  </p:cSld>
-  <p:clrMapOvr>
-    <a:masterClrMapping/>
-  </p:clrMapOvr>
-</p:sld>
-</file>
-
-<file path=ppt/slides/slide7.xml><?xml version="1.0" encoding="utf-8"?>
-<p:sld xmlns:a="http://schemas.openxmlformats.org/drawingml/2006/main" xmlns:r="http://schemas.openxmlformats.org/officeDocument/2006/relationships" xmlns:p="http://schemas.openxmlformats.org/presentationml/2006/main">
-  <p:cSld>
-    <p:spTree>
-      <p:nvGrpSpPr>
-        <p:cNvPr id="1" name=""/>
-        <p:cNvGrpSpPr/>
-        <p:nvPr/>
-      </p:nvGrpSpPr>
-      <p:grpSpPr>
-        <a:xfrm>
-          <a:off x="0" y="0"/>
-          <a:ext cx="0" cy="0"/>
-          <a:chOff x="0" y="0"/>
-          <a:chExt cx="0" cy="0"/>
-        </a:xfrm>
-      </p:grpSpPr>
       <p:sp>
         <p:nvSpPr>
-          <p:cNvPr id="2" name="Title 1"/>
-          <p:cNvSpPr>
-            <a:spLocks noGrp="1"/>
-          </p:cNvSpPr>
-          <p:nvPr>
-            <p:ph type="ctrTitle"/>
-          </p:nvPr>
-        </p:nvSpPr>
-        <p:spPr/>
-        <p:txBody>
-          <a:bodyPr>
-            <a:normAutofit/>
-          </a:bodyPr>
-          <a:lstStyle/>
-          <a:p>
-            <a:pPr algn="ctr"/>
-            <a:r>
-              <a:rPr lang="en-US" sz="6000" i="1" dirty="0" smtClean="0"/>
-              <a:t>THANK YOU FOR YOUR ATTENTION!</a:t>
-            </a:r>
-            <a:endParaRPr lang="en-US" sz="6000" i="1" dirty="0"/>
-          </a:p>
-        </p:txBody>
-      </p:sp>
-      <p:sp>
-        <p:nvSpPr>
-          <p:cNvPr id="3" name="Subtitle 2"/>
-          <p:cNvSpPr>
-            <a:spLocks noGrp="1"/>
-          </p:cNvSpPr>
-          <p:nvPr>
-            <p:ph type="subTitle" idx="1"/>
-          </p:nvPr>
-        </p:nvSpPr>
-        <p:spPr/>
-        <p:txBody>
-          <a:bodyPr/>
-          <a:lstStyle/>
-          <a:p>
-            <a:pPr algn="ctr"/>
-            <a:r>
-              <a:rPr lang="en-US" dirty="0" smtClean="0"/>
-              <a:t>Feel free to ask questions if you have some.</a:t>
-            </a:r>
-            <a:endParaRPr lang="en-US" dirty="0"/>
-          </a:p>
-        </p:txBody>
-      </p:sp>
-      <p:sp>
-        <p:nvSpPr>
-          <p:cNvPr id="4" name="Rectangle 3"/>
-          <p:cNvSpPr>
-            <a:spLocks noChangeAspect="1"/>
-          </p:cNvSpPr>
+          <p:cNvPr id="7" name="Line Callout 3 (Accent Bar) 6"/>
+          <p:cNvSpPr/>
           <p:nvPr/>
         </p:nvSpPr>
         <p:spPr>
           <a:xfrm>
-            <a:off x="1407474" y="-288109"/>
-            <a:ext cx="9601301" cy="4778518"/>
+            <a:off x="1019331" y="1882203"/>
+            <a:ext cx="1678899" cy="998919"/>
           </a:xfrm>
-          <a:prstGeom prst="rect">
-            <a:avLst/>
+          <a:prstGeom prst="accentCallout3">
+            <a:avLst>
+              <a:gd name="adj1" fmla="val 18750"/>
+              <a:gd name="adj2" fmla="val -8333"/>
+              <a:gd name="adj3" fmla="val 18750"/>
+              <a:gd name="adj4" fmla="val -16667"/>
+              <a:gd name="adj5" fmla="val 100000"/>
+              <a:gd name="adj6" fmla="val -16667"/>
+              <a:gd name="adj7" fmla="val 216543"/>
+              <a:gd name="adj8" fmla="val 36838"/>
+            </a:avLst>
           </a:prstGeom>
-          <a:blipFill dpi="0" rotWithShape="1">
-            <a:blip r:embed="rId2">
-              <a:alphaModFix amt="5000"/>
-            </a:blip>
-            <a:srcRect/>
-            <a:stretch>
-              <a:fillRect/>
-            </a:stretch>
-          </a:blipFill>
+          <a:noFill/>
           <a:ln>
-            <a:noFill/>
+            <a:solidFill>
+              <a:schemeClr val="accent2"/>
+            </a:solidFill>
           </a:ln>
         </p:spPr>
         <p:style>
@@ -13867,7 +14258,767 @@
           <a:lstStyle/>
           <a:p>
             <a:pPr algn="ctr"/>
-            <a:endParaRPr lang="de-DE"/>
+            <a:r>
+              <a:rPr lang="de-DE" dirty="0" smtClean="0">
+                <a:solidFill>
+                  <a:sysClr val="windowText" lastClr="000000"/>
+                </a:solidFill>
+              </a:rPr>
+              <a:t>First </a:t>
+            </a:r>
+            <a:r>
+              <a:rPr lang="de-DE" dirty="0" err="1" smtClean="0">
+                <a:solidFill>
+                  <a:sysClr val="windowText" lastClr="000000"/>
+                </a:solidFill>
+              </a:rPr>
+              <a:t>class</a:t>
+            </a:r>
+            <a:r>
+              <a:rPr lang="de-DE" dirty="0" smtClean="0">
+                <a:solidFill>
+                  <a:sysClr val="windowText" lastClr="000000"/>
+                </a:solidFill>
+              </a:rPr>
+              <a:t>, </a:t>
+            </a:r>
+            <a:r>
+              <a:rPr lang="de-DE" dirty="0" err="1" smtClean="0">
+                <a:solidFill>
+                  <a:sysClr val="windowText" lastClr="000000"/>
+                </a:solidFill>
+              </a:rPr>
+              <a:t>group</a:t>
+            </a:r>
+            <a:r>
+              <a:rPr lang="de-DE" dirty="0" smtClean="0">
+                <a:solidFill>
+                  <a:sysClr val="windowText" lastClr="000000"/>
+                </a:solidFill>
+              </a:rPr>
+              <a:t> </a:t>
+            </a:r>
+            <a:r>
+              <a:rPr lang="de-DE" dirty="0" err="1" smtClean="0">
+                <a:solidFill>
+                  <a:sysClr val="windowText" lastClr="000000"/>
+                </a:solidFill>
+              </a:rPr>
+              <a:t>building</a:t>
+            </a:r>
+            <a:r>
+              <a:rPr lang="de-DE" dirty="0" smtClean="0">
+                <a:solidFill>
+                  <a:sysClr val="windowText" lastClr="000000"/>
+                </a:solidFill>
+              </a:rPr>
+              <a:t>, Kick off,</a:t>
+            </a:r>
+          </a:p>
+          <a:p>
+            <a:pPr algn="ctr"/>
+            <a:r>
+              <a:rPr lang="de-DE" dirty="0" err="1" smtClean="0">
+                <a:solidFill>
+                  <a:sysClr val="windowText" lastClr="000000"/>
+                </a:solidFill>
+              </a:rPr>
+              <a:t>Finding</a:t>
+            </a:r>
+            <a:r>
+              <a:rPr lang="de-DE" dirty="0" smtClean="0">
+                <a:solidFill>
+                  <a:sysClr val="windowText" lastClr="000000"/>
+                </a:solidFill>
+              </a:rPr>
+              <a:t> a </a:t>
+            </a:r>
+            <a:r>
+              <a:rPr lang="de-DE" dirty="0" err="1" smtClean="0">
+                <a:solidFill>
+                  <a:sysClr val="windowText" lastClr="000000"/>
+                </a:solidFill>
+              </a:rPr>
+              <a:t>topic</a:t>
+            </a:r>
+            <a:endParaRPr lang="en-US" dirty="0">
+              <a:solidFill>
+                <a:sysClr val="windowText" lastClr="000000"/>
+              </a:solidFill>
+            </a:endParaRPr>
+          </a:p>
+        </p:txBody>
+      </p:sp>
+      <p:sp>
+        <p:nvSpPr>
+          <p:cNvPr id="8" name="Line Callout 3 (Accent Bar) 7"/>
+          <p:cNvSpPr/>
+          <p:nvPr/>
+        </p:nvSpPr>
+        <p:spPr>
+          <a:xfrm>
+            <a:off x="3639842" y="1882203"/>
+            <a:ext cx="1678899" cy="998919"/>
+          </a:xfrm>
+          <a:prstGeom prst="accentCallout3">
+            <a:avLst>
+              <a:gd name="adj1" fmla="val 18750"/>
+              <a:gd name="adj2" fmla="val -8333"/>
+              <a:gd name="adj3" fmla="val 18750"/>
+              <a:gd name="adj4" fmla="val -16667"/>
+              <a:gd name="adj5" fmla="val 100000"/>
+              <a:gd name="adj6" fmla="val -16667"/>
+              <a:gd name="adj7" fmla="val 225213"/>
+              <a:gd name="adj8" fmla="val -65726"/>
+            </a:avLst>
+          </a:prstGeom>
+          <a:noFill/>
+          <a:ln>
+            <a:solidFill>
+              <a:schemeClr val="accent2"/>
+            </a:solidFill>
+          </a:ln>
+        </p:spPr>
+        <p:style>
+          <a:lnRef idx="2">
+            <a:schemeClr val="accent1">
+              <a:shade val="50000"/>
+            </a:schemeClr>
+          </a:lnRef>
+          <a:fillRef idx="1">
+            <a:schemeClr val="accent1"/>
+          </a:fillRef>
+          <a:effectRef idx="0">
+            <a:schemeClr val="accent1"/>
+          </a:effectRef>
+          <a:fontRef idx="minor">
+            <a:schemeClr val="lt1"/>
+          </a:fontRef>
+        </p:style>
+        <p:txBody>
+          <a:bodyPr rtlCol="0" anchor="ctr"/>
+          <a:lstStyle/>
+          <a:p>
+            <a:pPr algn="ctr"/>
+            <a:r>
+              <a:rPr lang="de-DE" dirty="0" err="1" smtClean="0">
+                <a:solidFill>
+                  <a:sysClr val="windowText" lastClr="000000"/>
+                </a:solidFill>
+              </a:rPr>
+              <a:t>Assigned</a:t>
+            </a:r>
+            <a:r>
+              <a:rPr lang="de-DE" dirty="0" smtClean="0">
+                <a:solidFill>
+                  <a:sysClr val="windowText" lastClr="000000"/>
+                </a:solidFill>
+              </a:rPr>
+              <a:t> a </a:t>
+            </a:r>
+            <a:r>
+              <a:rPr lang="de-DE" dirty="0" err="1" smtClean="0">
+                <a:solidFill>
+                  <a:sysClr val="windowText" lastClr="000000"/>
+                </a:solidFill>
+              </a:rPr>
+              <a:t>new</a:t>
+            </a:r>
+            <a:r>
+              <a:rPr lang="de-DE" dirty="0" smtClean="0">
+                <a:solidFill>
+                  <a:sysClr val="windowText" lastClr="000000"/>
+                </a:solidFill>
+              </a:rPr>
+              <a:t> </a:t>
+            </a:r>
+            <a:r>
+              <a:rPr lang="de-DE" dirty="0" err="1" smtClean="0">
+                <a:solidFill>
+                  <a:sysClr val="windowText" lastClr="000000"/>
+                </a:solidFill>
+              </a:rPr>
+              <a:t>teammember</a:t>
+            </a:r>
+            <a:endParaRPr lang="en-US" dirty="0">
+              <a:solidFill>
+                <a:sysClr val="windowText" lastClr="000000"/>
+              </a:solidFill>
+            </a:endParaRPr>
+          </a:p>
+        </p:txBody>
+      </p:sp>
+      <p:sp>
+        <p:nvSpPr>
+          <p:cNvPr id="9" name="Line Callout 3 (Accent Bar) 8"/>
+          <p:cNvSpPr/>
+          <p:nvPr/>
+        </p:nvSpPr>
+        <p:spPr>
+          <a:xfrm>
+            <a:off x="9061015" y="1787367"/>
+            <a:ext cx="1678899" cy="998919"/>
+          </a:xfrm>
+          <a:prstGeom prst="accentCallout3">
+            <a:avLst>
+              <a:gd name="adj1" fmla="val 18750"/>
+              <a:gd name="adj2" fmla="val -8333"/>
+              <a:gd name="adj3" fmla="val 18750"/>
+              <a:gd name="adj4" fmla="val -16667"/>
+              <a:gd name="adj5" fmla="val 100000"/>
+              <a:gd name="adj6" fmla="val -16667"/>
+              <a:gd name="adj7" fmla="val 226761"/>
+              <a:gd name="adj8" fmla="val -16847"/>
+            </a:avLst>
+          </a:prstGeom>
+          <a:noFill/>
+          <a:ln>
+            <a:solidFill>
+              <a:schemeClr val="accent2"/>
+            </a:solidFill>
+          </a:ln>
+        </p:spPr>
+        <p:style>
+          <a:lnRef idx="2">
+            <a:schemeClr val="accent1">
+              <a:shade val="50000"/>
+            </a:schemeClr>
+          </a:lnRef>
+          <a:fillRef idx="1">
+            <a:schemeClr val="accent1"/>
+          </a:fillRef>
+          <a:effectRef idx="0">
+            <a:schemeClr val="accent1"/>
+          </a:effectRef>
+          <a:fontRef idx="minor">
+            <a:schemeClr val="lt1"/>
+          </a:fontRef>
+        </p:style>
+        <p:txBody>
+          <a:bodyPr rtlCol="0" anchor="ctr"/>
+          <a:lstStyle/>
+          <a:p>
+            <a:pPr algn="ctr"/>
+            <a:r>
+              <a:rPr lang="de-DE" dirty="0" err="1" smtClean="0">
+                <a:solidFill>
+                  <a:sysClr val="windowText" lastClr="000000"/>
+                </a:solidFill>
+              </a:rPr>
+              <a:t>Assigned</a:t>
+            </a:r>
+            <a:r>
+              <a:rPr lang="de-DE" dirty="0" smtClean="0">
+                <a:solidFill>
+                  <a:sysClr val="windowText" lastClr="000000"/>
+                </a:solidFill>
+              </a:rPr>
+              <a:t> </a:t>
+            </a:r>
+            <a:r>
+              <a:rPr lang="de-DE" dirty="0" err="1" smtClean="0">
+                <a:solidFill>
+                  <a:sysClr val="windowText" lastClr="000000"/>
+                </a:solidFill>
+              </a:rPr>
+              <a:t>teammember</a:t>
+            </a:r>
+            <a:r>
+              <a:rPr lang="de-DE" dirty="0" smtClean="0">
+                <a:solidFill>
+                  <a:sysClr val="windowText" lastClr="000000"/>
+                </a:solidFill>
+              </a:rPr>
+              <a:t> </a:t>
+            </a:r>
+            <a:r>
+              <a:rPr lang="de-DE" dirty="0" err="1" smtClean="0">
+                <a:solidFill>
+                  <a:sysClr val="windowText" lastClr="000000"/>
+                </a:solidFill>
+              </a:rPr>
+              <a:t>drops</a:t>
+            </a:r>
+            <a:r>
+              <a:rPr lang="de-DE" dirty="0" smtClean="0">
+                <a:solidFill>
+                  <a:sysClr val="windowText" lastClr="000000"/>
+                </a:solidFill>
+              </a:rPr>
+              <a:t> </a:t>
+            </a:r>
+            <a:r>
+              <a:rPr lang="de-DE" dirty="0" err="1" smtClean="0">
+                <a:solidFill>
+                  <a:sysClr val="windowText" lastClr="000000"/>
+                </a:solidFill>
+              </a:rPr>
+              <a:t>class</a:t>
+            </a:r>
+            <a:endParaRPr lang="en-US" dirty="0">
+              <a:solidFill>
+                <a:sysClr val="windowText" lastClr="000000"/>
+              </a:solidFill>
+            </a:endParaRPr>
+          </a:p>
+        </p:txBody>
+      </p:sp>
+      <p:sp>
+        <p:nvSpPr>
+          <p:cNvPr id="10" name="Line Callout 3 (Accent Bar) 9"/>
+          <p:cNvSpPr/>
+          <p:nvPr/>
+        </p:nvSpPr>
+        <p:spPr>
+          <a:xfrm>
+            <a:off x="4581455" y="5203460"/>
+            <a:ext cx="1678899" cy="998919"/>
+          </a:xfrm>
+          <a:prstGeom prst="accentCallout3">
+            <a:avLst>
+              <a:gd name="adj1" fmla="val 18750"/>
+              <a:gd name="adj2" fmla="val -8333"/>
+              <a:gd name="adj3" fmla="val 18750"/>
+              <a:gd name="adj4" fmla="val -16667"/>
+              <a:gd name="adj5" fmla="val -48564"/>
+              <a:gd name="adj6" fmla="val -16667"/>
+              <a:gd name="adj7" fmla="val -146613"/>
+              <a:gd name="adj8" fmla="val 38623"/>
+            </a:avLst>
+          </a:prstGeom>
+          <a:noFill/>
+          <a:ln>
+            <a:solidFill>
+              <a:schemeClr val="accent2"/>
+            </a:solidFill>
+          </a:ln>
+        </p:spPr>
+        <p:style>
+          <a:lnRef idx="2">
+            <a:schemeClr val="accent1">
+              <a:shade val="50000"/>
+            </a:schemeClr>
+          </a:lnRef>
+          <a:fillRef idx="1">
+            <a:schemeClr val="accent1"/>
+          </a:fillRef>
+          <a:effectRef idx="0">
+            <a:schemeClr val="accent1"/>
+          </a:effectRef>
+          <a:fontRef idx="minor">
+            <a:schemeClr val="lt1"/>
+          </a:fontRef>
+        </p:style>
+        <p:txBody>
+          <a:bodyPr rtlCol="0" anchor="ctr"/>
+          <a:lstStyle/>
+          <a:p>
+            <a:pPr algn="ctr"/>
+            <a:r>
+              <a:rPr lang="de-DE" dirty="0" smtClean="0">
+                <a:solidFill>
+                  <a:sysClr val="windowText" lastClr="000000"/>
+                </a:solidFill>
+              </a:rPr>
+              <a:t>First internal </a:t>
+            </a:r>
+            <a:r>
+              <a:rPr lang="de-DE" dirty="0" err="1" smtClean="0">
+                <a:solidFill>
+                  <a:sysClr val="windowText" lastClr="000000"/>
+                </a:solidFill>
+              </a:rPr>
+              <a:t>deadline</a:t>
+            </a:r>
+            <a:r>
+              <a:rPr lang="de-DE" dirty="0" smtClean="0">
+                <a:solidFill>
+                  <a:sysClr val="windowText" lastClr="000000"/>
+                </a:solidFill>
+              </a:rPr>
+              <a:t> „</a:t>
+            </a:r>
+            <a:r>
+              <a:rPr lang="de-DE" dirty="0" err="1" smtClean="0">
+                <a:solidFill>
+                  <a:sysClr val="windowText" lastClr="000000"/>
+                </a:solidFill>
+              </a:rPr>
+              <a:t>data</a:t>
+            </a:r>
+            <a:r>
+              <a:rPr lang="de-DE" dirty="0" smtClean="0">
+                <a:solidFill>
+                  <a:sysClr val="windowText" lastClr="000000"/>
+                </a:solidFill>
+              </a:rPr>
+              <a:t> </a:t>
+            </a:r>
+            <a:r>
+              <a:rPr lang="de-DE" dirty="0" err="1" smtClean="0">
+                <a:solidFill>
+                  <a:sysClr val="windowText" lastClr="000000"/>
+                </a:solidFill>
+              </a:rPr>
+              <a:t>research</a:t>
+            </a:r>
+            <a:endParaRPr lang="en-US" dirty="0">
+              <a:solidFill>
+                <a:sysClr val="windowText" lastClr="000000"/>
+              </a:solidFill>
+            </a:endParaRPr>
+          </a:p>
+        </p:txBody>
+      </p:sp>
+      <p:sp>
+        <p:nvSpPr>
+          <p:cNvPr id="11" name="Line Callout 3 (Accent Bar) 10"/>
+          <p:cNvSpPr/>
+          <p:nvPr/>
+        </p:nvSpPr>
+        <p:spPr>
+          <a:xfrm>
+            <a:off x="6260354" y="1882203"/>
+            <a:ext cx="1678899" cy="998919"/>
+          </a:xfrm>
+          <a:prstGeom prst="accentCallout3">
+            <a:avLst>
+              <a:gd name="adj1" fmla="val 18750"/>
+              <a:gd name="adj2" fmla="val -8333"/>
+              <a:gd name="adj3" fmla="val 18750"/>
+              <a:gd name="adj4" fmla="val -16667"/>
+              <a:gd name="adj5" fmla="val 100000"/>
+              <a:gd name="adj6" fmla="val -16667"/>
+              <a:gd name="adj7" fmla="val 245055"/>
+              <a:gd name="adj8" fmla="val 3802"/>
+            </a:avLst>
+          </a:prstGeom>
+          <a:noFill/>
+          <a:ln>
+            <a:solidFill>
+              <a:schemeClr val="accent2"/>
+            </a:solidFill>
+          </a:ln>
+        </p:spPr>
+        <p:style>
+          <a:lnRef idx="2">
+            <a:schemeClr val="accent1">
+              <a:shade val="50000"/>
+            </a:schemeClr>
+          </a:lnRef>
+          <a:fillRef idx="1">
+            <a:schemeClr val="accent1"/>
+          </a:fillRef>
+          <a:effectRef idx="0">
+            <a:schemeClr val="accent1"/>
+          </a:effectRef>
+          <a:fontRef idx="minor">
+            <a:schemeClr val="lt1"/>
+          </a:fontRef>
+        </p:style>
+        <p:txBody>
+          <a:bodyPr rtlCol="0" anchor="ctr"/>
+          <a:lstStyle/>
+          <a:p>
+            <a:pPr algn="ctr"/>
+            <a:r>
+              <a:rPr lang="de-DE" dirty="0" err="1" smtClean="0">
+                <a:solidFill>
+                  <a:sysClr val="windowText" lastClr="000000"/>
+                </a:solidFill>
+              </a:rPr>
+              <a:t>Midterms</a:t>
+            </a:r>
+            <a:r>
+              <a:rPr lang="de-DE" dirty="0" smtClean="0">
+                <a:solidFill>
+                  <a:sysClr val="windowText" lastClr="000000"/>
+                </a:solidFill>
+              </a:rPr>
+              <a:t> </a:t>
+            </a:r>
+            <a:r>
+              <a:rPr lang="de-DE" dirty="0" err="1" smtClean="0">
+                <a:solidFill>
+                  <a:sysClr val="windowText" lastClr="000000"/>
+                </a:solidFill>
+              </a:rPr>
+              <a:t>and</a:t>
+            </a:r>
+            <a:r>
+              <a:rPr lang="de-DE" dirty="0" smtClean="0">
+                <a:solidFill>
+                  <a:sysClr val="windowText" lastClr="000000"/>
+                </a:solidFill>
+              </a:rPr>
+              <a:t> May </a:t>
+            </a:r>
+            <a:r>
+              <a:rPr lang="de-DE" dirty="0" err="1" smtClean="0">
+                <a:solidFill>
+                  <a:sysClr val="windowText" lastClr="000000"/>
+                </a:solidFill>
+              </a:rPr>
+              <a:t>holiday</a:t>
+            </a:r>
+            <a:endParaRPr lang="en-US" dirty="0">
+              <a:solidFill>
+                <a:sysClr val="windowText" lastClr="000000"/>
+              </a:solidFill>
+            </a:endParaRPr>
+          </a:p>
+        </p:txBody>
+      </p:sp>
+      <p:sp>
+        <p:nvSpPr>
+          <p:cNvPr id="13" name="Line Callout 3 (Accent Bar) 12"/>
+          <p:cNvSpPr/>
+          <p:nvPr/>
+        </p:nvSpPr>
+        <p:spPr>
+          <a:xfrm flipH="1">
+            <a:off x="8631723" y="5203460"/>
+            <a:ext cx="1573541" cy="998919"/>
+          </a:xfrm>
+          <a:prstGeom prst="accentCallout3">
+            <a:avLst>
+              <a:gd name="adj1" fmla="val 18750"/>
+              <a:gd name="adj2" fmla="val -8333"/>
+              <a:gd name="adj3" fmla="val 18750"/>
+              <a:gd name="adj4" fmla="val -16667"/>
+              <a:gd name="adj5" fmla="val -48564"/>
+              <a:gd name="adj6" fmla="val -16667"/>
+              <a:gd name="adj7" fmla="val -91399"/>
+              <a:gd name="adj8" fmla="val -22977"/>
+            </a:avLst>
+          </a:prstGeom>
+          <a:noFill/>
+          <a:ln>
+            <a:solidFill>
+              <a:schemeClr val="accent2"/>
+            </a:solidFill>
+          </a:ln>
+        </p:spPr>
+        <p:style>
+          <a:lnRef idx="2">
+            <a:schemeClr val="accent1">
+              <a:shade val="50000"/>
+            </a:schemeClr>
+          </a:lnRef>
+          <a:fillRef idx="1">
+            <a:schemeClr val="accent1"/>
+          </a:fillRef>
+          <a:effectRef idx="0">
+            <a:schemeClr val="accent1"/>
+          </a:effectRef>
+          <a:fontRef idx="minor">
+            <a:schemeClr val="lt1"/>
+          </a:fontRef>
+        </p:style>
+        <p:txBody>
+          <a:bodyPr rtlCol="0" anchor="ctr"/>
+          <a:lstStyle/>
+          <a:p>
+            <a:pPr algn="ctr"/>
+            <a:r>
+              <a:rPr lang="de-DE" dirty="0" smtClean="0">
+                <a:solidFill>
+                  <a:sysClr val="windowText" lastClr="000000"/>
+                </a:solidFill>
+              </a:rPr>
+              <a:t>Final internal </a:t>
+            </a:r>
+            <a:r>
+              <a:rPr lang="de-DE" dirty="0" err="1" smtClean="0">
+                <a:solidFill>
+                  <a:sysClr val="windowText" lastClr="000000"/>
+                </a:solidFill>
+              </a:rPr>
+              <a:t>deadline</a:t>
+            </a:r>
+            <a:r>
+              <a:rPr lang="de-DE" dirty="0" smtClean="0">
+                <a:solidFill>
+                  <a:sysClr val="windowText" lastClr="000000"/>
+                </a:solidFill>
+              </a:rPr>
+              <a:t> </a:t>
+            </a:r>
+            <a:r>
+              <a:rPr lang="de-DE" dirty="0" err="1" smtClean="0">
+                <a:solidFill>
+                  <a:sysClr val="windowText" lastClr="000000"/>
+                </a:solidFill>
+              </a:rPr>
+              <a:t>for</a:t>
+            </a:r>
+            <a:r>
+              <a:rPr lang="de-DE" dirty="0" smtClean="0">
+                <a:solidFill>
+                  <a:sysClr val="windowText" lastClr="000000"/>
+                </a:solidFill>
+              </a:rPr>
+              <a:t> </a:t>
+            </a:r>
+            <a:r>
+              <a:rPr lang="de-DE" dirty="0" err="1" smtClean="0">
+                <a:solidFill>
+                  <a:sysClr val="windowText" lastClr="000000"/>
+                </a:solidFill>
+              </a:rPr>
+              <a:t>finishing</a:t>
+            </a:r>
+            <a:r>
+              <a:rPr lang="de-DE" dirty="0" smtClean="0">
+                <a:solidFill>
+                  <a:sysClr val="windowText" lastClr="000000"/>
+                </a:solidFill>
+              </a:rPr>
+              <a:t> </a:t>
+            </a:r>
+            <a:r>
+              <a:rPr lang="de-DE" dirty="0" err="1" smtClean="0">
+                <a:solidFill>
+                  <a:sysClr val="windowText" lastClr="000000"/>
+                </a:solidFill>
+              </a:rPr>
+              <a:t>the</a:t>
+            </a:r>
+            <a:r>
+              <a:rPr lang="de-DE" dirty="0" smtClean="0">
+                <a:solidFill>
+                  <a:sysClr val="windowText" lastClr="000000"/>
+                </a:solidFill>
+              </a:rPr>
+              <a:t> </a:t>
+            </a:r>
+            <a:r>
+              <a:rPr lang="de-DE" dirty="0" err="1" smtClean="0">
+                <a:solidFill>
+                  <a:sysClr val="windowText" lastClr="000000"/>
+                </a:solidFill>
+              </a:rPr>
+              <a:t>report</a:t>
+            </a:r>
+            <a:endParaRPr lang="de-DE" dirty="0" smtClean="0">
+              <a:solidFill>
+                <a:sysClr val="windowText" lastClr="000000"/>
+              </a:solidFill>
+            </a:endParaRPr>
+          </a:p>
+        </p:txBody>
+      </p:sp>
+    </p:spTree>
+    <p:extLst>
+      <p:ext uri="{BB962C8B-B14F-4D97-AF65-F5344CB8AC3E}">
+        <p14:creationId xmlns:p14="http://schemas.microsoft.com/office/powerpoint/2010/main" val="2466803531"/>
+      </p:ext>
+    </p:extLst>
+  </p:cSld>
+  <p:clrMapOvr>
+    <a:masterClrMapping/>
+  </p:clrMapOvr>
+</p:sld>
+</file>
+
+<file path=ppt/slides/slide9.xml><?xml version="1.0" encoding="utf-8"?>
+<p:sld xmlns:a="http://schemas.openxmlformats.org/drawingml/2006/main" xmlns:r="http://schemas.openxmlformats.org/officeDocument/2006/relationships" xmlns:p="http://schemas.openxmlformats.org/presentationml/2006/main">
+  <p:cSld>
+    <p:spTree>
+      <p:nvGrpSpPr>
+        <p:cNvPr id="1" name=""/>
+        <p:cNvGrpSpPr/>
+        <p:nvPr/>
+      </p:nvGrpSpPr>
+      <p:grpSpPr>
+        <a:xfrm>
+          <a:off x="0" y="0"/>
+          <a:ext cx="0" cy="0"/>
+          <a:chOff x="0" y="0"/>
+          <a:chExt cx="0" cy="0"/>
+        </a:xfrm>
+      </p:grpSpPr>
+      <p:pic>
+        <p:nvPicPr>
+          <p:cNvPr id="8" name="Picture 7"/>
+          <p:cNvPicPr>
+            <a:picLocks noChangeAspect="1"/>
+          </p:cNvPicPr>
+          <p:nvPr/>
+        </p:nvPicPr>
+        <p:blipFill>
+          <a:blip r:embed="rId3">
+            <a:extLst>
+              <a:ext uri="{28A0092B-C50C-407E-A947-70E740481C1C}">
+                <a14:useLocalDpi xmlns:a14="http://schemas.microsoft.com/office/drawing/2010/main" val="0"/>
+              </a:ext>
+            </a:extLst>
+          </a:blip>
+          <a:stretch>
+            <a:fillRect/>
+          </a:stretch>
+        </p:blipFill>
+        <p:spPr>
+          <a:xfrm>
+            <a:off x="1406434" y="47753"/>
+            <a:ext cx="9440091" cy="4537766"/>
+          </a:xfrm>
+          <a:prstGeom prst="rect">
+            <a:avLst/>
+          </a:prstGeom>
+        </p:spPr>
+      </p:pic>
+      <p:sp>
+        <p:nvSpPr>
+          <p:cNvPr id="2" name="Title 1"/>
+          <p:cNvSpPr>
+            <a:spLocks noGrp="1"/>
+          </p:cNvSpPr>
+          <p:nvPr>
+            <p:ph type="ctrTitle"/>
+          </p:nvPr>
+        </p:nvSpPr>
+        <p:spPr/>
+        <p:txBody>
+          <a:bodyPr>
+            <a:normAutofit/>
+          </a:bodyPr>
+          <a:lstStyle/>
+          <a:p>
+            <a:pPr algn="ctr"/>
+            <a:r>
+              <a:rPr lang="en-US" sz="6000" i="1" dirty="0" smtClean="0"/>
+              <a:t>THANK YOU FOR YOUR ATTENTION!</a:t>
+            </a:r>
+            <a:endParaRPr lang="en-US" sz="6000" i="1" dirty="0"/>
+          </a:p>
+        </p:txBody>
+      </p:sp>
+      <p:sp>
+        <p:nvSpPr>
+          <p:cNvPr id="3" name="Subtitle 2"/>
+          <p:cNvSpPr>
+            <a:spLocks noGrp="1"/>
+          </p:cNvSpPr>
+          <p:nvPr>
+            <p:ph type="subTitle" idx="1"/>
+          </p:nvPr>
+        </p:nvSpPr>
+        <p:spPr/>
+        <p:txBody>
+          <a:bodyPr/>
+          <a:lstStyle/>
+          <a:p>
+            <a:pPr algn="ctr"/>
+            <a:r>
+              <a:rPr lang="en-US" dirty="0" smtClean="0"/>
+              <a:t>Feel free to ask </a:t>
+            </a:r>
+            <a:r>
+              <a:rPr lang="en-US" dirty="0" err="1" smtClean="0"/>
+              <a:t>questionS</a:t>
+            </a:r>
+            <a:endParaRPr lang="en-US" dirty="0"/>
           </a:p>
         </p:txBody>
       </p:sp>
@@ -13887,12 +15038,8 @@
           <a:lstStyle/>
           <a:p>
             <a:r>
-              <a:rPr lang="fr-FR" dirty="0" err="1" smtClean="0"/>
-              <a:t>Bambu</a:t>
-            </a:r>
-            <a:r>
-              <a:rPr lang="fr-FR" dirty="0" smtClean="0"/>
-              <a:t> - 17/06/2015</a:t>
+              <a:rPr lang="fr-FR" smtClean="0"/>
+              <a:t>Bambu - 17.06.2015</a:t>
             </a:r>
             <a:endParaRPr lang="fr-FR" dirty="0"/>
           </a:p>
@@ -13916,7 +15063,7 @@
             <a:fld id="{D376626B-8044-4126-A03C-8C0AE257EC41}" type="slidenum">
               <a:rPr lang="fr-FR" smtClean="0"/>
               <a:pPr/>
-              <a:t>7</a:t>
+              <a:t>9</a:t>
             </a:fld>
             <a:endParaRPr lang="fr-FR" dirty="0"/>
           </a:p>

--- a/Assignments/Presentations/2015.06.14_Presentation.pptx
+++ b/Assignments/Presentations/2015.06.14_Presentation.pptx
@@ -5,18 +5,17 @@
     <p:sldMasterId id="2147483696" r:id="rId1"/>
   </p:sldMasterIdLst>
   <p:notesMasterIdLst>
-    <p:notesMasterId r:id="rId11"/>
+    <p:notesMasterId r:id="rId10"/>
   </p:notesMasterIdLst>
   <p:sldIdLst>
     <p:sldId id="307" r:id="rId2"/>
     <p:sldId id="285" r:id="rId3"/>
     <p:sldId id="298" r:id="rId4"/>
-    <p:sldId id="301" r:id="rId5"/>
-    <p:sldId id="286" r:id="rId6"/>
-    <p:sldId id="303" r:id="rId7"/>
-    <p:sldId id="308" r:id="rId8"/>
-    <p:sldId id="305" r:id="rId9"/>
-    <p:sldId id="306" r:id="rId10"/>
+    <p:sldId id="286" r:id="rId5"/>
+    <p:sldId id="303" r:id="rId6"/>
+    <p:sldId id="308" r:id="rId7"/>
+    <p:sldId id="305" r:id="rId8"/>
+    <p:sldId id="306" r:id="rId9"/>
   </p:sldIdLst>
   <p:sldSz cx="12192000" cy="6858000"/>
   <p:notesSz cx="6858000" cy="9144000"/>
@@ -132,831 +131,6 @@
     </p:ext>
   </p:extLst>
 </p:presentation>
-</file>
-
-<file path=ppt/charts/chart1.xml><?xml version="1.0" encoding="utf-8"?>
-<c:chartSpace xmlns:c="http://schemas.openxmlformats.org/drawingml/2006/chart" xmlns:a="http://schemas.openxmlformats.org/drawingml/2006/main" xmlns:r="http://schemas.openxmlformats.org/officeDocument/2006/relationships">
-  <c:date1904 val="0"/>
-  <c:lang val="en-US"/>
-  <c:roundedCorners val="0"/>
-  <mc:AlternateContent xmlns:mc="http://schemas.openxmlformats.org/markup-compatibility/2006">
-    <mc:Choice xmlns:c14="http://schemas.microsoft.com/office/drawing/2007/8/2/chart" Requires="c14">
-      <c14:style val="102"/>
-    </mc:Choice>
-    <mc:Fallback>
-      <c:style val="2"/>
-    </mc:Fallback>
-  </mc:AlternateContent>
-  <c:chart>
-    <c:title>
-      <c:tx>
-        <c:rich>
-          <a:bodyPr rot="0" spcFirstLastPara="1" vertOverflow="ellipsis" vert="horz" wrap="square" anchor="ctr" anchorCtr="1"/>
-          <a:lstStyle/>
-          <a:p>
-            <a:pPr>
-              <a:defRPr sz="1800" b="0" i="0" u="none" strike="noStrike" kern="1200" spc="0" baseline="0">
-                <a:solidFill>
-                  <a:schemeClr val="tx1">
-                    <a:lumMod val="65000"/>
-                    <a:lumOff val="35000"/>
-                  </a:schemeClr>
-                </a:solidFill>
-                <a:latin typeface="+mn-lt"/>
-                <a:ea typeface="+mn-ea"/>
-                <a:cs typeface="+mn-cs"/>
-              </a:defRPr>
-            </a:pPr>
-            <a:r>
-              <a:rPr lang="en-US" sz="1800" dirty="0" smtClean="0"/>
-              <a:t>Molar</a:t>
-            </a:r>
-            <a:r>
-              <a:rPr lang="en-US" sz="1800" baseline="0" dirty="0" smtClean="0"/>
-              <a:t> Solar System Gas Constitution</a:t>
-            </a:r>
-            <a:endParaRPr lang="en-US" sz="1800" dirty="0"/>
-          </a:p>
-        </c:rich>
-      </c:tx>
-      <c:layout/>
-      <c:overlay val="0"/>
-      <c:spPr>
-        <a:noFill/>
-        <a:ln>
-          <a:noFill/>
-        </a:ln>
-        <a:effectLst/>
-      </c:spPr>
-      <c:txPr>
-        <a:bodyPr rot="0" spcFirstLastPara="1" vertOverflow="ellipsis" vert="horz" wrap="square" anchor="ctr" anchorCtr="1"/>
-        <a:lstStyle/>
-        <a:p>
-          <a:pPr>
-            <a:defRPr sz="1800" b="0" i="0" u="none" strike="noStrike" kern="1200" spc="0" baseline="0">
-              <a:solidFill>
-                <a:schemeClr val="tx1">
-                  <a:lumMod val="65000"/>
-                  <a:lumOff val="35000"/>
-                </a:schemeClr>
-              </a:solidFill>
-              <a:latin typeface="+mn-lt"/>
-              <a:ea typeface="+mn-ea"/>
-              <a:cs typeface="+mn-cs"/>
-            </a:defRPr>
-          </a:pPr>
-          <a:endParaRPr lang="en-US"/>
-        </a:p>
-      </c:txPr>
-    </c:title>
-    <c:autoTitleDeleted val="0"/>
-    <c:plotArea>
-      <c:layout>
-        <c:manualLayout>
-          <c:layoutTarget val="inner"/>
-          <c:xMode val="edge"/>
-          <c:yMode val="edge"/>
-          <c:x val="8.6074729071905914E-2"/>
-          <c:y val="0.30331090893875018"/>
-          <c:w val="0.9"/>
-          <c:h val="0.37649219467401285"/>
-        </c:manualLayout>
-      </c:layout>
-      <c:doughnutChart>
-        <c:varyColors val="1"/>
-        <c:ser>
-          <c:idx val="0"/>
-          <c:order val="0"/>
-          <c:tx>
-            <c:strRef>
-              <c:f>Feuil1!$B$1</c:f>
-              <c:strCache>
-                <c:ptCount val="1"/>
-                <c:pt idx="0">
-                  <c:v>Air constitution</c:v>
-                </c:pt>
-              </c:strCache>
-            </c:strRef>
-          </c:tx>
-          <c:dPt>
-            <c:idx val="0"/>
-            <c:bubble3D val="0"/>
-            <c:spPr>
-              <a:solidFill>
-                <a:schemeClr val="accent1"/>
-              </a:solidFill>
-              <a:ln w="19050">
-                <a:solidFill>
-                  <a:schemeClr val="lt1"/>
-                </a:solidFill>
-              </a:ln>
-              <a:effectLst/>
-            </c:spPr>
-          </c:dPt>
-          <c:dPt>
-            <c:idx val="1"/>
-            <c:bubble3D val="0"/>
-            <c:spPr>
-              <a:solidFill>
-                <a:schemeClr val="accent2"/>
-              </a:solidFill>
-              <a:ln w="19050">
-                <a:solidFill>
-                  <a:schemeClr val="lt1"/>
-                </a:solidFill>
-              </a:ln>
-              <a:effectLst/>
-            </c:spPr>
-          </c:dPt>
-          <c:dPt>
-            <c:idx val="2"/>
-            <c:bubble3D val="0"/>
-            <c:spPr>
-              <a:solidFill>
-                <a:schemeClr val="accent3"/>
-              </a:solidFill>
-              <a:ln w="19050">
-                <a:solidFill>
-                  <a:schemeClr val="lt1"/>
-                </a:solidFill>
-              </a:ln>
-              <a:effectLst/>
-            </c:spPr>
-          </c:dPt>
-          <c:cat>
-            <c:strRef>
-              <c:f>Feuil1!$A$2:$A$4</c:f>
-              <c:strCache>
-                <c:ptCount val="3"/>
-                <c:pt idx="0">
-                  <c:v>Dihydrogen</c:v>
-                </c:pt>
-                <c:pt idx="1">
-                  <c:v>Helium</c:v>
-                </c:pt>
-                <c:pt idx="2">
-                  <c:v>Others</c:v>
-                </c:pt>
-              </c:strCache>
-            </c:strRef>
-          </c:cat>
-          <c:val>
-            <c:numRef>
-              <c:f>Feuil1!$B$2:$B$4</c:f>
-              <c:numCache>
-                <c:formatCode>General</c:formatCode>
-                <c:ptCount val="3"/>
-                <c:pt idx="0">
-                  <c:v>0.83528761650887362</c:v>
-                </c:pt>
-                <c:pt idx="1">
-                  <c:v>0.16286733455602248</c:v>
-                </c:pt>
-                <c:pt idx="2">
-                  <c:v>9.6933914202470715E-4</c:v>
-                </c:pt>
-              </c:numCache>
-            </c:numRef>
-          </c:val>
-        </c:ser>
-        <c:dLbls>
-          <c:showLegendKey val="0"/>
-          <c:showVal val="0"/>
-          <c:showCatName val="0"/>
-          <c:showSerName val="0"/>
-          <c:showPercent val="0"/>
-          <c:showBubbleSize val="0"/>
-          <c:showLeaderLines val="1"/>
-        </c:dLbls>
-        <c:firstSliceAng val="0"/>
-        <c:holeSize val="75"/>
-      </c:doughnutChart>
-      <c:spPr>
-        <a:noFill/>
-        <a:ln>
-          <a:noFill/>
-        </a:ln>
-        <a:effectLst/>
-      </c:spPr>
-    </c:plotArea>
-    <c:legend>
-      <c:legendPos val="b"/>
-      <c:layout/>
-      <c:overlay val="0"/>
-      <c:spPr>
-        <a:noFill/>
-        <a:ln>
-          <a:noFill/>
-        </a:ln>
-        <a:effectLst/>
-      </c:spPr>
-      <c:txPr>
-        <a:bodyPr rot="0" spcFirstLastPara="1" vertOverflow="ellipsis" vert="horz" wrap="square" anchor="ctr" anchorCtr="1"/>
-        <a:lstStyle/>
-        <a:p>
-          <a:pPr>
-            <a:defRPr sz="1600" b="0" i="0" u="none" strike="noStrike" kern="1200" baseline="0">
-              <a:solidFill>
-                <a:schemeClr val="tx1">
-                  <a:lumMod val="65000"/>
-                  <a:lumOff val="35000"/>
-                </a:schemeClr>
-              </a:solidFill>
-              <a:latin typeface="+mn-lt"/>
-              <a:ea typeface="+mn-ea"/>
-              <a:cs typeface="+mn-cs"/>
-            </a:defRPr>
-          </a:pPr>
-          <a:endParaRPr lang="en-US"/>
-        </a:p>
-      </c:txPr>
-    </c:legend>
-    <c:plotVisOnly val="1"/>
-    <c:dispBlanksAs val="gap"/>
-    <c:showDLblsOverMax val="0"/>
-  </c:chart>
-  <c:spPr>
-    <a:noFill/>
-    <a:ln>
-      <a:solidFill>
-        <a:schemeClr val="accent4"/>
-      </a:solidFill>
-    </a:ln>
-    <a:effectLst/>
-  </c:spPr>
-  <c:txPr>
-    <a:bodyPr/>
-    <a:lstStyle/>
-    <a:p>
-      <a:pPr>
-        <a:defRPr/>
-      </a:pPr>
-      <a:endParaRPr lang="en-US"/>
-    </a:p>
-  </c:txPr>
-  <c:externalData r:id="rId3">
-    <c:autoUpdate val="0"/>
-  </c:externalData>
-</c:chartSpace>
-</file>
-
-<file path=ppt/charts/colors1.xml><?xml version="1.0" encoding="utf-8"?>
-<cs:colorStyle xmlns:cs="http://schemas.microsoft.com/office/drawing/2012/chartStyle" xmlns:a="http://schemas.openxmlformats.org/drawingml/2006/main" meth="cycle" id="10">
-  <a:schemeClr val="accent1"/>
-  <a:schemeClr val="accent2"/>
-  <a:schemeClr val="accent3"/>
-  <a:schemeClr val="accent4"/>
-  <a:schemeClr val="accent5"/>
-  <a:schemeClr val="accent6"/>
-  <cs:variation/>
-  <cs:variation>
-    <a:lumMod val="60000"/>
-  </cs:variation>
-  <cs:variation>
-    <a:lumMod val="80000"/>
-    <a:lumOff val="20000"/>
-  </cs:variation>
-  <cs:variation>
-    <a:lumMod val="80000"/>
-  </cs:variation>
-  <cs:variation>
-    <a:lumMod val="60000"/>
-    <a:lumOff val="40000"/>
-  </cs:variation>
-  <cs:variation>
-    <a:lumMod val="50000"/>
-  </cs:variation>
-  <cs:variation>
-    <a:lumMod val="70000"/>
-    <a:lumOff val="30000"/>
-  </cs:variation>
-  <cs:variation>
-    <a:lumMod val="70000"/>
-  </cs:variation>
-  <cs:variation>
-    <a:lumMod val="50000"/>
-    <a:lumOff val="50000"/>
-  </cs:variation>
-</cs:colorStyle>
-</file>
-
-<file path=ppt/charts/style1.xml><?xml version="1.0" encoding="utf-8"?>
-<cs:chartStyle xmlns:cs="http://schemas.microsoft.com/office/drawing/2012/chartStyle" xmlns:a="http://schemas.openxmlformats.org/drawingml/2006/main" id="251">
-  <cs:axisTitle>
-    <cs:lnRef idx="0"/>
-    <cs:fillRef idx="0"/>
-    <cs:effectRef idx="0"/>
-    <cs:fontRef idx="minor">
-      <a:schemeClr val="tx1">
-        <a:lumMod val="65000"/>
-        <a:lumOff val="35000"/>
-      </a:schemeClr>
-    </cs:fontRef>
-    <cs:defRPr sz="1000" kern="1200"/>
-  </cs:axisTitle>
-  <cs:categoryAxis>
-    <cs:lnRef idx="0"/>
-    <cs:fillRef idx="0"/>
-    <cs:effectRef idx="0"/>
-    <cs:fontRef idx="minor">
-      <a:schemeClr val="tx1">
-        <a:lumMod val="65000"/>
-        <a:lumOff val="35000"/>
-      </a:schemeClr>
-    </cs:fontRef>
-    <cs:spPr>
-      <a:ln w="9525" cap="flat" cmpd="sng" algn="ctr">
-        <a:solidFill>
-          <a:schemeClr val="tx1">
-            <a:lumMod val="15000"/>
-            <a:lumOff val="85000"/>
-          </a:schemeClr>
-        </a:solidFill>
-        <a:round/>
-      </a:ln>
-    </cs:spPr>
-    <cs:defRPr sz="900" kern="1200"/>
-  </cs:categoryAxis>
-  <cs:chartArea mods="allowNoFillOverride allowNoLineOverride">
-    <cs:lnRef idx="0"/>
-    <cs:fillRef idx="0"/>
-    <cs:effectRef idx="0"/>
-    <cs:fontRef idx="minor">
-      <a:schemeClr val="tx1"/>
-    </cs:fontRef>
-    <cs:spPr>
-      <a:solidFill>
-        <a:schemeClr val="bg1"/>
-      </a:solidFill>
-      <a:ln w="9525" cap="flat" cmpd="sng" algn="ctr">
-        <a:solidFill>
-          <a:schemeClr val="tx1">
-            <a:lumMod val="15000"/>
-            <a:lumOff val="85000"/>
-          </a:schemeClr>
-        </a:solidFill>
-        <a:round/>
-      </a:ln>
-    </cs:spPr>
-    <cs:defRPr sz="900" kern="1200"/>
-  </cs:chartArea>
-  <cs:dataLabel>
-    <cs:lnRef idx="0"/>
-    <cs:fillRef idx="0"/>
-    <cs:effectRef idx="0"/>
-    <cs:fontRef idx="minor">
-      <a:schemeClr val="tx1">
-        <a:lumMod val="75000"/>
-        <a:lumOff val="25000"/>
-      </a:schemeClr>
-    </cs:fontRef>
-    <cs:defRPr sz="900" kern="1200"/>
-  </cs:dataLabel>
-  <cs:dataLabelCallout>
-    <cs:lnRef idx="0"/>
-    <cs:fillRef idx="0"/>
-    <cs:effectRef idx="0"/>
-    <cs:fontRef idx="minor">
-      <a:schemeClr val="dk1">
-        <a:lumMod val="65000"/>
-        <a:lumOff val="35000"/>
-      </a:schemeClr>
-    </cs:fontRef>
-    <cs:spPr>
-      <a:solidFill>
-        <a:schemeClr val="lt1"/>
-      </a:solidFill>
-      <a:ln>
-        <a:solidFill>
-          <a:schemeClr val="dk1">
-            <a:lumMod val="25000"/>
-            <a:lumOff val="75000"/>
-          </a:schemeClr>
-        </a:solidFill>
-      </a:ln>
-    </cs:spPr>
-    <cs:defRPr sz="900" kern="1200"/>
-    <cs:bodyPr rot="0" spcFirstLastPara="1" vertOverflow="clip" horzOverflow="clip" vert="horz" wrap="square" lIns="36576" tIns="18288" rIns="36576" bIns="18288" anchor="ctr" anchorCtr="1">
-      <a:spAutoFit/>
-    </cs:bodyPr>
-  </cs:dataLabelCallout>
-  <cs:dataPoint>
-    <cs:lnRef idx="0"/>
-    <cs:fillRef idx="1">
-      <cs:styleClr val="auto"/>
-    </cs:fillRef>
-    <cs:effectRef idx="0"/>
-    <cs:fontRef idx="minor">
-      <a:schemeClr val="tx1"/>
-    </cs:fontRef>
-    <cs:spPr>
-      <a:ln w="19050">
-        <a:solidFill>
-          <a:schemeClr val="lt1"/>
-        </a:solidFill>
-      </a:ln>
-    </cs:spPr>
-  </cs:dataPoint>
-  <cs:dataPoint3D>
-    <cs:lnRef idx="0"/>
-    <cs:fillRef idx="1">
-      <cs:styleClr val="auto"/>
-    </cs:fillRef>
-    <cs:effectRef idx="0"/>
-    <cs:fontRef idx="minor">
-      <a:schemeClr val="tx1"/>
-    </cs:fontRef>
-    <cs:spPr>
-      <a:ln w="25400">
-        <a:solidFill>
-          <a:schemeClr val="lt1"/>
-        </a:solidFill>
-      </a:ln>
-    </cs:spPr>
-  </cs:dataPoint3D>
-  <cs:dataPointLine>
-    <cs:lnRef idx="0">
-      <cs:styleClr val="auto"/>
-    </cs:lnRef>
-    <cs:fillRef idx="0"/>
-    <cs:effectRef idx="0"/>
-    <cs:fontRef idx="minor">
-      <a:schemeClr val="tx1"/>
-    </cs:fontRef>
-    <cs:spPr>
-      <a:ln w="28575" cap="rnd">
-        <a:solidFill>
-          <a:schemeClr val="phClr"/>
-        </a:solidFill>
-        <a:round/>
-      </a:ln>
-    </cs:spPr>
-  </cs:dataPointLine>
-  <cs:dataPointMarker>
-    <cs:lnRef idx="0">
-      <cs:styleClr val="auto"/>
-    </cs:lnRef>
-    <cs:fillRef idx="1">
-      <cs:styleClr val="auto"/>
-    </cs:fillRef>
-    <cs:effectRef idx="0"/>
-    <cs:fontRef idx="minor">
-      <a:schemeClr val="tx1"/>
-    </cs:fontRef>
-    <cs:spPr>
-      <a:ln w="9525">
-        <a:solidFill>
-          <a:schemeClr val="phClr"/>
-        </a:solidFill>
-      </a:ln>
-    </cs:spPr>
-  </cs:dataPointMarker>
-  <cs:dataPointMarkerLayout symbol="circle" size="5"/>
-  <cs:dataPointWireframe>
-    <cs:lnRef idx="0">
-      <cs:styleClr val="auto"/>
-    </cs:lnRef>
-    <cs:fillRef idx="0"/>
-    <cs:effectRef idx="0"/>
-    <cs:fontRef idx="minor">
-      <a:schemeClr val="tx1"/>
-    </cs:fontRef>
-    <cs:spPr>
-      <a:ln w="9525" cap="rnd">
-        <a:solidFill>
-          <a:schemeClr val="phClr"/>
-        </a:solidFill>
-        <a:round/>
-      </a:ln>
-    </cs:spPr>
-  </cs:dataPointWireframe>
-  <cs:dataTable>
-    <cs:lnRef idx="0"/>
-    <cs:fillRef idx="0"/>
-    <cs:effectRef idx="0"/>
-    <cs:fontRef idx="minor">
-      <a:schemeClr val="tx1">
-        <a:lumMod val="65000"/>
-        <a:lumOff val="35000"/>
-      </a:schemeClr>
-    </cs:fontRef>
-    <cs:spPr>
-      <a:noFill/>
-      <a:ln w="9525" cap="flat" cmpd="sng" algn="ctr">
-        <a:solidFill>
-          <a:schemeClr val="tx1">
-            <a:lumMod val="15000"/>
-            <a:lumOff val="85000"/>
-          </a:schemeClr>
-        </a:solidFill>
-        <a:round/>
-      </a:ln>
-    </cs:spPr>
-    <cs:defRPr sz="900" kern="1200"/>
-  </cs:dataTable>
-  <cs:downBar>
-    <cs:lnRef idx="0"/>
-    <cs:fillRef idx="0"/>
-    <cs:effectRef idx="0"/>
-    <cs:fontRef idx="minor">
-      <a:schemeClr val="tx1"/>
-    </cs:fontRef>
-    <cs:spPr>
-      <a:solidFill>
-        <a:schemeClr val="dk1">
-          <a:lumMod val="75000"/>
-          <a:lumOff val="25000"/>
-        </a:schemeClr>
-      </a:solidFill>
-      <a:ln w="9525" cap="flat" cmpd="sng" algn="ctr">
-        <a:solidFill>
-          <a:schemeClr val="tx1">
-            <a:lumMod val="65000"/>
-            <a:lumOff val="35000"/>
-          </a:schemeClr>
-        </a:solidFill>
-        <a:round/>
-      </a:ln>
-    </cs:spPr>
-  </cs:downBar>
-  <cs:dropLine>
-    <cs:lnRef idx="0"/>
-    <cs:fillRef idx="0"/>
-    <cs:effectRef idx="0"/>
-    <cs:fontRef idx="minor">
-      <a:schemeClr val="tx1"/>
-    </cs:fontRef>
-    <cs:spPr>
-      <a:ln w="9525" cap="flat" cmpd="sng" algn="ctr">
-        <a:solidFill>
-          <a:schemeClr val="tx1">
-            <a:lumMod val="35000"/>
-            <a:lumOff val="65000"/>
-          </a:schemeClr>
-        </a:solidFill>
-        <a:round/>
-      </a:ln>
-    </cs:spPr>
-  </cs:dropLine>
-  <cs:errorBar>
-    <cs:lnRef idx="0"/>
-    <cs:fillRef idx="0"/>
-    <cs:effectRef idx="0"/>
-    <cs:fontRef idx="minor">
-      <a:schemeClr val="tx1"/>
-    </cs:fontRef>
-    <cs:spPr>
-      <a:ln w="9525" cap="flat" cmpd="sng" algn="ctr">
-        <a:solidFill>
-          <a:schemeClr val="tx1">
-            <a:lumMod val="65000"/>
-            <a:lumOff val="35000"/>
-          </a:schemeClr>
-        </a:solidFill>
-        <a:round/>
-      </a:ln>
-    </cs:spPr>
-  </cs:errorBar>
-  <cs:floor>
-    <cs:lnRef idx="0"/>
-    <cs:fillRef idx="0"/>
-    <cs:effectRef idx="0"/>
-    <cs:fontRef idx="minor">
-      <a:schemeClr val="tx1"/>
-    </cs:fontRef>
-    <cs:spPr>
-      <a:noFill/>
-      <a:ln>
-        <a:noFill/>
-      </a:ln>
-    </cs:spPr>
-  </cs:floor>
-  <cs:gridlineMajor>
-    <cs:lnRef idx="0"/>
-    <cs:fillRef idx="0"/>
-    <cs:effectRef idx="0"/>
-    <cs:fontRef idx="minor">
-      <a:schemeClr val="tx1"/>
-    </cs:fontRef>
-    <cs:spPr>
-      <a:ln w="9525" cap="flat" cmpd="sng" algn="ctr">
-        <a:solidFill>
-          <a:schemeClr val="tx1">
-            <a:lumMod val="15000"/>
-            <a:lumOff val="85000"/>
-          </a:schemeClr>
-        </a:solidFill>
-        <a:round/>
-      </a:ln>
-    </cs:spPr>
-  </cs:gridlineMajor>
-  <cs:gridlineMinor>
-    <cs:lnRef idx="0"/>
-    <cs:fillRef idx="0"/>
-    <cs:effectRef idx="0"/>
-    <cs:fontRef idx="minor">
-      <a:schemeClr val="tx1"/>
-    </cs:fontRef>
-    <cs:spPr>
-      <a:ln w="9525" cap="flat" cmpd="sng" algn="ctr">
-        <a:solidFill>
-          <a:schemeClr val="tx1">
-            <a:lumMod val="5000"/>
-            <a:lumOff val="95000"/>
-          </a:schemeClr>
-        </a:solidFill>
-        <a:round/>
-      </a:ln>
-    </cs:spPr>
-  </cs:gridlineMinor>
-  <cs:hiLoLine>
-    <cs:lnRef idx="0"/>
-    <cs:fillRef idx="0"/>
-    <cs:effectRef idx="0"/>
-    <cs:fontRef idx="minor">
-      <a:schemeClr val="tx1"/>
-    </cs:fontRef>
-    <cs:spPr>
-      <a:ln w="9525" cap="flat" cmpd="sng" algn="ctr">
-        <a:solidFill>
-          <a:schemeClr val="tx1">
-            <a:lumMod val="50000"/>
-            <a:lumOff val="50000"/>
-          </a:schemeClr>
-        </a:solidFill>
-        <a:round/>
-      </a:ln>
-    </cs:spPr>
-  </cs:hiLoLine>
-  <cs:leaderLine>
-    <cs:lnRef idx="0"/>
-    <cs:fillRef idx="0"/>
-    <cs:effectRef idx="0"/>
-    <cs:fontRef idx="minor">
-      <a:schemeClr val="tx1"/>
-    </cs:fontRef>
-    <cs:spPr>
-      <a:ln w="9525" cap="flat" cmpd="sng" algn="ctr">
-        <a:solidFill>
-          <a:schemeClr val="tx1">
-            <a:lumMod val="35000"/>
-            <a:lumOff val="65000"/>
-          </a:schemeClr>
-        </a:solidFill>
-        <a:round/>
-      </a:ln>
-    </cs:spPr>
-  </cs:leaderLine>
-  <cs:legend>
-    <cs:lnRef idx="0"/>
-    <cs:fillRef idx="0"/>
-    <cs:effectRef idx="0"/>
-    <cs:fontRef idx="minor">
-      <a:schemeClr val="tx1">
-        <a:lumMod val="65000"/>
-        <a:lumOff val="35000"/>
-      </a:schemeClr>
-    </cs:fontRef>
-    <cs:defRPr sz="900" kern="1200"/>
-  </cs:legend>
-  <cs:plotArea mods="allowNoFillOverride allowNoLineOverride">
-    <cs:lnRef idx="0"/>
-    <cs:fillRef idx="0"/>
-    <cs:effectRef idx="0"/>
-    <cs:fontRef idx="minor">
-      <a:schemeClr val="tx1"/>
-    </cs:fontRef>
-  </cs:plotArea>
-  <cs:plotArea3D mods="allowNoFillOverride allowNoLineOverride">
-    <cs:lnRef idx="0"/>
-    <cs:fillRef idx="0"/>
-    <cs:effectRef idx="0"/>
-    <cs:fontRef idx="minor">
-      <a:schemeClr val="tx1"/>
-    </cs:fontRef>
-  </cs:plotArea3D>
-  <cs:seriesAxis>
-    <cs:lnRef idx="0"/>
-    <cs:fillRef idx="0"/>
-    <cs:effectRef idx="0"/>
-    <cs:fontRef idx="minor">
-      <a:schemeClr val="tx1">
-        <a:lumMod val="65000"/>
-        <a:lumOff val="35000"/>
-      </a:schemeClr>
-    </cs:fontRef>
-    <cs:defRPr sz="900" kern="1200"/>
-  </cs:seriesAxis>
-  <cs:seriesLine>
-    <cs:lnRef idx="0"/>
-    <cs:fillRef idx="0"/>
-    <cs:effectRef idx="0"/>
-    <cs:fontRef idx="minor">
-      <a:schemeClr val="tx1"/>
-    </cs:fontRef>
-    <cs:spPr>
-      <a:ln w="9525" cap="flat" cmpd="sng" algn="ctr">
-        <a:solidFill>
-          <a:schemeClr val="tx1">
-            <a:lumMod val="35000"/>
-            <a:lumOff val="65000"/>
-          </a:schemeClr>
-        </a:solidFill>
-        <a:round/>
-      </a:ln>
-    </cs:spPr>
-  </cs:seriesLine>
-  <cs:title>
-    <cs:lnRef idx="0"/>
-    <cs:fillRef idx="0"/>
-    <cs:effectRef idx="0"/>
-    <cs:fontRef idx="minor">
-      <a:schemeClr val="tx1">
-        <a:lumMod val="65000"/>
-        <a:lumOff val="35000"/>
-      </a:schemeClr>
-    </cs:fontRef>
-    <cs:defRPr sz="1400" b="0" kern="1200" spc="0" baseline="0"/>
-  </cs:title>
-  <cs:trendline>
-    <cs:lnRef idx="0">
-      <cs:styleClr val="auto"/>
-    </cs:lnRef>
-    <cs:fillRef idx="0"/>
-    <cs:effectRef idx="0"/>
-    <cs:fontRef idx="minor">
-      <a:schemeClr val="tx1"/>
-    </cs:fontRef>
-    <cs:spPr>
-      <a:ln w="19050" cap="rnd">
-        <a:solidFill>
-          <a:schemeClr val="phClr"/>
-        </a:solidFill>
-        <a:prstDash val="sysDot"/>
-      </a:ln>
-    </cs:spPr>
-  </cs:trendline>
-  <cs:trendlineLabel>
-    <cs:lnRef idx="0"/>
-    <cs:fillRef idx="0"/>
-    <cs:effectRef idx="0"/>
-    <cs:fontRef idx="minor">
-      <a:schemeClr val="tx1">
-        <a:lumMod val="65000"/>
-        <a:lumOff val="35000"/>
-      </a:schemeClr>
-    </cs:fontRef>
-    <cs:defRPr sz="900" kern="1200"/>
-  </cs:trendlineLabel>
-  <cs:upBar>
-    <cs:lnRef idx="0"/>
-    <cs:fillRef idx="0"/>
-    <cs:effectRef idx="0"/>
-    <cs:fontRef idx="minor">
-      <a:schemeClr val="tx1"/>
-    </cs:fontRef>
-    <cs:spPr>
-      <a:solidFill>
-        <a:schemeClr val="lt1"/>
-      </a:solidFill>
-      <a:ln w="9525" cap="flat" cmpd="sng" algn="ctr">
-        <a:solidFill>
-          <a:schemeClr val="tx1">
-            <a:lumMod val="65000"/>
-            <a:lumOff val="35000"/>
-          </a:schemeClr>
-        </a:solidFill>
-        <a:round/>
-      </a:ln>
-    </cs:spPr>
-  </cs:upBar>
-  <cs:valueAxis>
-    <cs:lnRef idx="0"/>
-    <cs:fillRef idx="0"/>
-    <cs:effectRef idx="0"/>
-    <cs:fontRef idx="minor">
-      <a:schemeClr val="tx1">
-        <a:lumMod val="65000"/>
-        <a:lumOff val="35000"/>
-      </a:schemeClr>
-    </cs:fontRef>
-    <cs:defRPr sz="900" kern="1200"/>
-  </cs:valueAxis>
-  <cs:wall>
-    <cs:lnRef idx="0"/>
-    <cs:fillRef idx="0"/>
-    <cs:effectRef idx="0"/>
-    <cs:fontRef idx="minor">
-      <a:schemeClr val="tx1"/>
-    </cs:fontRef>
-    <cs:spPr>
-      <a:noFill/>
-      <a:ln>
-        <a:noFill/>
-      </a:ln>
-    </cs:spPr>
-  </cs:wall>
-</cs:chartStyle>
 </file>
 
 <file path=ppt/diagrams/colors1.xml><?xml version="1.0" encoding="utf-8"?>
@@ -2407,13 +1581,6 @@
             </a:rPr>
             <a:t> Scientific publications</a:t>
           </a:r>
-          <a:endParaRPr lang="en-US" sz="1050" noProof="0" dirty="0" smtClean="0">
-            <a:solidFill>
-              <a:schemeClr val="accent3">
-                <a:lumMod val="75000"/>
-              </a:schemeClr>
-            </a:solidFill>
-          </a:endParaRPr>
         </a:p>
       </dgm:t>
     </dgm:pt>
@@ -2456,13 +1623,6 @@
             </a:rPr>
             <a:t> Company websites</a:t>
           </a:r>
-          <a:endParaRPr lang="en-US" sz="1050" noProof="0" dirty="0" smtClean="0">
-            <a:solidFill>
-              <a:schemeClr val="accent3">
-                <a:lumMod val="75000"/>
-              </a:schemeClr>
-            </a:solidFill>
-          </a:endParaRPr>
         </a:p>
       </dgm:t>
     </dgm:pt>
@@ -2505,13 +1665,6 @@
             </a:rPr>
             <a:t> Newspapers and magazines</a:t>
           </a:r>
-          <a:endParaRPr lang="en-US" sz="1050" noProof="0" dirty="0" smtClean="0">
-            <a:solidFill>
-              <a:schemeClr val="accent3">
-                <a:lumMod val="75000"/>
-              </a:schemeClr>
-            </a:solidFill>
-          </a:endParaRPr>
         </a:p>
       </dgm:t>
     </dgm:pt>
@@ -2554,13 +1707,6 @@
             </a:rPr>
             <a:t> Governmental authorities</a:t>
           </a:r>
-          <a:endParaRPr lang="en-US" sz="1050" noProof="0" dirty="0" smtClean="0">
-            <a:solidFill>
-              <a:schemeClr val="accent3">
-                <a:lumMod val="75000"/>
-              </a:schemeClr>
-            </a:solidFill>
-          </a:endParaRPr>
         </a:p>
       </dgm:t>
     </dgm:pt>
@@ -2603,13 +1749,6 @@
             </a:rPr>
             <a:t> Statistic databases</a:t>
           </a:r>
-          <a:endParaRPr lang="en-US" sz="1050" noProof="0" dirty="0" smtClean="0">
-            <a:solidFill>
-              <a:schemeClr val="accent3">
-                <a:lumMod val="75000"/>
-              </a:schemeClr>
-            </a:solidFill>
-          </a:endParaRPr>
         </a:p>
       </dgm:t>
     </dgm:pt>
@@ -2652,13 +1791,6 @@
             </a:rPr>
             <a:t> Online Tools</a:t>
           </a:r>
-          <a:endParaRPr lang="en-US" sz="1050" noProof="0" dirty="0" smtClean="0">
-            <a:solidFill>
-              <a:schemeClr val="accent3">
-                <a:lumMod val="75000"/>
-              </a:schemeClr>
-            </a:solidFill>
-          </a:endParaRPr>
         </a:p>
       </dgm:t>
     </dgm:pt>
@@ -2701,13 +1833,6 @@
             </a:rPr>
             <a:t> Software</a:t>
           </a:r>
-          <a:endParaRPr lang="en-US" sz="1050" noProof="0" dirty="0" smtClean="0">
-            <a:solidFill>
-              <a:schemeClr val="accent3">
-                <a:lumMod val="75000"/>
-              </a:schemeClr>
-            </a:solidFill>
-          </a:endParaRPr>
         </a:p>
       </dgm:t>
     </dgm:pt>
@@ -2789,13 +1914,6 @@
             </a:rPr>
             <a:t> Introduction</a:t>
           </a:r>
-          <a:endParaRPr lang="en-US" sz="1050" noProof="0" dirty="0" smtClean="0">
-            <a:solidFill>
-              <a:schemeClr val="accent3">
-                <a:lumMod val="75000"/>
-              </a:schemeClr>
-            </a:solidFill>
-          </a:endParaRPr>
         </a:p>
       </dgm:t>
     </dgm:pt>
@@ -2838,13 +1956,6 @@
             </a:rPr>
             <a:t> GitHub page</a:t>
           </a:r>
-          <a:endParaRPr lang="en-US" sz="1050" noProof="0" dirty="0" smtClean="0">
-            <a:solidFill>
-              <a:schemeClr val="accent3">
-                <a:lumMod val="75000"/>
-              </a:schemeClr>
-            </a:solidFill>
-          </a:endParaRPr>
         </a:p>
       </dgm:t>
     </dgm:pt>
@@ -3056,13 +2167,6 @@
             </a:rPr>
             <a:t> Product description</a:t>
           </a:r>
-          <a:endParaRPr lang="en-US" sz="1050" noProof="0" dirty="0" smtClean="0">
-            <a:solidFill>
-              <a:schemeClr val="accent3">
-                <a:lumMod val="75000"/>
-              </a:schemeClr>
-            </a:solidFill>
-          </a:endParaRPr>
         </a:p>
       </dgm:t>
     </dgm:pt>
@@ -3105,13 +2209,6 @@
             </a:rPr>
             <a:t> Market description</a:t>
           </a:r>
-          <a:endParaRPr lang="en-US" sz="1050" noProof="0" dirty="0" smtClean="0">
-            <a:solidFill>
-              <a:schemeClr val="accent3">
-                <a:lumMod val="75000"/>
-              </a:schemeClr>
-            </a:solidFill>
-          </a:endParaRPr>
         </a:p>
       </dgm:t>
     </dgm:pt>
@@ -3154,13 +2251,6 @@
             </a:rPr>
             <a:t> Policy framework</a:t>
           </a:r>
-          <a:endParaRPr lang="en-US" sz="1050" noProof="0" dirty="0" smtClean="0">
-            <a:solidFill>
-              <a:schemeClr val="accent3">
-                <a:lumMod val="75000"/>
-              </a:schemeClr>
-            </a:solidFill>
-          </a:endParaRPr>
         </a:p>
       </dgm:t>
     </dgm:pt>
@@ -3203,13 +2293,6 @@
             </a:rPr>
             <a:t> Future perspective</a:t>
           </a:r>
-          <a:endParaRPr lang="en-US" sz="1050" noProof="0" dirty="0" smtClean="0">
-            <a:solidFill>
-              <a:schemeClr val="accent3">
-                <a:lumMod val="75000"/>
-              </a:schemeClr>
-            </a:solidFill>
-          </a:endParaRPr>
         </a:p>
       </dgm:t>
     </dgm:pt>
@@ -3252,13 +2335,6 @@
             </a:rPr>
             <a:t> Conclusion</a:t>
           </a:r>
-          <a:endParaRPr lang="en-US" sz="1050" noProof="0" dirty="0" smtClean="0">
-            <a:solidFill>
-              <a:schemeClr val="accent3">
-                <a:lumMod val="75000"/>
-              </a:schemeClr>
-            </a:solidFill>
-          </a:endParaRPr>
         </a:p>
       </dgm:t>
     </dgm:pt>
@@ -4088,13 +3164,6 @@
             </a:rPr>
             <a:t> Scientific publications</a:t>
           </a:r>
-          <a:endParaRPr lang="en-US" sz="1050" kern="1200" noProof="0" dirty="0" smtClean="0">
-            <a:solidFill>
-              <a:schemeClr val="accent3">
-                <a:lumMod val="75000"/>
-              </a:schemeClr>
-            </a:solidFill>
-          </a:endParaRPr>
         </a:p>
         <a:p>
           <a:pPr marL="57150" lvl="1" indent="-57150" algn="l" defTabSz="466725">
@@ -4119,13 +3188,6 @@
             </a:rPr>
             <a:t> Company websites</a:t>
           </a:r>
-          <a:endParaRPr lang="en-US" sz="1050" kern="1200" noProof="0" dirty="0" smtClean="0">
-            <a:solidFill>
-              <a:schemeClr val="accent3">
-                <a:lumMod val="75000"/>
-              </a:schemeClr>
-            </a:solidFill>
-          </a:endParaRPr>
         </a:p>
         <a:p>
           <a:pPr marL="57150" lvl="1" indent="-57150" algn="l" defTabSz="466725">
@@ -4150,13 +3212,6 @@
             </a:rPr>
             <a:t> Newspapers and magazines</a:t>
           </a:r>
-          <a:endParaRPr lang="en-US" sz="1050" kern="1200" noProof="0" dirty="0" smtClean="0">
-            <a:solidFill>
-              <a:schemeClr val="accent3">
-                <a:lumMod val="75000"/>
-              </a:schemeClr>
-            </a:solidFill>
-          </a:endParaRPr>
         </a:p>
         <a:p>
           <a:pPr marL="57150" lvl="1" indent="-57150" algn="l" defTabSz="466725">
@@ -4181,13 +3236,6 @@
             </a:rPr>
             <a:t> Governmental authorities</a:t>
           </a:r>
-          <a:endParaRPr lang="en-US" sz="1050" kern="1200" noProof="0" dirty="0" smtClean="0">
-            <a:solidFill>
-              <a:schemeClr val="accent3">
-                <a:lumMod val="75000"/>
-              </a:schemeClr>
-            </a:solidFill>
-          </a:endParaRPr>
         </a:p>
         <a:p>
           <a:pPr marL="57150" lvl="1" indent="-57150" algn="l" defTabSz="466725">
@@ -4212,13 +3260,6 @@
             </a:rPr>
             <a:t> Statistic databases</a:t>
           </a:r>
-          <a:endParaRPr lang="en-US" sz="1050" kern="1200" noProof="0" dirty="0" smtClean="0">
-            <a:solidFill>
-              <a:schemeClr val="accent3">
-                <a:lumMod val="75000"/>
-              </a:schemeClr>
-            </a:solidFill>
-          </a:endParaRPr>
         </a:p>
         <a:p>
           <a:pPr marL="57150" lvl="1" indent="-57150" algn="l" defTabSz="466725">
@@ -4243,13 +3284,6 @@
             </a:rPr>
             <a:t> Online Tools</a:t>
           </a:r>
-          <a:endParaRPr lang="en-US" sz="1050" kern="1200" noProof="0" dirty="0" smtClean="0">
-            <a:solidFill>
-              <a:schemeClr val="accent3">
-                <a:lumMod val="75000"/>
-              </a:schemeClr>
-            </a:solidFill>
-          </a:endParaRPr>
         </a:p>
         <a:p>
           <a:pPr marL="57150" lvl="1" indent="-57150" algn="l" defTabSz="466725">
@@ -4274,13 +3308,6 @@
             </a:rPr>
             <a:t> Software</a:t>
           </a:r>
-          <a:endParaRPr lang="en-US" sz="1050" kern="1200" noProof="0" dirty="0" smtClean="0">
-            <a:solidFill>
-              <a:schemeClr val="accent3">
-                <a:lumMod val="75000"/>
-              </a:schemeClr>
-            </a:solidFill>
-          </a:endParaRPr>
         </a:p>
         <a:p>
           <a:pPr marL="57150" lvl="1" indent="-57150" algn="l" defTabSz="466725">
@@ -4905,13 +3932,6 @@
             </a:rPr>
             <a:t> Introduction</a:t>
           </a:r>
-          <a:endParaRPr lang="en-US" sz="1050" kern="1200" noProof="0" dirty="0" smtClean="0">
-            <a:solidFill>
-              <a:schemeClr val="accent3">
-                <a:lumMod val="75000"/>
-              </a:schemeClr>
-            </a:solidFill>
-          </a:endParaRPr>
         </a:p>
         <a:p>
           <a:pPr marL="114300" lvl="2" indent="-57150" algn="l" defTabSz="466725">
@@ -4936,13 +3956,6 @@
             </a:rPr>
             <a:t> Product description</a:t>
           </a:r>
-          <a:endParaRPr lang="en-US" sz="1050" kern="1200" noProof="0" dirty="0" smtClean="0">
-            <a:solidFill>
-              <a:schemeClr val="accent3">
-                <a:lumMod val="75000"/>
-              </a:schemeClr>
-            </a:solidFill>
-          </a:endParaRPr>
         </a:p>
         <a:p>
           <a:pPr marL="114300" lvl="2" indent="-57150" algn="l" defTabSz="466725">
@@ -4967,13 +3980,6 @@
             </a:rPr>
             <a:t> Market description</a:t>
           </a:r>
-          <a:endParaRPr lang="en-US" sz="1050" kern="1200" noProof="0" dirty="0" smtClean="0">
-            <a:solidFill>
-              <a:schemeClr val="accent3">
-                <a:lumMod val="75000"/>
-              </a:schemeClr>
-            </a:solidFill>
-          </a:endParaRPr>
         </a:p>
         <a:p>
           <a:pPr marL="114300" lvl="2" indent="-57150" algn="l" defTabSz="466725">
@@ -4998,13 +4004,6 @@
             </a:rPr>
             <a:t> Policy framework</a:t>
           </a:r>
-          <a:endParaRPr lang="en-US" sz="1050" kern="1200" noProof="0" dirty="0" smtClean="0">
-            <a:solidFill>
-              <a:schemeClr val="accent3">
-                <a:lumMod val="75000"/>
-              </a:schemeClr>
-            </a:solidFill>
-          </a:endParaRPr>
         </a:p>
         <a:p>
           <a:pPr marL="114300" lvl="2" indent="-57150" algn="l" defTabSz="466725">
@@ -5029,13 +4028,6 @@
             </a:rPr>
             <a:t> Future perspective</a:t>
           </a:r>
-          <a:endParaRPr lang="en-US" sz="1050" kern="1200" noProof="0" dirty="0" smtClean="0">
-            <a:solidFill>
-              <a:schemeClr val="accent3">
-                <a:lumMod val="75000"/>
-              </a:schemeClr>
-            </a:solidFill>
-          </a:endParaRPr>
         </a:p>
         <a:p>
           <a:pPr marL="114300" lvl="2" indent="-57150" algn="l" defTabSz="466725">
@@ -5060,13 +4052,6 @@
             </a:rPr>
             <a:t> Conclusion</a:t>
           </a:r>
-          <a:endParaRPr lang="en-US" sz="1050" kern="1200" noProof="0" dirty="0" smtClean="0">
-            <a:solidFill>
-              <a:schemeClr val="accent3">
-                <a:lumMod val="75000"/>
-              </a:schemeClr>
-            </a:solidFill>
-          </a:endParaRPr>
         </a:p>
         <a:p>
           <a:pPr marL="57150" lvl="1" indent="-57150" algn="l" defTabSz="466725">
@@ -5091,13 +4076,6 @@
             </a:rPr>
             <a:t> GitHub page</a:t>
           </a:r>
-          <a:endParaRPr lang="en-US" sz="1050" kern="1200" noProof="0" dirty="0" smtClean="0">
-            <a:solidFill>
-              <a:schemeClr val="accent3">
-                <a:lumMod val="75000"/>
-              </a:schemeClr>
-            </a:solidFill>
-          </a:endParaRPr>
         </a:p>
         <a:p>
           <a:pPr marL="57150" lvl="1" indent="-57150" algn="l" defTabSz="466725">
@@ -6979,7 +5957,103 @@
           <a:bodyPr/>
           <a:lstStyle/>
           <a:p>
-            <a:endParaRPr lang="en-US"/>
+            <a:r>
+              <a:rPr lang="de-DE" dirty="0" err="1" smtClean="0"/>
+              <a:t>What</a:t>
+            </a:r>
+            <a:r>
+              <a:rPr lang="de-DE" dirty="0" smtClean="0"/>
+              <a:t> do </a:t>
+            </a:r>
+            <a:r>
+              <a:rPr lang="de-DE" dirty="0" err="1" smtClean="0"/>
+              <a:t>you</a:t>
+            </a:r>
+            <a:r>
+              <a:rPr lang="de-DE" dirty="0" smtClean="0"/>
+              <a:t> </a:t>
+            </a:r>
+            <a:r>
+              <a:rPr lang="de-DE" dirty="0" err="1" smtClean="0"/>
+              <a:t>see</a:t>
+            </a:r>
+            <a:r>
+              <a:rPr lang="de-DE" dirty="0" smtClean="0"/>
+              <a:t>?</a:t>
+            </a:r>
+            <a:r>
+              <a:rPr lang="de-DE" baseline="0" dirty="0" smtClean="0"/>
+              <a:t> </a:t>
+            </a:r>
+            <a:r>
+              <a:rPr lang="de-DE" baseline="0" dirty="0" err="1" smtClean="0"/>
+              <a:t>Actually</a:t>
+            </a:r>
+            <a:r>
+              <a:rPr lang="de-DE" baseline="0" dirty="0" smtClean="0"/>
+              <a:t> </a:t>
+            </a:r>
+            <a:r>
+              <a:rPr lang="de-DE" baseline="0" dirty="0" err="1" smtClean="0"/>
+              <a:t>you</a:t>
+            </a:r>
+            <a:r>
+              <a:rPr lang="de-DE" baseline="0" dirty="0" smtClean="0"/>
+              <a:t> </a:t>
+            </a:r>
+            <a:r>
+              <a:rPr lang="de-DE" baseline="0" dirty="0" err="1" smtClean="0"/>
+              <a:t>see</a:t>
+            </a:r>
+            <a:r>
+              <a:rPr lang="de-DE" baseline="0" dirty="0" smtClean="0"/>
+              <a:t> </a:t>
+            </a:r>
+            <a:r>
+              <a:rPr lang="de-DE" baseline="0" dirty="0" err="1" smtClean="0"/>
+              <a:t>dihydrogen</a:t>
+            </a:r>
+            <a:r>
+              <a:rPr lang="de-DE" baseline="0" dirty="0" smtClean="0"/>
+              <a:t>, </a:t>
+            </a:r>
+            <a:r>
+              <a:rPr lang="de-DE" baseline="0" dirty="0" err="1" smtClean="0"/>
+              <a:t>as</a:t>
+            </a:r>
+            <a:r>
+              <a:rPr lang="de-DE" baseline="0" dirty="0" smtClean="0"/>
+              <a:t> </a:t>
+            </a:r>
+            <a:r>
+              <a:rPr lang="de-DE" baseline="0" dirty="0" err="1" smtClean="0"/>
+              <a:t>dihydrogen</a:t>
+            </a:r>
+            <a:r>
+              <a:rPr lang="de-DE" baseline="0" dirty="0" smtClean="0"/>
+              <a:t> </a:t>
+            </a:r>
+            <a:r>
+              <a:rPr lang="de-DE" baseline="0" dirty="0" err="1" smtClean="0"/>
+              <a:t>with</a:t>
+            </a:r>
+            <a:r>
+              <a:rPr lang="de-DE" baseline="0" dirty="0" smtClean="0"/>
+              <a:t> 84% </a:t>
+            </a:r>
+            <a:r>
+              <a:rPr lang="en-US" dirty="0" smtClean="0"/>
+              <a:t>is the most abundant gas in the solar system in terms of molar numbers. It is present on earth only in small quantities and hard to preserve. However, combined with water under certain conditions, it is involved in a electricity generating reaction 	that emits water. Fuel cells are relying on this principle to generate clean energy. This raises several questions:&lt;/</a:t>
+            </a:r>
+            <a:r>
+              <a:rPr lang="en-US" dirty="0" err="1" smtClean="0"/>
+              <a:t>br</a:t>
+            </a:r>
+            <a:r>
+              <a:rPr lang="en-US" dirty="0" smtClean="0"/>
+              <a:t>&gt;  * How does a fuel cell work?  * What can it be used for?  * Where does hydrogen come from?  * Is there a market related? What stage has it reached?  * How can governments support hydrogen power?  * What are the potential evolutions for the product and the market?  You can find answers to those questions in the Fuel Cell Industry Analysis Report 2015</a:t>
+            </a:r>
+            <a:endParaRPr lang="en-US" dirty="0"/>
           </a:p>
         </p:txBody>
       </p:sp>
@@ -7020,6 +6094,90 @@
 </file>
 
 <file path=ppt/notesSlides/notesSlide2.xml><?xml version="1.0" encoding="utf-8"?>
+<p:notes xmlns:a="http://schemas.openxmlformats.org/drawingml/2006/main" xmlns:r="http://schemas.openxmlformats.org/officeDocument/2006/relationships" xmlns:p="http://schemas.openxmlformats.org/presentationml/2006/main">
+  <p:cSld>
+    <p:spTree>
+      <p:nvGrpSpPr>
+        <p:cNvPr id="1" name=""/>
+        <p:cNvGrpSpPr/>
+        <p:nvPr/>
+      </p:nvGrpSpPr>
+      <p:grpSpPr>
+        <a:xfrm>
+          <a:off x="0" y="0"/>
+          <a:ext cx="0" cy="0"/>
+          <a:chOff x="0" y="0"/>
+          <a:chExt cx="0" cy="0"/>
+        </a:xfrm>
+      </p:grpSpPr>
+      <p:sp>
+        <p:nvSpPr>
+          <p:cNvPr id="2" name="Slide Image Placeholder 1"/>
+          <p:cNvSpPr>
+            <a:spLocks noGrp="1" noRot="1" noChangeAspect="1"/>
+          </p:cNvSpPr>
+          <p:nvPr>
+            <p:ph type="sldImg"/>
+          </p:nvPr>
+        </p:nvSpPr>
+        <p:spPr/>
+      </p:sp>
+      <p:sp>
+        <p:nvSpPr>
+          <p:cNvPr id="3" name="Notes Placeholder 2"/>
+          <p:cNvSpPr>
+            <a:spLocks noGrp="1"/>
+          </p:cNvSpPr>
+          <p:nvPr>
+            <p:ph type="body" idx="1"/>
+          </p:nvPr>
+        </p:nvSpPr>
+        <p:spPr/>
+        <p:txBody>
+          <a:bodyPr/>
+          <a:lstStyle/>
+          <a:p>
+            <a:endParaRPr lang="en-US"/>
+          </a:p>
+        </p:txBody>
+      </p:sp>
+      <p:sp>
+        <p:nvSpPr>
+          <p:cNvPr id="4" name="Slide Number Placeholder 3"/>
+          <p:cNvSpPr>
+            <a:spLocks noGrp="1"/>
+          </p:cNvSpPr>
+          <p:nvPr>
+            <p:ph type="sldNum" sz="quarter" idx="10"/>
+          </p:nvPr>
+        </p:nvSpPr>
+        <p:spPr/>
+        <p:txBody>
+          <a:bodyPr/>
+          <a:lstStyle/>
+          <a:p>
+            <a:fld id="{3C34E867-41F4-48E7-8B36-52D0CC1AAFEA}" type="slidenum">
+              <a:rPr lang="en-US" smtClean="0"/>
+              <a:t>2</a:t>
+            </a:fld>
+            <a:endParaRPr lang="en-US"/>
+          </a:p>
+        </p:txBody>
+      </p:sp>
+    </p:spTree>
+    <p:extLst>
+      <p:ext uri="{BB962C8B-B14F-4D97-AF65-F5344CB8AC3E}">
+        <p14:creationId xmlns:p14="http://schemas.microsoft.com/office/powerpoint/2010/main" val="4162098152"/>
+      </p:ext>
+    </p:extLst>
+  </p:cSld>
+  <p:clrMapOvr>
+    <a:masterClrMapping/>
+  </p:clrMapOvr>
+</p:notes>
+</file>
+
+<file path=ppt/notesSlides/notesSlide3.xml><?xml version="1.0" encoding="utf-8"?>
 <p:notes xmlns:a="http://schemas.openxmlformats.org/drawingml/2006/main" xmlns:r="http://schemas.openxmlformats.org/officeDocument/2006/relationships" xmlns:p="http://schemas.openxmlformats.org/presentationml/2006/main">
   <p:cSld>
     <p:spTree>
@@ -7063,7 +6221,127 @@
           <a:bodyPr/>
           <a:lstStyle/>
           <a:p>
-            <a:endParaRPr lang="fr-FR"/>
+            <a:r>
+              <a:rPr lang="fr-FR" dirty="0" smtClean="0"/>
+              <a:t>Tell more</a:t>
+            </a:r>
+            <a:r>
+              <a:rPr lang="fr-FR" baseline="0" dirty="0" smtClean="0"/>
+              <a:t> about background</a:t>
+            </a:r>
+          </a:p>
+          <a:p>
+            <a:r>
+              <a:rPr lang="fr-FR" baseline="0" dirty="0" err="1" smtClean="0"/>
+              <a:t>Interested</a:t>
+            </a:r>
+            <a:r>
+              <a:rPr lang="fr-FR" baseline="0" dirty="0" smtClean="0"/>
+              <a:t> in </a:t>
+            </a:r>
+            <a:r>
+              <a:rPr lang="fr-FR" baseline="0" dirty="0" err="1" smtClean="0"/>
+              <a:t>writig</a:t>
+            </a:r>
+            <a:r>
+              <a:rPr lang="fr-FR" baseline="0" dirty="0" smtClean="0"/>
+              <a:t> about </a:t>
+            </a:r>
+            <a:r>
+              <a:rPr lang="fr-FR" baseline="0" dirty="0" err="1" smtClean="0"/>
+              <a:t>fc</a:t>
+            </a:r>
+            <a:r>
+              <a:rPr lang="fr-FR" baseline="0" dirty="0" smtClean="0"/>
+              <a:t> as an </a:t>
+            </a:r>
+            <a:r>
+              <a:rPr lang="fr-FR" baseline="0" dirty="0" err="1" smtClean="0"/>
+              <a:t>alernative</a:t>
+            </a:r>
+            <a:r>
+              <a:rPr lang="fr-FR" baseline="0" dirty="0" smtClean="0"/>
+              <a:t> source, at the </a:t>
+            </a:r>
+            <a:r>
+              <a:rPr lang="fr-FR" baseline="0" dirty="0" err="1" smtClean="0"/>
+              <a:t>same</a:t>
+            </a:r>
+            <a:r>
+              <a:rPr lang="fr-FR" baseline="0" dirty="0" smtClean="0"/>
+              <a:t> time </a:t>
+            </a:r>
+            <a:r>
+              <a:rPr lang="fr-FR" baseline="0" dirty="0" err="1" smtClean="0"/>
+              <a:t>lack</a:t>
+            </a:r>
+            <a:r>
+              <a:rPr lang="fr-FR" baseline="0" dirty="0" smtClean="0"/>
+              <a:t> of </a:t>
+            </a:r>
+            <a:r>
+              <a:rPr lang="fr-FR" baseline="0" dirty="0" err="1" smtClean="0"/>
+              <a:t>knowldege</a:t>
+            </a:r>
+            <a:r>
+              <a:rPr lang="fr-FR" baseline="0" dirty="0" smtClean="0"/>
+              <a:t>, esp </a:t>
+            </a:r>
+            <a:r>
+              <a:rPr lang="fr-FR" baseline="0" dirty="0" err="1" smtClean="0"/>
+              <a:t>automotive</a:t>
+            </a:r>
+            <a:r>
+              <a:rPr lang="fr-FR" baseline="0" dirty="0" smtClean="0"/>
+              <a:t> </a:t>
+            </a:r>
+            <a:r>
+              <a:rPr lang="fr-FR" baseline="0" dirty="0" err="1" smtClean="0"/>
+              <a:t>industry</a:t>
+            </a:r>
+            <a:r>
+              <a:rPr lang="fr-FR" baseline="0" dirty="0" smtClean="0"/>
+              <a:t>, </a:t>
+            </a:r>
+            <a:r>
+              <a:rPr lang="fr-FR" baseline="0" dirty="0" err="1" smtClean="0"/>
+              <a:t>apears</a:t>
+            </a:r>
+            <a:r>
+              <a:rPr lang="fr-FR" baseline="0" dirty="0" smtClean="0"/>
+              <a:t> in media,</a:t>
+            </a:r>
+          </a:p>
+          <a:p>
+            <a:r>
+              <a:rPr lang="fr-FR" baseline="0" dirty="0" smtClean="0"/>
+              <a:t>Share the </a:t>
+            </a:r>
+            <a:r>
+              <a:rPr lang="fr-FR" baseline="0" dirty="0" err="1" smtClean="0"/>
+              <a:t>knowledge</a:t>
+            </a:r>
+            <a:r>
+              <a:rPr lang="fr-FR" baseline="0" dirty="0" smtClean="0"/>
+              <a:t>, </a:t>
+            </a:r>
+            <a:r>
+              <a:rPr lang="fr-FR" baseline="0" dirty="0" err="1" smtClean="0"/>
+              <a:t>realized</a:t>
+            </a:r>
+            <a:r>
+              <a:rPr lang="fr-FR" baseline="0" dirty="0" smtClean="0"/>
+              <a:t> the relevance in first </a:t>
+            </a:r>
+            <a:r>
+              <a:rPr lang="fr-FR" baseline="0" dirty="0" err="1" smtClean="0"/>
+              <a:t>presentation</a:t>
+            </a:r>
+            <a:r>
+              <a:rPr lang="fr-FR" baseline="0" dirty="0" smtClean="0"/>
+              <a:t>, </a:t>
+            </a:r>
+            <a:endParaRPr lang="fr-FR" dirty="0"/>
           </a:p>
         </p:txBody>
       </p:sp>
@@ -7084,7 +6362,7 @@
           <a:p>
             <a:fld id="{3C34E867-41F4-48E7-8B36-52D0CC1AAFEA}" type="slidenum">
               <a:rPr lang="en-US" smtClean="0"/>
-              <a:t>5</a:t>
+              <a:t>4</a:t>
             </a:fld>
             <a:endParaRPr lang="en-US"/>
           </a:p>
@@ -7103,7 +6381,7 @@
 </p:notes>
 </file>
 
-<file path=ppt/notesSlides/notesSlide3.xml><?xml version="1.0" encoding="utf-8"?>
+<file path=ppt/notesSlides/notesSlide4.xml><?xml version="1.0" encoding="utf-8"?>
 <p:notes xmlns:a="http://schemas.openxmlformats.org/drawingml/2006/main" xmlns:r="http://schemas.openxmlformats.org/officeDocument/2006/relationships" xmlns:p="http://schemas.openxmlformats.org/presentationml/2006/main">
   <p:cSld>
     <p:spTree>
@@ -7147,6 +6425,452 @@
           <a:bodyPr/>
           <a:lstStyle/>
           <a:p>
+            <a:r>
+              <a:rPr lang="de-DE" dirty="0" err="1" smtClean="0"/>
+              <a:t>GitHub</a:t>
+            </a:r>
+            <a:r>
+              <a:rPr lang="de-DE" dirty="0" smtClean="0"/>
+              <a:t>: </a:t>
+            </a:r>
+            <a:r>
+              <a:rPr lang="de-DE" dirty="0" err="1" smtClean="0"/>
+              <a:t>collaborate</a:t>
+            </a:r>
+            <a:r>
+              <a:rPr lang="de-DE" baseline="0" dirty="0" smtClean="0"/>
+              <a:t> </a:t>
+            </a:r>
+            <a:r>
+              <a:rPr lang="de-DE" baseline="0" dirty="0" err="1" smtClean="0"/>
+              <a:t>with</a:t>
+            </a:r>
+            <a:r>
+              <a:rPr lang="de-DE" baseline="0" dirty="0" smtClean="0"/>
+              <a:t> </a:t>
+            </a:r>
+            <a:r>
+              <a:rPr lang="de-DE" baseline="0" dirty="0" err="1" smtClean="0"/>
+              <a:t>whole</a:t>
+            </a:r>
+            <a:r>
+              <a:rPr lang="de-DE" baseline="0" dirty="0" smtClean="0"/>
+              <a:t> </a:t>
+            </a:r>
+            <a:r>
+              <a:rPr lang="de-DE" baseline="0" dirty="0" err="1" smtClean="0"/>
+              <a:t>class</a:t>
+            </a:r>
+            <a:r>
+              <a:rPr lang="de-DE" baseline="0" dirty="0" smtClean="0"/>
+              <a:t>, </a:t>
+            </a:r>
+            <a:r>
+              <a:rPr lang="de-DE" baseline="0" dirty="0" err="1" smtClean="0"/>
+              <a:t>website</a:t>
+            </a:r>
+            <a:r>
+              <a:rPr lang="de-DE" baseline="0" dirty="0" smtClean="0"/>
+              <a:t> </a:t>
+            </a:r>
+            <a:r>
+              <a:rPr lang="de-DE" baseline="0" dirty="0" err="1" smtClean="0"/>
+              <a:t>free</a:t>
+            </a:r>
+            <a:r>
+              <a:rPr lang="de-DE" baseline="0" dirty="0" smtClean="0"/>
+              <a:t>, </a:t>
+            </a:r>
+            <a:r>
+              <a:rPr lang="de-DE" baseline="0" dirty="0" err="1" smtClean="0"/>
+              <a:t>language</a:t>
+            </a:r>
+            <a:r>
+              <a:rPr lang="de-DE" baseline="0" dirty="0" smtClean="0"/>
+              <a:t> easy</a:t>
+            </a:r>
+          </a:p>
+          <a:p>
+            <a:r>
+              <a:rPr lang="de-DE" baseline="0" dirty="0" err="1" smtClean="0"/>
+              <a:t>Teambition</a:t>
+            </a:r>
+            <a:r>
+              <a:rPr lang="de-DE" baseline="0" dirty="0" smtClean="0"/>
+              <a:t>: </a:t>
+            </a:r>
+            <a:r>
+              <a:rPr lang="de-DE" baseline="0" dirty="0" err="1" smtClean="0"/>
+              <a:t>set</a:t>
+            </a:r>
+            <a:r>
+              <a:rPr lang="de-DE" baseline="0" dirty="0" smtClean="0"/>
+              <a:t> </a:t>
+            </a:r>
+            <a:r>
+              <a:rPr lang="de-DE" baseline="0" dirty="0" err="1" smtClean="0"/>
+              <a:t>deadlines</a:t>
+            </a:r>
+            <a:r>
+              <a:rPr lang="de-DE" baseline="0" dirty="0" smtClean="0"/>
+              <a:t> </a:t>
+            </a:r>
+            <a:r>
+              <a:rPr lang="de-DE" baseline="0" dirty="0" err="1" smtClean="0"/>
+              <a:t>for</a:t>
+            </a:r>
+            <a:r>
+              <a:rPr lang="de-DE" baseline="0" dirty="0" smtClean="0"/>
+              <a:t> </a:t>
+            </a:r>
+            <a:r>
+              <a:rPr lang="de-DE" baseline="0" dirty="0" err="1" smtClean="0"/>
+              <a:t>ourselves</a:t>
+            </a:r>
+            <a:r>
+              <a:rPr lang="de-DE" baseline="0" dirty="0" smtClean="0"/>
+              <a:t>, </a:t>
+            </a:r>
+            <a:r>
+              <a:rPr lang="de-DE" baseline="0" dirty="0" err="1" smtClean="0"/>
+              <a:t>shared</a:t>
+            </a:r>
+            <a:r>
+              <a:rPr lang="de-DE" baseline="0" dirty="0" smtClean="0"/>
+              <a:t> </a:t>
+            </a:r>
+            <a:r>
+              <a:rPr lang="de-DE" baseline="0" dirty="0" err="1" smtClean="0"/>
+              <a:t>resources</a:t>
+            </a:r>
+            <a:endParaRPr lang="de-DE" baseline="0" dirty="0" smtClean="0"/>
+          </a:p>
+          <a:p>
+            <a:r>
+              <a:rPr lang="de-DE" baseline="0" dirty="0" smtClean="0"/>
+              <a:t>Office: </a:t>
+            </a:r>
+            <a:r>
+              <a:rPr lang="de-DE" baseline="0" dirty="0" err="1" smtClean="0"/>
+              <a:t>chose</a:t>
+            </a:r>
+            <a:r>
+              <a:rPr lang="de-DE" baseline="0" dirty="0" smtClean="0"/>
+              <a:t> Word </a:t>
+            </a:r>
+            <a:r>
+              <a:rPr lang="de-DE" baseline="0" dirty="0" err="1" smtClean="0"/>
+              <a:t>everybody</a:t>
+            </a:r>
+            <a:r>
+              <a:rPr lang="de-DE" baseline="0" dirty="0" smtClean="0"/>
+              <a:t> </a:t>
+            </a:r>
+            <a:r>
+              <a:rPr lang="de-DE" baseline="0" dirty="0" err="1" smtClean="0"/>
+              <a:t>can</a:t>
+            </a:r>
+            <a:r>
+              <a:rPr lang="de-DE" baseline="0" dirty="0" smtClean="0"/>
+              <a:t> </a:t>
+            </a:r>
+            <a:r>
+              <a:rPr lang="de-DE" baseline="0" dirty="0" err="1" smtClean="0"/>
+              <a:t>use</a:t>
+            </a:r>
+            <a:r>
+              <a:rPr lang="de-DE" baseline="0" dirty="0" smtClean="0"/>
+              <a:t> </a:t>
+            </a:r>
+            <a:r>
+              <a:rPr lang="de-DE" baseline="0" dirty="0" err="1" smtClean="0"/>
+              <a:t>it</a:t>
+            </a:r>
+            <a:r>
+              <a:rPr lang="de-DE" baseline="0" dirty="0" smtClean="0"/>
+              <a:t> </a:t>
+            </a:r>
+            <a:r>
+              <a:rPr lang="de-DE" baseline="0" dirty="0" err="1" smtClean="0"/>
+              <a:t>have</a:t>
+            </a:r>
+            <a:r>
+              <a:rPr lang="de-DE" baseline="0" dirty="0" smtClean="0"/>
+              <a:t> </a:t>
+            </a:r>
+            <a:r>
+              <a:rPr lang="de-DE" baseline="0" dirty="0" err="1" smtClean="0"/>
+              <a:t>it</a:t>
+            </a:r>
+            <a:r>
+              <a:rPr lang="de-DE" baseline="0" dirty="0" smtClean="0"/>
+              <a:t>, </a:t>
+            </a:r>
+            <a:r>
+              <a:rPr lang="de-DE" baseline="0" dirty="0" err="1" smtClean="0"/>
+              <a:t>Indesign</a:t>
+            </a:r>
+            <a:r>
+              <a:rPr lang="de-DE" baseline="0" dirty="0" smtClean="0"/>
+              <a:t> </a:t>
+            </a:r>
+            <a:r>
+              <a:rPr lang="de-DE" baseline="0" dirty="0" err="1" smtClean="0"/>
+              <a:t>and</a:t>
+            </a:r>
+            <a:r>
+              <a:rPr lang="de-DE" baseline="0" dirty="0" smtClean="0"/>
+              <a:t> Latex </a:t>
+            </a:r>
+            <a:r>
+              <a:rPr lang="de-DE" baseline="0" dirty="0" err="1" smtClean="0"/>
+              <a:t>weren‘t</a:t>
+            </a:r>
+            <a:r>
+              <a:rPr lang="de-DE" baseline="0" dirty="0" smtClean="0"/>
+              <a:t> </a:t>
+            </a:r>
+            <a:r>
+              <a:rPr lang="de-DE" baseline="0" dirty="0" err="1" smtClean="0"/>
+              <a:t>options</a:t>
+            </a:r>
+            <a:r>
+              <a:rPr lang="de-DE" baseline="0" dirty="0" smtClean="0"/>
+              <a:t> </a:t>
+            </a:r>
+            <a:r>
+              <a:rPr lang="de-DE" baseline="0" dirty="0" err="1" smtClean="0"/>
+              <a:t>cause</a:t>
+            </a:r>
+            <a:r>
+              <a:rPr lang="de-DE" baseline="0" dirty="0" smtClean="0"/>
+              <a:t> not </a:t>
+            </a:r>
+            <a:r>
+              <a:rPr lang="de-DE" baseline="0" dirty="0" err="1" smtClean="0"/>
+              <a:t>everybody</a:t>
+            </a:r>
+            <a:r>
+              <a:rPr lang="de-DE" baseline="0" dirty="0" smtClean="0"/>
+              <a:t> </a:t>
+            </a:r>
+            <a:r>
+              <a:rPr lang="de-DE" baseline="0" dirty="0" err="1" smtClean="0"/>
+              <a:t>could</a:t>
+            </a:r>
+            <a:r>
+              <a:rPr lang="de-DE" baseline="0" dirty="0" smtClean="0"/>
+              <a:t> </a:t>
+            </a:r>
+            <a:r>
+              <a:rPr lang="de-DE" baseline="0" dirty="0" err="1" smtClean="0"/>
+              <a:t>work</a:t>
+            </a:r>
+            <a:r>
+              <a:rPr lang="de-DE" baseline="0" dirty="0" smtClean="0"/>
+              <a:t> </a:t>
+            </a:r>
+            <a:r>
+              <a:rPr lang="de-DE" baseline="0" dirty="0" err="1" smtClean="0"/>
+              <a:t>with</a:t>
+            </a:r>
+            <a:r>
+              <a:rPr lang="de-DE" baseline="0" dirty="0" smtClean="0"/>
+              <a:t> </a:t>
+            </a:r>
+            <a:r>
+              <a:rPr lang="de-DE" baseline="0" dirty="0" err="1" smtClean="0"/>
+              <a:t>it</a:t>
+            </a:r>
+            <a:endParaRPr lang="de-DE" baseline="0" dirty="0" smtClean="0"/>
+          </a:p>
+          <a:p>
+            <a:r>
+              <a:rPr lang="de-DE" baseline="0" dirty="0" smtClean="0"/>
+              <a:t>Atom: </a:t>
+            </a:r>
+            <a:r>
+              <a:rPr lang="de-DE" baseline="0" dirty="0" err="1" smtClean="0"/>
+              <a:t>keep</a:t>
+            </a:r>
+            <a:r>
+              <a:rPr lang="de-DE" baseline="0" dirty="0" smtClean="0"/>
+              <a:t> </a:t>
+            </a:r>
+            <a:r>
+              <a:rPr lang="de-DE" baseline="0" dirty="0" err="1" smtClean="0"/>
+              <a:t>track</a:t>
+            </a:r>
+            <a:r>
+              <a:rPr lang="de-DE" baseline="0" dirty="0" smtClean="0"/>
+              <a:t> </a:t>
+            </a:r>
+            <a:r>
+              <a:rPr lang="de-DE" baseline="0" dirty="0" err="1" smtClean="0"/>
+              <a:t>with</a:t>
+            </a:r>
+            <a:r>
+              <a:rPr lang="de-DE" baseline="0" dirty="0" smtClean="0"/>
+              <a:t> </a:t>
+            </a:r>
+            <a:r>
+              <a:rPr lang="de-DE" baseline="0" dirty="0" err="1" smtClean="0"/>
+              <a:t>meetingminutes</a:t>
+            </a:r>
+            <a:r>
+              <a:rPr lang="de-DE" baseline="0" dirty="0" smtClean="0"/>
+              <a:t>, </a:t>
+            </a:r>
+            <a:r>
+              <a:rPr lang="de-DE" baseline="0" dirty="0" err="1" smtClean="0"/>
+              <a:t>used</a:t>
+            </a:r>
+            <a:r>
+              <a:rPr lang="de-DE" baseline="0" dirty="0" smtClean="0"/>
+              <a:t> </a:t>
+            </a:r>
+            <a:r>
+              <a:rPr lang="de-DE" baseline="0" dirty="0" err="1" smtClean="0"/>
+              <a:t>because</a:t>
+            </a:r>
+            <a:r>
+              <a:rPr lang="de-DE" baseline="0" dirty="0" smtClean="0"/>
+              <a:t> </a:t>
+            </a:r>
+            <a:r>
+              <a:rPr lang="de-DE" baseline="0" dirty="0" err="1" smtClean="0"/>
+              <a:t>of</a:t>
+            </a:r>
+            <a:r>
+              <a:rPr lang="de-DE" baseline="0" dirty="0" smtClean="0"/>
+              <a:t> </a:t>
+            </a:r>
+            <a:r>
+              <a:rPr lang="de-DE" baseline="0" dirty="0" err="1" smtClean="0"/>
+              <a:t>markdown</a:t>
+            </a:r>
+            <a:r>
+              <a:rPr lang="de-DE" baseline="0" dirty="0" smtClean="0"/>
+              <a:t> </a:t>
+            </a:r>
+            <a:r>
+              <a:rPr lang="de-DE" baseline="0" dirty="0" err="1" smtClean="0"/>
+              <a:t>preview</a:t>
+            </a:r>
+            <a:endParaRPr lang="de-DE" baseline="0" dirty="0" smtClean="0"/>
+          </a:p>
+          <a:p>
+            <a:r>
+              <a:rPr lang="de-DE" baseline="0" dirty="0" err="1" smtClean="0"/>
+              <a:t>Citavi</a:t>
+            </a:r>
+            <a:r>
+              <a:rPr lang="de-DE" baseline="0" dirty="0" smtClean="0"/>
+              <a:t>: </a:t>
+            </a:r>
+            <a:r>
+              <a:rPr lang="de-DE" baseline="0" dirty="0" err="1" smtClean="0"/>
+              <a:t>add</a:t>
+            </a:r>
+            <a:r>
+              <a:rPr lang="de-DE" baseline="0" dirty="0" smtClean="0"/>
+              <a:t> </a:t>
+            </a:r>
+            <a:r>
+              <a:rPr lang="de-DE" baseline="0" dirty="0" err="1" smtClean="0"/>
+              <a:t>papers</a:t>
+            </a:r>
+            <a:r>
+              <a:rPr lang="de-DE" baseline="0" dirty="0" smtClean="0"/>
+              <a:t> </a:t>
+            </a:r>
+            <a:r>
+              <a:rPr lang="de-DE" baseline="0" dirty="0" err="1" smtClean="0"/>
+              <a:t>and</a:t>
+            </a:r>
+            <a:r>
+              <a:rPr lang="de-DE" baseline="0" dirty="0" smtClean="0"/>
+              <a:t> </a:t>
+            </a:r>
+            <a:r>
+              <a:rPr lang="de-DE" baseline="0" dirty="0" err="1" smtClean="0"/>
+              <a:t>websites</a:t>
+            </a:r>
+            <a:r>
+              <a:rPr lang="de-DE" baseline="0" dirty="0" smtClean="0"/>
+              <a:t> </a:t>
+            </a:r>
+            <a:r>
+              <a:rPr lang="de-DE" baseline="0" dirty="0" err="1" smtClean="0"/>
+              <a:t>easily</a:t>
+            </a:r>
+            <a:r>
+              <a:rPr lang="de-DE" baseline="0" dirty="0" smtClean="0"/>
+              <a:t>, </a:t>
+            </a:r>
+            <a:r>
+              <a:rPr lang="de-DE" baseline="0" dirty="0" err="1" smtClean="0"/>
+              <a:t>with</a:t>
+            </a:r>
+            <a:r>
+              <a:rPr lang="de-DE" baseline="0" dirty="0" smtClean="0"/>
+              <a:t> </a:t>
+            </a:r>
+            <a:r>
+              <a:rPr lang="de-DE" baseline="0" dirty="0" err="1" smtClean="0"/>
+              <a:t>word</a:t>
+            </a:r>
+            <a:r>
+              <a:rPr lang="de-DE" baseline="0" dirty="0" smtClean="0"/>
+              <a:t> </a:t>
+            </a:r>
+            <a:r>
+              <a:rPr lang="de-DE" baseline="0" dirty="0" err="1" smtClean="0"/>
+              <a:t>plugin</a:t>
+            </a:r>
+            <a:r>
+              <a:rPr lang="de-DE" baseline="0" dirty="0" smtClean="0"/>
+              <a:t> </a:t>
+            </a:r>
+            <a:r>
+              <a:rPr lang="de-DE" baseline="0" dirty="0" err="1" smtClean="0"/>
+              <a:t>add</a:t>
+            </a:r>
+            <a:r>
+              <a:rPr lang="de-DE" baseline="0" dirty="0" smtClean="0"/>
+              <a:t> </a:t>
+            </a:r>
+            <a:r>
+              <a:rPr lang="de-DE" baseline="0" dirty="0" err="1" smtClean="0"/>
+              <a:t>references</a:t>
+            </a:r>
+            <a:r>
+              <a:rPr lang="de-DE" baseline="0" dirty="0" smtClean="0"/>
+              <a:t> in </a:t>
+            </a:r>
+            <a:r>
+              <a:rPr lang="de-DE" baseline="0" dirty="0" err="1" smtClean="0"/>
+              <a:t>document</a:t>
+            </a:r>
+            <a:r>
+              <a:rPr lang="de-DE" baseline="0" dirty="0" smtClean="0"/>
+              <a:t>, </a:t>
+            </a:r>
+            <a:r>
+              <a:rPr lang="de-DE" baseline="0" dirty="0" err="1" smtClean="0"/>
+              <a:t>consistency</a:t>
+            </a:r>
+            <a:r>
+              <a:rPr lang="de-DE" baseline="0" dirty="0" smtClean="0"/>
+              <a:t> in all </a:t>
+            </a:r>
+            <a:r>
+              <a:rPr lang="de-DE" baseline="0" dirty="0" err="1" smtClean="0"/>
+              <a:t>references</a:t>
+            </a:r>
+            <a:endParaRPr lang="de-DE" baseline="0" dirty="0" smtClean="0"/>
+          </a:p>
+          <a:p>
             <a:endParaRPr lang="en-US" dirty="0"/>
           </a:p>
         </p:txBody>
@@ -7168,7 +6892,438 @@
           <a:p>
             <a:fld id="{3C34E867-41F4-48E7-8B36-52D0CC1AAFEA}" type="slidenum">
               <a:rPr lang="en-US" smtClean="0"/>
-              <a:t>9</a:t>
+              <a:t>5</a:t>
+            </a:fld>
+            <a:endParaRPr lang="en-US"/>
+          </a:p>
+        </p:txBody>
+      </p:sp>
+    </p:spTree>
+    <p:extLst>
+      <p:ext uri="{BB962C8B-B14F-4D97-AF65-F5344CB8AC3E}">
+        <p14:creationId xmlns:p14="http://schemas.microsoft.com/office/powerpoint/2010/main" val="2454489633"/>
+      </p:ext>
+    </p:extLst>
+  </p:cSld>
+  <p:clrMapOvr>
+    <a:masterClrMapping/>
+  </p:clrMapOvr>
+</p:notes>
+</file>
+
+<file path=ppt/notesSlides/notesSlide5.xml><?xml version="1.0" encoding="utf-8"?>
+<p:notes xmlns:a="http://schemas.openxmlformats.org/drawingml/2006/main" xmlns:r="http://schemas.openxmlformats.org/officeDocument/2006/relationships" xmlns:p="http://schemas.openxmlformats.org/presentationml/2006/main">
+  <p:cSld>
+    <p:spTree>
+      <p:nvGrpSpPr>
+        <p:cNvPr id="1" name=""/>
+        <p:cNvGrpSpPr/>
+        <p:nvPr/>
+      </p:nvGrpSpPr>
+      <p:grpSpPr>
+        <a:xfrm>
+          <a:off x="0" y="0"/>
+          <a:ext cx="0" cy="0"/>
+          <a:chOff x="0" y="0"/>
+          <a:chExt cx="0" cy="0"/>
+        </a:xfrm>
+      </p:grpSpPr>
+      <p:sp>
+        <p:nvSpPr>
+          <p:cNvPr id="2" name="Slide Image Placeholder 1"/>
+          <p:cNvSpPr>
+            <a:spLocks noGrp="1" noRot="1" noChangeAspect="1"/>
+          </p:cNvSpPr>
+          <p:nvPr>
+            <p:ph type="sldImg"/>
+          </p:nvPr>
+        </p:nvSpPr>
+        <p:spPr/>
+      </p:sp>
+      <p:sp>
+        <p:nvSpPr>
+          <p:cNvPr id="3" name="Notes Placeholder 2"/>
+          <p:cNvSpPr>
+            <a:spLocks noGrp="1"/>
+          </p:cNvSpPr>
+          <p:nvPr>
+            <p:ph type="body" idx="1"/>
+          </p:nvPr>
+        </p:nvSpPr>
+        <p:spPr/>
+        <p:txBody>
+          <a:bodyPr/>
+          <a:lstStyle/>
+          <a:p>
+            <a:r>
+              <a:rPr lang="de-DE" dirty="0" smtClean="0"/>
+              <a:t>Website:</a:t>
+            </a:r>
+            <a:r>
+              <a:rPr lang="de-DE" baseline="0" dirty="0" smtClean="0"/>
+              <a:t> </a:t>
+            </a:r>
+            <a:r>
+              <a:rPr lang="de-DE" baseline="0" dirty="0" err="1" smtClean="0"/>
+              <a:t>make</a:t>
+            </a:r>
+            <a:r>
+              <a:rPr lang="de-DE" baseline="0" dirty="0" smtClean="0"/>
+              <a:t> </a:t>
+            </a:r>
+            <a:r>
+              <a:rPr lang="de-DE" baseline="0" dirty="0" err="1" smtClean="0"/>
+              <a:t>report</a:t>
+            </a:r>
+            <a:r>
+              <a:rPr lang="de-DE" baseline="0" dirty="0" smtClean="0"/>
+              <a:t> </a:t>
+            </a:r>
+            <a:r>
+              <a:rPr lang="de-DE" baseline="0" dirty="0" err="1" smtClean="0"/>
+              <a:t>available</a:t>
+            </a:r>
+            <a:r>
+              <a:rPr lang="de-DE" baseline="0" dirty="0" smtClean="0"/>
+              <a:t> online, simple </a:t>
+            </a:r>
+            <a:r>
+              <a:rPr lang="de-DE" baseline="0" dirty="0" err="1" smtClean="0"/>
+              <a:t>intro</a:t>
+            </a:r>
+            <a:r>
+              <a:rPr lang="de-DE" baseline="0" dirty="0" smtClean="0"/>
+              <a:t> </a:t>
+            </a:r>
+            <a:r>
+              <a:rPr lang="de-DE" baseline="0" dirty="0" err="1" smtClean="0"/>
+              <a:t>about</a:t>
+            </a:r>
+            <a:r>
+              <a:rPr lang="de-DE" baseline="0" dirty="0" smtClean="0"/>
+              <a:t> </a:t>
+            </a:r>
+            <a:r>
+              <a:rPr lang="de-DE" baseline="0" dirty="0" err="1" smtClean="0"/>
+              <a:t>each</a:t>
+            </a:r>
+            <a:r>
+              <a:rPr lang="de-DE" baseline="0" dirty="0" smtClean="0"/>
+              <a:t> </a:t>
+            </a:r>
+            <a:r>
+              <a:rPr lang="de-DE" baseline="0" dirty="0" err="1" smtClean="0"/>
+              <a:t>topic</a:t>
+            </a:r>
+            <a:r>
+              <a:rPr lang="de-DE" baseline="0" dirty="0" smtClean="0"/>
+              <a:t>, </a:t>
+            </a:r>
+            <a:r>
+              <a:rPr lang="de-DE" baseline="0" dirty="0" err="1" smtClean="0"/>
+              <a:t>download</a:t>
+            </a:r>
+            <a:r>
+              <a:rPr lang="de-DE" baseline="0" dirty="0" smtClean="0"/>
+              <a:t> </a:t>
+            </a:r>
+            <a:r>
+              <a:rPr lang="de-DE" baseline="0" dirty="0" err="1" smtClean="0"/>
+              <a:t>report</a:t>
+            </a:r>
+            <a:r>
+              <a:rPr lang="de-DE" baseline="0" dirty="0" smtClean="0"/>
+              <a:t>, link </a:t>
+            </a:r>
+            <a:r>
+              <a:rPr lang="de-DE" baseline="0" dirty="0" err="1" smtClean="0"/>
+              <a:t>to</a:t>
+            </a:r>
+            <a:r>
+              <a:rPr lang="de-DE" baseline="0" dirty="0" smtClean="0"/>
+              <a:t> </a:t>
+            </a:r>
+            <a:r>
+              <a:rPr lang="de-DE" baseline="0" dirty="0" err="1" smtClean="0"/>
+              <a:t>giutHub</a:t>
+            </a:r>
+            <a:r>
+              <a:rPr lang="de-DE" baseline="0" dirty="0" smtClean="0"/>
+              <a:t> </a:t>
+            </a:r>
+            <a:r>
+              <a:rPr lang="de-DE" baseline="0" dirty="0" err="1" smtClean="0"/>
+              <a:t>for</a:t>
+            </a:r>
+            <a:r>
+              <a:rPr lang="de-DE" baseline="0" dirty="0" smtClean="0"/>
+              <a:t> </a:t>
+            </a:r>
+            <a:r>
+              <a:rPr lang="de-DE" baseline="0" dirty="0" err="1" smtClean="0"/>
+              <a:t>further</a:t>
+            </a:r>
+            <a:r>
+              <a:rPr lang="de-DE" baseline="0" dirty="0" smtClean="0"/>
+              <a:t> </a:t>
+            </a:r>
+            <a:r>
+              <a:rPr lang="de-DE" baseline="0" dirty="0" err="1" smtClean="0"/>
+              <a:t>collaboration</a:t>
+            </a:r>
+            <a:endParaRPr lang="en-US" dirty="0"/>
+          </a:p>
+        </p:txBody>
+      </p:sp>
+      <p:sp>
+        <p:nvSpPr>
+          <p:cNvPr id="4" name="Slide Number Placeholder 3"/>
+          <p:cNvSpPr>
+            <a:spLocks noGrp="1"/>
+          </p:cNvSpPr>
+          <p:nvPr>
+            <p:ph type="sldNum" sz="quarter" idx="10"/>
+          </p:nvPr>
+        </p:nvSpPr>
+        <p:spPr/>
+        <p:txBody>
+          <a:bodyPr/>
+          <a:lstStyle/>
+          <a:p>
+            <a:fld id="{3C34E867-41F4-48E7-8B36-52D0CC1AAFEA}" type="slidenum">
+              <a:rPr lang="en-US" smtClean="0"/>
+              <a:t>6</a:t>
+            </a:fld>
+            <a:endParaRPr lang="en-US"/>
+          </a:p>
+        </p:txBody>
+      </p:sp>
+    </p:spTree>
+    <p:extLst>
+      <p:ext uri="{BB962C8B-B14F-4D97-AF65-F5344CB8AC3E}">
+        <p14:creationId xmlns:p14="http://schemas.microsoft.com/office/powerpoint/2010/main" val="2743470814"/>
+      </p:ext>
+    </p:extLst>
+  </p:cSld>
+  <p:clrMapOvr>
+    <a:masterClrMapping/>
+  </p:clrMapOvr>
+</p:notes>
+</file>
+
+<file path=ppt/notesSlides/notesSlide6.xml><?xml version="1.0" encoding="utf-8"?>
+<p:notes xmlns:a="http://schemas.openxmlformats.org/drawingml/2006/main" xmlns:r="http://schemas.openxmlformats.org/officeDocument/2006/relationships" xmlns:p="http://schemas.openxmlformats.org/presentationml/2006/main">
+  <p:cSld>
+    <p:spTree>
+      <p:nvGrpSpPr>
+        <p:cNvPr id="1" name=""/>
+        <p:cNvGrpSpPr/>
+        <p:nvPr/>
+      </p:nvGrpSpPr>
+      <p:grpSpPr>
+        <a:xfrm>
+          <a:off x="0" y="0"/>
+          <a:ext cx="0" cy="0"/>
+          <a:chOff x="0" y="0"/>
+          <a:chExt cx="0" cy="0"/>
+        </a:xfrm>
+      </p:grpSpPr>
+      <p:sp>
+        <p:nvSpPr>
+          <p:cNvPr id="2" name="Slide Image Placeholder 1"/>
+          <p:cNvSpPr>
+            <a:spLocks noGrp="1" noRot="1" noChangeAspect="1"/>
+          </p:cNvSpPr>
+          <p:nvPr>
+            <p:ph type="sldImg"/>
+          </p:nvPr>
+        </p:nvSpPr>
+        <p:spPr/>
+      </p:sp>
+      <p:sp>
+        <p:nvSpPr>
+          <p:cNvPr id="3" name="Notes Placeholder 2"/>
+          <p:cNvSpPr>
+            <a:spLocks noGrp="1"/>
+          </p:cNvSpPr>
+          <p:nvPr>
+            <p:ph type="body" idx="1"/>
+          </p:nvPr>
+        </p:nvSpPr>
+        <p:spPr/>
+        <p:txBody>
+          <a:bodyPr/>
+          <a:lstStyle/>
+          <a:p>
+            <a:r>
+              <a:rPr lang="de-DE" dirty="0" smtClean="0"/>
+              <a:t>Go </a:t>
+            </a:r>
+            <a:r>
+              <a:rPr lang="de-DE" dirty="0" err="1" smtClean="0"/>
+              <a:t>through</a:t>
+            </a:r>
+            <a:r>
+              <a:rPr lang="de-DE" dirty="0" smtClean="0"/>
+              <a:t> </a:t>
+            </a:r>
+            <a:r>
+              <a:rPr lang="de-DE" dirty="0" err="1" smtClean="0"/>
+              <a:t>points</a:t>
+            </a:r>
+            <a:endParaRPr lang="de-DE" dirty="0" smtClean="0"/>
+          </a:p>
+          <a:p>
+            <a:r>
+              <a:rPr lang="de-DE" dirty="0" err="1" smtClean="0"/>
+              <a:t>Changed</a:t>
+            </a:r>
+            <a:r>
+              <a:rPr lang="de-DE" dirty="0" smtClean="0"/>
+              <a:t> </a:t>
+            </a:r>
+            <a:r>
+              <a:rPr lang="de-DE" dirty="0" err="1" smtClean="0"/>
+              <a:t>outline</a:t>
+            </a:r>
+            <a:r>
+              <a:rPr lang="de-DE" dirty="0" smtClean="0"/>
+              <a:t> </a:t>
+            </a:r>
+            <a:r>
+              <a:rPr lang="de-DE" dirty="0" err="1" smtClean="0"/>
+              <a:t>because</a:t>
+            </a:r>
+            <a:r>
+              <a:rPr lang="de-DE" dirty="0" smtClean="0"/>
+              <a:t> </a:t>
+            </a:r>
+            <a:r>
+              <a:rPr lang="de-DE" dirty="0" err="1" smtClean="0"/>
+              <a:t>member</a:t>
+            </a:r>
+            <a:r>
+              <a:rPr lang="de-DE" dirty="0" smtClean="0"/>
+              <a:t> </a:t>
+            </a:r>
+            <a:r>
+              <a:rPr lang="de-DE" dirty="0" err="1" smtClean="0"/>
+              <a:t>dropped</a:t>
+            </a:r>
+            <a:r>
+              <a:rPr lang="de-DE" dirty="0" smtClean="0"/>
+              <a:t> </a:t>
+            </a:r>
+            <a:r>
+              <a:rPr lang="de-DE" dirty="0" err="1" smtClean="0"/>
+              <a:t>class</a:t>
+            </a:r>
+            <a:endParaRPr lang="de-DE" dirty="0" smtClean="0"/>
+          </a:p>
+        </p:txBody>
+      </p:sp>
+      <p:sp>
+        <p:nvSpPr>
+          <p:cNvPr id="4" name="Slide Number Placeholder 3"/>
+          <p:cNvSpPr>
+            <a:spLocks noGrp="1"/>
+          </p:cNvSpPr>
+          <p:nvPr>
+            <p:ph type="sldNum" sz="quarter" idx="10"/>
+          </p:nvPr>
+        </p:nvSpPr>
+        <p:spPr/>
+        <p:txBody>
+          <a:bodyPr/>
+          <a:lstStyle/>
+          <a:p>
+            <a:fld id="{3C34E867-41F4-48E7-8B36-52D0CC1AAFEA}" type="slidenum">
+              <a:rPr lang="en-US" smtClean="0"/>
+              <a:t>7</a:t>
+            </a:fld>
+            <a:endParaRPr lang="en-US"/>
+          </a:p>
+        </p:txBody>
+      </p:sp>
+    </p:spTree>
+    <p:extLst>
+      <p:ext uri="{BB962C8B-B14F-4D97-AF65-F5344CB8AC3E}">
+        <p14:creationId xmlns:p14="http://schemas.microsoft.com/office/powerpoint/2010/main" val="2479460439"/>
+      </p:ext>
+    </p:extLst>
+  </p:cSld>
+  <p:clrMapOvr>
+    <a:masterClrMapping/>
+  </p:clrMapOvr>
+</p:notes>
+</file>
+
+<file path=ppt/notesSlides/notesSlide7.xml><?xml version="1.0" encoding="utf-8"?>
+<p:notes xmlns:a="http://schemas.openxmlformats.org/drawingml/2006/main" xmlns:r="http://schemas.openxmlformats.org/officeDocument/2006/relationships" xmlns:p="http://schemas.openxmlformats.org/presentationml/2006/main">
+  <p:cSld>
+    <p:spTree>
+      <p:nvGrpSpPr>
+        <p:cNvPr id="1" name=""/>
+        <p:cNvGrpSpPr/>
+        <p:nvPr/>
+      </p:nvGrpSpPr>
+      <p:grpSpPr>
+        <a:xfrm>
+          <a:off x="0" y="0"/>
+          <a:ext cx="0" cy="0"/>
+          <a:chOff x="0" y="0"/>
+          <a:chExt cx="0" cy="0"/>
+        </a:xfrm>
+      </p:grpSpPr>
+      <p:sp>
+        <p:nvSpPr>
+          <p:cNvPr id="2" name="Slide Image Placeholder 1"/>
+          <p:cNvSpPr>
+            <a:spLocks noGrp="1" noRot="1" noChangeAspect="1"/>
+          </p:cNvSpPr>
+          <p:nvPr>
+            <p:ph type="sldImg"/>
+          </p:nvPr>
+        </p:nvSpPr>
+        <p:spPr/>
+      </p:sp>
+      <p:sp>
+        <p:nvSpPr>
+          <p:cNvPr id="3" name="Notes Placeholder 2"/>
+          <p:cNvSpPr>
+            <a:spLocks noGrp="1"/>
+          </p:cNvSpPr>
+          <p:nvPr>
+            <p:ph type="body" idx="1"/>
+          </p:nvPr>
+        </p:nvSpPr>
+        <p:spPr/>
+        <p:txBody>
+          <a:bodyPr/>
+          <a:lstStyle/>
+          <a:p>
+            <a:endParaRPr lang="en-US" dirty="0"/>
+          </a:p>
+        </p:txBody>
+      </p:sp>
+      <p:sp>
+        <p:nvSpPr>
+          <p:cNvPr id="4" name="Slide Number Placeholder 3"/>
+          <p:cNvSpPr>
+            <a:spLocks noGrp="1"/>
+          </p:cNvSpPr>
+          <p:nvPr>
+            <p:ph type="sldNum" sz="quarter" idx="10"/>
+          </p:nvPr>
+        </p:nvSpPr>
+        <p:spPr/>
+        <p:txBody>
+          <a:bodyPr/>
+          <a:lstStyle/>
+          <a:p>
+            <a:fld id="{3C34E867-41F4-48E7-8B36-52D0CC1AAFEA}" type="slidenum">
+              <a:rPr lang="en-US" smtClean="0"/>
+              <a:t>8</a:t>
             </a:fld>
             <a:endParaRPr lang="en-US"/>
           </a:p>
@@ -10993,38 +11148,15 @@
           </a:p>
         </p:txBody>
       </p:sp>
-      <p:sp>
-        <p:nvSpPr>
-          <p:cNvPr id="3" name="Slide Number Placeholder 2"/>
-          <p:cNvSpPr>
-            <a:spLocks noGrp="1"/>
-          </p:cNvSpPr>
-          <p:nvPr>
-            <p:ph type="sldNum" sz="quarter" idx="12"/>
-          </p:nvPr>
-        </p:nvSpPr>
-        <p:spPr/>
-        <p:txBody>
-          <a:bodyPr/>
-          <a:lstStyle/>
-          <a:p>
-            <a:fld id="{D376626B-8044-4126-A03C-8C0AE257EC41}" type="slidenum">
-              <a:rPr lang="fr-FR" smtClean="0"/>
-              <a:t>1</a:t>
-            </a:fld>
-            <a:endParaRPr lang="fr-FR"/>
-          </a:p>
-        </p:txBody>
-      </p:sp>
       <p:pic>
         <p:nvPicPr>
-          <p:cNvPr id="1026" name="Picture 2" descr="http://ichef.bbci.co.uk/news/660/media/images/81731000/jpg/_81731613_458847426.jpg"/>
+          <p:cNvPr id="5" name="Picture 2" descr="http://images3.alphacoders.com/229/229465.jpg"/>
           <p:cNvPicPr>
             <a:picLocks noChangeAspect="1" noChangeArrowheads="1"/>
           </p:cNvPicPr>
           <p:nvPr/>
         </p:nvPicPr>
-        <p:blipFill>
+        <p:blipFill rotWithShape="1">
           <a:blip r:embed="rId3">
             <a:extLst>
               <a:ext uri="{28A0092B-C50C-407E-A947-70E740481C1C}">
@@ -11032,286 +11164,13 @@
               </a:ext>
             </a:extLst>
           </a:blip>
-          <a:srcRect/>
-          <a:stretch>
-            <a:fillRect/>
-          </a:stretch>
+          <a:srcRect b="9452"/>
+          <a:stretch/>
         </p:blipFill>
         <p:spPr bwMode="auto">
           <a:xfrm>
-            <a:off x="1579031" y="254113"/>
-            <a:ext cx="2814038" cy="1581831"/>
-          </a:xfrm>
-          <a:prstGeom prst="rect">
-            <a:avLst/>
-          </a:prstGeom>
-          <a:noFill/>
-          <a:extLst>
-            <a:ext uri="{909E8E84-426E-40DD-AFC4-6F175D3DCCD1}">
-              <a14:hiddenFill xmlns:a14="http://schemas.microsoft.com/office/drawing/2010/main">
-                <a:solidFill>
-                  <a:srgbClr val="FFFFFF"/>
-                </a:solidFill>
-              </a14:hiddenFill>
-            </a:ext>
-          </a:extLst>
-        </p:spPr>
-      </p:pic>
-      <p:sp>
-        <p:nvSpPr>
-          <p:cNvPr id="4" name="TextBox 3"/>
-          <p:cNvSpPr txBox="1"/>
-          <p:nvPr/>
-        </p:nvSpPr>
-        <p:spPr>
-          <a:xfrm>
-            <a:off x="5617029" y="1045029"/>
-            <a:ext cx="4557485" cy="3970318"/>
-          </a:xfrm>
-          <a:prstGeom prst="rect">
-            <a:avLst/>
-          </a:prstGeom>
-          <a:noFill/>
-        </p:spPr>
-        <p:txBody>
-          <a:bodyPr wrap="square" rtlCol="0">
-            <a:spAutoFit/>
-          </a:bodyPr>
-          <a:lstStyle/>
-          <a:p>
-            <a:r>
-              <a:rPr lang="de-DE" dirty="0" err="1" smtClean="0"/>
-              <a:t>Photo</a:t>
-            </a:r>
-            <a:r>
-              <a:rPr lang="de-DE" dirty="0" smtClean="0"/>
-              <a:t> </a:t>
-            </a:r>
-            <a:r>
-              <a:rPr lang="de-DE" dirty="0" err="1" smtClean="0"/>
-              <a:t>from</a:t>
-            </a:r>
-            <a:r>
-              <a:rPr lang="de-DE" dirty="0" smtClean="0"/>
-              <a:t> </a:t>
-            </a:r>
-            <a:r>
-              <a:rPr lang="de-DE" dirty="0" err="1" smtClean="0"/>
-              <a:t>space</a:t>
-            </a:r>
-            <a:r>
-              <a:rPr lang="en-US" dirty="0" smtClean="0"/>
-              <a:t> to earth with question “what do you so” </a:t>
-            </a:r>
-            <a:r>
-              <a:rPr lang="en-US" dirty="0" smtClean="0">
-                <a:sym typeface="Wingdings" panose="05000000000000000000" pitchFamily="2" charset="2"/>
-              </a:rPr>
-              <a:t>hydrogen as XX% is hydrogen</a:t>
-            </a:r>
-            <a:endParaRPr lang="en-US" dirty="0" smtClean="0"/>
-          </a:p>
-          <a:p>
-            <a:endParaRPr lang="de-DE" dirty="0" smtClean="0"/>
-          </a:p>
-          <a:p>
-            <a:endParaRPr lang="de-DE" dirty="0"/>
-          </a:p>
-          <a:p>
-            <a:endParaRPr lang="de-DE" dirty="0" smtClean="0"/>
-          </a:p>
-          <a:p>
-            <a:endParaRPr lang="de-DE" dirty="0"/>
-          </a:p>
-          <a:p>
-            <a:r>
-              <a:rPr lang="de-DE" dirty="0" err="1" smtClean="0"/>
-              <a:t>Several</a:t>
-            </a:r>
-            <a:r>
-              <a:rPr lang="de-DE" dirty="0" smtClean="0"/>
-              <a:t> non </a:t>
-            </a:r>
-            <a:r>
-              <a:rPr lang="de-DE" dirty="0" err="1" smtClean="0"/>
-              <a:t>related</a:t>
-            </a:r>
-            <a:r>
-              <a:rPr lang="de-DE" dirty="0" smtClean="0"/>
-              <a:t> </a:t>
-            </a:r>
-            <a:r>
-              <a:rPr lang="de-DE" dirty="0" err="1" smtClean="0"/>
-              <a:t>pictures</a:t>
-            </a:r>
-            <a:r>
-              <a:rPr lang="de-DE" dirty="0" smtClean="0"/>
-              <a:t> </a:t>
-            </a:r>
-            <a:r>
-              <a:rPr lang="de-DE" dirty="0" err="1" smtClean="0"/>
-              <a:t>of</a:t>
-            </a:r>
-            <a:r>
-              <a:rPr lang="de-DE" dirty="0" smtClean="0"/>
-              <a:t> hydrogen, </a:t>
-            </a:r>
-            <a:r>
-              <a:rPr lang="de-DE" dirty="0" err="1" smtClean="0"/>
-              <a:t>question</a:t>
-            </a:r>
-            <a:r>
-              <a:rPr lang="de-DE" dirty="0" smtClean="0"/>
-              <a:t> </a:t>
-            </a:r>
-            <a:r>
-              <a:rPr lang="de-DE" dirty="0" err="1" smtClean="0"/>
-              <a:t>before</a:t>
-            </a:r>
-            <a:r>
-              <a:rPr lang="de-DE" dirty="0" smtClean="0"/>
-              <a:t> </a:t>
-            </a:r>
-            <a:r>
-              <a:rPr lang="de-DE" dirty="0" err="1" smtClean="0"/>
-              <a:t>the</a:t>
-            </a:r>
-            <a:r>
-              <a:rPr lang="de-DE" dirty="0" smtClean="0"/>
-              <a:t> </a:t>
-            </a:r>
-            <a:r>
-              <a:rPr lang="de-DE" dirty="0" err="1" smtClean="0"/>
-              <a:t>statement</a:t>
-            </a:r>
-            <a:r>
-              <a:rPr lang="de-DE" dirty="0" smtClean="0"/>
-              <a:t> „</a:t>
-            </a:r>
-            <a:r>
-              <a:rPr lang="de-DE" dirty="0" err="1" smtClean="0"/>
-              <a:t>what</a:t>
-            </a:r>
-            <a:r>
-              <a:rPr lang="de-DE" dirty="0" smtClean="0"/>
-              <a:t> do </a:t>
-            </a:r>
-            <a:r>
-              <a:rPr lang="de-DE" dirty="0" err="1" smtClean="0"/>
-              <a:t>they</a:t>
-            </a:r>
-            <a:r>
-              <a:rPr lang="de-DE" dirty="0" smtClean="0"/>
-              <a:t> </a:t>
-            </a:r>
-            <a:r>
-              <a:rPr lang="de-DE" dirty="0" err="1" smtClean="0"/>
-              <a:t>have</a:t>
-            </a:r>
-            <a:r>
-              <a:rPr lang="de-DE" dirty="0" smtClean="0"/>
-              <a:t> in </a:t>
-            </a:r>
-            <a:r>
-              <a:rPr lang="de-DE" dirty="0" err="1" smtClean="0"/>
-              <a:t>common</a:t>
-            </a:r>
-            <a:r>
-              <a:rPr lang="de-DE" dirty="0" smtClean="0"/>
-              <a:t>“ </a:t>
-            </a:r>
-            <a:r>
-              <a:rPr lang="de-DE" dirty="0" smtClean="0">
-                <a:sym typeface="Wingdings" panose="05000000000000000000" pitchFamily="2" charset="2"/>
-              </a:rPr>
-              <a:t></a:t>
-            </a:r>
-            <a:r>
-              <a:rPr lang="de-DE" dirty="0" smtClean="0"/>
-              <a:t>hydrogen</a:t>
-            </a:r>
-            <a:endParaRPr lang="de-DE" dirty="0"/>
-          </a:p>
-          <a:p>
-            <a:endParaRPr lang="de-DE" dirty="0" smtClean="0"/>
-          </a:p>
-          <a:p>
-            <a:endParaRPr lang="de-DE" dirty="0"/>
-          </a:p>
-          <a:p>
-            <a:endParaRPr lang="de-DE" dirty="0" smtClean="0"/>
-          </a:p>
-          <a:p>
-            <a:endParaRPr lang="de-DE" dirty="0" smtClean="0"/>
-          </a:p>
-        </p:txBody>
-      </p:sp>
-      <p:pic>
-        <p:nvPicPr>
-          <p:cNvPr id="1030" name="Picture 6" descr="http://www.innercirclecorona.com/wp-content/uploads//2012/03/article-1280836382991-006ED8C000000258-625706_636x573.jpg"/>
-          <p:cNvPicPr>
-            <a:picLocks noChangeAspect="1" noChangeArrowheads="1"/>
-          </p:cNvPicPr>
-          <p:nvPr/>
-        </p:nvPicPr>
-        <p:blipFill>
-          <a:blip r:embed="rId4">
-            <a:extLst>
-              <a:ext uri="{28A0092B-C50C-407E-A947-70E740481C1C}">
-                <a14:useLocalDpi xmlns:a14="http://schemas.microsoft.com/office/drawing/2010/main" val="0"/>
-              </a:ext>
-            </a:extLst>
-          </a:blip>
-          <a:srcRect/>
-          <a:stretch>
-            <a:fillRect/>
-          </a:stretch>
-        </p:blipFill>
-        <p:spPr bwMode="auto">
-          <a:xfrm>
-            <a:off x="2707432" y="1957855"/>
-            <a:ext cx="2843806" cy="2293825"/>
-          </a:xfrm>
-          <a:prstGeom prst="rect">
-            <a:avLst/>
-          </a:prstGeom>
-          <a:noFill/>
-          <a:extLst>
-            <a:ext uri="{909E8E84-426E-40DD-AFC4-6F175D3DCCD1}">
-              <a14:hiddenFill xmlns:a14="http://schemas.microsoft.com/office/drawing/2010/main">
-                <a:solidFill>
-                  <a:srgbClr val="FFFFFF"/>
-                </a:solidFill>
-              </a14:hiddenFill>
-            </a:ext>
-          </a:extLst>
-        </p:spPr>
-      </p:pic>
-      <p:pic>
-        <p:nvPicPr>
-          <p:cNvPr id="1032" name="Picture 8" descr="http://images-of-elements.com/hydrogen.jpg"/>
-          <p:cNvPicPr>
-            <a:picLocks noChangeAspect="1" noChangeArrowheads="1"/>
-          </p:cNvPicPr>
-          <p:nvPr/>
-        </p:nvPicPr>
-        <p:blipFill>
-          <a:blip r:embed="rId5" cstate="print">
-            <a:extLst>
-              <a:ext uri="{28A0092B-C50C-407E-A947-70E740481C1C}">
-                <a14:useLocalDpi xmlns:a14="http://schemas.microsoft.com/office/drawing/2010/main" val="0"/>
-              </a:ext>
-            </a:extLst>
-          </a:blip>
-          <a:srcRect/>
-          <a:stretch>
-            <a:fillRect/>
-          </a:stretch>
-        </p:blipFill>
-        <p:spPr bwMode="auto">
-          <a:xfrm>
-            <a:off x="290285" y="2290232"/>
-            <a:ext cx="2171116" cy="2171117"/>
+            <a:off x="0" y="1"/>
+            <a:ext cx="12192000" cy="6905766"/>
           </a:xfrm>
           <a:prstGeom prst="rect">
             <a:avLst/>
@@ -11374,7 +11233,7 @@
           <p:nvPr/>
         </p:nvPicPr>
         <p:blipFill>
-          <a:blip r:embed="rId2">
+          <a:blip r:embed="rId3">
             <a:extLst>
               <a:ext uri="{28A0092B-C50C-407E-A947-70E740481C1C}">
                 <a14:useLocalDpi xmlns:a14="http://schemas.microsoft.com/office/drawing/2010/main" val="0"/>
@@ -11481,11 +11340,10 @@
           <a:bodyPr/>
           <a:lstStyle/>
           <a:p>
-            <a:fld id="{D376626B-8044-4126-A03C-8C0AE257EC41}" type="slidenum">
-              <a:rPr lang="fr-FR" smtClean="0"/>
-              <a:pPr/>
-              <a:t>2</a:t>
-            </a:fld>
+            <a:r>
+              <a:rPr lang="fr-FR" dirty="0" smtClean="0"/>
+              <a:t>1</a:t>
+            </a:r>
             <a:endParaRPr lang="fr-FR" dirty="0"/>
           </a:p>
         </p:txBody>
@@ -11560,14 +11418,14 @@
             <p:ph idx="1"/>
             <p:extLst>
               <p:ext uri="{D42A27DB-BD31-4B8C-83A1-F6EECF244321}">
-                <p14:modId xmlns:p14="http://schemas.microsoft.com/office/powerpoint/2010/main" val="2142305079"/>
+                <p14:modId xmlns:p14="http://schemas.microsoft.com/office/powerpoint/2010/main" val="2187051389"/>
               </p:ext>
             </p:extLst>
           </p:nvPr>
         </p:nvGraphicFramePr>
         <p:xfrm>
-          <a:off x="1096963" y="1846263"/>
-          <a:ext cx="10062000" cy="4174975"/>
+          <a:off x="1096963" y="1910686"/>
+          <a:ext cx="10062000" cy="4248548"/>
         </p:xfrm>
         <a:graphic>
           <a:graphicData uri="http://schemas.openxmlformats.org/drawingml/2006/table">
@@ -11582,7 +11440,7 @@
                 <a:gridCol w="360000"/>
                 <a:gridCol w="3114000"/>
               </a:tblGrid>
-              <a:tr h="3599194">
+              <a:tr h="3425588">
                 <a:tc>
                   <a:txBody>
                     <a:bodyPr/>
@@ -11982,6 +11840,42 @@
                         <a:t> </a:t>
                       </a:r>
                       <a:r>
+                        <a:rPr lang="fr-FR" sz="2400" b="1" kern="1200" dirty="0" smtClean="0">
+                          <a:solidFill>
+                            <a:schemeClr val="accent2"/>
+                          </a:solidFill>
+                          <a:effectLst/>
+                          <a:latin typeface="+mn-lt"/>
+                          <a:ea typeface="+mn-ea"/>
+                          <a:cs typeface="+mn-cs"/>
+                        </a:rPr>
+                        <a:t>« </a:t>
+                      </a:r>
+                      <a:r>
+                        <a:rPr lang="fr-FR" sz="2400" b="1" kern="1200" dirty="0" err="1" smtClean="0">
+                          <a:solidFill>
+                            <a:schemeClr val="accent2"/>
+                          </a:solidFill>
+                          <a:effectLst/>
+                          <a:latin typeface="+mn-lt"/>
+                          <a:ea typeface="+mn-ea"/>
+                          <a:cs typeface="+mn-cs"/>
+                        </a:rPr>
+                        <a:t>Dusty</a:t>
+                      </a:r>
+                      <a:r>
+                        <a:rPr lang="fr-FR" sz="2400" b="1" kern="1200" dirty="0" smtClean="0">
+                          <a:solidFill>
+                            <a:schemeClr val="accent2"/>
+                          </a:solidFill>
+                          <a:effectLst/>
+                          <a:latin typeface="+mn-lt"/>
+                          <a:ea typeface="+mn-ea"/>
+                          <a:cs typeface="+mn-cs"/>
+                        </a:rPr>
+                        <a:t> » </a:t>
+                      </a:r>
+                      <a:r>
                         <a:rPr lang="fr-FR" sz="2400" b="1" kern="1200" dirty="0" err="1" smtClean="0">
                           <a:solidFill>
                             <a:schemeClr val="accent2"/>
@@ -12224,10 +12118,10 @@
           <a:bodyPr/>
           <a:lstStyle/>
           <a:p>
-            <a:fld id="{D376626B-8044-4126-A03C-8C0AE257EC41}" type="slidenum">
-              <a:rPr lang="en-US" smtClean="0"/>
-              <a:t>3</a:t>
-            </a:fld>
+            <a:r>
+              <a:rPr lang="de-DE" dirty="0" smtClean="0"/>
+              <a:t>2</a:t>
+            </a:r>
             <a:endParaRPr lang="en-US" dirty="0"/>
           </a:p>
         </p:txBody>
@@ -12348,129 +12242,6 @@
           </a:extLst>
         </p:spPr>
       </p:pic>
-      <p:pic>
-        <p:nvPicPr>
-          <p:cNvPr id="1027" name="Picture 3"/>
-          <p:cNvPicPr>
-            <a:picLocks noChangeAspect="1" noChangeArrowheads="1"/>
-          </p:cNvPicPr>
-          <p:nvPr/>
-        </p:nvPicPr>
-        <p:blipFill>
-          <a:blip r:embed="rId2">
-            <a:extLst>
-              <a:ext uri="{28A0092B-C50C-407E-A947-70E740481C1C}">
-                <a14:useLocalDpi xmlns:a14="http://schemas.microsoft.com/office/drawing/2010/main" val="0"/>
-              </a:ext>
-            </a:extLst>
-          </a:blip>
-          <a:srcRect/>
-          <a:stretch>
-            <a:fillRect/>
-          </a:stretch>
-        </p:blipFill>
-        <p:spPr bwMode="auto">
-          <a:xfrm>
-            <a:off x="0" y="0"/>
-            <a:ext cx="1190625" cy="1581150"/>
-          </a:xfrm>
-          <a:prstGeom prst="rect">
-            <a:avLst/>
-          </a:prstGeom>
-          <a:noFill/>
-          <a:extLst>
-            <a:ext uri="{909E8E84-426E-40DD-AFC4-6F175D3DCCD1}">
-              <a14:hiddenFill xmlns:a14="http://schemas.microsoft.com/office/drawing/2010/main">
-                <a:solidFill>
-                  <a:srgbClr val="FFFFFF"/>
-                </a:solidFill>
-              </a14:hiddenFill>
-            </a:ext>
-          </a:extLst>
-        </p:spPr>
-      </p:pic>
-      <p:pic>
-        <p:nvPicPr>
-          <p:cNvPr id="1026" name="Picture 2"/>
-          <p:cNvPicPr>
-            <a:picLocks noChangeAspect="1" noChangeArrowheads="1"/>
-          </p:cNvPicPr>
-          <p:nvPr/>
-        </p:nvPicPr>
-        <p:blipFill>
-          <a:blip r:embed="rId3">
-            <a:extLst>
-              <a:ext uri="{28A0092B-C50C-407E-A947-70E740481C1C}">
-                <a14:useLocalDpi xmlns:a14="http://schemas.microsoft.com/office/drawing/2010/main" val="0"/>
-              </a:ext>
-            </a:extLst>
-          </a:blip>
-          <a:srcRect/>
-          <a:stretch>
-            <a:fillRect/>
-          </a:stretch>
-        </p:blipFill>
-        <p:spPr bwMode="auto">
-          <a:xfrm>
-            <a:off x="0" y="0"/>
-            <a:ext cx="1190625" cy="1581150"/>
-          </a:xfrm>
-          <a:prstGeom prst="rect">
-            <a:avLst/>
-          </a:prstGeom>
-          <a:noFill/>
-          <a:extLst>
-            <a:ext uri="{909E8E84-426E-40DD-AFC4-6F175D3DCCD1}">
-              <a14:hiddenFill xmlns:a14="http://schemas.microsoft.com/office/drawing/2010/main">
-                <a:solidFill>
-                  <a:srgbClr val="FFFFFF"/>
-                </a:solidFill>
-              </a14:hiddenFill>
-            </a:ext>
-          </a:extLst>
-        </p:spPr>
-      </p:pic>
-      <p:pic>
-        <p:nvPicPr>
-          <p:cNvPr id="1025" name="Picture 24"/>
-          <p:cNvPicPr>
-            <a:picLocks noChangeAspect="1" noChangeArrowheads="1"/>
-          </p:cNvPicPr>
-          <p:nvPr/>
-        </p:nvPicPr>
-        <p:blipFill>
-          <a:blip r:embed="rId4">
-            <a:extLst>
-              <a:ext uri="{28A0092B-C50C-407E-A947-70E740481C1C}">
-                <a14:useLocalDpi xmlns:a14="http://schemas.microsoft.com/office/drawing/2010/main" val="0"/>
-              </a:ext>
-            </a:extLst>
-          </a:blip>
-          <a:srcRect/>
-          <a:stretch>
-            <a:fillRect/>
-          </a:stretch>
-        </p:blipFill>
-        <p:spPr bwMode="auto">
-          <a:xfrm>
-            <a:off x="0" y="0"/>
-            <a:ext cx="1190625" cy="1581150"/>
-          </a:xfrm>
-          <a:prstGeom prst="rect">
-            <a:avLst/>
-          </a:prstGeom>
-          <a:noFill/>
-          <a:extLst>
-            <a:ext uri="{909E8E84-426E-40DD-AFC4-6F175D3DCCD1}">
-              <a14:hiddenFill xmlns:a14="http://schemas.microsoft.com/office/drawing/2010/main">
-                <a:solidFill>
-                  <a:srgbClr val="FFFFFF"/>
-                </a:solidFill>
-              </a14:hiddenFill>
-            </a:ext>
-          </a:extLst>
-        </p:spPr>
-      </p:pic>
     </p:spTree>
     <p:extLst>
       <p:ext uri="{BB962C8B-B14F-4D97-AF65-F5344CB8AC3E}">
@@ -12481,233 +12252,17 @@
   <p:clrMapOvr>
     <a:masterClrMapping/>
   </p:clrMapOvr>
+  <p:timing>
+    <p:tnLst>
+      <p:par>
+        <p:cTn id="1" dur="indefinite" restart="never" nodeType="tmRoot"/>
+      </p:par>
+    </p:tnLst>
+  </p:timing>
 </p:sld>
 </file>
 
 <file path=ppt/slides/slide4.xml><?xml version="1.0" encoding="utf-8"?>
-<p:sld xmlns:a="http://schemas.openxmlformats.org/drawingml/2006/main" xmlns:r="http://schemas.openxmlformats.org/officeDocument/2006/relationships" xmlns:p="http://schemas.openxmlformats.org/presentationml/2006/main">
-  <p:cSld>
-    <p:spTree>
-      <p:nvGrpSpPr>
-        <p:cNvPr id="1" name=""/>
-        <p:cNvGrpSpPr/>
-        <p:nvPr/>
-      </p:nvGrpSpPr>
-      <p:grpSpPr>
-        <a:xfrm>
-          <a:off x="0" y="0"/>
-          <a:ext cx="0" cy="0"/>
-          <a:chOff x="0" y="0"/>
-          <a:chExt cx="0" cy="0"/>
-        </a:xfrm>
-      </p:grpSpPr>
-      <p:sp>
-        <p:nvSpPr>
-          <p:cNvPr id="2" name="Titre 1"/>
-          <p:cNvSpPr>
-            <a:spLocks noGrp="1"/>
-          </p:cNvSpPr>
-          <p:nvPr>
-            <p:ph type="title"/>
-          </p:nvPr>
-        </p:nvSpPr>
-        <p:spPr/>
-        <p:txBody>
-          <a:bodyPr/>
-          <a:lstStyle/>
-          <a:p>
-            <a:r>
-              <a:rPr lang="fr-FR" dirty="0" smtClean="0"/>
-              <a:t>BACKGROUND</a:t>
-            </a:r>
-            <a:endParaRPr lang="fr-FR" dirty="0"/>
-          </a:p>
-        </p:txBody>
-      </p:sp>
-      <p:sp>
-        <p:nvSpPr>
-          <p:cNvPr id="4" name="Espace réservé du contenu 3"/>
-          <p:cNvSpPr>
-            <a:spLocks noGrp="1"/>
-          </p:cNvSpPr>
-          <p:nvPr>
-            <p:ph sz="half" idx="2"/>
-          </p:nvPr>
-        </p:nvSpPr>
-        <p:spPr>
-          <a:xfrm>
-            <a:off x="2831941" y="1845735"/>
-            <a:ext cx="8323739" cy="4023360"/>
-          </a:xfrm>
-        </p:spPr>
-        <p:txBody>
-          <a:bodyPr/>
-          <a:lstStyle/>
-          <a:p>
-            <a:r>
-              <a:rPr lang="en-US" dirty="0" smtClean="0"/>
-              <a:t>In terms of number of molecules, Hydrogen is the most abundant gas on the Solar system.</a:t>
-            </a:r>
-          </a:p>
-          <a:p>
-            <a:endParaRPr lang="en-US" dirty="0" smtClean="0"/>
-          </a:p>
-          <a:p>
-            <a:r>
-              <a:rPr lang="en-US" dirty="0" smtClean="0"/>
-              <a:t>Its combination with Oxygen can lead to</a:t>
-            </a:r>
-            <a:endParaRPr lang="en-US" dirty="0"/>
-          </a:p>
-        </p:txBody>
-      </p:sp>
-      <p:sp>
-        <p:nvSpPr>
-          <p:cNvPr id="5" name="Espace réservé du pied de page 4"/>
-          <p:cNvSpPr>
-            <a:spLocks noGrp="1"/>
-          </p:cNvSpPr>
-          <p:nvPr>
-            <p:ph type="ftr" sz="quarter" idx="11"/>
-          </p:nvPr>
-        </p:nvSpPr>
-        <p:spPr/>
-        <p:txBody>
-          <a:bodyPr/>
-          <a:lstStyle/>
-          <a:p>
-            <a:r>
-              <a:rPr lang="fr-FR" smtClean="0"/>
-              <a:t>Bambu - 17.06.2015</a:t>
-            </a:r>
-            <a:endParaRPr lang="fr-FR" dirty="0"/>
-          </a:p>
-        </p:txBody>
-      </p:sp>
-      <p:sp>
-        <p:nvSpPr>
-          <p:cNvPr id="6" name="Espace réservé du numéro de diapositive 5"/>
-          <p:cNvSpPr>
-            <a:spLocks noGrp="1"/>
-          </p:cNvSpPr>
-          <p:nvPr>
-            <p:ph type="sldNum" sz="quarter" idx="12"/>
-          </p:nvPr>
-        </p:nvSpPr>
-        <p:spPr/>
-        <p:txBody>
-          <a:bodyPr/>
-          <a:lstStyle/>
-          <a:p>
-            <a:fld id="{D376626B-8044-4126-A03C-8C0AE257EC41}" type="slidenum">
-              <a:rPr lang="fr-FR" smtClean="0"/>
-              <a:t>4</a:t>
-            </a:fld>
-            <a:endParaRPr lang="fr-FR"/>
-          </a:p>
-        </p:txBody>
-      </p:sp>
-      <p:graphicFrame>
-        <p:nvGraphicFramePr>
-          <p:cNvPr id="7" name="Espace réservé du contenu 6"/>
-          <p:cNvGraphicFramePr>
-            <a:graphicFrameLocks noGrp="1"/>
-          </p:cNvGraphicFramePr>
-          <p:nvPr>
-            <p:ph sz="half" idx="1"/>
-            <p:extLst>
-              <p:ext uri="{D42A27DB-BD31-4B8C-83A1-F6EECF244321}">
-                <p14:modId xmlns:p14="http://schemas.microsoft.com/office/powerpoint/2010/main" val="772202291"/>
-              </p:ext>
-            </p:extLst>
-          </p:nvPr>
-        </p:nvGraphicFramePr>
-        <p:xfrm>
-          <a:off x="1096963" y="1846264"/>
-          <a:ext cx="1697037" cy="3105298"/>
-        </p:xfrm>
-        <a:graphic>
-          <a:graphicData uri="http://schemas.openxmlformats.org/drawingml/2006/chart">
-            <c:chart xmlns:c="http://schemas.openxmlformats.org/drawingml/2006/chart" xmlns:r="http://schemas.openxmlformats.org/officeDocument/2006/relationships" r:id="rId2"/>
-          </a:graphicData>
-        </a:graphic>
-      </p:graphicFrame>
-      <p:sp>
-        <p:nvSpPr>
-          <p:cNvPr id="8" name="ZoneTexte 7"/>
-          <p:cNvSpPr txBox="1"/>
-          <p:nvPr/>
-        </p:nvSpPr>
-        <p:spPr>
-          <a:xfrm>
-            <a:off x="1059021" y="5081695"/>
-            <a:ext cx="1772920" cy="1200329"/>
-          </a:xfrm>
-          <a:prstGeom prst="rect">
-            <a:avLst/>
-          </a:prstGeom>
-          <a:noFill/>
-        </p:spPr>
-        <p:txBody>
-          <a:bodyPr wrap="square" rtlCol="0">
-            <a:spAutoFit/>
-          </a:bodyPr>
-          <a:lstStyle/>
-          <a:p>
-            <a:r>
-              <a:rPr lang="en-US" sz="1200" dirty="0">
-                <a:solidFill>
-                  <a:schemeClr val="accent5"/>
-                </a:solidFill>
-              </a:rPr>
-              <a:t>Arnett, David (1996</a:t>
-            </a:r>
-            <a:r>
-              <a:rPr lang="en-US" sz="1200" dirty="0" smtClean="0">
-                <a:solidFill>
-                  <a:schemeClr val="accent5"/>
-                </a:solidFill>
-              </a:rPr>
-              <a:t>). </a:t>
-            </a:r>
-            <a:r>
-              <a:rPr lang="en-US" sz="1200" i="1" dirty="0" smtClean="0">
-                <a:solidFill>
-                  <a:schemeClr val="accent5"/>
-                </a:solidFill>
-              </a:rPr>
-              <a:t>Supernovae and Nucleosynthesis</a:t>
-            </a:r>
-            <a:r>
-              <a:rPr lang="en-US" sz="1200" dirty="0">
-                <a:solidFill>
-                  <a:schemeClr val="accent5"/>
-                </a:solidFill>
-              </a:rPr>
-              <a:t> (First ed.). Princeton, New Jersey: Princeton University Press.</a:t>
-            </a:r>
-            <a:endParaRPr lang="fr-FR" sz="1200" dirty="0">
-              <a:solidFill>
-                <a:schemeClr val="accent5"/>
-              </a:solidFill>
-            </a:endParaRPr>
-          </a:p>
-        </p:txBody>
-      </p:sp>
-    </p:spTree>
-    <p:extLst>
-      <p:ext uri="{BB962C8B-B14F-4D97-AF65-F5344CB8AC3E}">
-        <p14:creationId xmlns:p14="http://schemas.microsoft.com/office/powerpoint/2010/main" val="2662940521"/>
-      </p:ext>
-    </p:extLst>
-  </p:cSld>
-  <p:clrMapOvr>
-    <a:masterClrMapping/>
-  </p:clrMapOvr>
-</p:sld>
-</file>
-
-<file path=ppt/slides/slide5.xml><?xml version="1.0" encoding="utf-8"?>
 <p:sld xmlns:a="http://schemas.openxmlformats.org/drawingml/2006/main" xmlns:r="http://schemas.openxmlformats.org/officeDocument/2006/relationships" xmlns:p="http://schemas.openxmlformats.org/presentationml/2006/main">
   <p:cSld>
     <p:bg>
@@ -13562,11 +13117,11 @@
           <a:bodyPr/>
           <a:lstStyle/>
           <a:p>
-            <a:fld id="{D376626B-8044-4126-A03C-8C0AE257EC41}" type="slidenum">
-              <a:rPr lang="fr-FR" smtClean="0"/>
-              <a:t>5</a:t>
-            </a:fld>
-            <a:endParaRPr lang="fr-FR"/>
+            <a:r>
+              <a:rPr lang="fr-FR" dirty="0"/>
+              <a:t>3</a:t>
+            </a:r>
+            <a:endParaRPr lang="fr-FR" dirty="0"/>
           </a:p>
         </p:txBody>
       </p:sp>
@@ -13574,6 +13129,446 @@
     <p:extLst>
       <p:ext uri="{BB962C8B-B14F-4D97-AF65-F5344CB8AC3E}">
         <p14:creationId xmlns:p14="http://schemas.microsoft.com/office/powerpoint/2010/main" val="2585897535"/>
+      </p:ext>
+    </p:extLst>
+  </p:cSld>
+  <p:clrMapOvr>
+    <a:masterClrMapping/>
+  </p:clrMapOvr>
+  <p:timing>
+    <p:tnLst>
+      <p:par>
+        <p:cTn id="1" dur="indefinite" restart="never" nodeType="tmRoot"/>
+      </p:par>
+    </p:tnLst>
+  </p:timing>
+</p:sld>
+</file>
+
+<file path=ppt/slides/slide5.xml><?xml version="1.0" encoding="utf-8"?>
+<p:sld xmlns:a="http://schemas.openxmlformats.org/drawingml/2006/main" xmlns:r="http://schemas.openxmlformats.org/officeDocument/2006/relationships" xmlns:p="http://schemas.openxmlformats.org/presentationml/2006/main">
+  <p:cSld>
+    <p:spTree>
+      <p:nvGrpSpPr>
+        <p:cNvPr id="1" name=""/>
+        <p:cNvGrpSpPr/>
+        <p:nvPr/>
+      </p:nvGrpSpPr>
+      <p:grpSpPr>
+        <a:xfrm>
+          <a:off x="0" y="0"/>
+          <a:ext cx="0" cy="0"/>
+          <a:chOff x="0" y="0"/>
+          <a:chExt cx="0" cy="0"/>
+        </a:xfrm>
+      </p:grpSpPr>
+      <p:sp>
+        <p:nvSpPr>
+          <p:cNvPr id="2" name="Titre 1"/>
+          <p:cNvSpPr>
+            <a:spLocks noGrp="1"/>
+          </p:cNvSpPr>
+          <p:nvPr>
+            <p:ph type="title"/>
+          </p:nvPr>
+        </p:nvSpPr>
+        <p:spPr/>
+        <p:txBody>
+          <a:bodyPr/>
+          <a:lstStyle/>
+          <a:p>
+            <a:r>
+              <a:rPr lang="fr-FR" dirty="0"/>
+              <a:t>RESOURCES</a:t>
+            </a:r>
+          </a:p>
+        </p:txBody>
+      </p:sp>
+      <p:sp>
+        <p:nvSpPr>
+          <p:cNvPr id="3" name="Espace réservé du contenu 2"/>
+          <p:cNvSpPr>
+            <a:spLocks noGrp="1"/>
+          </p:cNvSpPr>
+          <p:nvPr>
+            <p:ph sz="half" idx="1"/>
+          </p:nvPr>
+        </p:nvSpPr>
+        <p:spPr/>
+        <p:txBody>
+          <a:bodyPr/>
+          <a:lstStyle/>
+          <a:p>
+            <a:pPr marL="201159" lvl="1" indent="0">
+              <a:buNone/>
+            </a:pPr>
+            <a:r>
+              <a:rPr lang="fr-FR" dirty="0"/>
+              <a:t>ONLINE </a:t>
+            </a:r>
+            <a:r>
+              <a:rPr lang="fr-FR" dirty="0" smtClean="0"/>
+              <a:t>TOOLS</a:t>
+            </a:r>
+            <a:endParaRPr lang="fr-FR" dirty="0"/>
+          </a:p>
+          <a:p>
+            <a:pPr lvl="1"/>
+            <a:r>
+              <a:rPr lang="en-US" dirty="0" smtClean="0"/>
+              <a:t>GitHub</a:t>
+            </a:r>
+          </a:p>
+          <a:p>
+            <a:pPr lvl="2"/>
+            <a:r>
+              <a:rPr lang="de-DE" dirty="0" err="1" smtClean="0"/>
+              <a:t>Collaboration</a:t>
+            </a:r>
+            <a:r>
+              <a:rPr lang="de-DE" dirty="0" smtClean="0"/>
+              <a:t> </a:t>
+            </a:r>
+            <a:r>
+              <a:rPr lang="de-DE" dirty="0" err="1" smtClean="0"/>
+              <a:t>and</a:t>
+            </a:r>
+            <a:r>
+              <a:rPr lang="de-DE" dirty="0" smtClean="0"/>
+              <a:t> </a:t>
+            </a:r>
+            <a:r>
+              <a:rPr lang="de-DE" dirty="0" err="1" smtClean="0"/>
+              <a:t>version</a:t>
+            </a:r>
+            <a:r>
+              <a:rPr lang="de-DE" dirty="0" smtClean="0"/>
+              <a:t> </a:t>
+            </a:r>
+            <a:r>
+              <a:rPr lang="de-DE" dirty="0" err="1" smtClean="0"/>
+              <a:t>control</a:t>
+            </a:r>
+            <a:r>
+              <a:rPr lang="de-DE" dirty="0" smtClean="0"/>
+              <a:t> </a:t>
+            </a:r>
+            <a:r>
+              <a:rPr lang="de-DE" dirty="0" err="1" smtClean="0"/>
+              <a:t>tool</a:t>
+            </a:r>
+            <a:endParaRPr lang="de-DE" dirty="0" smtClean="0"/>
+          </a:p>
+          <a:p>
+            <a:pPr lvl="2"/>
+            <a:r>
+              <a:rPr lang="de-DE" dirty="0" smtClean="0"/>
+              <a:t>Website </a:t>
+            </a:r>
+            <a:r>
+              <a:rPr lang="de-DE" dirty="0" err="1" smtClean="0"/>
+              <a:t>building</a:t>
+            </a:r>
+            <a:endParaRPr lang="fr-FR" dirty="0"/>
+          </a:p>
+          <a:p>
+            <a:pPr lvl="1"/>
+            <a:r>
+              <a:rPr lang="en-US" dirty="0" err="1" smtClean="0"/>
+              <a:t>Teambition</a:t>
+            </a:r>
+            <a:endParaRPr lang="en-US" dirty="0" smtClean="0"/>
+          </a:p>
+          <a:p>
+            <a:pPr lvl="2"/>
+            <a:r>
+              <a:rPr lang="de-DE" dirty="0" smtClean="0"/>
+              <a:t>Project </a:t>
+            </a:r>
+            <a:r>
+              <a:rPr lang="de-DE" dirty="0" err="1" smtClean="0"/>
+              <a:t>management</a:t>
+            </a:r>
+            <a:r>
+              <a:rPr lang="de-DE" dirty="0" smtClean="0"/>
+              <a:t>, </a:t>
+            </a:r>
+            <a:r>
+              <a:rPr lang="de-DE" dirty="0" err="1" smtClean="0"/>
+              <a:t>collaborate</a:t>
+            </a:r>
+            <a:r>
+              <a:rPr lang="de-DE" dirty="0" smtClean="0"/>
+              <a:t>, </a:t>
+            </a:r>
+            <a:r>
+              <a:rPr lang="de-DE" dirty="0" err="1" smtClean="0"/>
+              <a:t>share</a:t>
+            </a:r>
+            <a:endParaRPr lang="fr-FR" dirty="0"/>
+          </a:p>
+          <a:p>
+            <a:endParaRPr lang="fr-FR" dirty="0"/>
+          </a:p>
+        </p:txBody>
+      </p:sp>
+      <p:sp>
+        <p:nvSpPr>
+          <p:cNvPr id="4" name="Espace réservé du contenu 3"/>
+          <p:cNvSpPr>
+            <a:spLocks noGrp="1"/>
+          </p:cNvSpPr>
+          <p:nvPr>
+            <p:ph sz="half" idx="2"/>
+          </p:nvPr>
+        </p:nvSpPr>
+        <p:spPr/>
+        <p:txBody>
+          <a:bodyPr/>
+          <a:lstStyle/>
+          <a:p>
+            <a:pPr marL="201159" lvl="1" indent="0">
+              <a:buNone/>
+            </a:pPr>
+            <a:r>
+              <a:rPr lang="fr-FR" dirty="0" smtClean="0"/>
+              <a:t>SOFTWARES</a:t>
+            </a:r>
+            <a:endParaRPr lang="en-US" dirty="0" smtClean="0"/>
+          </a:p>
+          <a:p>
+            <a:pPr lvl="1"/>
+            <a:r>
+              <a:rPr lang="en-US" dirty="0" smtClean="0"/>
+              <a:t>MS </a:t>
+            </a:r>
+            <a:r>
+              <a:rPr lang="en-US" dirty="0" smtClean="0"/>
+              <a:t>Office</a:t>
+            </a:r>
+          </a:p>
+          <a:p>
+            <a:pPr lvl="2"/>
+            <a:r>
+              <a:rPr lang="de-DE" dirty="0" smtClean="0"/>
+              <a:t>Writing, </a:t>
+            </a:r>
+            <a:r>
+              <a:rPr lang="de-DE" dirty="0" err="1" smtClean="0"/>
+              <a:t>presenting</a:t>
+            </a:r>
+            <a:endParaRPr lang="fr-FR" dirty="0"/>
+          </a:p>
+          <a:p>
+            <a:pPr lvl="1"/>
+            <a:r>
+              <a:rPr lang="en-US" dirty="0" smtClean="0"/>
+              <a:t>Atom</a:t>
+            </a:r>
+          </a:p>
+          <a:p>
+            <a:pPr lvl="2"/>
+            <a:r>
+              <a:rPr lang="fr-FR" dirty="0" smtClean="0"/>
+              <a:t>Editor for </a:t>
+            </a:r>
+            <a:r>
+              <a:rPr lang="fr-FR" dirty="0" err="1" smtClean="0"/>
+              <a:t>Markdown</a:t>
+            </a:r>
+            <a:r>
+              <a:rPr lang="fr-FR" dirty="0" smtClean="0"/>
+              <a:t> files, </a:t>
+            </a:r>
+            <a:r>
+              <a:rPr lang="fr-FR" dirty="0" err="1" smtClean="0"/>
+              <a:t>enable</a:t>
+            </a:r>
+            <a:r>
+              <a:rPr lang="fr-FR" dirty="0" smtClean="0"/>
+              <a:t> </a:t>
+            </a:r>
+            <a:r>
+              <a:rPr lang="fr-FR" dirty="0" err="1" smtClean="0"/>
+              <a:t>preview</a:t>
+            </a:r>
+            <a:r>
+              <a:rPr lang="fr-FR" dirty="0" smtClean="0"/>
+              <a:t>, </a:t>
+            </a:r>
+            <a:r>
+              <a:rPr lang="fr-FR" dirty="0" err="1" smtClean="0"/>
+              <a:t>standardization</a:t>
+            </a:r>
+            <a:endParaRPr lang="fr-FR" dirty="0"/>
+          </a:p>
+          <a:p>
+            <a:pPr lvl="1"/>
+            <a:r>
+              <a:rPr lang="en-US" dirty="0" err="1" smtClean="0"/>
+              <a:t>Citavi</a:t>
+            </a:r>
+            <a:endParaRPr lang="en-US" dirty="0" smtClean="0"/>
+          </a:p>
+          <a:p>
+            <a:pPr lvl="2"/>
+            <a:r>
+              <a:rPr lang="fr-FR" dirty="0" smtClean="0"/>
+              <a:t>Reference manager</a:t>
+            </a:r>
+            <a:endParaRPr lang="fr-FR" dirty="0"/>
+          </a:p>
+          <a:p>
+            <a:endParaRPr lang="fr-FR" dirty="0"/>
+          </a:p>
+        </p:txBody>
+      </p:sp>
+      <p:sp>
+        <p:nvSpPr>
+          <p:cNvPr id="5" name="Espace réservé du pied de page 4"/>
+          <p:cNvSpPr>
+            <a:spLocks noGrp="1"/>
+          </p:cNvSpPr>
+          <p:nvPr>
+            <p:ph type="ftr" sz="quarter" idx="11"/>
+          </p:nvPr>
+        </p:nvSpPr>
+        <p:spPr/>
+        <p:txBody>
+          <a:bodyPr/>
+          <a:lstStyle/>
+          <a:p>
+            <a:r>
+              <a:rPr lang="fr-FR" smtClean="0"/>
+              <a:t>Bambu - 17.06.2015</a:t>
+            </a:r>
+            <a:endParaRPr lang="fr-FR" dirty="0"/>
+          </a:p>
+        </p:txBody>
+      </p:sp>
+      <p:sp>
+        <p:nvSpPr>
+          <p:cNvPr id="6" name="Espace réservé du numéro de diapositive 5"/>
+          <p:cNvSpPr>
+            <a:spLocks noGrp="1"/>
+          </p:cNvSpPr>
+          <p:nvPr>
+            <p:ph type="sldNum" sz="quarter" idx="12"/>
+          </p:nvPr>
+        </p:nvSpPr>
+        <p:spPr/>
+        <p:txBody>
+          <a:bodyPr/>
+          <a:lstStyle/>
+          <a:p>
+            <a:r>
+              <a:rPr lang="fr-FR" dirty="0"/>
+              <a:t>4</a:t>
+            </a:r>
+            <a:endParaRPr lang="fr-FR" dirty="0"/>
+          </a:p>
+        </p:txBody>
+      </p:sp>
+      <p:pic>
+        <p:nvPicPr>
+          <p:cNvPr id="7" name="Picture 6"/>
+          <p:cNvPicPr>
+            <a:picLocks noChangeAspect="1"/>
+          </p:cNvPicPr>
+          <p:nvPr/>
+        </p:nvPicPr>
+        <p:blipFill>
+          <a:blip r:embed="rId3"/>
+          <a:stretch>
+            <a:fillRect/>
+          </a:stretch>
+        </p:blipFill>
+        <p:spPr>
+          <a:xfrm>
+            <a:off x="2634556" y="4146107"/>
+            <a:ext cx="1800000" cy="935887"/>
+          </a:xfrm>
+          <a:prstGeom prst="rect">
+            <a:avLst/>
+          </a:prstGeom>
+        </p:spPr>
+      </p:pic>
+      <p:pic>
+        <p:nvPicPr>
+          <p:cNvPr id="8" name="Picture 7"/>
+          <p:cNvPicPr>
+            <a:picLocks noChangeAspect="1"/>
+          </p:cNvPicPr>
+          <p:nvPr/>
+        </p:nvPicPr>
+        <p:blipFill>
+          <a:blip r:embed="rId4"/>
+          <a:stretch>
+            <a:fillRect/>
+          </a:stretch>
+        </p:blipFill>
+        <p:spPr>
+          <a:xfrm>
+            <a:off x="5257592" y="4180318"/>
+            <a:ext cx="1800000" cy="1069585"/>
+          </a:xfrm>
+          <a:prstGeom prst="rect">
+            <a:avLst/>
+          </a:prstGeom>
+        </p:spPr>
+      </p:pic>
+      <p:pic>
+        <p:nvPicPr>
+          <p:cNvPr id="9" name="Picture 8"/>
+          <p:cNvPicPr>
+            <a:picLocks noChangeAspect="1"/>
+          </p:cNvPicPr>
+          <p:nvPr/>
+        </p:nvPicPr>
+        <p:blipFill>
+          <a:blip r:embed="rId5"/>
+          <a:stretch>
+            <a:fillRect/>
+          </a:stretch>
+        </p:blipFill>
+        <p:spPr>
+          <a:xfrm>
+            <a:off x="8100465" y="4180317"/>
+            <a:ext cx="1800000" cy="1069585"/>
+          </a:xfrm>
+          <a:prstGeom prst="rect">
+            <a:avLst/>
+          </a:prstGeom>
+        </p:spPr>
+      </p:pic>
+      <p:pic>
+        <p:nvPicPr>
+          <p:cNvPr id="10" name="Picture 9"/>
+          <p:cNvPicPr>
+            <a:picLocks noChangeAspect="1"/>
+          </p:cNvPicPr>
+          <p:nvPr/>
+        </p:nvPicPr>
+        <p:blipFill>
+          <a:blip r:embed="rId6"/>
+          <a:stretch>
+            <a:fillRect/>
+          </a:stretch>
+        </p:blipFill>
+        <p:spPr>
+          <a:xfrm>
+            <a:off x="479341" y="4146107"/>
+            <a:ext cx="1800000" cy="933074"/>
+          </a:xfrm>
+          <a:prstGeom prst="rect">
+            <a:avLst/>
+          </a:prstGeom>
+        </p:spPr>
+      </p:pic>
+    </p:spTree>
+    <p:extLst>
+      <p:ext uri="{BB962C8B-B14F-4D97-AF65-F5344CB8AC3E}">
+        <p14:creationId xmlns:p14="http://schemas.microsoft.com/office/powerpoint/2010/main" val="3119211585"/>
       </p:ext>
     </p:extLst>
   </p:cSld>
@@ -13609,306 +13604,6 @@
       </p:grpSpPr>
       <p:sp>
         <p:nvSpPr>
-          <p:cNvPr id="2" name="Titre 1"/>
-          <p:cNvSpPr>
-            <a:spLocks noGrp="1"/>
-          </p:cNvSpPr>
-          <p:nvPr>
-            <p:ph type="title"/>
-          </p:nvPr>
-        </p:nvSpPr>
-        <p:spPr/>
-        <p:txBody>
-          <a:bodyPr/>
-          <a:lstStyle/>
-          <a:p>
-            <a:r>
-              <a:rPr lang="fr-FR" dirty="0"/>
-              <a:t>RESOURCES</a:t>
-            </a:r>
-          </a:p>
-        </p:txBody>
-      </p:sp>
-      <p:sp>
-        <p:nvSpPr>
-          <p:cNvPr id="3" name="Espace réservé du contenu 2"/>
-          <p:cNvSpPr>
-            <a:spLocks noGrp="1"/>
-          </p:cNvSpPr>
-          <p:nvPr>
-            <p:ph sz="half" idx="1"/>
-          </p:nvPr>
-        </p:nvSpPr>
-        <p:spPr/>
-        <p:txBody>
-          <a:bodyPr/>
-          <a:lstStyle/>
-          <a:p>
-            <a:pPr marL="201159" lvl="1" indent="0">
-              <a:buNone/>
-            </a:pPr>
-            <a:r>
-              <a:rPr lang="fr-FR" dirty="0"/>
-              <a:t>ONLINE </a:t>
-            </a:r>
-            <a:r>
-              <a:rPr lang="fr-FR" dirty="0" err="1"/>
-              <a:t>TOols</a:t>
-            </a:r>
-            <a:endParaRPr lang="fr-FR" dirty="0"/>
-          </a:p>
-          <a:p>
-            <a:pPr lvl="1"/>
-            <a:r>
-              <a:rPr lang="en-US" dirty="0" smtClean="0"/>
-              <a:t>GitHub</a:t>
-            </a:r>
-            <a:endParaRPr lang="fr-FR" dirty="0"/>
-          </a:p>
-          <a:p>
-            <a:pPr lvl="1"/>
-            <a:r>
-              <a:rPr lang="en-US" dirty="0" err="1"/>
-              <a:t>Teambition</a:t>
-            </a:r>
-            <a:endParaRPr lang="fr-FR" dirty="0"/>
-          </a:p>
-          <a:p>
-            <a:endParaRPr lang="fr-FR" dirty="0"/>
-          </a:p>
-        </p:txBody>
-      </p:sp>
-      <p:sp>
-        <p:nvSpPr>
-          <p:cNvPr id="4" name="Espace réservé du contenu 3"/>
-          <p:cNvSpPr>
-            <a:spLocks noGrp="1"/>
-          </p:cNvSpPr>
-          <p:nvPr>
-            <p:ph sz="half" idx="2"/>
-          </p:nvPr>
-        </p:nvSpPr>
-        <p:spPr/>
-        <p:txBody>
-          <a:bodyPr/>
-          <a:lstStyle/>
-          <a:p>
-            <a:pPr marL="201159" lvl="1" indent="0">
-              <a:buNone/>
-            </a:pPr>
-            <a:r>
-              <a:rPr lang="fr-FR" dirty="0" smtClean="0"/>
-              <a:t>SOFTWARES</a:t>
-            </a:r>
-            <a:endParaRPr lang="en-US" dirty="0" smtClean="0"/>
-          </a:p>
-          <a:p>
-            <a:pPr lvl="1"/>
-            <a:r>
-              <a:rPr lang="en-US" dirty="0" smtClean="0"/>
-              <a:t>MS </a:t>
-            </a:r>
-            <a:r>
-              <a:rPr lang="en-US" dirty="0"/>
-              <a:t>Office</a:t>
-            </a:r>
-            <a:endParaRPr lang="fr-FR" dirty="0"/>
-          </a:p>
-          <a:p>
-            <a:pPr lvl="1"/>
-            <a:r>
-              <a:rPr lang="en-US" dirty="0"/>
-              <a:t>Atom</a:t>
-            </a:r>
-            <a:endParaRPr lang="fr-FR" dirty="0"/>
-          </a:p>
-          <a:p>
-            <a:pPr lvl="1"/>
-            <a:r>
-              <a:rPr lang="en-US" dirty="0" err="1"/>
-              <a:t>Citavi</a:t>
-            </a:r>
-            <a:endParaRPr lang="fr-FR" dirty="0"/>
-          </a:p>
-          <a:p>
-            <a:endParaRPr lang="fr-FR" dirty="0"/>
-          </a:p>
-        </p:txBody>
-      </p:sp>
-      <p:sp>
-        <p:nvSpPr>
-          <p:cNvPr id="5" name="Espace réservé du pied de page 4"/>
-          <p:cNvSpPr>
-            <a:spLocks noGrp="1"/>
-          </p:cNvSpPr>
-          <p:nvPr>
-            <p:ph type="ftr" sz="quarter" idx="11"/>
-          </p:nvPr>
-        </p:nvSpPr>
-        <p:spPr/>
-        <p:txBody>
-          <a:bodyPr/>
-          <a:lstStyle/>
-          <a:p>
-            <a:r>
-              <a:rPr lang="fr-FR" smtClean="0"/>
-              <a:t>Bambu - 17.06.2015</a:t>
-            </a:r>
-            <a:endParaRPr lang="fr-FR" dirty="0"/>
-          </a:p>
-        </p:txBody>
-      </p:sp>
-      <p:sp>
-        <p:nvSpPr>
-          <p:cNvPr id="6" name="Espace réservé du numéro de diapositive 5"/>
-          <p:cNvSpPr>
-            <a:spLocks noGrp="1"/>
-          </p:cNvSpPr>
-          <p:nvPr>
-            <p:ph type="sldNum" sz="quarter" idx="12"/>
-          </p:nvPr>
-        </p:nvSpPr>
-        <p:spPr/>
-        <p:txBody>
-          <a:bodyPr/>
-          <a:lstStyle/>
-          <a:p>
-            <a:fld id="{D376626B-8044-4126-A03C-8C0AE257EC41}" type="slidenum">
-              <a:rPr lang="fr-FR" smtClean="0"/>
-              <a:t>6</a:t>
-            </a:fld>
-            <a:endParaRPr lang="fr-FR"/>
-          </a:p>
-        </p:txBody>
-      </p:sp>
-      <p:pic>
-        <p:nvPicPr>
-          <p:cNvPr id="7" name="Picture 6"/>
-          <p:cNvPicPr>
-            <a:picLocks noChangeAspect="1"/>
-          </p:cNvPicPr>
-          <p:nvPr/>
-        </p:nvPicPr>
-        <p:blipFill>
-          <a:blip r:embed="rId2"/>
-          <a:stretch>
-            <a:fillRect/>
-          </a:stretch>
-        </p:blipFill>
-        <p:spPr>
-          <a:xfrm>
-            <a:off x="380172" y="2954486"/>
-            <a:ext cx="4212472" cy="2190222"/>
-          </a:xfrm>
-          <a:prstGeom prst="rect">
-            <a:avLst/>
-          </a:prstGeom>
-        </p:spPr>
-      </p:pic>
-      <p:pic>
-        <p:nvPicPr>
-          <p:cNvPr id="8" name="Picture 7"/>
-          <p:cNvPicPr>
-            <a:picLocks noChangeAspect="1"/>
-          </p:cNvPicPr>
-          <p:nvPr/>
-        </p:nvPicPr>
-        <p:blipFill>
-          <a:blip r:embed="rId3"/>
-          <a:stretch>
-            <a:fillRect/>
-          </a:stretch>
-        </p:blipFill>
-        <p:spPr>
-          <a:xfrm>
-            <a:off x="4720317" y="3604904"/>
-            <a:ext cx="4107539" cy="2440758"/>
-          </a:xfrm>
-          <a:prstGeom prst="rect">
-            <a:avLst/>
-          </a:prstGeom>
-        </p:spPr>
-      </p:pic>
-      <p:pic>
-        <p:nvPicPr>
-          <p:cNvPr id="9" name="Picture 8"/>
-          <p:cNvPicPr>
-            <a:picLocks noChangeAspect="1"/>
-          </p:cNvPicPr>
-          <p:nvPr/>
-        </p:nvPicPr>
-        <p:blipFill>
-          <a:blip r:embed="rId4"/>
-          <a:stretch>
-            <a:fillRect/>
-          </a:stretch>
-        </p:blipFill>
-        <p:spPr>
-          <a:xfrm>
-            <a:off x="7532642" y="2295681"/>
-            <a:ext cx="3814513" cy="2266638"/>
-          </a:xfrm>
-          <a:prstGeom prst="rect">
-            <a:avLst/>
-          </a:prstGeom>
-        </p:spPr>
-      </p:pic>
-      <p:pic>
-        <p:nvPicPr>
-          <p:cNvPr id="10" name="Picture 9"/>
-          <p:cNvPicPr>
-            <a:picLocks noChangeAspect="1"/>
-          </p:cNvPicPr>
-          <p:nvPr/>
-        </p:nvPicPr>
-        <p:blipFill>
-          <a:blip r:embed="rId5"/>
-          <a:stretch>
-            <a:fillRect/>
-          </a:stretch>
-        </p:blipFill>
-        <p:spPr>
-          <a:xfrm>
-            <a:off x="359468" y="4176065"/>
-            <a:ext cx="3495365" cy="1811905"/>
-          </a:xfrm>
-          <a:prstGeom prst="rect">
-            <a:avLst/>
-          </a:prstGeom>
-        </p:spPr>
-      </p:pic>
-    </p:spTree>
-    <p:extLst>
-      <p:ext uri="{BB962C8B-B14F-4D97-AF65-F5344CB8AC3E}">
-        <p14:creationId xmlns:p14="http://schemas.microsoft.com/office/powerpoint/2010/main" val="3119211585"/>
-      </p:ext>
-    </p:extLst>
-  </p:cSld>
-  <p:clrMapOvr>
-    <a:masterClrMapping/>
-  </p:clrMapOvr>
-</p:sld>
-</file>
-
-<file path=ppt/slides/slide7.xml><?xml version="1.0" encoding="utf-8"?>
-<p:sld xmlns:a="http://schemas.openxmlformats.org/drawingml/2006/main" xmlns:r="http://schemas.openxmlformats.org/officeDocument/2006/relationships" xmlns:p="http://schemas.openxmlformats.org/presentationml/2006/main">
-  <p:cSld>
-    <p:spTree>
-      <p:nvGrpSpPr>
-        <p:cNvPr id="1" name=""/>
-        <p:cNvGrpSpPr/>
-        <p:nvPr/>
-      </p:nvGrpSpPr>
-      <p:grpSpPr>
-        <a:xfrm>
-          <a:off x="0" y="0"/>
-          <a:ext cx="0" cy="0"/>
-          <a:chOff x="0" y="0"/>
-          <a:chExt cx="0" cy="0"/>
-        </a:xfrm>
-      </p:grpSpPr>
-      <p:sp>
-        <p:nvSpPr>
           <p:cNvPr id="2" name="Title 1"/>
           <p:cNvSpPr>
             <a:spLocks noGrp="1"/>
@@ -13927,28 +13622,6 @@
               <a:t>Website</a:t>
             </a:r>
             <a:endParaRPr lang="en-US" dirty="0"/>
-          </a:p>
-        </p:txBody>
-      </p:sp>
-      <p:sp>
-        <p:nvSpPr>
-          <p:cNvPr id="3" name="Content Placeholder 2"/>
-          <p:cNvSpPr>
-            <a:spLocks noGrp="1"/>
-          </p:cNvSpPr>
-          <p:nvPr>
-            <p:ph idx="1"/>
-          </p:nvPr>
-        </p:nvSpPr>
-        <p:spPr/>
-        <p:txBody>
-          <a:bodyPr/>
-          <a:lstStyle/>
-          <a:p>
-            <a:r>
-              <a:rPr lang="en-US" dirty="0"/>
-              <a:t>http://bambugms.github.io/Industry-Analysis-Report/</a:t>
-            </a:r>
           </a:p>
         </p:txBody>
       </p:sp>
@@ -13990,32 +13663,33 @@
           <a:bodyPr/>
           <a:lstStyle/>
           <a:p>
-            <a:fld id="{D376626B-8044-4126-A03C-8C0AE257EC41}" type="slidenum">
-              <a:rPr lang="fr-FR" smtClean="0"/>
-              <a:t>7</a:t>
-            </a:fld>
-            <a:endParaRPr lang="fr-FR"/>
+            <a:r>
+              <a:rPr lang="fr-FR" dirty="0"/>
+              <a:t>5</a:t>
+            </a:r>
+            <a:endParaRPr lang="fr-FR" dirty="0"/>
           </a:p>
         </p:txBody>
       </p:sp>
       <p:pic>
         <p:nvPicPr>
-          <p:cNvPr id="6" name="Picture 5"/>
+          <p:cNvPr id="6" name="Picture 5">
+            <a:hlinkClick r:id="rId3"/>
+          </p:cNvPr>
           <p:cNvPicPr>
             <a:picLocks noChangeAspect="1"/>
           </p:cNvPicPr>
           <p:nvPr/>
         </p:nvPicPr>
-        <p:blipFill>
-          <a:blip r:embed="rId2"/>
-          <a:stretch>
-            <a:fillRect/>
-          </a:stretch>
+        <p:blipFill rotWithShape="1">
+          <a:blip r:embed="rId4"/>
+          <a:srcRect t="369"/>
+          <a:stretch/>
         </p:blipFill>
         <p:spPr>
           <a:xfrm>
-            <a:off x="2830286" y="2359859"/>
-            <a:ext cx="7339466" cy="3804586"/>
+            <a:off x="2220228" y="1860550"/>
+            <a:ext cx="7761505" cy="4008544"/>
           </a:xfrm>
           <a:prstGeom prst="rect">
             <a:avLst/>
@@ -14032,10 +13706,17 @@
   <p:clrMapOvr>
     <a:masterClrMapping/>
   </p:clrMapOvr>
+  <p:timing>
+    <p:tnLst>
+      <p:par>
+        <p:cTn id="1" dur="indefinite" restart="never" nodeType="tmRoot"/>
+      </p:par>
+    </p:tnLst>
+  </p:timing>
 </p:sld>
 </file>
 
-<file path=ppt/slides/slide8.xml><?xml version="1.0" encoding="utf-8"?>
+<file path=ppt/slides/slide7.xml><?xml version="1.0" encoding="utf-8"?>
 <p:sld xmlns:a="http://schemas.openxmlformats.org/drawingml/2006/main" xmlns:r="http://schemas.openxmlformats.org/officeDocument/2006/relationships" xmlns:p="http://schemas.openxmlformats.org/presentationml/2006/main">
   <p:cSld>
     <p:spTree>
@@ -14113,11 +13794,11 @@
           <a:bodyPr/>
           <a:lstStyle/>
           <a:p>
-            <a:fld id="{D376626B-8044-4126-A03C-8C0AE257EC41}" type="slidenum">
-              <a:rPr lang="fr-FR" smtClean="0"/>
-              <a:t>8</a:t>
-            </a:fld>
-            <a:endParaRPr lang="fr-FR"/>
+            <a:r>
+              <a:rPr lang="fr-FR" dirty="0" smtClean="0"/>
+              <a:t>6</a:t>
+            </a:r>
+            <a:endParaRPr lang="fr-FR" dirty="0"/>
           </a:p>
         </p:txBody>
       </p:sp>
@@ -14132,7 +13813,7 @@
           </p:nvPr>
         </p:nvPicPr>
         <p:blipFill>
-          <a:blip r:embed="rId2"/>
+          <a:blip r:embed="rId3"/>
           <a:stretch>
             <a:fillRect/>
           </a:stretch>
@@ -14456,7 +14137,7 @@
         </p:nvSpPr>
         <p:spPr>
           <a:xfrm>
-            <a:off x="9061015" y="1787367"/>
+            <a:off x="8508991" y="1782750"/>
             <a:ext cx="1678899" cy="998919"/>
           </a:xfrm>
           <a:prstGeom prst="accentCallout3">
@@ -14467,8 +14148,8 @@
               <a:gd name="adj4" fmla="val -16667"/>
               <a:gd name="adj5" fmla="val 100000"/>
               <a:gd name="adj6" fmla="val -16667"/>
-              <a:gd name="adj7" fmla="val 226761"/>
-              <a:gd name="adj8" fmla="val -16847"/>
+              <a:gd name="adj7" fmla="val 186612"/>
+              <a:gd name="adj8" fmla="val -56023"/>
             </a:avLst>
           </a:prstGeom>
           <a:noFill/>
@@ -14583,7 +14264,7 @@
               <a:gd name="adj5" fmla="val -48564"/>
               <a:gd name="adj6" fmla="val -16667"/>
               <a:gd name="adj7" fmla="val -146613"/>
-              <a:gd name="adj8" fmla="val 38623"/>
+              <a:gd name="adj8" fmla="val 30979"/>
             </a:avLst>
           </a:prstGeom>
           <a:noFill/>
@@ -14620,7 +14301,7 @@
                   <a:sysClr val="windowText" lastClr="000000"/>
                 </a:solidFill>
               </a:rPr>
-              <a:t>First internal </a:t>
+              <a:t>Start </a:t>
             </a:r>
             <a:r>
               <a:rPr lang="de-DE" dirty="0" err="1" smtClean="0">
@@ -14628,23 +14309,7 @@
                   <a:sysClr val="windowText" lastClr="000000"/>
                 </a:solidFill>
               </a:rPr>
-              <a:t>deadline</a:t>
-            </a:r>
-            <a:r>
-              <a:rPr lang="de-DE" dirty="0" smtClean="0">
-                <a:solidFill>
-                  <a:sysClr val="windowText" lastClr="000000"/>
-                </a:solidFill>
-              </a:rPr>
-              <a:t> „</a:t>
-            </a:r>
-            <a:r>
-              <a:rPr lang="de-DE" dirty="0" err="1" smtClean="0">
-                <a:solidFill>
-                  <a:sysClr val="windowText" lastClr="000000"/>
-                </a:solidFill>
-              </a:rPr>
-              <a:t>data</a:t>
+              <a:t>to</a:t>
             </a:r>
             <a:r>
               <a:rPr lang="de-DE" dirty="0" smtClean="0">
@@ -14660,7 +14325,66 @@
                   <a:sysClr val="windowText" lastClr="000000"/>
                 </a:solidFill>
               </a:rPr>
-              <a:t>research</a:t>
+              <a:t>layout</a:t>
+            </a:r>
+            <a:r>
+              <a:rPr lang="de-DE" dirty="0" smtClean="0">
+                <a:solidFill>
+                  <a:sysClr val="windowText" lastClr="000000"/>
+                </a:solidFill>
+              </a:rPr>
+              <a:t> </a:t>
+            </a:r>
+            <a:r>
+              <a:rPr lang="de-DE" dirty="0" err="1" smtClean="0">
+                <a:solidFill>
+                  <a:sysClr val="windowText" lastClr="000000"/>
+                </a:solidFill>
+              </a:rPr>
+              <a:t>the</a:t>
+            </a:r>
+            <a:r>
+              <a:rPr lang="de-DE" dirty="0" smtClean="0">
+                <a:solidFill>
+                  <a:sysClr val="windowText" lastClr="000000"/>
+                </a:solidFill>
+              </a:rPr>
+              <a:t> </a:t>
+            </a:r>
+            <a:r>
+              <a:rPr lang="de-DE" dirty="0" err="1" smtClean="0">
+                <a:solidFill>
+                  <a:sysClr val="windowText" lastClr="000000"/>
+                </a:solidFill>
+              </a:rPr>
+              <a:t>document</a:t>
+            </a:r>
+            <a:r>
+              <a:rPr lang="de-DE" dirty="0" smtClean="0">
+                <a:solidFill>
+                  <a:sysClr val="windowText" lastClr="000000"/>
+                </a:solidFill>
+              </a:rPr>
+              <a:t>,</a:t>
+            </a:r>
+          </a:p>
+          <a:p>
+            <a:pPr algn="ctr"/>
+            <a:r>
+              <a:rPr lang="de-DE" dirty="0" smtClean="0">
+                <a:solidFill>
+                  <a:sysClr val="windowText" lastClr="000000"/>
+                </a:solidFill>
+              </a:rPr>
+              <a:t>Data </a:t>
+            </a:r>
+            <a:r>
+              <a:rPr lang="de-DE" dirty="0" err="1" smtClean="0">
+                <a:solidFill>
+                  <a:sysClr val="windowText" lastClr="000000"/>
+                </a:solidFill>
+              </a:rPr>
+              <a:t>collection</a:t>
             </a:r>
             <a:endParaRPr lang="en-US" dirty="0">
               <a:solidFill>
@@ -14788,8 +14512,8 @@
               <a:gd name="adj4" fmla="val -16667"/>
               <a:gd name="adj5" fmla="val -48564"/>
               <a:gd name="adj6" fmla="val -16667"/>
-              <a:gd name="adj7" fmla="val -91399"/>
-              <a:gd name="adj8" fmla="val -22977"/>
+              <a:gd name="adj7" fmla="val -75340"/>
+              <a:gd name="adj8" fmla="val -43367"/>
             </a:avLst>
           </a:prstGeom>
           <a:noFill/>
@@ -14821,20 +14545,12 @@
           <a:p>
             <a:pPr algn="ctr"/>
             <a:r>
-              <a:rPr lang="de-DE" dirty="0" smtClean="0">
-                <a:solidFill>
-                  <a:sysClr val="windowText" lastClr="000000"/>
-                </a:solidFill>
-              </a:rPr>
-              <a:t>Final internal </a:t>
-            </a:r>
-            <a:r>
               <a:rPr lang="de-DE" dirty="0" err="1" smtClean="0">
                 <a:solidFill>
                   <a:sysClr val="windowText" lastClr="000000"/>
                 </a:solidFill>
               </a:rPr>
-              <a:t>deadline</a:t>
+              <a:t>Finished</a:t>
             </a:r>
             <a:r>
               <a:rPr lang="de-DE" dirty="0" smtClean="0">
@@ -14850,7 +14566,134 @@
                   <a:sysClr val="windowText" lastClr="000000"/>
                 </a:solidFill>
               </a:rPr>
-              <a:t>for</a:t>
+              <a:t>report</a:t>
+            </a:r>
+            <a:endParaRPr lang="de-DE" dirty="0" smtClean="0">
+              <a:solidFill>
+                <a:sysClr val="windowText" lastClr="000000"/>
+              </a:solidFill>
+            </a:endParaRPr>
+          </a:p>
+        </p:txBody>
+      </p:sp>
+      <p:sp>
+        <p:nvSpPr>
+          <p:cNvPr id="12" name="Pentagon 11"/>
+          <p:cNvSpPr/>
+          <p:nvPr/>
+        </p:nvSpPr>
+        <p:spPr>
+          <a:xfrm>
+            <a:off x="1096963" y="404369"/>
+            <a:ext cx="10058400" cy="750663"/>
+          </a:xfrm>
+          <a:prstGeom prst="homePlate">
+            <a:avLst/>
+          </a:prstGeom>
+        </p:spPr>
+        <p:style>
+          <a:lnRef idx="2">
+            <a:schemeClr val="accent1">
+              <a:shade val="50000"/>
+            </a:schemeClr>
+          </a:lnRef>
+          <a:fillRef idx="1">
+            <a:schemeClr val="accent1"/>
+          </a:fillRef>
+          <a:effectRef idx="0">
+            <a:schemeClr val="accent1"/>
+          </a:effectRef>
+          <a:fontRef idx="minor">
+            <a:schemeClr val="lt1"/>
+          </a:fontRef>
+        </p:style>
+        <p:txBody>
+          <a:bodyPr rtlCol="0" anchor="ctr"/>
+          <a:lstStyle/>
+          <a:p>
+            <a:pPr algn="ctr"/>
+            <a:r>
+              <a:rPr lang="de-DE" dirty="0" err="1" smtClean="0"/>
+              <a:t>Continously</a:t>
+            </a:r>
+            <a:r>
+              <a:rPr lang="de-DE" dirty="0" smtClean="0"/>
+              <a:t> </a:t>
+            </a:r>
+            <a:r>
+              <a:rPr lang="de-DE" dirty="0" err="1" smtClean="0"/>
+              <a:t>weekly</a:t>
+            </a:r>
+            <a:r>
+              <a:rPr lang="de-DE" dirty="0" smtClean="0"/>
+              <a:t> </a:t>
+            </a:r>
+            <a:r>
+              <a:rPr lang="de-DE" dirty="0" err="1" smtClean="0"/>
+              <a:t>meetings</a:t>
+            </a:r>
+            <a:endParaRPr lang="en-US" dirty="0"/>
+          </a:p>
+        </p:txBody>
+      </p:sp>
+      <p:sp>
+        <p:nvSpPr>
+          <p:cNvPr id="15" name="Line Callout 3 (Accent Bar) 14"/>
+          <p:cNvSpPr/>
+          <p:nvPr/>
+        </p:nvSpPr>
+        <p:spPr>
+          <a:xfrm flipH="1">
+            <a:off x="6746775" y="5227523"/>
+            <a:ext cx="1573541" cy="998919"/>
+          </a:xfrm>
+          <a:prstGeom prst="accentCallout3">
+            <a:avLst>
+              <a:gd name="adj1" fmla="val 18750"/>
+              <a:gd name="adj2" fmla="val -8333"/>
+              <a:gd name="adj3" fmla="val 18750"/>
+              <a:gd name="adj4" fmla="val -16667"/>
+              <a:gd name="adj5" fmla="val -48564"/>
+              <a:gd name="adj6" fmla="val -16667"/>
+              <a:gd name="adj7" fmla="val -182938"/>
+              <a:gd name="adj8" fmla="val 19842"/>
+            </a:avLst>
+          </a:prstGeom>
+          <a:noFill/>
+          <a:ln>
+            <a:solidFill>
+              <a:schemeClr val="accent2"/>
+            </a:solidFill>
+          </a:ln>
+        </p:spPr>
+        <p:style>
+          <a:lnRef idx="2">
+            <a:schemeClr val="accent1">
+              <a:shade val="50000"/>
+            </a:schemeClr>
+          </a:lnRef>
+          <a:fillRef idx="1">
+            <a:schemeClr val="accent1"/>
+          </a:fillRef>
+          <a:effectRef idx="0">
+            <a:schemeClr val="accent1"/>
+          </a:effectRef>
+          <a:fontRef idx="minor">
+            <a:schemeClr val="lt1"/>
+          </a:fontRef>
+        </p:style>
+        <p:txBody>
+          <a:bodyPr rtlCol="0" anchor="ctr"/>
+          <a:lstStyle/>
+          <a:p>
+            <a:pPr algn="ctr"/>
+            <a:r>
+              <a:rPr lang="de-DE" dirty="0" err="1" smtClean="0">
+                <a:solidFill>
+                  <a:sysClr val="windowText" lastClr="000000"/>
+                </a:solidFill>
+              </a:rPr>
+              <a:t>Started</a:t>
             </a:r>
             <a:r>
               <a:rPr lang="de-DE" dirty="0" smtClean="0">
@@ -14866,7 +14709,7 @@
                   <a:sysClr val="windowText" lastClr="000000"/>
                 </a:solidFill>
               </a:rPr>
-              <a:t>finishing</a:t>
+              <a:t>review</a:t>
             </a:r>
             <a:r>
               <a:rPr lang="de-DE" dirty="0" smtClean="0">
@@ -14882,7 +14725,7 @@
                   <a:sysClr val="windowText" lastClr="000000"/>
                 </a:solidFill>
               </a:rPr>
-              <a:t>the</a:t>
+              <a:t>of</a:t>
             </a:r>
             <a:r>
               <a:rPr lang="de-DE" dirty="0" smtClean="0">
@@ -14898,9 +14741,132 @@
                   <a:sysClr val="windowText" lastClr="000000"/>
                 </a:solidFill>
               </a:rPr>
-              <a:t>report</a:t>
+              <a:t>first</a:t>
+            </a:r>
+            <a:r>
+              <a:rPr lang="de-DE" dirty="0" smtClean="0">
+                <a:solidFill>
+                  <a:sysClr val="windowText" lastClr="000000"/>
+                </a:solidFill>
+              </a:rPr>
+              <a:t> </a:t>
+            </a:r>
+            <a:r>
+              <a:rPr lang="de-DE" dirty="0" err="1" smtClean="0">
+                <a:solidFill>
+                  <a:sysClr val="windowText" lastClr="000000"/>
+                </a:solidFill>
+              </a:rPr>
+              <a:t>drafts</a:t>
             </a:r>
             <a:endParaRPr lang="de-DE" dirty="0" smtClean="0">
+              <a:solidFill>
+                <a:sysClr val="windowText" lastClr="000000"/>
+              </a:solidFill>
+            </a:endParaRPr>
+          </a:p>
+        </p:txBody>
+      </p:sp>
+      <p:sp>
+        <p:nvSpPr>
+          <p:cNvPr id="16" name="Line Callout 3 (Accent Bar) 15"/>
+          <p:cNvSpPr/>
+          <p:nvPr/>
+        </p:nvSpPr>
+        <p:spPr>
+          <a:xfrm>
+            <a:off x="10286628" y="1771985"/>
+            <a:ext cx="1678899" cy="998919"/>
+          </a:xfrm>
+          <a:prstGeom prst="accentCallout3">
+            <a:avLst>
+              <a:gd name="adj1" fmla="val 18750"/>
+              <a:gd name="adj2" fmla="val -8333"/>
+              <a:gd name="adj3" fmla="val 18750"/>
+              <a:gd name="adj4" fmla="val -16667"/>
+              <a:gd name="adj5" fmla="val 100000"/>
+              <a:gd name="adj6" fmla="val -16667"/>
+              <a:gd name="adj7" fmla="val 241214"/>
+              <a:gd name="adj8" fmla="val -29269"/>
+            </a:avLst>
+          </a:prstGeom>
+          <a:noFill/>
+          <a:ln>
+            <a:solidFill>
+              <a:schemeClr val="accent2"/>
+            </a:solidFill>
+          </a:ln>
+        </p:spPr>
+        <p:style>
+          <a:lnRef idx="2">
+            <a:schemeClr val="accent1">
+              <a:shade val="50000"/>
+            </a:schemeClr>
+          </a:lnRef>
+          <a:fillRef idx="1">
+            <a:schemeClr val="accent1"/>
+          </a:fillRef>
+          <a:effectRef idx="0">
+            <a:schemeClr val="accent1"/>
+          </a:effectRef>
+          <a:fontRef idx="minor">
+            <a:schemeClr val="lt1"/>
+          </a:fontRef>
+        </p:style>
+        <p:txBody>
+          <a:bodyPr rtlCol="0" anchor="ctr"/>
+          <a:lstStyle/>
+          <a:p>
+            <a:pPr algn="ctr"/>
+            <a:r>
+              <a:rPr lang="de-DE" dirty="0" smtClean="0">
+                <a:solidFill>
+                  <a:sysClr val="windowText" lastClr="000000"/>
+                </a:solidFill>
+              </a:rPr>
+              <a:t>Start </a:t>
+            </a:r>
+            <a:r>
+              <a:rPr lang="de-DE" dirty="0" err="1" smtClean="0">
+                <a:solidFill>
+                  <a:sysClr val="windowText" lastClr="000000"/>
+                </a:solidFill>
+              </a:rPr>
+              <a:t>to</a:t>
+            </a:r>
+            <a:r>
+              <a:rPr lang="de-DE" dirty="0" smtClean="0">
+                <a:solidFill>
+                  <a:sysClr val="windowText" lastClr="000000"/>
+                </a:solidFill>
+              </a:rPr>
+              <a:t> </a:t>
+            </a:r>
+            <a:r>
+              <a:rPr lang="de-DE" dirty="0" err="1" smtClean="0">
+                <a:solidFill>
+                  <a:sysClr val="windowText" lastClr="000000"/>
+                </a:solidFill>
+              </a:rPr>
+              <a:t>create</a:t>
+            </a:r>
+            <a:r>
+              <a:rPr lang="de-DE" dirty="0" smtClean="0">
+                <a:solidFill>
+                  <a:sysClr val="windowText" lastClr="000000"/>
+                </a:solidFill>
+              </a:rPr>
+              <a:t> </a:t>
+            </a:r>
+            <a:r>
+              <a:rPr lang="de-DE" dirty="0" err="1" smtClean="0">
+                <a:solidFill>
+                  <a:sysClr val="windowText" lastClr="000000"/>
+                </a:solidFill>
+              </a:rPr>
+              <a:t>webpage</a:t>
+            </a:r>
+            <a:endParaRPr lang="en-US" dirty="0">
               <a:solidFill>
                 <a:sysClr val="windowText" lastClr="000000"/>
               </a:solidFill>
@@ -14918,10 +14884,17 @@
   <p:clrMapOvr>
     <a:masterClrMapping/>
   </p:clrMapOvr>
+  <p:timing>
+    <p:tnLst>
+      <p:par>
+        <p:cTn id="1" dur="indefinite" restart="never" nodeType="tmRoot"/>
+      </p:par>
+    </p:tnLst>
+  </p:timing>
 </p:sld>
 </file>
 
-<file path=ppt/slides/slide9.xml><?xml version="1.0" encoding="utf-8"?>
+<file path=ppt/slides/slide8.xml><?xml version="1.0" encoding="utf-8"?>
 <p:sld xmlns:a="http://schemas.openxmlformats.org/drawingml/2006/main" xmlns:r="http://schemas.openxmlformats.org/officeDocument/2006/relationships" xmlns:p="http://schemas.openxmlformats.org/presentationml/2006/main">
   <p:cSld>
     <p:spTree>
@@ -15060,11 +15033,10 @@
           <a:bodyPr/>
           <a:lstStyle/>
           <a:p>
-            <a:fld id="{D376626B-8044-4126-A03C-8C0AE257EC41}" type="slidenum">
-              <a:rPr lang="fr-FR" smtClean="0"/>
-              <a:pPr/>
-              <a:t>9</a:t>
-            </a:fld>
+            <a:r>
+              <a:rPr lang="fr-FR" dirty="0" smtClean="0"/>
+              <a:t>7</a:t>
+            </a:r>
             <a:endParaRPr lang="fr-FR" dirty="0"/>
           </a:p>
         </p:txBody>
